--- a/企画書.pptx
+++ b/企画書.pptx
@@ -107,6 +107,11 @@
       </a:defRPr>
     </a:lvl9pPr>
   </p:defaultTextStyle>
+  <p:extLst>
+    <p:ext uri="{EFAFB233-063F-42B5-8137-9DF3F51BA10A}">
+      <p15:sldGuideLst xmlns:p15="http://schemas.microsoft.com/office/powerpoint/2012/main"/>
+    </p:ext>
+  </p:extLst>
 </p:presentation>
 </file>
 
@@ -301,7 +306,7 @@
           <a:p>
             <a:fld id="{FA3992D2-0107-4EEA-8C14-7D0839A79863}" type="datetimeFigureOut">
               <a:rPr kumimoji="1" lang="ja-JP" altLang="en-US" smtClean="0"/>
-              <a:t>2020/9/28</a:t>
+              <a:t>2020/9/29</a:t>
             </a:fld>
             <a:endParaRPr kumimoji="1" lang="ja-JP" altLang="en-US"/>
           </a:p>
@@ -737,7 +742,7 @@
           <a:p>
             <a:fld id="{FA3992D2-0107-4EEA-8C14-7D0839A79863}" type="datetimeFigureOut">
               <a:rPr kumimoji="1" lang="ja-JP" altLang="en-US" smtClean="0"/>
-              <a:t>2020/9/28</a:t>
+              <a:t>2020/9/29</a:t>
             </a:fld>
             <a:endParaRPr kumimoji="1" lang="ja-JP" altLang="en-US"/>
           </a:p>
@@ -987,7 +992,7 @@
           <a:p>
             <a:fld id="{FA3992D2-0107-4EEA-8C14-7D0839A79863}" type="datetimeFigureOut">
               <a:rPr kumimoji="1" lang="ja-JP" altLang="en-US" smtClean="0"/>
-              <a:t>2020/9/28</a:t>
+              <a:t>2020/9/29</a:t>
             </a:fld>
             <a:endParaRPr kumimoji="1" lang="ja-JP" altLang="en-US"/>
           </a:p>
@@ -1295,7 +1300,7 @@
           <a:p>
             <a:fld id="{FA3992D2-0107-4EEA-8C14-7D0839A79863}" type="datetimeFigureOut">
               <a:rPr kumimoji="1" lang="ja-JP" altLang="en-US" smtClean="0"/>
-              <a:t>2020/9/28</a:t>
+              <a:t>2020/9/29</a:t>
             </a:fld>
             <a:endParaRPr kumimoji="1" lang="ja-JP" altLang="en-US"/>
           </a:p>
@@ -1613,7 +1618,7 @@
           <a:p>
             <a:fld id="{FA3992D2-0107-4EEA-8C14-7D0839A79863}" type="datetimeFigureOut">
               <a:rPr kumimoji="1" lang="ja-JP" altLang="en-US" smtClean="0"/>
-              <a:t>2020/9/28</a:t>
+              <a:t>2020/9/29</a:t>
             </a:fld>
             <a:endParaRPr kumimoji="1" lang="ja-JP" altLang="en-US"/>
           </a:p>
@@ -1915,7 +1920,7 @@
           <a:p>
             <a:fld id="{FA3992D2-0107-4EEA-8C14-7D0839A79863}" type="datetimeFigureOut">
               <a:rPr kumimoji="1" lang="ja-JP" altLang="en-US" smtClean="0"/>
-              <a:t>2020/9/28</a:t>
+              <a:t>2020/9/29</a:t>
             </a:fld>
             <a:endParaRPr kumimoji="1" lang="ja-JP" altLang="en-US"/>
           </a:p>
@@ -2282,7 +2287,7 @@
           <a:p>
             <a:fld id="{FA3992D2-0107-4EEA-8C14-7D0839A79863}" type="datetimeFigureOut">
               <a:rPr kumimoji="1" lang="ja-JP" altLang="en-US" smtClean="0"/>
-              <a:t>2020/9/28</a:t>
+              <a:t>2020/9/29</a:t>
             </a:fld>
             <a:endParaRPr kumimoji="1" lang="ja-JP" altLang="en-US"/>
           </a:p>
@@ -2488,7 +2493,7 @@
           <a:p>
             <a:fld id="{FA3992D2-0107-4EEA-8C14-7D0839A79863}" type="datetimeFigureOut">
               <a:rPr kumimoji="1" lang="ja-JP" altLang="en-US" smtClean="0"/>
-              <a:t>2020/9/28</a:t>
+              <a:t>2020/9/29</a:t>
             </a:fld>
             <a:endParaRPr kumimoji="1" lang="ja-JP" altLang="en-US"/>
           </a:p>
@@ -2700,7 +2705,7 @@
           <a:p>
             <a:fld id="{FA3992D2-0107-4EEA-8C14-7D0839A79863}" type="datetimeFigureOut">
               <a:rPr kumimoji="1" lang="ja-JP" altLang="en-US" smtClean="0"/>
-              <a:t>2020/9/28</a:t>
+              <a:t>2020/9/29</a:t>
             </a:fld>
             <a:endParaRPr kumimoji="1" lang="ja-JP" altLang="en-US"/>
           </a:p>
@@ -2902,7 +2907,7 @@
           <a:p>
             <a:fld id="{FA3992D2-0107-4EEA-8C14-7D0839A79863}" type="datetimeFigureOut">
               <a:rPr kumimoji="1" lang="ja-JP" altLang="en-US" smtClean="0"/>
-              <a:t>2020/9/28</a:t>
+              <a:t>2020/9/29</a:t>
             </a:fld>
             <a:endParaRPr kumimoji="1" lang="ja-JP" altLang="en-US"/>
           </a:p>
@@ -3152,7 +3157,7 @@
           <a:p>
             <a:fld id="{FA3992D2-0107-4EEA-8C14-7D0839A79863}" type="datetimeFigureOut">
               <a:rPr kumimoji="1" lang="ja-JP" altLang="en-US" smtClean="0"/>
-              <a:t>2020/9/28</a:t>
+              <a:t>2020/9/29</a:t>
             </a:fld>
             <a:endParaRPr kumimoji="1" lang="ja-JP" altLang="en-US"/>
           </a:p>
@@ -3452,7 +3457,7 @@
           <a:p>
             <a:fld id="{FA3992D2-0107-4EEA-8C14-7D0839A79863}" type="datetimeFigureOut">
               <a:rPr kumimoji="1" lang="ja-JP" altLang="en-US" smtClean="0"/>
-              <a:t>2020/9/28</a:t>
+              <a:t>2020/9/29</a:t>
             </a:fld>
             <a:endParaRPr kumimoji="1" lang="ja-JP" altLang="en-US"/>
           </a:p>
@@ -3898,7 +3903,7 @@
           <a:p>
             <a:fld id="{FA3992D2-0107-4EEA-8C14-7D0839A79863}" type="datetimeFigureOut">
               <a:rPr kumimoji="1" lang="ja-JP" altLang="en-US" smtClean="0"/>
-              <a:t>2020/9/28</a:t>
+              <a:t>2020/9/29</a:t>
             </a:fld>
             <a:endParaRPr kumimoji="1" lang="ja-JP" altLang="en-US"/>
           </a:p>
@@ -4016,7 +4021,7 @@
           <a:p>
             <a:fld id="{FA3992D2-0107-4EEA-8C14-7D0839A79863}" type="datetimeFigureOut">
               <a:rPr kumimoji="1" lang="ja-JP" altLang="en-US" smtClean="0"/>
-              <a:t>2020/9/28</a:t>
+              <a:t>2020/9/29</a:t>
             </a:fld>
             <a:endParaRPr kumimoji="1" lang="ja-JP" altLang="en-US"/>
           </a:p>
@@ -4111,7 +4116,7 @@
           <a:p>
             <a:fld id="{FA3992D2-0107-4EEA-8C14-7D0839A79863}" type="datetimeFigureOut">
               <a:rPr kumimoji="1" lang="ja-JP" altLang="en-US" smtClean="0"/>
-              <a:t>2020/9/28</a:t>
+              <a:t>2020/9/29</a:t>
             </a:fld>
             <a:endParaRPr kumimoji="1" lang="ja-JP" altLang="en-US"/>
           </a:p>
@@ -4398,7 +4403,7 @@
           <a:p>
             <a:fld id="{FA3992D2-0107-4EEA-8C14-7D0839A79863}" type="datetimeFigureOut">
               <a:rPr kumimoji="1" lang="ja-JP" altLang="en-US" smtClean="0"/>
-              <a:t>2020/9/28</a:t>
+              <a:t>2020/9/29</a:t>
             </a:fld>
             <a:endParaRPr kumimoji="1" lang="ja-JP" altLang="en-US"/>
           </a:p>
@@ -4681,7 +4686,7 @@
           <a:p>
             <a:fld id="{FA3992D2-0107-4EEA-8C14-7D0839A79863}" type="datetimeFigureOut">
               <a:rPr kumimoji="1" lang="ja-JP" altLang="en-US" smtClean="0"/>
-              <a:t>2020/9/28</a:t>
+              <a:t>2020/9/29</a:t>
             </a:fld>
             <a:endParaRPr kumimoji="1" lang="ja-JP" altLang="en-US"/>
           </a:p>
@@ -5119,7 +5124,7 @@
           <a:p>
             <a:fld id="{FA3992D2-0107-4EEA-8C14-7D0839A79863}" type="datetimeFigureOut">
               <a:rPr kumimoji="1" lang="ja-JP" altLang="en-US" smtClean="0"/>
-              <a:t>2020/9/28</a:t>
+              <a:t>2020/9/29</a:t>
             </a:fld>
             <a:endParaRPr kumimoji="1" lang="ja-JP" altLang="en-US"/>
           </a:p>
@@ -6023,7 +6028,19 @@
           <a:p>
             <a:r>
               <a:rPr kumimoji="1" lang="ja-JP" altLang="en-US" sz="2400" dirty="0" smtClean="0"/>
-              <a:t>　パーツの組合わせを考え対戦するゲームが出発点</a:t>
+              <a:t>　パーツの組合わせを考え対戦するゲーム</a:t>
+            </a:r>
+            <a:r>
+              <a:rPr kumimoji="1" lang="ja-JP" altLang="en-US" sz="2400" dirty="0" smtClean="0"/>
+              <a:t>が</a:t>
+            </a:r>
+            <a:r>
+              <a:rPr kumimoji="1" lang="ja-JP" altLang="en-US" sz="2400" dirty="0"/>
+              <a:t>作</a:t>
+            </a:r>
+            <a:r>
+              <a:rPr kumimoji="1" lang="ja-JP" altLang="en-US" sz="2400" dirty="0" smtClean="0"/>
+              <a:t>りたい</a:t>
             </a:r>
             <a:endParaRPr kumimoji="1" lang="ja-JP" altLang="en-US" sz="2400" dirty="0"/>
           </a:p>
@@ -6053,11 +6070,15 @@
           <a:p>
             <a:r>
               <a:rPr kumimoji="1" lang="ja-JP" altLang="en-US" sz="2400" dirty="0" smtClean="0"/>
-              <a:t>・それってカスタムロボとかある</a:t>
-            </a:r>
-            <a:r>
-              <a:rPr kumimoji="1" lang="ja-JP" altLang="en-US" sz="2400" dirty="0" err="1" smtClean="0"/>
-              <a:t>じゃん</a:t>
+              <a:t>・それって</a:t>
+            </a:r>
+            <a:r>
+              <a:rPr kumimoji="1" lang="ja-JP" altLang="en-US" sz="2400" dirty="0" smtClean="0"/>
+              <a:t>カスタムロボ</a:t>
+            </a:r>
+            <a:r>
+              <a:rPr kumimoji="1" lang="ja-JP" altLang="en-US" sz="2400" dirty="0" smtClean="0"/>
+              <a:t>なのでは？</a:t>
             </a:r>
             <a:endParaRPr kumimoji="1" lang="en-US" altLang="ja-JP" sz="2400" dirty="0" smtClean="0"/>
           </a:p>
@@ -6341,7 +6362,7 @@
         <p:spPr>
           <a:xfrm>
             <a:off x="449317" y="4005265"/>
-            <a:ext cx="8186857" cy="461665"/>
+            <a:ext cx="7879080" cy="461665"/>
           </a:xfrm>
           <a:prstGeom prst="rect">
             <a:avLst/>
@@ -6356,7 +6377,15 @@
           <a:p>
             <a:r>
               <a:rPr kumimoji="1" lang="ja-JP" altLang="en-US" sz="2400" dirty="0" smtClean="0"/>
-              <a:t>・柄のカスタムは見た目に出にくいので追加効果をつける</a:t>
+              <a:t>・柄のカスタムは見た目に出にくいので追加</a:t>
+            </a:r>
+            <a:r>
+              <a:rPr kumimoji="1" lang="ja-JP" altLang="en-US" sz="2400" dirty="0" smtClean="0"/>
+              <a:t>効果とす</a:t>
+            </a:r>
+            <a:r>
+              <a:rPr kumimoji="1" lang="ja-JP" altLang="en-US" sz="2400" dirty="0"/>
+              <a:t>る</a:t>
             </a:r>
             <a:endParaRPr kumimoji="1" lang="en-US" altLang="ja-JP" sz="2400" dirty="0" smtClean="0"/>
           </a:p>
@@ -6371,7 +6400,7 @@
         <p:spPr>
           <a:xfrm>
             <a:off x="449317" y="4884183"/>
-            <a:ext cx="9587881" cy="830997"/>
+            <a:ext cx="8356775" cy="830997"/>
           </a:xfrm>
           <a:prstGeom prst="rect">
             <a:avLst/>
@@ -6393,7 +6422,15 @@
           <a:p>
             <a:r>
               <a:rPr kumimoji="1" lang="ja-JP" altLang="en-US" sz="2400" dirty="0" smtClean="0"/>
-              <a:t>　剣の長さ、剣の幅、柄（追加効果）の</a:t>
+              <a:t>　</a:t>
+            </a:r>
+            <a:r>
+              <a:rPr kumimoji="1" lang="ja-JP" altLang="en-US" sz="2400" dirty="0" smtClean="0"/>
+              <a:t>長さ、幅</a:t>
+            </a:r>
+            <a:r>
+              <a:rPr kumimoji="1" lang="ja-JP" altLang="en-US" sz="2400" dirty="0" smtClean="0"/>
+              <a:t>、柄（追加効果）の</a:t>
             </a:r>
             <a:r>
               <a:rPr kumimoji="1" lang="en-US" altLang="ja-JP" sz="2400" dirty="0" smtClean="0"/>
@@ -6441,6 +6478,49 @@
           <a:chExt cx="0" cy="0"/>
         </a:xfrm>
       </p:grpSpPr>
+      <p:sp>
+        <p:nvSpPr>
+          <p:cNvPr id="2" name="テキスト ボックス 1"/>
+          <p:cNvSpPr txBox="1"/>
+          <p:nvPr/>
+        </p:nvSpPr>
+        <p:spPr>
+          <a:xfrm>
+            <a:off x="304799" y="285750"/>
+            <a:ext cx="10125075" cy="707886"/>
+          </a:xfrm>
+          <a:prstGeom prst="rect">
+            <a:avLst/>
+          </a:prstGeom>
+          <a:noFill/>
+        </p:spPr>
+        <p:txBody>
+          <a:bodyPr wrap="square" rtlCol="0">
+            <a:spAutoFit/>
+          </a:bodyPr>
+          <a:lstStyle/>
+          <a:p>
+            <a:r>
+              <a:rPr kumimoji="1" lang="ja-JP" altLang="en-US" sz="4000" u="sng" dirty="0" smtClean="0">
+                <a:latin typeface="小塚ゴシック Pro B" panose="020B0800000000000000" pitchFamily="34" charset="-128"/>
+                <a:ea typeface="小塚ゴシック Pro B" panose="020B0800000000000000" pitchFamily="34" charset="-128"/>
+              </a:rPr>
+              <a:t>　</a:t>
+            </a:r>
+            <a:r>
+              <a:rPr kumimoji="1" lang="ja-JP" altLang="en-US" sz="4000" u="sng" dirty="0">
+                <a:latin typeface="小塚ゴシック Pro B" panose="020B0800000000000000" pitchFamily="34" charset="-128"/>
+                <a:ea typeface="小塚ゴシック Pro B" panose="020B0800000000000000" pitchFamily="34" charset="-128"/>
+              </a:rPr>
+              <a:t>システム</a:t>
+            </a:r>
+            <a:endParaRPr kumimoji="1" lang="en-US" altLang="ja-JP" sz="4000" u="sng" dirty="0" smtClean="0">
+              <a:latin typeface="小塚ゴシック Pro B" panose="020B0800000000000000" pitchFamily="34" charset="-128"/>
+              <a:ea typeface="小塚ゴシック Pro B" panose="020B0800000000000000" pitchFamily="34" charset="-128"/>
+            </a:endParaRPr>
+          </a:p>
+        </p:txBody>
+      </p:sp>
     </p:spTree>
     <p:extLst>
       <p:ext uri="{BB962C8B-B14F-4D97-AF65-F5344CB8AC3E}">

--- a/企画書.pptx
+++ b/企画書.pptx
@@ -9,6 +9,22 @@
     <p:sldId id="257" r:id="rId3"/>
     <p:sldId id="258" r:id="rId4"/>
     <p:sldId id="259" r:id="rId5"/>
+    <p:sldId id="260" r:id="rId6"/>
+    <p:sldId id="261" r:id="rId7"/>
+    <p:sldId id="262" r:id="rId8"/>
+    <p:sldId id="263" r:id="rId9"/>
+    <p:sldId id="264" r:id="rId10"/>
+    <p:sldId id="265" r:id="rId11"/>
+    <p:sldId id="266" r:id="rId12"/>
+    <p:sldId id="267" r:id="rId13"/>
+    <p:sldId id="268" r:id="rId14"/>
+    <p:sldId id="269" r:id="rId15"/>
+    <p:sldId id="270" r:id="rId16"/>
+    <p:sldId id="271" r:id="rId17"/>
+    <p:sldId id="272" r:id="rId18"/>
+    <p:sldId id="273" r:id="rId19"/>
+    <p:sldId id="274" r:id="rId20"/>
+    <p:sldId id="275" r:id="rId21"/>
   </p:sldIdLst>
   <p:sldSz cx="12192000" cy="6858000"/>
   <p:notesSz cx="6858000" cy="9144000"/>
@@ -306,7 +322,7 @@
           <a:p>
             <a:fld id="{FA3992D2-0107-4EEA-8C14-7D0839A79863}" type="datetimeFigureOut">
               <a:rPr kumimoji="1" lang="ja-JP" altLang="en-US" smtClean="0"/>
-              <a:t>2020/9/29</a:t>
+              <a:t>2020/9/30</a:t>
             </a:fld>
             <a:endParaRPr kumimoji="1" lang="ja-JP" altLang="en-US"/>
           </a:p>
@@ -742,7 +758,7 @@
           <a:p>
             <a:fld id="{FA3992D2-0107-4EEA-8C14-7D0839A79863}" type="datetimeFigureOut">
               <a:rPr kumimoji="1" lang="ja-JP" altLang="en-US" smtClean="0"/>
-              <a:t>2020/9/29</a:t>
+              <a:t>2020/9/30</a:t>
             </a:fld>
             <a:endParaRPr kumimoji="1" lang="ja-JP" altLang="en-US"/>
           </a:p>
@@ -992,7 +1008,7 @@
           <a:p>
             <a:fld id="{FA3992D2-0107-4EEA-8C14-7D0839A79863}" type="datetimeFigureOut">
               <a:rPr kumimoji="1" lang="ja-JP" altLang="en-US" smtClean="0"/>
-              <a:t>2020/9/29</a:t>
+              <a:t>2020/9/30</a:t>
             </a:fld>
             <a:endParaRPr kumimoji="1" lang="ja-JP" altLang="en-US"/>
           </a:p>
@@ -1300,7 +1316,7 @@
           <a:p>
             <a:fld id="{FA3992D2-0107-4EEA-8C14-7D0839A79863}" type="datetimeFigureOut">
               <a:rPr kumimoji="1" lang="ja-JP" altLang="en-US" smtClean="0"/>
-              <a:t>2020/9/29</a:t>
+              <a:t>2020/9/30</a:t>
             </a:fld>
             <a:endParaRPr kumimoji="1" lang="ja-JP" altLang="en-US"/>
           </a:p>
@@ -1618,7 +1634,7 @@
           <a:p>
             <a:fld id="{FA3992D2-0107-4EEA-8C14-7D0839A79863}" type="datetimeFigureOut">
               <a:rPr kumimoji="1" lang="ja-JP" altLang="en-US" smtClean="0"/>
-              <a:t>2020/9/29</a:t>
+              <a:t>2020/9/30</a:t>
             </a:fld>
             <a:endParaRPr kumimoji="1" lang="ja-JP" altLang="en-US"/>
           </a:p>
@@ -1920,7 +1936,7 @@
           <a:p>
             <a:fld id="{FA3992D2-0107-4EEA-8C14-7D0839A79863}" type="datetimeFigureOut">
               <a:rPr kumimoji="1" lang="ja-JP" altLang="en-US" smtClean="0"/>
-              <a:t>2020/9/29</a:t>
+              <a:t>2020/9/30</a:t>
             </a:fld>
             <a:endParaRPr kumimoji="1" lang="ja-JP" altLang="en-US"/>
           </a:p>
@@ -2287,7 +2303,7 @@
           <a:p>
             <a:fld id="{FA3992D2-0107-4EEA-8C14-7D0839A79863}" type="datetimeFigureOut">
               <a:rPr kumimoji="1" lang="ja-JP" altLang="en-US" smtClean="0"/>
-              <a:t>2020/9/29</a:t>
+              <a:t>2020/9/30</a:t>
             </a:fld>
             <a:endParaRPr kumimoji="1" lang="ja-JP" altLang="en-US"/>
           </a:p>
@@ -2493,7 +2509,7 @@
           <a:p>
             <a:fld id="{FA3992D2-0107-4EEA-8C14-7D0839A79863}" type="datetimeFigureOut">
               <a:rPr kumimoji="1" lang="ja-JP" altLang="en-US" smtClean="0"/>
-              <a:t>2020/9/29</a:t>
+              <a:t>2020/9/30</a:t>
             </a:fld>
             <a:endParaRPr kumimoji="1" lang="ja-JP" altLang="en-US"/>
           </a:p>
@@ -2705,7 +2721,7 @@
           <a:p>
             <a:fld id="{FA3992D2-0107-4EEA-8C14-7D0839A79863}" type="datetimeFigureOut">
               <a:rPr kumimoji="1" lang="ja-JP" altLang="en-US" smtClean="0"/>
-              <a:t>2020/9/29</a:t>
+              <a:t>2020/9/30</a:t>
             </a:fld>
             <a:endParaRPr kumimoji="1" lang="ja-JP" altLang="en-US"/>
           </a:p>
@@ -2907,7 +2923,7 @@
           <a:p>
             <a:fld id="{FA3992D2-0107-4EEA-8C14-7D0839A79863}" type="datetimeFigureOut">
               <a:rPr kumimoji="1" lang="ja-JP" altLang="en-US" smtClean="0"/>
-              <a:t>2020/9/29</a:t>
+              <a:t>2020/9/30</a:t>
             </a:fld>
             <a:endParaRPr kumimoji="1" lang="ja-JP" altLang="en-US"/>
           </a:p>
@@ -3157,7 +3173,7 @@
           <a:p>
             <a:fld id="{FA3992D2-0107-4EEA-8C14-7D0839A79863}" type="datetimeFigureOut">
               <a:rPr kumimoji="1" lang="ja-JP" altLang="en-US" smtClean="0"/>
-              <a:t>2020/9/29</a:t>
+              <a:t>2020/9/30</a:t>
             </a:fld>
             <a:endParaRPr kumimoji="1" lang="ja-JP" altLang="en-US"/>
           </a:p>
@@ -3457,7 +3473,7 @@
           <a:p>
             <a:fld id="{FA3992D2-0107-4EEA-8C14-7D0839A79863}" type="datetimeFigureOut">
               <a:rPr kumimoji="1" lang="ja-JP" altLang="en-US" smtClean="0"/>
-              <a:t>2020/9/29</a:t>
+              <a:t>2020/9/30</a:t>
             </a:fld>
             <a:endParaRPr kumimoji="1" lang="ja-JP" altLang="en-US"/>
           </a:p>
@@ -3903,7 +3919,7 @@
           <a:p>
             <a:fld id="{FA3992D2-0107-4EEA-8C14-7D0839A79863}" type="datetimeFigureOut">
               <a:rPr kumimoji="1" lang="ja-JP" altLang="en-US" smtClean="0"/>
-              <a:t>2020/9/29</a:t>
+              <a:t>2020/9/30</a:t>
             </a:fld>
             <a:endParaRPr kumimoji="1" lang="ja-JP" altLang="en-US"/>
           </a:p>
@@ -4021,7 +4037,7 @@
           <a:p>
             <a:fld id="{FA3992D2-0107-4EEA-8C14-7D0839A79863}" type="datetimeFigureOut">
               <a:rPr kumimoji="1" lang="ja-JP" altLang="en-US" smtClean="0"/>
-              <a:t>2020/9/29</a:t>
+              <a:t>2020/9/30</a:t>
             </a:fld>
             <a:endParaRPr kumimoji="1" lang="ja-JP" altLang="en-US"/>
           </a:p>
@@ -4116,7 +4132,7 @@
           <a:p>
             <a:fld id="{FA3992D2-0107-4EEA-8C14-7D0839A79863}" type="datetimeFigureOut">
               <a:rPr kumimoji="1" lang="ja-JP" altLang="en-US" smtClean="0"/>
-              <a:t>2020/9/29</a:t>
+              <a:t>2020/9/30</a:t>
             </a:fld>
             <a:endParaRPr kumimoji="1" lang="ja-JP" altLang="en-US"/>
           </a:p>
@@ -4403,7 +4419,7 @@
           <a:p>
             <a:fld id="{FA3992D2-0107-4EEA-8C14-7D0839A79863}" type="datetimeFigureOut">
               <a:rPr kumimoji="1" lang="ja-JP" altLang="en-US" smtClean="0"/>
-              <a:t>2020/9/29</a:t>
+              <a:t>2020/9/30</a:t>
             </a:fld>
             <a:endParaRPr kumimoji="1" lang="ja-JP" altLang="en-US"/>
           </a:p>
@@ -4686,7 +4702,7 @@
           <a:p>
             <a:fld id="{FA3992D2-0107-4EEA-8C14-7D0839A79863}" type="datetimeFigureOut">
               <a:rPr kumimoji="1" lang="ja-JP" altLang="en-US" smtClean="0"/>
-              <a:t>2020/9/29</a:t>
+              <a:t>2020/9/30</a:t>
             </a:fld>
             <a:endParaRPr kumimoji="1" lang="ja-JP" altLang="en-US"/>
           </a:p>
@@ -5124,7 +5140,7 @@
           <a:p>
             <a:fld id="{FA3992D2-0107-4EEA-8C14-7D0839A79863}" type="datetimeFigureOut">
               <a:rPr kumimoji="1" lang="ja-JP" altLang="en-US" smtClean="0"/>
-              <a:t>2020/9/29</a:t>
+              <a:t>2020/9/30</a:t>
             </a:fld>
             <a:endParaRPr kumimoji="1" lang="ja-JP" altLang="en-US"/>
           </a:p>
@@ -5900,6 +5916,306 @@
 </p:sld>
 </file>
 
+<file path=ppt/slides/slide10.xml><?xml version="1.0" encoding="utf-8"?>
+<p:sld xmlns:a="http://schemas.openxmlformats.org/drawingml/2006/main" xmlns:r="http://schemas.openxmlformats.org/officeDocument/2006/relationships" xmlns:p="http://schemas.openxmlformats.org/presentationml/2006/main">
+  <p:cSld>
+    <p:spTree>
+      <p:nvGrpSpPr>
+        <p:cNvPr id="1" name=""/>
+        <p:cNvGrpSpPr/>
+        <p:nvPr/>
+      </p:nvGrpSpPr>
+      <p:grpSpPr>
+        <a:xfrm>
+          <a:off x="0" y="0"/>
+          <a:ext cx="0" cy="0"/>
+          <a:chOff x="0" y="0"/>
+          <a:chExt cx="0" cy="0"/>
+        </a:xfrm>
+      </p:grpSpPr>
+    </p:spTree>
+    <p:extLst>
+      <p:ext uri="{BB962C8B-B14F-4D97-AF65-F5344CB8AC3E}">
+        <p14:creationId xmlns:p14="http://schemas.microsoft.com/office/powerpoint/2010/main" val="1123968223"/>
+      </p:ext>
+    </p:extLst>
+  </p:cSld>
+  <p:clrMapOvr>
+    <a:masterClrMapping/>
+  </p:clrMapOvr>
+</p:sld>
+</file>
+
+<file path=ppt/slides/slide11.xml><?xml version="1.0" encoding="utf-8"?>
+<p:sld xmlns:a="http://schemas.openxmlformats.org/drawingml/2006/main" xmlns:r="http://schemas.openxmlformats.org/officeDocument/2006/relationships" xmlns:p="http://schemas.openxmlformats.org/presentationml/2006/main">
+  <p:cSld>
+    <p:spTree>
+      <p:nvGrpSpPr>
+        <p:cNvPr id="1" name=""/>
+        <p:cNvGrpSpPr/>
+        <p:nvPr/>
+      </p:nvGrpSpPr>
+      <p:grpSpPr>
+        <a:xfrm>
+          <a:off x="0" y="0"/>
+          <a:ext cx="0" cy="0"/>
+          <a:chOff x="0" y="0"/>
+          <a:chExt cx="0" cy="0"/>
+        </a:xfrm>
+      </p:grpSpPr>
+    </p:spTree>
+    <p:extLst>
+      <p:ext uri="{BB962C8B-B14F-4D97-AF65-F5344CB8AC3E}">
+        <p14:creationId xmlns:p14="http://schemas.microsoft.com/office/powerpoint/2010/main" val="4129320057"/>
+      </p:ext>
+    </p:extLst>
+  </p:cSld>
+  <p:clrMapOvr>
+    <a:masterClrMapping/>
+  </p:clrMapOvr>
+</p:sld>
+</file>
+
+<file path=ppt/slides/slide12.xml><?xml version="1.0" encoding="utf-8"?>
+<p:sld xmlns:a="http://schemas.openxmlformats.org/drawingml/2006/main" xmlns:r="http://schemas.openxmlformats.org/officeDocument/2006/relationships" xmlns:p="http://schemas.openxmlformats.org/presentationml/2006/main">
+  <p:cSld>
+    <p:spTree>
+      <p:nvGrpSpPr>
+        <p:cNvPr id="1" name=""/>
+        <p:cNvGrpSpPr/>
+        <p:nvPr/>
+      </p:nvGrpSpPr>
+      <p:grpSpPr>
+        <a:xfrm>
+          <a:off x="0" y="0"/>
+          <a:ext cx="0" cy="0"/>
+          <a:chOff x="0" y="0"/>
+          <a:chExt cx="0" cy="0"/>
+        </a:xfrm>
+      </p:grpSpPr>
+    </p:spTree>
+    <p:extLst>
+      <p:ext uri="{BB962C8B-B14F-4D97-AF65-F5344CB8AC3E}">
+        <p14:creationId xmlns:p14="http://schemas.microsoft.com/office/powerpoint/2010/main" val="2955495822"/>
+      </p:ext>
+    </p:extLst>
+  </p:cSld>
+  <p:clrMapOvr>
+    <a:masterClrMapping/>
+  </p:clrMapOvr>
+</p:sld>
+</file>
+
+<file path=ppt/slides/slide13.xml><?xml version="1.0" encoding="utf-8"?>
+<p:sld xmlns:a="http://schemas.openxmlformats.org/drawingml/2006/main" xmlns:r="http://schemas.openxmlformats.org/officeDocument/2006/relationships" xmlns:p="http://schemas.openxmlformats.org/presentationml/2006/main">
+  <p:cSld>
+    <p:spTree>
+      <p:nvGrpSpPr>
+        <p:cNvPr id="1" name=""/>
+        <p:cNvGrpSpPr/>
+        <p:nvPr/>
+      </p:nvGrpSpPr>
+      <p:grpSpPr>
+        <a:xfrm>
+          <a:off x="0" y="0"/>
+          <a:ext cx="0" cy="0"/>
+          <a:chOff x="0" y="0"/>
+          <a:chExt cx="0" cy="0"/>
+        </a:xfrm>
+      </p:grpSpPr>
+    </p:spTree>
+    <p:extLst>
+      <p:ext uri="{BB962C8B-B14F-4D97-AF65-F5344CB8AC3E}">
+        <p14:creationId xmlns:p14="http://schemas.microsoft.com/office/powerpoint/2010/main" val="597074922"/>
+      </p:ext>
+    </p:extLst>
+  </p:cSld>
+  <p:clrMapOvr>
+    <a:masterClrMapping/>
+  </p:clrMapOvr>
+</p:sld>
+</file>
+
+<file path=ppt/slides/slide14.xml><?xml version="1.0" encoding="utf-8"?>
+<p:sld xmlns:a="http://schemas.openxmlformats.org/drawingml/2006/main" xmlns:r="http://schemas.openxmlformats.org/officeDocument/2006/relationships" xmlns:p="http://schemas.openxmlformats.org/presentationml/2006/main">
+  <p:cSld>
+    <p:spTree>
+      <p:nvGrpSpPr>
+        <p:cNvPr id="1" name=""/>
+        <p:cNvGrpSpPr/>
+        <p:nvPr/>
+      </p:nvGrpSpPr>
+      <p:grpSpPr>
+        <a:xfrm>
+          <a:off x="0" y="0"/>
+          <a:ext cx="0" cy="0"/>
+          <a:chOff x="0" y="0"/>
+          <a:chExt cx="0" cy="0"/>
+        </a:xfrm>
+      </p:grpSpPr>
+    </p:spTree>
+    <p:extLst>
+      <p:ext uri="{BB962C8B-B14F-4D97-AF65-F5344CB8AC3E}">
+        <p14:creationId xmlns:p14="http://schemas.microsoft.com/office/powerpoint/2010/main" val="3094829848"/>
+      </p:ext>
+    </p:extLst>
+  </p:cSld>
+  <p:clrMapOvr>
+    <a:masterClrMapping/>
+  </p:clrMapOvr>
+</p:sld>
+</file>
+
+<file path=ppt/slides/slide15.xml><?xml version="1.0" encoding="utf-8"?>
+<p:sld xmlns:a="http://schemas.openxmlformats.org/drawingml/2006/main" xmlns:r="http://schemas.openxmlformats.org/officeDocument/2006/relationships" xmlns:p="http://schemas.openxmlformats.org/presentationml/2006/main">
+  <p:cSld>
+    <p:spTree>
+      <p:nvGrpSpPr>
+        <p:cNvPr id="1" name=""/>
+        <p:cNvGrpSpPr/>
+        <p:nvPr/>
+      </p:nvGrpSpPr>
+      <p:grpSpPr>
+        <a:xfrm>
+          <a:off x="0" y="0"/>
+          <a:ext cx="0" cy="0"/>
+          <a:chOff x="0" y="0"/>
+          <a:chExt cx="0" cy="0"/>
+        </a:xfrm>
+      </p:grpSpPr>
+    </p:spTree>
+    <p:extLst>
+      <p:ext uri="{BB962C8B-B14F-4D97-AF65-F5344CB8AC3E}">
+        <p14:creationId xmlns:p14="http://schemas.microsoft.com/office/powerpoint/2010/main" val="3769411352"/>
+      </p:ext>
+    </p:extLst>
+  </p:cSld>
+  <p:clrMapOvr>
+    <a:masterClrMapping/>
+  </p:clrMapOvr>
+</p:sld>
+</file>
+
+<file path=ppt/slides/slide16.xml><?xml version="1.0" encoding="utf-8"?>
+<p:sld xmlns:a="http://schemas.openxmlformats.org/drawingml/2006/main" xmlns:r="http://schemas.openxmlformats.org/officeDocument/2006/relationships" xmlns:p="http://schemas.openxmlformats.org/presentationml/2006/main">
+  <p:cSld>
+    <p:spTree>
+      <p:nvGrpSpPr>
+        <p:cNvPr id="1" name=""/>
+        <p:cNvGrpSpPr/>
+        <p:nvPr/>
+      </p:nvGrpSpPr>
+      <p:grpSpPr>
+        <a:xfrm>
+          <a:off x="0" y="0"/>
+          <a:ext cx="0" cy="0"/>
+          <a:chOff x="0" y="0"/>
+          <a:chExt cx="0" cy="0"/>
+        </a:xfrm>
+      </p:grpSpPr>
+    </p:spTree>
+    <p:extLst>
+      <p:ext uri="{BB962C8B-B14F-4D97-AF65-F5344CB8AC3E}">
+        <p14:creationId xmlns:p14="http://schemas.microsoft.com/office/powerpoint/2010/main" val="1431974935"/>
+      </p:ext>
+    </p:extLst>
+  </p:cSld>
+  <p:clrMapOvr>
+    <a:masterClrMapping/>
+  </p:clrMapOvr>
+</p:sld>
+</file>
+
+<file path=ppt/slides/slide17.xml><?xml version="1.0" encoding="utf-8"?>
+<p:sld xmlns:a="http://schemas.openxmlformats.org/drawingml/2006/main" xmlns:r="http://schemas.openxmlformats.org/officeDocument/2006/relationships" xmlns:p="http://schemas.openxmlformats.org/presentationml/2006/main">
+  <p:cSld>
+    <p:spTree>
+      <p:nvGrpSpPr>
+        <p:cNvPr id="1" name=""/>
+        <p:cNvGrpSpPr/>
+        <p:nvPr/>
+      </p:nvGrpSpPr>
+      <p:grpSpPr>
+        <a:xfrm>
+          <a:off x="0" y="0"/>
+          <a:ext cx="0" cy="0"/>
+          <a:chOff x="0" y="0"/>
+          <a:chExt cx="0" cy="0"/>
+        </a:xfrm>
+      </p:grpSpPr>
+    </p:spTree>
+    <p:extLst>
+      <p:ext uri="{BB962C8B-B14F-4D97-AF65-F5344CB8AC3E}">
+        <p14:creationId xmlns:p14="http://schemas.microsoft.com/office/powerpoint/2010/main" val="898285594"/>
+      </p:ext>
+    </p:extLst>
+  </p:cSld>
+  <p:clrMapOvr>
+    <a:masterClrMapping/>
+  </p:clrMapOvr>
+</p:sld>
+</file>
+
+<file path=ppt/slides/slide18.xml><?xml version="1.0" encoding="utf-8"?>
+<p:sld xmlns:a="http://schemas.openxmlformats.org/drawingml/2006/main" xmlns:r="http://schemas.openxmlformats.org/officeDocument/2006/relationships" xmlns:p="http://schemas.openxmlformats.org/presentationml/2006/main">
+  <p:cSld>
+    <p:spTree>
+      <p:nvGrpSpPr>
+        <p:cNvPr id="1" name=""/>
+        <p:cNvGrpSpPr/>
+        <p:nvPr/>
+      </p:nvGrpSpPr>
+      <p:grpSpPr>
+        <a:xfrm>
+          <a:off x="0" y="0"/>
+          <a:ext cx="0" cy="0"/>
+          <a:chOff x="0" y="0"/>
+          <a:chExt cx="0" cy="0"/>
+        </a:xfrm>
+      </p:grpSpPr>
+    </p:spTree>
+    <p:extLst>
+      <p:ext uri="{BB962C8B-B14F-4D97-AF65-F5344CB8AC3E}">
+        <p14:creationId xmlns:p14="http://schemas.microsoft.com/office/powerpoint/2010/main" val="1160621946"/>
+      </p:ext>
+    </p:extLst>
+  </p:cSld>
+  <p:clrMapOvr>
+    <a:masterClrMapping/>
+  </p:clrMapOvr>
+</p:sld>
+</file>
+
+<file path=ppt/slides/slide19.xml><?xml version="1.0" encoding="utf-8"?>
+<p:sld xmlns:a="http://schemas.openxmlformats.org/drawingml/2006/main" xmlns:r="http://schemas.openxmlformats.org/officeDocument/2006/relationships" xmlns:p="http://schemas.openxmlformats.org/presentationml/2006/main">
+  <p:cSld>
+    <p:spTree>
+      <p:nvGrpSpPr>
+        <p:cNvPr id="1" name=""/>
+        <p:cNvGrpSpPr/>
+        <p:nvPr/>
+      </p:nvGrpSpPr>
+      <p:grpSpPr>
+        <a:xfrm>
+          <a:off x="0" y="0"/>
+          <a:ext cx="0" cy="0"/>
+          <a:chOff x="0" y="0"/>
+          <a:chExt cx="0" cy="0"/>
+        </a:xfrm>
+      </p:grpSpPr>
+    </p:spTree>
+    <p:extLst>
+      <p:ext uri="{BB962C8B-B14F-4D97-AF65-F5344CB8AC3E}">
+        <p14:creationId xmlns:p14="http://schemas.microsoft.com/office/powerpoint/2010/main" val="1387443692"/>
+      </p:ext>
+    </p:extLst>
+  </p:cSld>
+  <p:clrMapOvr>
+    <a:masterClrMapping/>
+  </p:clrMapOvr>
+</p:sld>
+</file>
+
 <file path=ppt/slides/slide2.xml><?xml version="1.0" encoding="utf-8"?>
 <p:sld xmlns:a="http://schemas.openxmlformats.org/drawingml/2006/main" xmlns:r="http://schemas.openxmlformats.org/officeDocument/2006/relationships" xmlns:p="http://schemas.openxmlformats.org/presentationml/2006/main">
   <p:cSld>
@@ -5961,7 +6277,7 @@
         </p:nvSpPr>
         <p:spPr>
           <a:xfrm>
-            <a:off x="2886074" y="1733550"/>
+            <a:off x="2648681" y="1197220"/>
             <a:ext cx="6677025" cy="646331"/>
           </a:xfrm>
           <a:prstGeom prst="rect">
@@ -6005,7 +6321,7 @@
         </p:nvSpPr>
         <p:spPr>
           <a:xfrm>
-            <a:off x="2219325" y="2831038"/>
+            <a:off x="909271" y="2377373"/>
             <a:ext cx="9972675" cy="830997"/>
           </a:xfrm>
           <a:prstGeom prst="rect">
@@ -6028,11 +6344,7 @@
           <a:p>
             <a:r>
               <a:rPr kumimoji="1" lang="ja-JP" altLang="en-US" sz="2400" dirty="0" smtClean="0"/>
-              <a:t>　パーツの組合わせを考え対戦するゲーム</a:t>
-            </a:r>
-            <a:r>
-              <a:rPr kumimoji="1" lang="ja-JP" altLang="en-US" sz="2400" dirty="0" smtClean="0"/>
-              <a:t>が</a:t>
+              <a:t>　パーツの組合わせを考え対戦するゲームが</a:t>
             </a:r>
             <a:r>
               <a:rPr kumimoji="1" lang="ja-JP" altLang="en-US" sz="2400" dirty="0"/>
@@ -6054,8 +6366,8 @@
         </p:nvSpPr>
         <p:spPr>
           <a:xfrm>
-            <a:off x="2219325" y="3801784"/>
-            <a:ext cx="9972675" cy="830997"/>
+            <a:off x="2746864" y="3785870"/>
+            <a:ext cx="7839075" cy="830997"/>
           </a:xfrm>
           <a:prstGeom prst="rect">
             <a:avLst/>
@@ -6070,22 +6382,14 @@
           <a:p>
             <a:r>
               <a:rPr kumimoji="1" lang="ja-JP" altLang="en-US" sz="2400" dirty="0" smtClean="0"/>
-              <a:t>・それって</a:t>
-            </a:r>
+              <a:t>・それってカスタムロボなのでは？</a:t>
+            </a:r>
+            <a:endParaRPr kumimoji="1" lang="en-US" altLang="ja-JP" sz="2400" dirty="0" smtClean="0"/>
+          </a:p>
+          <a:p>
             <a:r>
               <a:rPr kumimoji="1" lang="ja-JP" altLang="en-US" sz="2400" dirty="0" smtClean="0"/>
-              <a:t>カスタムロボ</a:t>
-            </a:r>
-            <a:r>
-              <a:rPr kumimoji="1" lang="ja-JP" altLang="en-US" sz="2400" dirty="0" smtClean="0"/>
-              <a:t>なのでは？</a:t>
-            </a:r>
-            <a:endParaRPr kumimoji="1" lang="en-US" altLang="ja-JP" sz="2400" dirty="0" smtClean="0"/>
-          </a:p>
-          <a:p>
-            <a:r>
-              <a:rPr kumimoji="1" lang="ja-JP" altLang="en-US" sz="2400" dirty="0" smtClean="0"/>
-              <a:t>　→剣をカスタムするってあんまり見たことないな</a:t>
+              <a:t>　→カスタムするのを剣にしてみてはどうか</a:t>
             </a:r>
             <a:endParaRPr kumimoji="1" lang="ja-JP" altLang="en-US" sz="2400" dirty="0"/>
           </a:p>
@@ -6099,7 +6403,7 @@
         </p:nvSpPr>
         <p:spPr>
           <a:xfrm>
-            <a:off x="2219325" y="4979163"/>
+            <a:off x="2157779" y="5614697"/>
             <a:ext cx="9972675" cy="461665"/>
           </a:xfrm>
           <a:prstGeom prst="rect">
@@ -6123,16 +6427,106 @@
             </a:r>
             <a:r>
               <a:rPr kumimoji="1" lang="ja-JP" altLang="en-US" sz="2400" dirty="0" smtClean="0"/>
-              <a:t>対戦アクションを作ろう</a:t>
+              <a:t>対戦アクションにしよう</a:t>
             </a:r>
             <a:endParaRPr kumimoji="1" lang="ja-JP" altLang="en-US" sz="2400" dirty="0"/>
           </a:p>
         </p:txBody>
       </p:sp>
+      <p:pic>
+        <p:nvPicPr>
+          <p:cNvPr id="2" name="図 1"/>
+          <p:cNvPicPr>
+            <a:picLocks noChangeAspect="1"/>
+          </p:cNvPicPr>
+          <p:nvPr/>
+        </p:nvPicPr>
+        <p:blipFill>
+          <a:blip r:embed="rId2" cstate="print">
+            <a:extLst>
+              <a:ext uri="{28A0092B-C50C-407E-A947-70E740481C1C}">
+                <a14:useLocalDpi xmlns:a14="http://schemas.microsoft.com/office/drawing/2010/main" val="0"/>
+              </a:ext>
+            </a:extLst>
+          </a:blip>
+          <a:stretch>
+            <a:fillRect/>
+          </a:stretch>
+        </p:blipFill>
+        <p:spPr>
+          <a:xfrm>
+            <a:off x="9098510" y="2022400"/>
+            <a:ext cx="1331364" cy="1331364"/>
+          </a:xfrm>
+          <a:prstGeom prst="rect">
+            <a:avLst/>
+          </a:prstGeom>
+        </p:spPr>
+      </p:pic>
+      <p:pic>
+        <p:nvPicPr>
+          <p:cNvPr id="8" name="図 7"/>
+          <p:cNvPicPr>
+            <a:picLocks noChangeAspect="1"/>
+          </p:cNvPicPr>
+          <p:nvPr/>
+        </p:nvPicPr>
+        <p:blipFill>
+          <a:blip r:embed="rId3">
+            <a:extLst>
+              <a:ext uri="{28A0092B-C50C-407E-A947-70E740481C1C}">
+                <a14:useLocalDpi xmlns:a14="http://schemas.microsoft.com/office/drawing/2010/main" val="0"/>
+              </a:ext>
+            </a:extLst>
+          </a:blip>
+          <a:stretch>
+            <a:fillRect/>
+          </a:stretch>
+        </p:blipFill>
+        <p:spPr>
+          <a:xfrm>
+            <a:off x="1201982" y="3322490"/>
+            <a:ext cx="1316018" cy="1772596"/>
+          </a:xfrm>
+          <a:prstGeom prst="rect">
+            <a:avLst/>
+          </a:prstGeom>
+        </p:spPr>
+      </p:pic>
     </p:spTree>
     <p:extLst>
       <p:ext uri="{BB962C8B-B14F-4D97-AF65-F5344CB8AC3E}">
         <p14:creationId xmlns:p14="http://schemas.microsoft.com/office/powerpoint/2010/main" val="1806384217"/>
+      </p:ext>
+    </p:extLst>
+  </p:cSld>
+  <p:clrMapOvr>
+    <a:masterClrMapping/>
+  </p:clrMapOvr>
+</p:sld>
+</file>
+
+<file path=ppt/slides/slide20.xml><?xml version="1.0" encoding="utf-8"?>
+<p:sld xmlns:a="http://schemas.openxmlformats.org/drawingml/2006/main" xmlns:r="http://schemas.openxmlformats.org/officeDocument/2006/relationships" xmlns:p="http://schemas.openxmlformats.org/presentationml/2006/main">
+  <p:cSld>
+    <p:spTree>
+      <p:nvGrpSpPr>
+        <p:cNvPr id="1" name=""/>
+        <p:cNvGrpSpPr/>
+        <p:nvPr/>
+      </p:nvGrpSpPr>
+      <p:grpSpPr>
+        <a:xfrm>
+          <a:off x="0" y="0"/>
+          <a:ext cx="0" cy="0"/>
+          <a:chOff x="0" y="0"/>
+          <a:chExt cx="0" cy="0"/>
+        </a:xfrm>
+      </p:grpSpPr>
+    </p:spTree>
+    <p:extLst>
+      <p:ext uri="{BB962C8B-B14F-4D97-AF65-F5344CB8AC3E}">
+        <p14:creationId xmlns:p14="http://schemas.microsoft.com/office/powerpoint/2010/main" val="222339337"/>
       </p:ext>
     </p:extLst>
   </p:cSld>
@@ -6203,7 +6597,7 @@
         </p:nvSpPr>
         <p:spPr>
           <a:xfrm>
-            <a:off x="2495550" y="1343025"/>
+            <a:off x="2495550" y="1026826"/>
             <a:ext cx="7172156" cy="646331"/>
           </a:xfrm>
           <a:prstGeom prst="rect">
@@ -6267,7 +6661,7 @@
         </p:nvSpPr>
         <p:spPr>
           <a:xfrm>
-            <a:off x="449317" y="2338745"/>
+            <a:off x="449317" y="1710395"/>
             <a:ext cx="11264622" cy="1200329"/>
           </a:xfrm>
           <a:prstGeom prst="rect">
@@ -6331,7 +6725,7 @@
         </p:nvSpPr>
         <p:spPr>
           <a:xfrm>
-            <a:off x="449317" y="3543600"/>
+            <a:off x="449317" y="2947962"/>
             <a:ext cx="11264622" cy="461665"/>
           </a:xfrm>
           <a:prstGeom prst="rect">
@@ -6361,7 +6755,7 @@
         </p:nvSpPr>
         <p:spPr>
           <a:xfrm>
-            <a:off x="449317" y="4005265"/>
+            <a:off x="449317" y="3446865"/>
             <a:ext cx="7879080" cy="461665"/>
           </a:xfrm>
           <a:prstGeom prst="rect">
@@ -6377,11 +6771,7 @@
           <a:p>
             <a:r>
               <a:rPr kumimoji="1" lang="ja-JP" altLang="en-US" sz="2400" dirty="0" smtClean="0"/>
-              <a:t>・柄のカスタムは見た目に出にくいので追加</a:t>
-            </a:r>
-            <a:r>
-              <a:rPr kumimoji="1" lang="ja-JP" altLang="en-US" sz="2400" dirty="0" smtClean="0"/>
-              <a:t>効果とす</a:t>
+              <a:t>・柄のカスタムは見た目に出にくいので追加効果とす</a:t>
             </a:r>
             <a:r>
               <a:rPr kumimoji="1" lang="ja-JP" altLang="en-US" sz="2400" dirty="0"/>
@@ -6399,8 +6789,8 @@
         </p:nvSpPr>
         <p:spPr>
           <a:xfrm>
-            <a:off x="449317" y="4884183"/>
-            <a:ext cx="8356775" cy="830997"/>
+            <a:off x="520595" y="6298797"/>
+            <a:ext cx="10203435" cy="461665"/>
           </a:xfrm>
           <a:prstGeom prst="rect">
             <a:avLst/>
@@ -6413,24 +6803,10 @@
           </a:bodyPr>
           <a:lstStyle/>
           <a:p>
+            <a:pPr algn="ctr"/>
             <a:r>
               <a:rPr kumimoji="1" lang="ja-JP" altLang="en-US" sz="2400" dirty="0" smtClean="0"/>
-              <a:t>・剣のカスタムは</a:t>
-            </a:r>
-            <a:endParaRPr kumimoji="1" lang="en-US" altLang="ja-JP" sz="2400" dirty="0" smtClean="0"/>
-          </a:p>
-          <a:p>
-            <a:r>
-              <a:rPr kumimoji="1" lang="ja-JP" altLang="en-US" sz="2400" dirty="0" smtClean="0"/>
-              <a:t>　</a:t>
-            </a:r>
-            <a:r>
-              <a:rPr kumimoji="1" lang="ja-JP" altLang="en-US" sz="2400" dirty="0" smtClean="0"/>
-              <a:t>長さ、幅</a:t>
-            </a:r>
-            <a:r>
-              <a:rPr kumimoji="1" lang="ja-JP" altLang="en-US" sz="2400" dirty="0" smtClean="0"/>
-              <a:t>、柄（追加効果）の</a:t>
+              <a:t>剣のカスタムは長さ、幅、柄（追加効果）の</a:t>
             </a:r>
             <a:r>
               <a:rPr kumimoji="1" lang="en-US" altLang="ja-JP" sz="2400" dirty="0" smtClean="0"/>
@@ -6448,6 +6824,306 @@
           </a:p>
         </p:txBody>
       </p:sp>
+      <p:grpSp>
+        <p:nvGrpSpPr>
+          <p:cNvPr id="16" name="グループ化 15"/>
+          <p:cNvGrpSpPr/>
+          <p:nvPr/>
+        </p:nvGrpSpPr>
+        <p:grpSpPr>
+          <a:xfrm>
+            <a:off x="1090589" y="4281723"/>
+            <a:ext cx="1650250" cy="1643881"/>
+            <a:chOff x="1402175" y="4314787"/>
+            <a:chExt cx="1650250" cy="1643881"/>
+          </a:xfrm>
+        </p:grpSpPr>
+        <p:pic>
+          <p:nvPicPr>
+            <p:cNvPr id="2" name="図 1"/>
+            <p:cNvPicPr>
+              <a:picLocks noChangeAspect="1"/>
+            </p:cNvPicPr>
+            <p:nvPr/>
+          </p:nvPicPr>
+          <p:blipFill>
+            <a:blip r:embed="rId2" cstate="print">
+              <a:extLst>
+                <a:ext uri="{28A0092B-C50C-407E-A947-70E740481C1C}">
+                  <a14:useLocalDpi xmlns:a14="http://schemas.microsoft.com/office/drawing/2010/main" val="0"/>
+                </a:ext>
+              </a:extLst>
+            </a:blip>
+            <a:stretch>
+              <a:fillRect/>
+            </a:stretch>
+          </p:blipFill>
+          <p:spPr>
+            <a:xfrm rot="2781929">
+              <a:off x="1408544" y="4314787"/>
+              <a:ext cx="1643881" cy="1643881"/>
+            </a:xfrm>
+            <a:prstGeom prst="rect">
+              <a:avLst/>
+            </a:prstGeom>
+          </p:spPr>
+        </p:pic>
+        <p:pic>
+          <p:nvPicPr>
+            <p:cNvPr id="5" name="図 4"/>
+            <p:cNvPicPr>
+              <a:picLocks noChangeAspect="1"/>
+            </p:cNvPicPr>
+            <p:nvPr/>
+          </p:nvPicPr>
+          <p:blipFill>
+            <a:blip r:embed="rId3" cstate="print">
+              <a:extLst>
+                <a:ext uri="{28A0092B-C50C-407E-A947-70E740481C1C}">
+                  <a14:useLocalDpi xmlns:a14="http://schemas.microsoft.com/office/drawing/2010/main" val="0"/>
+                </a:ext>
+              </a:extLst>
+            </a:blip>
+            <a:stretch>
+              <a:fillRect/>
+            </a:stretch>
+          </p:blipFill>
+          <p:spPr>
+            <a:xfrm>
+              <a:off x="1402175" y="4514262"/>
+              <a:ext cx="1441201" cy="1441201"/>
+            </a:xfrm>
+            <a:prstGeom prst="rect">
+              <a:avLst/>
+            </a:prstGeom>
+          </p:spPr>
+        </p:pic>
+      </p:grpSp>
+      <p:grpSp>
+        <p:nvGrpSpPr>
+          <p:cNvPr id="17" name="グループ化 16"/>
+          <p:cNvGrpSpPr/>
+          <p:nvPr/>
+        </p:nvGrpSpPr>
+        <p:grpSpPr>
+          <a:xfrm>
+            <a:off x="2812628" y="3116713"/>
+            <a:ext cx="3101024" cy="4065377"/>
+            <a:chOff x="2403274" y="3277963"/>
+            <a:chExt cx="3101024" cy="4065377"/>
+          </a:xfrm>
+        </p:grpSpPr>
+        <p:pic>
+          <p:nvPicPr>
+            <p:cNvPr id="12" name="図 11"/>
+            <p:cNvPicPr>
+              <a:picLocks noChangeAspect="1"/>
+            </p:cNvPicPr>
+            <p:nvPr/>
+          </p:nvPicPr>
+          <p:blipFill>
+            <a:blip r:embed="rId4">
+              <a:extLst>
+                <a:ext uri="{28A0092B-C50C-407E-A947-70E740481C1C}">
+                  <a14:useLocalDpi xmlns:a14="http://schemas.microsoft.com/office/drawing/2010/main" val="0"/>
+                </a:ext>
+              </a:extLst>
+            </a:blip>
+            <a:stretch>
+              <a:fillRect/>
+            </a:stretch>
+          </p:blipFill>
+          <p:spPr>
+            <a:xfrm rot="2781929">
+              <a:off x="1921097" y="3760140"/>
+              <a:ext cx="4065377" cy="3101024"/>
+            </a:xfrm>
+            <a:prstGeom prst="rect">
+              <a:avLst/>
+            </a:prstGeom>
+          </p:spPr>
+        </p:pic>
+        <p:pic>
+          <p:nvPicPr>
+            <p:cNvPr id="10" name="図 9"/>
+            <p:cNvPicPr>
+              <a:picLocks noChangeAspect="1"/>
+            </p:cNvPicPr>
+            <p:nvPr/>
+          </p:nvPicPr>
+          <p:blipFill>
+            <a:blip r:embed="rId3" cstate="print">
+              <a:extLst>
+                <a:ext uri="{28A0092B-C50C-407E-A947-70E740481C1C}">
+                  <a14:useLocalDpi xmlns:a14="http://schemas.microsoft.com/office/drawing/2010/main" val="0"/>
+                </a:ext>
+              </a:extLst>
+            </a:blip>
+            <a:stretch>
+              <a:fillRect/>
+            </a:stretch>
+          </p:blipFill>
+          <p:spPr>
+            <a:xfrm>
+              <a:off x="2856650" y="4857596"/>
+              <a:ext cx="1441201" cy="1441201"/>
+            </a:xfrm>
+            <a:prstGeom prst="rect">
+              <a:avLst/>
+            </a:prstGeom>
+          </p:spPr>
+        </p:pic>
+      </p:grpSp>
+      <p:grpSp>
+        <p:nvGrpSpPr>
+          <p:cNvPr id="18" name="グループ化 17"/>
+          <p:cNvGrpSpPr/>
+          <p:nvPr/>
+        </p:nvGrpSpPr>
+        <p:grpSpPr>
+          <a:xfrm>
+            <a:off x="8778641" y="3462142"/>
+            <a:ext cx="1441201" cy="3536274"/>
+            <a:chOff x="5405928" y="3381197"/>
+            <a:chExt cx="1441201" cy="3536274"/>
+          </a:xfrm>
+        </p:grpSpPr>
+        <p:pic>
+          <p:nvPicPr>
+            <p:cNvPr id="13" name="図 12"/>
+            <p:cNvPicPr>
+              <a:picLocks noChangeAspect="1"/>
+            </p:cNvPicPr>
+            <p:nvPr/>
+          </p:nvPicPr>
+          <p:blipFill>
+            <a:blip r:embed="rId5" cstate="print">
+              <a:extLst>
+                <a:ext uri="{28A0092B-C50C-407E-A947-70E740481C1C}">
+                  <a14:useLocalDpi xmlns:a14="http://schemas.microsoft.com/office/drawing/2010/main" val="0"/>
+                </a:ext>
+              </a:extLst>
+            </a:blip>
+            <a:stretch>
+              <a:fillRect/>
+            </a:stretch>
+          </p:blipFill>
+          <p:spPr>
+            <a:xfrm rot="2781929">
+              <a:off x="4358392" y="4699047"/>
+              <a:ext cx="3536274" cy="900574"/>
+            </a:xfrm>
+            <a:prstGeom prst="rect">
+              <a:avLst/>
+            </a:prstGeom>
+          </p:spPr>
+        </p:pic>
+        <p:pic>
+          <p:nvPicPr>
+            <p:cNvPr id="11" name="図 10"/>
+            <p:cNvPicPr>
+              <a:picLocks noChangeAspect="1"/>
+            </p:cNvPicPr>
+            <p:nvPr/>
+          </p:nvPicPr>
+          <p:blipFill>
+            <a:blip r:embed="rId3" cstate="print">
+              <a:extLst>
+                <a:ext uri="{28A0092B-C50C-407E-A947-70E740481C1C}">
+                  <a14:useLocalDpi xmlns:a14="http://schemas.microsoft.com/office/drawing/2010/main" val="0"/>
+                </a:ext>
+              </a:extLst>
+            </a:blip>
+            <a:stretch>
+              <a:fillRect/>
+            </a:stretch>
+          </p:blipFill>
+          <p:spPr>
+            <a:xfrm>
+              <a:off x="5405928" y="4369753"/>
+              <a:ext cx="1441201" cy="1441201"/>
+            </a:xfrm>
+            <a:prstGeom prst="rect">
+              <a:avLst/>
+            </a:prstGeom>
+          </p:spPr>
+        </p:pic>
+      </p:grpSp>
+      <p:grpSp>
+        <p:nvGrpSpPr>
+          <p:cNvPr id="19" name="グループ化 18"/>
+          <p:cNvGrpSpPr/>
+          <p:nvPr/>
+        </p:nvGrpSpPr>
+        <p:grpSpPr>
+          <a:xfrm>
+            <a:off x="5223746" y="4806426"/>
+            <a:ext cx="3541610" cy="1459916"/>
+            <a:chOff x="7791612" y="4754010"/>
+            <a:chExt cx="3541610" cy="1459916"/>
+          </a:xfrm>
+        </p:grpSpPr>
+        <p:pic>
+          <p:nvPicPr>
+            <p:cNvPr id="15" name="図 14"/>
+            <p:cNvPicPr>
+              <a:picLocks noChangeAspect="1"/>
+            </p:cNvPicPr>
+            <p:nvPr/>
+          </p:nvPicPr>
+          <p:blipFill>
+            <a:blip r:embed="rId6" cstate="print">
+              <a:extLst>
+                <a:ext uri="{28A0092B-C50C-407E-A947-70E740481C1C}">
+                  <a14:useLocalDpi xmlns:a14="http://schemas.microsoft.com/office/drawing/2010/main" val="0"/>
+                </a:ext>
+              </a:extLst>
+            </a:blip>
+            <a:stretch>
+              <a:fillRect/>
+            </a:stretch>
+          </p:blipFill>
+          <p:spPr>
+            <a:xfrm rot="2781929">
+              <a:off x="9179702" y="3365920"/>
+              <a:ext cx="765430" cy="3541610"/>
+            </a:xfrm>
+            <a:prstGeom prst="rect">
+              <a:avLst/>
+            </a:prstGeom>
+          </p:spPr>
+        </p:pic>
+        <p:pic>
+          <p:nvPicPr>
+            <p:cNvPr id="14" name="図 13"/>
+            <p:cNvPicPr>
+              <a:picLocks noChangeAspect="1"/>
+            </p:cNvPicPr>
+            <p:nvPr/>
+          </p:nvPicPr>
+          <p:blipFill>
+            <a:blip r:embed="rId3" cstate="print">
+              <a:extLst>
+                <a:ext uri="{28A0092B-C50C-407E-A947-70E740481C1C}">
+                  <a14:useLocalDpi xmlns:a14="http://schemas.microsoft.com/office/drawing/2010/main" val="0"/>
+                </a:ext>
+              </a:extLst>
+            </a:blip>
+            <a:stretch>
+              <a:fillRect/>
+            </a:stretch>
+          </p:blipFill>
+          <p:spPr>
+            <a:xfrm>
+              <a:off x="8440765" y="4772725"/>
+              <a:ext cx="1441201" cy="1441201"/>
+            </a:xfrm>
+            <a:prstGeom prst="rect">
+              <a:avLst/>
+            </a:prstGeom>
+          </p:spPr>
+        </p:pic>
+      </p:grpSp>
     </p:spTree>
     <p:extLst>
       <p:ext uri="{BB962C8B-B14F-4D97-AF65-F5344CB8AC3E}">
@@ -6521,10 +7197,1550 @@
           </a:p>
         </p:txBody>
       </p:sp>
+      <p:sp>
+        <p:nvSpPr>
+          <p:cNvPr id="3" name="テキスト ボックス 2"/>
+          <p:cNvSpPr txBox="1"/>
+          <p:nvPr/>
+        </p:nvSpPr>
+        <p:spPr>
+          <a:xfrm>
+            <a:off x="660399" y="1117600"/>
+            <a:ext cx="2492990" cy="646331"/>
+          </a:xfrm>
+          <a:prstGeom prst="rect">
+            <a:avLst/>
+          </a:prstGeom>
+          <a:noFill/>
+        </p:spPr>
+        <p:txBody>
+          <a:bodyPr wrap="none" rtlCol="0">
+            <a:spAutoFit/>
+          </a:bodyPr>
+          <a:lstStyle/>
+          <a:p>
+            <a:r>
+              <a:rPr kumimoji="1" lang="ja-JP" altLang="en-US" sz="3600" b="1" dirty="0" smtClean="0"/>
+              <a:t>剣カスタム</a:t>
+            </a:r>
+            <a:endParaRPr kumimoji="1" lang="ja-JP" altLang="en-US" sz="3600" b="1" dirty="0"/>
+          </a:p>
+        </p:txBody>
+      </p:sp>
+      <p:sp>
+        <p:nvSpPr>
+          <p:cNvPr id="6" name="テキスト ボックス 5"/>
+          <p:cNvSpPr txBox="1"/>
+          <p:nvPr/>
+        </p:nvSpPr>
+        <p:spPr>
+          <a:xfrm>
+            <a:off x="304799" y="1865710"/>
+            <a:ext cx="9280105" cy="1200329"/>
+          </a:xfrm>
+          <a:prstGeom prst="rect">
+            <a:avLst/>
+          </a:prstGeom>
+          <a:noFill/>
+        </p:spPr>
+        <p:txBody>
+          <a:bodyPr wrap="none" rtlCol="0">
+            <a:spAutoFit/>
+          </a:bodyPr>
+          <a:lstStyle/>
+          <a:p>
+            <a:r>
+              <a:rPr kumimoji="1" lang="ja-JP" altLang="en-US" sz="2400" dirty="0" smtClean="0"/>
+              <a:t>・本作のメインとなるシステム。</a:t>
+            </a:r>
+            <a:endParaRPr kumimoji="1" lang="en-US" altLang="ja-JP" sz="2400" dirty="0" smtClean="0"/>
+          </a:p>
+          <a:p>
+            <a:r>
+              <a:rPr kumimoji="1" lang="ja-JP" altLang="en-US" sz="2400" dirty="0" smtClean="0"/>
+              <a:t>　剣の長さ、幅、柄（追加効果）の</a:t>
+            </a:r>
+            <a:r>
+              <a:rPr kumimoji="1" lang="en-US" altLang="ja-JP" sz="2400" dirty="0" smtClean="0"/>
+              <a:t>3</a:t>
+            </a:r>
+            <a:r>
+              <a:rPr kumimoji="1" lang="ja-JP" altLang="en-US" sz="2400" dirty="0" smtClean="0"/>
+              <a:t>種類をそれぞれカスタムして</a:t>
+            </a:r>
+            <a:endParaRPr kumimoji="1" lang="en-US" altLang="ja-JP" sz="2400" dirty="0" smtClean="0"/>
+          </a:p>
+          <a:p>
+            <a:r>
+              <a:rPr kumimoji="1" lang="ja-JP" altLang="en-US" sz="2400" dirty="0" smtClean="0"/>
+              <a:t>　オリジナルの性能の装備を作る。</a:t>
+            </a:r>
+            <a:endParaRPr kumimoji="1" lang="ja-JP" altLang="en-US" sz="2400" dirty="0"/>
+          </a:p>
+        </p:txBody>
+      </p:sp>
+      <p:sp>
+        <p:nvSpPr>
+          <p:cNvPr id="7" name="テキスト ボックス 6"/>
+          <p:cNvSpPr txBox="1"/>
+          <p:nvPr/>
+        </p:nvSpPr>
+        <p:spPr>
+          <a:xfrm>
+            <a:off x="304799" y="3328750"/>
+            <a:ext cx="11604459" cy="2677656"/>
+          </a:xfrm>
+          <a:prstGeom prst="rect">
+            <a:avLst/>
+          </a:prstGeom>
+          <a:noFill/>
+        </p:spPr>
+        <p:txBody>
+          <a:bodyPr wrap="none" rtlCol="0">
+            <a:spAutoFit/>
+          </a:bodyPr>
+          <a:lstStyle/>
+          <a:p>
+            <a:r>
+              <a:rPr kumimoji="1" lang="ja-JP" altLang="en-US" sz="2400" dirty="0" smtClean="0"/>
+              <a:t>・柄（追加効果）以外の</a:t>
+            </a:r>
+            <a:r>
+              <a:rPr kumimoji="1" lang="en-US" altLang="ja-JP" sz="2400" dirty="0" smtClean="0"/>
+              <a:t>2</a:t>
+            </a:r>
+            <a:r>
+              <a:rPr kumimoji="1" lang="ja-JP" altLang="en-US" sz="2400" dirty="0" smtClean="0"/>
+              <a:t>種類は性能に</a:t>
+            </a:r>
+            <a:r>
+              <a:rPr kumimoji="1" lang="en-US" altLang="ja-JP" sz="2400" dirty="0" smtClean="0"/>
+              <a:t>2</a:t>
+            </a:r>
+            <a:r>
+              <a:rPr kumimoji="1" lang="ja-JP" altLang="en-US" sz="2400" dirty="0" err="1" smtClean="0"/>
+              <a:t>つの</a:t>
+            </a:r>
+            <a:r>
+              <a:rPr kumimoji="1" lang="ja-JP" altLang="en-US" sz="2400" dirty="0" smtClean="0"/>
+              <a:t>要素を用意してトレードオフさせる。</a:t>
+            </a:r>
+            <a:endParaRPr kumimoji="1" lang="en-US" altLang="ja-JP" sz="2400" dirty="0" smtClean="0"/>
+          </a:p>
+          <a:p>
+            <a:endParaRPr kumimoji="1" lang="en-US" altLang="ja-JP" sz="2400" dirty="0" smtClean="0"/>
+          </a:p>
+          <a:p>
+            <a:r>
+              <a:rPr kumimoji="1" lang="ja-JP" altLang="en-US" sz="2400" dirty="0"/>
+              <a:t>　</a:t>
+            </a:r>
+            <a:r>
+              <a:rPr kumimoji="1" lang="ja-JP" altLang="en-US" sz="2400" dirty="0" smtClean="0"/>
+              <a:t>例えば長さには攻撃範囲と待機時間の要素を持たせるとするなら、</a:t>
+            </a:r>
+            <a:endParaRPr kumimoji="1" lang="en-US" altLang="ja-JP" sz="2400" dirty="0" smtClean="0"/>
+          </a:p>
+          <a:p>
+            <a:r>
+              <a:rPr kumimoji="1" lang="ja-JP" altLang="en-US" sz="2400" dirty="0"/>
+              <a:t>　</a:t>
+            </a:r>
+            <a:r>
+              <a:rPr kumimoji="1" lang="ja-JP" altLang="en-US" sz="2400" dirty="0" smtClean="0"/>
+              <a:t>長くすれば攻撃範囲が広がり当てやすくなるが</a:t>
+            </a:r>
+            <a:endParaRPr kumimoji="1" lang="en-US" altLang="ja-JP" sz="2400" dirty="0" smtClean="0"/>
+          </a:p>
+          <a:p>
+            <a:r>
+              <a:rPr kumimoji="1" lang="ja-JP" altLang="en-US" sz="2400" dirty="0" smtClean="0"/>
+              <a:t>　待機時間が伸び攻撃後の隙が増えるといったようにする。</a:t>
+            </a:r>
+            <a:endParaRPr kumimoji="1" lang="en-US" altLang="ja-JP" sz="2400" dirty="0" smtClean="0"/>
+          </a:p>
+          <a:p>
+            <a:endParaRPr kumimoji="1" lang="en-US" altLang="ja-JP" sz="2400" dirty="0"/>
+          </a:p>
+          <a:p>
+            <a:r>
+              <a:rPr kumimoji="1" lang="ja-JP" altLang="en-US" sz="2400" dirty="0" smtClean="0"/>
+              <a:t>　柄（追加効果）は基本的にはプラスの効果しか用意しない予定。</a:t>
+            </a:r>
+            <a:endParaRPr kumimoji="1" lang="ja-JP" altLang="en-US" sz="2400" dirty="0"/>
+          </a:p>
+        </p:txBody>
+      </p:sp>
     </p:spTree>
     <p:extLst>
       <p:ext uri="{BB962C8B-B14F-4D97-AF65-F5344CB8AC3E}">
         <p14:creationId xmlns:p14="http://schemas.microsoft.com/office/powerpoint/2010/main" val="2361661932"/>
+      </p:ext>
+    </p:extLst>
+  </p:cSld>
+  <p:clrMapOvr>
+    <a:masterClrMapping/>
+  </p:clrMapOvr>
+</p:sld>
+</file>
+
+<file path=ppt/slides/slide5.xml><?xml version="1.0" encoding="utf-8"?>
+<p:sld xmlns:a="http://schemas.openxmlformats.org/drawingml/2006/main" xmlns:r="http://schemas.openxmlformats.org/officeDocument/2006/relationships" xmlns:p="http://schemas.openxmlformats.org/presentationml/2006/main">
+  <p:cSld>
+    <p:spTree>
+      <p:nvGrpSpPr>
+        <p:cNvPr id="1" name=""/>
+        <p:cNvGrpSpPr/>
+        <p:nvPr/>
+      </p:nvGrpSpPr>
+      <p:grpSpPr>
+        <a:xfrm>
+          <a:off x="0" y="0"/>
+          <a:ext cx="0" cy="0"/>
+          <a:chOff x="0" y="0"/>
+          <a:chExt cx="0" cy="0"/>
+        </a:xfrm>
+      </p:grpSpPr>
+      <p:sp>
+        <p:nvSpPr>
+          <p:cNvPr id="2" name="テキスト ボックス 1"/>
+          <p:cNvSpPr txBox="1"/>
+          <p:nvPr/>
+        </p:nvSpPr>
+        <p:spPr>
+          <a:xfrm>
+            <a:off x="304799" y="285750"/>
+            <a:ext cx="10125075" cy="707886"/>
+          </a:xfrm>
+          <a:prstGeom prst="rect">
+            <a:avLst/>
+          </a:prstGeom>
+          <a:noFill/>
+        </p:spPr>
+        <p:txBody>
+          <a:bodyPr wrap="square" rtlCol="0">
+            <a:spAutoFit/>
+          </a:bodyPr>
+          <a:lstStyle/>
+          <a:p>
+            <a:r>
+              <a:rPr kumimoji="1" lang="ja-JP" altLang="en-US" sz="4000" u="sng" dirty="0" smtClean="0">
+                <a:latin typeface="小塚ゴシック Pro B" panose="020B0800000000000000" pitchFamily="34" charset="-128"/>
+                <a:ea typeface="小塚ゴシック Pro B" panose="020B0800000000000000" pitchFamily="34" charset="-128"/>
+              </a:rPr>
+              <a:t>　</a:t>
+            </a:r>
+            <a:r>
+              <a:rPr kumimoji="1" lang="ja-JP" altLang="en-US" sz="4000" u="sng" dirty="0">
+                <a:latin typeface="小塚ゴシック Pro B" panose="020B0800000000000000" pitchFamily="34" charset="-128"/>
+                <a:ea typeface="小塚ゴシック Pro B" panose="020B0800000000000000" pitchFamily="34" charset="-128"/>
+              </a:rPr>
+              <a:t>システム</a:t>
+            </a:r>
+            <a:endParaRPr kumimoji="1" lang="en-US" altLang="ja-JP" sz="4000" u="sng" dirty="0" smtClean="0">
+              <a:latin typeface="小塚ゴシック Pro B" panose="020B0800000000000000" pitchFamily="34" charset="-128"/>
+              <a:ea typeface="小塚ゴシック Pro B" panose="020B0800000000000000" pitchFamily="34" charset="-128"/>
+            </a:endParaRPr>
+          </a:p>
+        </p:txBody>
+      </p:sp>
+      <p:sp>
+        <p:nvSpPr>
+          <p:cNvPr id="4" name="テキスト ボックス 3"/>
+          <p:cNvSpPr txBox="1"/>
+          <p:nvPr/>
+        </p:nvSpPr>
+        <p:spPr>
+          <a:xfrm>
+            <a:off x="660399" y="1117600"/>
+            <a:ext cx="9879628" cy="646331"/>
+          </a:xfrm>
+          <a:prstGeom prst="rect">
+            <a:avLst/>
+          </a:prstGeom>
+          <a:noFill/>
+        </p:spPr>
+        <p:txBody>
+          <a:bodyPr wrap="none" rtlCol="0">
+            <a:spAutoFit/>
+          </a:bodyPr>
+          <a:lstStyle/>
+          <a:p>
+            <a:r>
+              <a:rPr kumimoji="1" lang="ja-JP" altLang="en-US" sz="3600" b="1" dirty="0" smtClean="0"/>
+              <a:t>カスタム要素①：長さ（攻撃範囲、待機時間）</a:t>
+            </a:r>
+            <a:endParaRPr kumimoji="1" lang="ja-JP" altLang="en-US" sz="3600" b="1" dirty="0"/>
+          </a:p>
+        </p:txBody>
+      </p:sp>
+      <p:pic>
+        <p:nvPicPr>
+          <p:cNvPr id="5" name="図 4"/>
+          <p:cNvPicPr>
+            <a:picLocks noChangeAspect="1"/>
+          </p:cNvPicPr>
+          <p:nvPr/>
+        </p:nvPicPr>
+        <p:blipFill>
+          <a:blip r:embed="rId2" cstate="print">
+            <a:extLst>
+              <a:ext uri="{28A0092B-C50C-407E-A947-70E740481C1C}">
+                <a14:useLocalDpi xmlns:a14="http://schemas.microsoft.com/office/drawing/2010/main" val="0"/>
+              </a:ext>
+            </a:extLst>
+          </a:blip>
+          <a:stretch>
+            <a:fillRect/>
+          </a:stretch>
+        </p:blipFill>
+        <p:spPr>
+          <a:xfrm>
+            <a:off x="2770737" y="4912878"/>
+            <a:ext cx="2164080" cy="2164080"/>
+          </a:xfrm>
+          <a:prstGeom prst="rect">
+            <a:avLst/>
+          </a:prstGeom>
+        </p:spPr>
+      </p:pic>
+      <p:sp>
+        <p:nvSpPr>
+          <p:cNvPr id="6" name="テキスト ボックス 5"/>
+          <p:cNvSpPr txBox="1"/>
+          <p:nvPr/>
+        </p:nvSpPr>
+        <p:spPr>
+          <a:xfrm>
+            <a:off x="660399" y="1887895"/>
+            <a:ext cx="9280105" cy="461665"/>
+          </a:xfrm>
+          <a:prstGeom prst="rect">
+            <a:avLst/>
+          </a:prstGeom>
+          <a:noFill/>
+        </p:spPr>
+        <p:txBody>
+          <a:bodyPr wrap="none" rtlCol="0">
+            <a:spAutoFit/>
+          </a:bodyPr>
+          <a:lstStyle/>
+          <a:p>
+            <a:r>
+              <a:rPr kumimoji="1" lang="ja-JP" altLang="en-US" sz="2400" dirty="0" smtClean="0"/>
+              <a:t>・剣の長さに持たせる要素は攻撃範囲と待機時間の</a:t>
+            </a:r>
+            <a:r>
+              <a:rPr kumimoji="1" lang="en-US" altLang="ja-JP" sz="2400" dirty="0" smtClean="0"/>
+              <a:t>2</a:t>
+            </a:r>
+            <a:r>
+              <a:rPr kumimoji="1" lang="ja-JP" altLang="en-US" sz="2400" dirty="0" smtClean="0"/>
+              <a:t>つとする。</a:t>
+            </a:r>
+            <a:endParaRPr kumimoji="1" lang="ja-JP" altLang="en-US" sz="2400" dirty="0"/>
+          </a:p>
+        </p:txBody>
+      </p:sp>
+      <p:sp>
+        <p:nvSpPr>
+          <p:cNvPr id="7" name="テキスト ボックス 6"/>
+          <p:cNvSpPr txBox="1"/>
+          <p:nvPr/>
+        </p:nvSpPr>
+        <p:spPr>
+          <a:xfrm>
+            <a:off x="660398" y="2349560"/>
+            <a:ext cx="9110186" cy="830997"/>
+          </a:xfrm>
+          <a:prstGeom prst="rect">
+            <a:avLst/>
+          </a:prstGeom>
+          <a:noFill/>
+        </p:spPr>
+        <p:txBody>
+          <a:bodyPr wrap="none" rtlCol="0">
+            <a:spAutoFit/>
+          </a:bodyPr>
+          <a:lstStyle/>
+          <a:p>
+            <a:r>
+              <a:rPr kumimoji="1" lang="ja-JP" altLang="en-US" sz="2400" dirty="0" smtClean="0"/>
+              <a:t>・攻撃範囲は剣を振ったとき攻撃が届く範囲、</a:t>
+            </a:r>
+            <a:endParaRPr kumimoji="1" lang="en-US" altLang="ja-JP" sz="2400" dirty="0" smtClean="0"/>
+          </a:p>
+          <a:p>
+            <a:r>
+              <a:rPr kumimoji="1" lang="ja-JP" altLang="en-US" sz="2400" dirty="0"/>
+              <a:t>　</a:t>
+            </a:r>
+            <a:r>
+              <a:rPr kumimoji="1" lang="ja-JP" altLang="en-US" sz="2400" dirty="0" smtClean="0"/>
+              <a:t>待機時間は剣を振った後次の行動に移るまでの時間とする。</a:t>
+            </a:r>
+            <a:endParaRPr kumimoji="1" lang="ja-JP" altLang="en-US" sz="2400" dirty="0"/>
+          </a:p>
+        </p:txBody>
+      </p:sp>
+      <p:sp>
+        <p:nvSpPr>
+          <p:cNvPr id="8" name="テキスト ボックス 7"/>
+          <p:cNvSpPr txBox="1"/>
+          <p:nvPr/>
+        </p:nvSpPr>
+        <p:spPr>
+          <a:xfrm>
+            <a:off x="660397" y="3180557"/>
+            <a:ext cx="10033516" cy="830997"/>
+          </a:xfrm>
+          <a:prstGeom prst="rect">
+            <a:avLst/>
+          </a:prstGeom>
+          <a:noFill/>
+        </p:spPr>
+        <p:txBody>
+          <a:bodyPr wrap="none" rtlCol="0">
+            <a:spAutoFit/>
+          </a:bodyPr>
+          <a:lstStyle/>
+          <a:p>
+            <a:r>
+              <a:rPr kumimoji="1" lang="ja-JP" altLang="en-US" sz="2400" dirty="0" smtClean="0"/>
+              <a:t>・剣の長さを長くするほど攻撃範囲は広がり、待機時間は長くなる。</a:t>
+            </a:r>
+            <a:endParaRPr kumimoji="1" lang="en-US" altLang="ja-JP" sz="2400" dirty="0" smtClean="0"/>
+          </a:p>
+          <a:p>
+            <a:r>
+              <a:rPr kumimoji="1" lang="ja-JP" altLang="en-US" sz="2400" dirty="0"/>
+              <a:t>　</a:t>
+            </a:r>
+            <a:r>
+              <a:rPr kumimoji="1" lang="ja-JP" altLang="en-US" sz="2400" dirty="0" smtClean="0"/>
+              <a:t>逆に短くすると攻撃範囲は狭まり、待機時間は短くなる。</a:t>
+            </a:r>
+            <a:endParaRPr kumimoji="1" lang="ja-JP" altLang="en-US" sz="2400" dirty="0"/>
+          </a:p>
+        </p:txBody>
+      </p:sp>
+      <p:pic>
+        <p:nvPicPr>
+          <p:cNvPr id="9" name="図 8"/>
+          <p:cNvPicPr>
+            <a:picLocks noChangeAspect="1"/>
+          </p:cNvPicPr>
+          <p:nvPr/>
+        </p:nvPicPr>
+        <p:blipFill>
+          <a:blip r:embed="rId3" cstate="print">
+            <a:extLst>
+              <a:ext uri="{28A0092B-C50C-407E-A947-70E740481C1C}">
+                <a14:useLocalDpi xmlns:a14="http://schemas.microsoft.com/office/drawing/2010/main" val="0"/>
+              </a:ext>
+            </a:extLst>
+          </a:blip>
+          <a:stretch>
+            <a:fillRect/>
+          </a:stretch>
+        </p:blipFill>
+        <p:spPr>
+          <a:xfrm>
+            <a:off x="304799" y="4114800"/>
+            <a:ext cx="2164080" cy="3333692"/>
+          </a:xfrm>
+          <a:prstGeom prst="rect">
+            <a:avLst/>
+          </a:prstGeom>
+        </p:spPr>
+      </p:pic>
+      <p:pic>
+        <p:nvPicPr>
+          <p:cNvPr id="10" name="図 9"/>
+          <p:cNvPicPr>
+            <a:picLocks noChangeAspect="1"/>
+          </p:cNvPicPr>
+          <p:nvPr/>
+        </p:nvPicPr>
+        <p:blipFill>
+          <a:blip r:embed="rId4" cstate="print">
+            <a:extLst>
+              <a:ext uri="{28A0092B-C50C-407E-A947-70E740481C1C}">
+                <a14:useLocalDpi xmlns:a14="http://schemas.microsoft.com/office/drawing/2010/main" val="0"/>
+              </a:ext>
+            </a:extLst>
+          </a:blip>
+          <a:stretch>
+            <a:fillRect/>
+          </a:stretch>
+        </p:blipFill>
+        <p:spPr>
+          <a:xfrm>
+            <a:off x="5367336" y="5630505"/>
+            <a:ext cx="2164080" cy="728825"/>
+          </a:xfrm>
+          <a:prstGeom prst="rect">
+            <a:avLst/>
+          </a:prstGeom>
+        </p:spPr>
+      </p:pic>
+      <p:sp>
+        <p:nvSpPr>
+          <p:cNvPr id="13" name="テキスト ボックス 12"/>
+          <p:cNvSpPr txBox="1"/>
+          <p:nvPr/>
+        </p:nvSpPr>
+        <p:spPr>
+          <a:xfrm>
+            <a:off x="1602261" y="5574102"/>
+            <a:ext cx="1599194" cy="646331"/>
+          </a:xfrm>
+          <a:prstGeom prst="rect">
+            <a:avLst/>
+          </a:prstGeom>
+          <a:noFill/>
+        </p:spPr>
+        <p:txBody>
+          <a:bodyPr wrap="square" rtlCol="0">
+            <a:spAutoFit/>
+          </a:bodyPr>
+          <a:lstStyle/>
+          <a:p>
+            <a:pPr algn="ctr"/>
+            <a:r>
+              <a:rPr kumimoji="1" lang="ja-JP" altLang="en-US" dirty="0" smtClean="0">
+                <a:latin typeface="HGS創英角ｺﾞｼｯｸUB" panose="020B0900000000000000" pitchFamily="50" charset="-128"/>
+                <a:ea typeface="HGS創英角ｺﾞｼｯｸUB" panose="020B0900000000000000" pitchFamily="50" charset="-128"/>
+              </a:rPr>
+              <a:t>攻撃範囲：広</a:t>
+            </a:r>
+            <a:endParaRPr kumimoji="1" lang="en-US" altLang="ja-JP" dirty="0" smtClean="0">
+              <a:latin typeface="HGS創英角ｺﾞｼｯｸUB" panose="020B0900000000000000" pitchFamily="50" charset="-128"/>
+              <a:ea typeface="HGS創英角ｺﾞｼｯｸUB" panose="020B0900000000000000" pitchFamily="50" charset="-128"/>
+            </a:endParaRPr>
+          </a:p>
+          <a:p>
+            <a:pPr algn="ctr"/>
+            <a:r>
+              <a:rPr kumimoji="1" lang="ja-JP" altLang="en-US" dirty="0" smtClean="0">
+                <a:latin typeface="HGS創英角ｺﾞｼｯｸUB" panose="020B0900000000000000" pitchFamily="50" charset="-128"/>
+                <a:ea typeface="HGS創英角ｺﾞｼｯｸUB" panose="020B0900000000000000" pitchFamily="50" charset="-128"/>
+              </a:rPr>
+              <a:t>待機時間</a:t>
+            </a:r>
+            <a:r>
+              <a:rPr kumimoji="1" lang="ja-JP" altLang="en-US" dirty="0">
+                <a:latin typeface="HGS創英角ｺﾞｼｯｸUB" panose="020B0900000000000000" pitchFamily="50" charset="-128"/>
+                <a:ea typeface="HGS創英角ｺﾞｼｯｸUB" panose="020B0900000000000000" pitchFamily="50" charset="-128"/>
+              </a:rPr>
+              <a:t>：</a:t>
+            </a:r>
+            <a:r>
+              <a:rPr kumimoji="1" lang="ja-JP" altLang="en-US" dirty="0" smtClean="0">
+                <a:latin typeface="HGS創英角ｺﾞｼｯｸUB" panose="020B0900000000000000" pitchFamily="50" charset="-128"/>
+                <a:ea typeface="HGS創英角ｺﾞｼｯｸUB" panose="020B0900000000000000" pitchFamily="50" charset="-128"/>
+              </a:rPr>
+              <a:t>長</a:t>
+            </a:r>
+            <a:endParaRPr kumimoji="1" lang="ja-JP" altLang="en-US" dirty="0">
+              <a:latin typeface="HGS創英角ｺﾞｼｯｸUB" panose="020B0900000000000000" pitchFamily="50" charset="-128"/>
+              <a:ea typeface="HGS創英角ｺﾞｼｯｸUB" panose="020B0900000000000000" pitchFamily="50" charset="-128"/>
+            </a:endParaRPr>
+          </a:p>
+        </p:txBody>
+      </p:sp>
+      <p:sp>
+        <p:nvSpPr>
+          <p:cNvPr id="14" name="テキスト ボックス 13"/>
+          <p:cNvSpPr txBox="1"/>
+          <p:nvPr/>
+        </p:nvSpPr>
+        <p:spPr>
+          <a:xfrm>
+            <a:off x="4135220" y="5574102"/>
+            <a:ext cx="1599194" cy="646331"/>
+          </a:xfrm>
+          <a:prstGeom prst="rect">
+            <a:avLst/>
+          </a:prstGeom>
+          <a:noFill/>
+        </p:spPr>
+        <p:txBody>
+          <a:bodyPr wrap="square" rtlCol="0">
+            <a:spAutoFit/>
+          </a:bodyPr>
+          <a:lstStyle/>
+          <a:p>
+            <a:pPr algn="ctr"/>
+            <a:r>
+              <a:rPr kumimoji="1" lang="ja-JP" altLang="en-US" dirty="0" smtClean="0">
+                <a:latin typeface="HGS創英角ｺﾞｼｯｸUB" panose="020B0900000000000000" pitchFamily="50" charset="-128"/>
+                <a:ea typeface="HGS創英角ｺﾞｼｯｸUB" panose="020B0900000000000000" pitchFamily="50" charset="-128"/>
+              </a:rPr>
+              <a:t>攻撃範囲：普</a:t>
+            </a:r>
+            <a:endParaRPr kumimoji="1" lang="en-US" altLang="ja-JP" dirty="0" smtClean="0">
+              <a:latin typeface="HGS創英角ｺﾞｼｯｸUB" panose="020B0900000000000000" pitchFamily="50" charset="-128"/>
+              <a:ea typeface="HGS創英角ｺﾞｼｯｸUB" panose="020B0900000000000000" pitchFamily="50" charset="-128"/>
+            </a:endParaRPr>
+          </a:p>
+          <a:p>
+            <a:pPr algn="ctr"/>
+            <a:r>
+              <a:rPr kumimoji="1" lang="ja-JP" altLang="en-US" dirty="0" smtClean="0">
+                <a:latin typeface="HGS創英角ｺﾞｼｯｸUB" panose="020B0900000000000000" pitchFamily="50" charset="-128"/>
+                <a:ea typeface="HGS創英角ｺﾞｼｯｸUB" panose="020B0900000000000000" pitchFamily="50" charset="-128"/>
+              </a:rPr>
+              <a:t>待機時間：普</a:t>
+            </a:r>
+            <a:endParaRPr kumimoji="1" lang="ja-JP" altLang="en-US" dirty="0">
+              <a:latin typeface="HGS創英角ｺﾞｼｯｸUB" panose="020B0900000000000000" pitchFamily="50" charset="-128"/>
+              <a:ea typeface="HGS創英角ｺﾞｼｯｸUB" panose="020B0900000000000000" pitchFamily="50" charset="-128"/>
+            </a:endParaRPr>
+          </a:p>
+        </p:txBody>
+      </p:sp>
+      <p:sp>
+        <p:nvSpPr>
+          <p:cNvPr id="15" name="テキスト ボックス 14"/>
+          <p:cNvSpPr txBox="1"/>
+          <p:nvPr/>
+        </p:nvSpPr>
+        <p:spPr>
+          <a:xfrm>
+            <a:off x="6929220" y="5574102"/>
+            <a:ext cx="1599194" cy="646331"/>
+          </a:xfrm>
+          <a:prstGeom prst="rect">
+            <a:avLst/>
+          </a:prstGeom>
+          <a:noFill/>
+        </p:spPr>
+        <p:txBody>
+          <a:bodyPr wrap="square" rtlCol="0">
+            <a:spAutoFit/>
+          </a:bodyPr>
+          <a:lstStyle/>
+          <a:p>
+            <a:pPr algn="ctr"/>
+            <a:r>
+              <a:rPr kumimoji="1" lang="ja-JP" altLang="en-US" dirty="0" smtClean="0">
+                <a:latin typeface="HGS創英角ｺﾞｼｯｸUB" panose="020B0900000000000000" pitchFamily="50" charset="-128"/>
+                <a:ea typeface="HGS創英角ｺﾞｼｯｸUB" panose="020B0900000000000000" pitchFamily="50" charset="-128"/>
+              </a:rPr>
+              <a:t>攻撃範囲：狭</a:t>
+            </a:r>
+            <a:endParaRPr kumimoji="1" lang="en-US" altLang="ja-JP" dirty="0" smtClean="0">
+              <a:latin typeface="HGS創英角ｺﾞｼｯｸUB" panose="020B0900000000000000" pitchFamily="50" charset="-128"/>
+              <a:ea typeface="HGS創英角ｺﾞｼｯｸUB" panose="020B0900000000000000" pitchFamily="50" charset="-128"/>
+            </a:endParaRPr>
+          </a:p>
+          <a:p>
+            <a:pPr algn="ctr"/>
+            <a:r>
+              <a:rPr kumimoji="1" lang="ja-JP" altLang="en-US" dirty="0" smtClean="0">
+                <a:latin typeface="HGS創英角ｺﾞｼｯｸUB" panose="020B0900000000000000" pitchFamily="50" charset="-128"/>
+                <a:ea typeface="HGS創英角ｺﾞｼｯｸUB" panose="020B0900000000000000" pitchFamily="50" charset="-128"/>
+              </a:rPr>
+              <a:t>待機時間：短</a:t>
+            </a:r>
+            <a:endParaRPr kumimoji="1" lang="ja-JP" altLang="en-US" dirty="0">
+              <a:latin typeface="HGS創英角ｺﾞｼｯｸUB" panose="020B0900000000000000" pitchFamily="50" charset="-128"/>
+              <a:ea typeface="HGS創英角ｺﾞｼｯｸUB" panose="020B0900000000000000" pitchFamily="50" charset="-128"/>
+            </a:endParaRPr>
+          </a:p>
+        </p:txBody>
+      </p:sp>
+    </p:spTree>
+    <p:extLst>
+      <p:ext uri="{BB962C8B-B14F-4D97-AF65-F5344CB8AC3E}">
+        <p14:creationId xmlns:p14="http://schemas.microsoft.com/office/powerpoint/2010/main" val="3334655549"/>
+      </p:ext>
+    </p:extLst>
+  </p:cSld>
+  <p:clrMapOvr>
+    <a:masterClrMapping/>
+  </p:clrMapOvr>
+</p:sld>
+</file>
+
+<file path=ppt/slides/slide6.xml><?xml version="1.0" encoding="utf-8"?>
+<p:sld xmlns:a="http://schemas.openxmlformats.org/drawingml/2006/main" xmlns:r="http://schemas.openxmlformats.org/officeDocument/2006/relationships" xmlns:p="http://schemas.openxmlformats.org/presentationml/2006/main">
+  <p:cSld>
+    <p:spTree>
+      <p:nvGrpSpPr>
+        <p:cNvPr id="1" name=""/>
+        <p:cNvGrpSpPr/>
+        <p:nvPr/>
+      </p:nvGrpSpPr>
+      <p:grpSpPr>
+        <a:xfrm>
+          <a:off x="0" y="0"/>
+          <a:ext cx="0" cy="0"/>
+          <a:chOff x="0" y="0"/>
+          <a:chExt cx="0" cy="0"/>
+        </a:xfrm>
+      </p:grpSpPr>
+      <p:sp>
+        <p:nvSpPr>
+          <p:cNvPr id="2" name="テキスト ボックス 1"/>
+          <p:cNvSpPr txBox="1"/>
+          <p:nvPr/>
+        </p:nvSpPr>
+        <p:spPr>
+          <a:xfrm>
+            <a:off x="304799" y="285750"/>
+            <a:ext cx="10125075" cy="707886"/>
+          </a:xfrm>
+          <a:prstGeom prst="rect">
+            <a:avLst/>
+          </a:prstGeom>
+          <a:noFill/>
+        </p:spPr>
+        <p:txBody>
+          <a:bodyPr wrap="square" rtlCol="0">
+            <a:spAutoFit/>
+          </a:bodyPr>
+          <a:lstStyle/>
+          <a:p>
+            <a:r>
+              <a:rPr kumimoji="1" lang="ja-JP" altLang="en-US" sz="4000" u="sng" dirty="0" smtClean="0">
+                <a:latin typeface="小塚ゴシック Pro B" panose="020B0800000000000000" pitchFamily="34" charset="-128"/>
+                <a:ea typeface="小塚ゴシック Pro B" panose="020B0800000000000000" pitchFamily="34" charset="-128"/>
+              </a:rPr>
+              <a:t>　</a:t>
+            </a:r>
+            <a:r>
+              <a:rPr kumimoji="1" lang="ja-JP" altLang="en-US" sz="4000" u="sng" dirty="0">
+                <a:latin typeface="小塚ゴシック Pro B" panose="020B0800000000000000" pitchFamily="34" charset="-128"/>
+                <a:ea typeface="小塚ゴシック Pro B" panose="020B0800000000000000" pitchFamily="34" charset="-128"/>
+              </a:rPr>
+              <a:t>システム</a:t>
+            </a:r>
+            <a:endParaRPr kumimoji="1" lang="en-US" altLang="ja-JP" sz="4000" u="sng" dirty="0" smtClean="0">
+              <a:latin typeface="小塚ゴシック Pro B" panose="020B0800000000000000" pitchFamily="34" charset="-128"/>
+              <a:ea typeface="小塚ゴシック Pro B" panose="020B0800000000000000" pitchFamily="34" charset="-128"/>
+            </a:endParaRPr>
+          </a:p>
+        </p:txBody>
+      </p:sp>
+      <p:sp>
+        <p:nvSpPr>
+          <p:cNvPr id="3" name="テキスト ボックス 2"/>
+          <p:cNvSpPr txBox="1"/>
+          <p:nvPr/>
+        </p:nvSpPr>
+        <p:spPr>
+          <a:xfrm>
+            <a:off x="660399" y="1117600"/>
+            <a:ext cx="8956298" cy="646331"/>
+          </a:xfrm>
+          <a:prstGeom prst="rect">
+            <a:avLst/>
+          </a:prstGeom>
+          <a:noFill/>
+        </p:spPr>
+        <p:txBody>
+          <a:bodyPr wrap="none" rtlCol="0">
+            <a:spAutoFit/>
+          </a:bodyPr>
+          <a:lstStyle/>
+          <a:p>
+            <a:r>
+              <a:rPr kumimoji="1" lang="ja-JP" altLang="en-US" sz="3600" b="1" dirty="0" smtClean="0"/>
+              <a:t>カスタム要素②：幅（攻撃力、攻撃速度）</a:t>
+            </a:r>
+            <a:endParaRPr kumimoji="1" lang="ja-JP" altLang="en-US" sz="3600" b="1" dirty="0"/>
+          </a:p>
+        </p:txBody>
+      </p:sp>
+      <p:pic>
+        <p:nvPicPr>
+          <p:cNvPr id="4" name="図 3"/>
+          <p:cNvPicPr>
+            <a:picLocks noChangeAspect="1"/>
+          </p:cNvPicPr>
+          <p:nvPr/>
+        </p:nvPicPr>
+        <p:blipFill>
+          <a:blip r:embed="rId2" cstate="print">
+            <a:extLst>
+              <a:ext uri="{28A0092B-C50C-407E-A947-70E740481C1C}">
+                <a14:useLocalDpi xmlns:a14="http://schemas.microsoft.com/office/drawing/2010/main" val="0"/>
+              </a:ext>
+            </a:extLst>
+          </a:blip>
+          <a:stretch>
+            <a:fillRect/>
+          </a:stretch>
+        </p:blipFill>
+        <p:spPr>
+          <a:xfrm>
+            <a:off x="2770737" y="4912878"/>
+            <a:ext cx="2164080" cy="2164080"/>
+          </a:xfrm>
+          <a:prstGeom prst="rect">
+            <a:avLst/>
+          </a:prstGeom>
+        </p:spPr>
+      </p:pic>
+      <p:sp>
+        <p:nvSpPr>
+          <p:cNvPr id="5" name="テキスト ボックス 4"/>
+          <p:cNvSpPr txBox="1"/>
+          <p:nvPr/>
+        </p:nvSpPr>
+        <p:spPr>
+          <a:xfrm>
+            <a:off x="660399" y="1887895"/>
+            <a:ext cx="8664551" cy="461665"/>
+          </a:xfrm>
+          <a:prstGeom prst="rect">
+            <a:avLst/>
+          </a:prstGeom>
+          <a:noFill/>
+        </p:spPr>
+        <p:txBody>
+          <a:bodyPr wrap="none" rtlCol="0">
+            <a:spAutoFit/>
+          </a:bodyPr>
+          <a:lstStyle/>
+          <a:p>
+            <a:r>
+              <a:rPr kumimoji="1" lang="ja-JP" altLang="en-US" sz="2400" dirty="0" smtClean="0"/>
+              <a:t>・剣の幅に持たせる要素は攻撃力と攻撃速度の</a:t>
+            </a:r>
+            <a:r>
+              <a:rPr kumimoji="1" lang="en-US" altLang="ja-JP" sz="2400" dirty="0" smtClean="0"/>
+              <a:t>2</a:t>
+            </a:r>
+            <a:r>
+              <a:rPr kumimoji="1" lang="ja-JP" altLang="en-US" sz="2400" dirty="0" smtClean="0"/>
+              <a:t>つとする。</a:t>
+            </a:r>
+            <a:endParaRPr kumimoji="1" lang="ja-JP" altLang="en-US" sz="2400" dirty="0"/>
+          </a:p>
+        </p:txBody>
+      </p:sp>
+      <p:sp>
+        <p:nvSpPr>
+          <p:cNvPr id="6" name="テキスト ボックス 5"/>
+          <p:cNvSpPr txBox="1"/>
+          <p:nvPr/>
+        </p:nvSpPr>
+        <p:spPr>
+          <a:xfrm>
+            <a:off x="660398" y="2349560"/>
+            <a:ext cx="6647974" cy="830997"/>
+          </a:xfrm>
+          <a:prstGeom prst="rect">
+            <a:avLst/>
+          </a:prstGeom>
+          <a:noFill/>
+        </p:spPr>
+        <p:txBody>
+          <a:bodyPr wrap="none" rtlCol="0">
+            <a:spAutoFit/>
+          </a:bodyPr>
+          <a:lstStyle/>
+          <a:p>
+            <a:r>
+              <a:rPr kumimoji="1" lang="ja-JP" altLang="en-US" sz="2400" dirty="0" smtClean="0"/>
+              <a:t>・攻撃力は剣が当たった時に与えるダメージ、</a:t>
+            </a:r>
+            <a:endParaRPr kumimoji="1" lang="en-US" altLang="ja-JP" sz="2400" dirty="0" smtClean="0"/>
+          </a:p>
+          <a:p>
+            <a:r>
+              <a:rPr kumimoji="1" lang="ja-JP" altLang="en-US" sz="2400" dirty="0"/>
+              <a:t>　</a:t>
+            </a:r>
+            <a:r>
+              <a:rPr kumimoji="1" lang="ja-JP" altLang="en-US" sz="2400" dirty="0" smtClean="0"/>
+              <a:t>攻撃速度は剣を振る速さとする。</a:t>
+            </a:r>
+            <a:endParaRPr kumimoji="1" lang="ja-JP" altLang="en-US" sz="2400" dirty="0"/>
+          </a:p>
+        </p:txBody>
+      </p:sp>
+      <p:sp>
+        <p:nvSpPr>
+          <p:cNvPr id="7" name="テキスト ボックス 6"/>
+          <p:cNvSpPr txBox="1"/>
+          <p:nvPr/>
+        </p:nvSpPr>
+        <p:spPr>
+          <a:xfrm>
+            <a:off x="660397" y="3180557"/>
+            <a:ext cx="9110186" cy="830997"/>
+          </a:xfrm>
+          <a:prstGeom prst="rect">
+            <a:avLst/>
+          </a:prstGeom>
+          <a:noFill/>
+        </p:spPr>
+        <p:txBody>
+          <a:bodyPr wrap="none" rtlCol="0">
+            <a:spAutoFit/>
+          </a:bodyPr>
+          <a:lstStyle/>
+          <a:p>
+            <a:r>
+              <a:rPr kumimoji="1" lang="ja-JP" altLang="en-US" sz="2400" dirty="0" smtClean="0"/>
+              <a:t>・剣の幅を広くするほど攻撃力は上がり、攻撃速度は遅くなる。</a:t>
+            </a:r>
+            <a:endParaRPr kumimoji="1" lang="en-US" altLang="ja-JP" sz="2400" dirty="0" smtClean="0"/>
+          </a:p>
+          <a:p>
+            <a:r>
+              <a:rPr kumimoji="1" lang="ja-JP" altLang="en-US" sz="2400" dirty="0"/>
+              <a:t>　</a:t>
+            </a:r>
+            <a:r>
+              <a:rPr kumimoji="1" lang="ja-JP" altLang="en-US" sz="2400" dirty="0" smtClean="0"/>
+              <a:t>逆に狭くすると攻撃力は下がり、攻撃速度は速くなる。</a:t>
+            </a:r>
+            <a:endParaRPr kumimoji="1" lang="ja-JP" altLang="en-US" sz="2400" dirty="0"/>
+          </a:p>
+        </p:txBody>
+      </p:sp>
+      <p:sp>
+        <p:nvSpPr>
+          <p:cNvPr id="9" name="テキスト ボックス 8"/>
+          <p:cNvSpPr txBox="1"/>
+          <p:nvPr/>
+        </p:nvSpPr>
+        <p:spPr>
+          <a:xfrm>
+            <a:off x="1602261" y="5574102"/>
+            <a:ext cx="1599194" cy="646331"/>
+          </a:xfrm>
+          <a:prstGeom prst="rect">
+            <a:avLst/>
+          </a:prstGeom>
+          <a:noFill/>
+        </p:spPr>
+        <p:txBody>
+          <a:bodyPr wrap="square" rtlCol="0">
+            <a:spAutoFit/>
+          </a:bodyPr>
+          <a:lstStyle/>
+          <a:p>
+            <a:pPr algn="ctr"/>
+            <a:r>
+              <a:rPr kumimoji="1" lang="ja-JP" altLang="en-US" dirty="0" smtClean="0">
+                <a:latin typeface="HGS創英角ｺﾞｼｯｸUB" panose="020B0900000000000000" pitchFamily="50" charset="-128"/>
+                <a:ea typeface="HGS創英角ｺﾞｼｯｸUB" panose="020B0900000000000000" pitchFamily="50" charset="-128"/>
+              </a:rPr>
+              <a:t>攻撃力：高</a:t>
+            </a:r>
+            <a:endParaRPr kumimoji="1" lang="en-US" altLang="ja-JP" dirty="0" smtClean="0">
+              <a:latin typeface="HGS創英角ｺﾞｼｯｸUB" panose="020B0900000000000000" pitchFamily="50" charset="-128"/>
+              <a:ea typeface="HGS創英角ｺﾞｼｯｸUB" panose="020B0900000000000000" pitchFamily="50" charset="-128"/>
+            </a:endParaRPr>
+          </a:p>
+          <a:p>
+            <a:pPr algn="ctr"/>
+            <a:r>
+              <a:rPr kumimoji="1" lang="ja-JP" altLang="en-US" dirty="0" smtClean="0">
+                <a:latin typeface="HGS創英角ｺﾞｼｯｸUB" panose="020B0900000000000000" pitchFamily="50" charset="-128"/>
+                <a:ea typeface="HGS創英角ｺﾞｼｯｸUB" panose="020B0900000000000000" pitchFamily="50" charset="-128"/>
+              </a:rPr>
+              <a:t>攻撃</a:t>
+            </a:r>
+            <a:r>
+              <a:rPr kumimoji="1" lang="ja-JP" altLang="en-US" dirty="0">
+                <a:latin typeface="HGS創英角ｺﾞｼｯｸUB" panose="020B0900000000000000" pitchFamily="50" charset="-128"/>
+                <a:ea typeface="HGS創英角ｺﾞｼｯｸUB" panose="020B0900000000000000" pitchFamily="50" charset="-128"/>
+              </a:rPr>
+              <a:t>速度</a:t>
+            </a:r>
+            <a:r>
+              <a:rPr kumimoji="1" lang="ja-JP" altLang="en-US" dirty="0" smtClean="0">
+                <a:latin typeface="HGS創英角ｺﾞｼｯｸUB" panose="020B0900000000000000" pitchFamily="50" charset="-128"/>
+                <a:ea typeface="HGS創英角ｺﾞｼｯｸUB" panose="020B0900000000000000" pitchFamily="50" charset="-128"/>
+              </a:rPr>
+              <a:t>：遅</a:t>
+            </a:r>
+            <a:endParaRPr kumimoji="1" lang="ja-JP" altLang="en-US" dirty="0">
+              <a:latin typeface="HGS創英角ｺﾞｼｯｸUB" panose="020B0900000000000000" pitchFamily="50" charset="-128"/>
+              <a:ea typeface="HGS創英角ｺﾞｼｯｸUB" panose="020B0900000000000000" pitchFamily="50" charset="-128"/>
+            </a:endParaRPr>
+          </a:p>
+        </p:txBody>
+      </p:sp>
+      <p:sp>
+        <p:nvSpPr>
+          <p:cNvPr id="10" name="テキスト ボックス 9"/>
+          <p:cNvSpPr txBox="1"/>
+          <p:nvPr/>
+        </p:nvSpPr>
+        <p:spPr>
+          <a:xfrm>
+            <a:off x="4135220" y="5574102"/>
+            <a:ext cx="1599194" cy="646331"/>
+          </a:xfrm>
+          <a:prstGeom prst="rect">
+            <a:avLst/>
+          </a:prstGeom>
+          <a:noFill/>
+        </p:spPr>
+        <p:txBody>
+          <a:bodyPr wrap="square" rtlCol="0">
+            <a:spAutoFit/>
+          </a:bodyPr>
+          <a:lstStyle/>
+          <a:p>
+            <a:pPr algn="ctr"/>
+            <a:r>
+              <a:rPr kumimoji="1" lang="ja-JP" altLang="en-US" dirty="0" smtClean="0">
+                <a:latin typeface="HGS創英角ｺﾞｼｯｸUB" panose="020B0900000000000000" pitchFamily="50" charset="-128"/>
+                <a:ea typeface="HGS創英角ｺﾞｼｯｸUB" panose="020B0900000000000000" pitchFamily="50" charset="-128"/>
+              </a:rPr>
+              <a:t>攻撃力：普</a:t>
+            </a:r>
+            <a:endParaRPr kumimoji="1" lang="en-US" altLang="ja-JP" dirty="0" smtClean="0">
+              <a:latin typeface="HGS創英角ｺﾞｼｯｸUB" panose="020B0900000000000000" pitchFamily="50" charset="-128"/>
+              <a:ea typeface="HGS創英角ｺﾞｼｯｸUB" panose="020B0900000000000000" pitchFamily="50" charset="-128"/>
+            </a:endParaRPr>
+          </a:p>
+          <a:p>
+            <a:pPr algn="ctr"/>
+            <a:r>
+              <a:rPr kumimoji="1" lang="ja-JP" altLang="en-US" dirty="0" smtClean="0">
+                <a:latin typeface="HGS創英角ｺﾞｼｯｸUB" panose="020B0900000000000000" pitchFamily="50" charset="-128"/>
+                <a:ea typeface="HGS創英角ｺﾞｼｯｸUB" panose="020B0900000000000000" pitchFamily="50" charset="-128"/>
+              </a:rPr>
+              <a:t>攻撃</a:t>
+            </a:r>
+            <a:r>
+              <a:rPr kumimoji="1" lang="ja-JP" altLang="en-US" dirty="0">
+                <a:latin typeface="HGS創英角ｺﾞｼｯｸUB" panose="020B0900000000000000" pitchFamily="50" charset="-128"/>
+                <a:ea typeface="HGS創英角ｺﾞｼｯｸUB" panose="020B0900000000000000" pitchFamily="50" charset="-128"/>
+              </a:rPr>
+              <a:t>速度</a:t>
+            </a:r>
+            <a:r>
+              <a:rPr kumimoji="1" lang="ja-JP" altLang="en-US" dirty="0" smtClean="0">
+                <a:latin typeface="HGS創英角ｺﾞｼｯｸUB" panose="020B0900000000000000" pitchFamily="50" charset="-128"/>
+                <a:ea typeface="HGS創英角ｺﾞｼｯｸUB" panose="020B0900000000000000" pitchFamily="50" charset="-128"/>
+              </a:rPr>
+              <a:t>：普</a:t>
+            </a:r>
+            <a:endParaRPr kumimoji="1" lang="ja-JP" altLang="en-US" dirty="0">
+              <a:latin typeface="HGS創英角ｺﾞｼｯｸUB" panose="020B0900000000000000" pitchFamily="50" charset="-128"/>
+              <a:ea typeface="HGS創英角ｺﾞｼｯｸUB" panose="020B0900000000000000" pitchFamily="50" charset="-128"/>
+            </a:endParaRPr>
+          </a:p>
+        </p:txBody>
+      </p:sp>
+      <p:sp>
+        <p:nvSpPr>
+          <p:cNvPr id="11" name="テキスト ボックス 10"/>
+          <p:cNvSpPr txBox="1"/>
+          <p:nvPr/>
+        </p:nvSpPr>
+        <p:spPr>
+          <a:xfrm>
+            <a:off x="6929220" y="5574102"/>
+            <a:ext cx="1599194" cy="646331"/>
+          </a:xfrm>
+          <a:prstGeom prst="rect">
+            <a:avLst/>
+          </a:prstGeom>
+          <a:noFill/>
+        </p:spPr>
+        <p:txBody>
+          <a:bodyPr wrap="square" rtlCol="0">
+            <a:spAutoFit/>
+          </a:bodyPr>
+          <a:lstStyle/>
+          <a:p>
+            <a:pPr algn="ctr"/>
+            <a:r>
+              <a:rPr kumimoji="1" lang="ja-JP" altLang="en-US" dirty="0" smtClean="0">
+                <a:latin typeface="HGS創英角ｺﾞｼｯｸUB" panose="020B0900000000000000" pitchFamily="50" charset="-128"/>
+                <a:ea typeface="HGS創英角ｺﾞｼｯｸUB" panose="020B0900000000000000" pitchFamily="50" charset="-128"/>
+              </a:rPr>
+              <a:t>攻撃力：低</a:t>
+            </a:r>
+            <a:endParaRPr kumimoji="1" lang="en-US" altLang="ja-JP" dirty="0" smtClean="0">
+              <a:latin typeface="HGS創英角ｺﾞｼｯｸUB" panose="020B0900000000000000" pitchFamily="50" charset="-128"/>
+              <a:ea typeface="HGS創英角ｺﾞｼｯｸUB" panose="020B0900000000000000" pitchFamily="50" charset="-128"/>
+            </a:endParaRPr>
+          </a:p>
+          <a:p>
+            <a:pPr algn="ctr"/>
+            <a:r>
+              <a:rPr kumimoji="1" lang="ja-JP" altLang="en-US" dirty="0" smtClean="0">
+                <a:latin typeface="HGS創英角ｺﾞｼｯｸUB" panose="020B0900000000000000" pitchFamily="50" charset="-128"/>
+                <a:ea typeface="HGS創英角ｺﾞｼｯｸUB" panose="020B0900000000000000" pitchFamily="50" charset="-128"/>
+              </a:rPr>
+              <a:t>攻撃速度：速</a:t>
+            </a:r>
+            <a:endParaRPr kumimoji="1" lang="ja-JP" altLang="en-US" dirty="0">
+              <a:latin typeface="HGS創英角ｺﾞｼｯｸUB" panose="020B0900000000000000" pitchFamily="50" charset="-128"/>
+              <a:ea typeface="HGS創英角ｺﾞｼｯｸUB" panose="020B0900000000000000" pitchFamily="50" charset="-128"/>
+            </a:endParaRPr>
+          </a:p>
+        </p:txBody>
+      </p:sp>
+      <p:pic>
+        <p:nvPicPr>
+          <p:cNvPr id="12" name="図 11"/>
+          <p:cNvPicPr>
+            <a:picLocks noChangeAspect="1"/>
+          </p:cNvPicPr>
+          <p:nvPr/>
+        </p:nvPicPr>
+        <p:blipFill>
+          <a:blip r:embed="rId3">
+            <a:extLst>
+              <a:ext uri="{28A0092B-C50C-407E-A947-70E740481C1C}">
+                <a14:useLocalDpi xmlns:a14="http://schemas.microsoft.com/office/drawing/2010/main" val="0"/>
+              </a:ext>
+            </a:extLst>
+          </a:blip>
+          <a:stretch>
+            <a:fillRect/>
+          </a:stretch>
+        </p:blipFill>
+        <p:spPr>
+          <a:xfrm>
+            <a:off x="-986426" y="4842551"/>
+            <a:ext cx="4440926" cy="2164080"/>
+          </a:xfrm>
+          <a:prstGeom prst="rect">
+            <a:avLst/>
+          </a:prstGeom>
+        </p:spPr>
+      </p:pic>
+      <p:pic>
+        <p:nvPicPr>
+          <p:cNvPr id="13" name="図 12"/>
+          <p:cNvPicPr>
+            <a:picLocks noChangeAspect="1"/>
+          </p:cNvPicPr>
+          <p:nvPr/>
+        </p:nvPicPr>
+        <p:blipFill>
+          <a:blip r:embed="rId4" cstate="print">
+            <a:extLst>
+              <a:ext uri="{28A0092B-C50C-407E-A947-70E740481C1C}">
+                <a14:useLocalDpi xmlns:a14="http://schemas.microsoft.com/office/drawing/2010/main" val="0"/>
+              </a:ext>
+            </a:extLst>
+          </a:blip>
+          <a:stretch>
+            <a:fillRect/>
+          </a:stretch>
+        </p:blipFill>
+        <p:spPr>
+          <a:xfrm>
+            <a:off x="6129623" y="4912878"/>
+            <a:ext cx="879212" cy="2164080"/>
+          </a:xfrm>
+          <a:prstGeom prst="rect">
+            <a:avLst/>
+          </a:prstGeom>
+        </p:spPr>
+      </p:pic>
+    </p:spTree>
+    <p:extLst>
+      <p:ext uri="{BB962C8B-B14F-4D97-AF65-F5344CB8AC3E}">
+        <p14:creationId xmlns:p14="http://schemas.microsoft.com/office/powerpoint/2010/main" val="1611893404"/>
+      </p:ext>
+    </p:extLst>
+  </p:cSld>
+  <p:clrMapOvr>
+    <a:masterClrMapping/>
+  </p:clrMapOvr>
+</p:sld>
+</file>
+
+<file path=ppt/slides/slide7.xml><?xml version="1.0" encoding="utf-8"?>
+<p:sld xmlns:a="http://schemas.openxmlformats.org/drawingml/2006/main" xmlns:r="http://schemas.openxmlformats.org/officeDocument/2006/relationships" xmlns:p="http://schemas.openxmlformats.org/presentationml/2006/main">
+  <p:cSld>
+    <p:spTree>
+      <p:nvGrpSpPr>
+        <p:cNvPr id="1" name=""/>
+        <p:cNvGrpSpPr/>
+        <p:nvPr/>
+      </p:nvGrpSpPr>
+      <p:grpSpPr>
+        <a:xfrm>
+          <a:off x="0" y="0"/>
+          <a:ext cx="0" cy="0"/>
+          <a:chOff x="0" y="0"/>
+          <a:chExt cx="0" cy="0"/>
+        </a:xfrm>
+      </p:grpSpPr>
+      <p:sp>
+        <p:nvSpPr>
+          <p:cNvPr id="2" name="テキスト ボックス 1"/>
+          <p:cNvSpPr txBox="1"/>
+          <p:nvPr/>
+        </p:nvSpPr>
+        <p:spPr>
+          <a:xfrm>
+            <a:off x="304799" y="285750"/>
+            <a:ext cx="10125075" cy="707886"/>
+          </a:xfrm>
+          <a:prstGeom prst="rect">
+            <a:avLst/>
+          </a:prstGeom>
+          <a:noFill/>
+        </p:spPr>
+        <p:txBody>
+          <a:bodyPr wrap="square" rtlCol="0">
+            <a:spAutoFit/>
+          </a:bodyPr>
+          <a:lstStyle/>
+          <a:p>
+            <a:r>
+              <a:rPr kumimoji="1" lang="ja-JP" altLang="en-US" sz="4000" u="sng" dirty="0" smtClean="0">
+                <a:latin typeface="小塚ゴシック Pro B" panose="020B0800000000000000" pitchFamily="34" charset="-128"/>
+                <a:ea typeface="小塚ゴシック Pro B" panose="020B0800000000000000" pitchFamily="34" charset="-128"/>
+              </a:rPr>
+              <a:t>　</a:t>
+            </a:r>
+            <a:r>
+              <a:rPr kumimoji="1" lang="ja-JP" altLang="en-US" sz="4000" u="sng" dirty="0">
+                <a:latin typeface="小塚ゴシック Pro B" panose="020B0800000000000000" pitchFamily="34" charset="-128"/>
+                <a:ea typeface="小塚ゴシック Pro B" panose="020B0800000000000000" pitchFamily="34" charset="-128"/>
+              </a:rPr>
+              <a:t>システム</a:t>
+            </a:r>
+            <a:endParaRPr kumimoji="1" lang="en-US" altLang="ja-JP" sz="4000" u="sng" dirty="0" smtClean="0">
+              <a:latin typeface="小塚ゴシック Pro B" panose="020B0800000000000000" pitchFamily="34" charset="-128"/>
+              <a:ea typeface="小塚ゴシック Pro B" panose="020B0800000000000000" pitchFamily="34" charset="-128"/>
+            </a:endParaRPr>
+          </a:p>
+        </p:txBody>
+      </p:sp>
+      <p:sp>
+        <p:nvSpPr>
+          <p:cNvPr id="3" name="テキスト ボックス 2"/>
+          <p:cNvSpPr txBox="1"/>
+          <p:nvPr/>
+        </p:nvSpPr>
+        <p:spPr>
+          <a:xfrm>
+            <a:off x="660399" y="1117600"/>
+            <a:ext cx="7109639" cy="646331"/>
+          </a:xfrm>
+          <a:prstGeom prst="rect">
+            <a:avLst/>
+          </a:prstGeom>
+          <a:noFill/>
+        </p:spPr>
+        <p:txBody>
+          <a:bodyPr wrap="none" rtlCol="0">
+            <a:spAutoFit/>
+          </a:bodyPr>
+          <a:lstStyle/>
+          <a:p>
+            <a:r>
+              <a:rPr kumimoji="1" lang="ja-JP" altLang="en-US" sz="3600" b="1" dirty="0" smtClean="0"/>
+              <a:t>カスタム要素③：柄（追加効果）</a:t>
+            </a:r>
+            <a:endParaRPr kumimoji="1" lang="ja-JP" altLang="en-US" sz="3600" b="1" dirty="0"/>
+          </a:p>
+        </p:txBody>
+      </p:sp>
+      <p:sp>
+        <p:nvSpPr>
+          <p:cNvPr id="4" name="テキスト ボックス 3"/>
+          <p:cNvSpPr txBox="1"/>
+          <p:nvPr/>
+        </p:nvSpPr>
+        <p:spPr>
+          <a:xfrm>
+            <a:off x="660399" y="1887895"/>
+            <a:ext cx="6955750" cy="461665"/>
+          </a:xfrm>
+          <a:prstGeom prst="rect">
+            <a:avLst/>
+          </a:prstGeom>
+          <a:noFill/>
+        </p:spPr>
+        <p:txBody>
+          <a:bodyPr wrap="none" rtlCol="0">
+            <a:spAutoFit/>
+          </a:bodyPr>
+          <a:lstStyle/>
+          <a:p>
+            <a:r>
+              <a:rPr kumimoji="1" lang="ja-JP" altLang="en-US" sz="2400" dirty="0" smtClean="0"/>
+              <a:t>・剣の柄に持たせる要素の追加効果だけとする。</a:t>
+            </a:r>
+            <a:endParaRPr kumimoji="1" lang="ja-JP" altLang="en-US" sz="2400" dirty="0"/>
+          </a:p>
+        </p:txBody>
+      </p:sp>
+      <p:sp>
+        <p:nvSpPr>
+          <p:cNvPr id="5" name="テキスト ボックス 4"/>
+          <p:cNvSpPr txBox="1"/>
+          <p:nvPr/>
+        </p:nvSpPr>
+        <p:spPr>
+          <a:xfrm>
+            <a:off x="660399" y="2473524"/>
+            <a:ext cx="8186857" cy="461665"/>
+          </a:xfrm>
+          <a:prstGeom prst="rect">
+            <a:avLst/>
+          </a:prstGeom>
+          <a:noFill/>
+        </p:spPr>
+        <p:txBody>
+          <a:bodyPr wrap="none" rtlCol="0">
+            <a:spAutoFit/>
+          </a:bodyPr>
+          <a:lstStyle/>
+          <a:p>
+            <a:r>
+              <a:rPr kumimoji="1" lang="ja-JP" altLang="en-US" sz="2400" dirty="0" smtClean="0"/>
+              <a:t>・追加効果は様々な＋効果を剣に付与することができる。</a:t>
+            </a:r>
+            <a:endParaRPr kumimoji="1" lang="ja-JP" altLang="en-US" sz="2400" dirty="0"/>
+          </a:p>
+        </p:txBody>
+      </p:sp>
+      <p:sp>
+        <p:nvSpPr>
+          <p:cNvPr id="6" name="テキスト ボックス 5"/>
+          <p:cNvSpPr txBox="1"/>
+          <p:nvPr/>
+        </p:nvSpPr>
+        <p:spPr>
+          <a:xfrm>
+            <a:off x="660399" y="3059153"/>
+            <a:ext cx="10956846" cy="2308324"/>
+          </a:xfrm>
+          <a:prstGeom prst="rect">
+            <a:avLst/>
+          </a:prstGeom>
+          <a:noFill/>
+        </p:spPr>
+        <p:txBody>
+          <a:bodyPr wrap="none" rtlCol="0">
+            <a:spAutoFit/>
+          </a:bodyPr>
+          <a:lstStyle/>
+          <a:p>
+            <a:r>
+              <a:rPr kumimoji="1" lang="ja-JP" altLang="en-US" sz="2400" dirty="0" smtClean="0"/>
+              <a:t>・現状想定している効果は攻撃力</a:t>
+            </a:r>
+            <a:r>
+              <a:rPr kumimoji="1" lang="ja-JP" altLang="en-US" sz="2400" dirty="0"/>
+              <a:t>上昇</a:t>
+            </a:r>
+            <a:r>
+              <a:rPr kumimoji="1" lang="ja-JP" altLang="en-US" sz="2400" dirty="0" smtClean="0"/>
+              <a:t>や待機時間</a:t>
+            </a:r>
+            <a:r>
+              <a:rPr kumimoji="1" lang="ja-JP" altLang="en-US" sz="2400" dirty="0"/>
+              <a:t>短縮</a:t>
+            </a:r>
+            <a:r>
+              <a:rPr kumimoji="1" lang="ja-JP" altLang="en-US" sz="2400" dirty="0" smtClean="0"/>
+              <a:t>など</a:t>
+            </a:r>
+            <a:endParaRPr kumimoji="1" lang="en-US" altLang="ja-JP" sz="2400" dirty="0" smtClean="0"/>
+          </a:p>
+          <a:p>
+            <a:r>
+              <a:rPr kumimoji="1" lang="ja-JP" altLang="en-US" sz="2400" dirty="0"/>
+              <a:t>　</a:t>
+            </a:r>
+            <a:r>
+              <a:rPr kumimoji="1" lang="ja-JP" altLang="en-US" sz="2400" dirty="0" smtClean="0"/>
+              <a:t>長さや幅の持っている要素を強化するものや、</a:t>
+            </a:r>
+            <a:endParaRPr kumimoji="1" lang="en-US" altLang="ja-JP" sz="2400" dirty="0" smtClean="0"/>
+          </a:p>
+          <a:p>
+            <a:r>
+              <a:rPr kumimoji="1" lang="ja-JP" altLang="en-US" sz="2400" dirty="0"/>
+              <a:t>　</a:t>
+            </a:r>
+            <a:r>
+              <a:rPr kumimoji="1" lang="ja-JP" altLang="en-US" sz="2400" dirty="0" smtClean="0"/>
+              <a:t>攻撃時に衝撃波を出したり、毒や麻痺といった状態異常を引き起こすもの、</a:t>
+            </a:r>
+            <a:endParaRPr kumimoji="1" lang="en-US" altLang="ja-JP" sz="2400" dirty="0" smtClean="0"/>
+          </a:p>
+          <a:p>
+            <a:r>
+              <a:rPr kumimoji="1" lang="ja-JP" altLang="en-US" sz="2400" dirty="0"/>
+              <a:t>　</a:t>
+            </a:r>
+            <a:r>
+              <a:rPr kumimoji="1" lang="ja-JP" altLang="en-US" sz="2400" dirty="0" smtClean="0"/>
+              <a:t>ダメージ時怯み無効、</a:t>
+            </a:r>
+            <a:r>
+              <a:rPr kumimoji="1" lang="en-US" altLang="ja-JP" sz="2400" dirty="0" smtClean="0"/>
+              <a:t>2</a:t>
+            </a:r>
+            <a:r>
+              <a:rPr kumimoji="1" lang="ja-JP" altLang="en-US" sz="2400" dirty="0" smtClean="0"/>
+              <a:t>段ジャンプができるようになるといった</a:t>
+            </a:r>
+            <a:endParaRPr kumimoji="1" lang="en-US" altLang="ja-JP" sz="2400" dirty="0" smtClean="0"/>
+          </a:p>
+          <a:p>
+            <a:r>
+              <a:rPr kumimoji="1" lang="ja-JP" altLang="en-US" sz="2400" dirty="0"/>
+              <a:t>　</a:t>
+            </a:r>
+            <a:r>
+              <a:rPr kumimoji="1" lang="ja-JP" altLang="en-US" sz="2400" dirty="0" smtClean="0"/>
+              <a:t>キャラクターが強化されるものなど対戦やカスタマイズの</a:t>
+            </a:r>
+            <a:endParaRPr kumimoji="1" lang="en-US" altLang="ja-JP" sz="2400" dirty="0" smtClean="0"/>
+          </a:p>
+          <a:p>
+            <a:r>
+              <a:rPr kumimoji="1" lang="ja-JP" altLang="en-US" sz="2400" dirty="0"/>
+              <a:t>　</a:t>
+            </a:r>
+            <a:r>
+              <a:rPr kumimoji="1" lang="ja-JP" altLang="en-US" sz="2400" dirty="0" smtClean="0"/>
+              <a:t>アクセントとなるものになる予定。</a:t>
+            </a:r>
+            <a:endParaRPr kumimoji="1" lang="en-US" altLang="ja-JP" sz="2400" dirty="0"/>
+          </a:p>
+        </p:txBody>
+      </p:sp>
+      <p:pic>
+        <p:nvPicPr>
+          <p:cNvPr id="7" name="図 6"/>
+          <p:cNvPicPr>
+            <a:picLocks noChangeAspect="1"/>
+          </p:cNvPicPr>
+          <p:nvPr/>
+        </p:nvPicPr>
+        <p:blipFill>
+          <a:blip r:embed="rId2" cstate="print">
+            <a:extLst>
+              <a:ext uri="{28A0092B-C50C-407E-A947-70E740481C1C}">
+                <a14:useLocalDpi xmlns:a14="http://schemas.microsoft.com/office/drawing/2010/main" val="0"/>
+              </a:ext>
+            </a:extLst>
+          </a:blip>
+          <a:stretch>
+            <a:fillRect/>
+          </a:stretch>
+        </p:blipFill>
+        <p:spPr>
+          <a:xfrm>
+            <a:off x="2758440" y="5367477"/>
+            <a:ext cx="1463735" cy="1364933"/>
+          </a:xfrm>
+          <a:prstGeom prst="rect">
+            <a:avLst/>
+          </a:prstGeom>
+        </p:spPr>
+      </p:pic>
+      <p:pic>
+        <p:nvPicPr>
+          <p:cNvPr id="8" name="図 7"/>
+          <p:cNvPicPr>
+            <a:picLocks noChangeAspect="1"/>
+          </p:cNvPicPr>
+          <p:nvPr/>
+        </p:nvPicPr>
+        <p:blipFill>
+          <a:blip r:embed="rId3" cstate="print">
+            <a:extLst>
+              <a:ext uri="{28A0092B-C50C-407E-A947-70E740481C1C}">
+                <a14:useLocalDpi xmlns:a14="http://schemas.microsoft.com/office/drawing/2010/main" val="0"/>
+              </a:ext>
+            </a:extLst>
+          </a:blip>
+          <a:stretch>
+            <a:fillRect/>
+          </a:stretch>
+        </p:blipFill>
+        <p:spPr>
+          <a:xfrm>
+            <a:off x="5887720" y="5282366"/>
+            <a:ext cx="1535153" cy="1535153"/>
+          </a:xfrm>
+          <a:prstGeom prst="rect">
+            <a:avLst/>
+          </a:prstGeom>
+        </p:spPr>
+      </p:pic>
+    </p:spTree>
+    <p:extLst>
+      <p:ext uri="{BB962C8B-B14F-4D97-AF65-F5344CB8AC3E}">
+        <p14:creationId xmlns:p14="http://schemas.microsoft.com/office/powerpoint/2010/main" val="2848030420"/>
+      </p:ext>
+    </p:extLst>
+  </p:cSld>
+  <p:clrMapOvr>
+    <a:masterClrMapping/>
+  </p:clrMapOvr>
+</p:sld>
+</file>
+
+<file path=ppt/slides/slide8.xml><?xml version="1.0" encoding="utf-8"?>
+<p:sld xmlns:a="http://schemas.openxmlformats.org/drawingml/2006/main" xmlns:r="http://schemas.openxmlformats.org/officeDocument/2006/relationships" xmlns:p="http://schemas.openxmlformats.org/presentationml/2006/main">
+  <p:cSld>
+    <p:spTree>
+      <p:nvGrpSpPr>
+        <p:cNvPr id="1" name=""/>
+        <p:cNvGrpSpPr/>
+        <p:nvPr/>
+      </p:nvGrpSpPr>
+      <p:grpSpPr>
+        <a:xfrm>
+          <a:off x="0" y="0"/>
+          <a:ext cx="0" cy="0"/>
+          <a:chOff x="0" y="0"/>
+          <a:chExt cx="0" cy="0"/>
+        </a:xfrm>
+      </p:grpSpPr>
+    </p:spTree>
+    <p:extLst>
+      <p:ext uri="{BB962C8B-B14F-4D97-AF65-F5344CB8AC3E}">
+        <p14:creationId xmlns:p14="http://schemas.microsoft.com/office/powerpoint/2010/main" val="732905619"/>
+      </p:ext>
+    </p:extLst>
+  </p:cSld>
+  <p:clrMapOvr>
+    <a:masterClrMapping/>
+  </p:clrMapOvr>
+</p:sld>
+</file>
+
+<file path=ppt/slides/slide9.xml><?xml version="1.0" encoding="utf-8"?>
+<p:sld xmlns:a="http://schemas.openxmlformats.org/drawingml/2006/main" xmlns:r="http://schemas.openxmlformats.org/officeDocument/2006/relationships" xmlns:p="http://schemas.openxmlformats.org/presentationml/2006/main">
+  <p:cSld>
+    <p:spTree>
+      <p:nvGrpSpPr>
+        <p:cNvPr id="1" name=""/>
+        <p:cNvGrpSpPr/>
+        <p:nvPr/>
+      </p:nvGrpSpPr>
+      <p:grpSpPr>
+        <a:xfrm>
+          <a:off x="0" y="0"/>
+          <a:ext cx="0" cy="0"/>
+          <a:chOff x="0" y="0"/>
+          <a:chExt cx="0" cy="0"/>
+        </a:xfrm>
+      </p:grpSpPr>
+    </p:spTree>
+    <p:extLst>
+      <p:ext uri="{BB962C8B-B14F-4D97-AF65-F5344CB8AC3E}">
+        <p14:creationId xmlns:p14="http://schemas.microsoft.com/office/powerpoint/2010/main" val="1175572211"/>
       </p:ext>
     </p:extLst>
   </p:cSld>

--- a/企画書.pptx
+++ b/企画書.pptx
@@ -10,9 +10,9 @@
     <p:sldId id="258" r:id="rId4"/>
     <p:sldId id="259" r:id="rId5"/>
     <p:sldId id="260" r:id="rId6"/>
-    <p:sldId id="261" r:id="rId7"/>
-    <p:sldId id="262" r:id="rId8"/>
-    <p:sldId id="263" r:id="rId9"/>
+    <p:sldId id="263" r:id="rId7"/>
+    <p:sldId id="261" r:id="rId8"/>
+    <p:sldId id="262" r:id="rId9"/>
     <p:sldId id="264" r:id="rId10"/>
     <p:sldId id="265" r:id="rId11"/>
     <p:sldId id="266" r:id="rId12"/>
@@ -322,7 +322,7 @@
           <a:p>
             <a:fld id="{FA3992D2-0107-4EEA-8C14-7D0839A79863}" type="datetimeFigureOut">
               <a:rPr kumimoji="1" lang="ja-JP" altLang="en-US" smtClean="0"/>
-              <a:t>2020/9/30</a:t>
+              <a:t>2020/10/5</a:t>
             </a:fld>
             <a:endParaRPr kumimoji="1" lang="ja-JP" altLang="en-US"/>
           </a:p>
@@ -758,7 +758,7 @@
           <a:p>
             <a:fld id="{FA3992D2-0107-4EEA-8C14-7D0839A79863}" type="datetimeFigureOut">
               <a:rPr kumimoji="1" lang="ja-JP" altLang="en-US" smtClean="0"/>
-              <a:t>2020/9/30</a:t>
+              <a:t>2020/10/5</a:t>
             </a:fld>
             <a:endParaRPr kumimoji="1" lang="ja-JP" altLang="en-US"/>
           </a:p>
@@ -1008,7 +1008,7 @@
           <a:p>
             <a:fld id="{FA3992D2-0107-4EEA-8C14-7D0839A79863}" type="datetimeFigureOut">
               <a:rPr kumimoji="1" lang="ja-JP" altLang="en-US" smtClean="0"/>
-              <a:t>2020/9/30</a:t>
+              <a:t>2020/10/5</a:t>
             </a:fld>
             <a:endParaRPr kumimoji="1" lang="ja-JP" altLang="en-US"/>
           </a:p>
@@ -1316,7 +1316,7 @@
           <a:p>
             <a:fld id="{FA3992D2-0107-4EEA-8C14-7D0839A79863}" type="datetimeFigureOut">
               <a:rPr kumimoji="1" lang="ja-JP" altLang="en-US" smtClean="0"/>
-              <a:t>2020/9/30</a:t>
+              <a:t>2020/10/5</a:t>
             </a:fld>
             <a:endParaRPr kumimoji="1" lang="ja-JP" altLang="en-US"/>
           </a:p>
@@ -1634,7 +1634,7 @@
           <a:p>
             <a:fld id="{FA3992D2-0107-4EEA-8C14-7D0839A79863}" type="datetimeFigureOut">
               <a:rPr kumimoji="1" lang="ja-JP" altLang="en-US" smtClean="0"/>
-              <a:t>2020/9/30</a:t>
+              <a:t>2020/10/5</a:t>
             </a:fld>
             <a:endParaRPr kumimoji="1" lang="ja-JP" altLang="en-US"/>
           </a:p>
@@ -1936,7 +1936,7 @@
           <a:p>
             <a:fld id="{FA3992D2-0107-4EEA-8C14-7D0839A79863}" type="datetimeFigureOut">
               <a:rPr kumimoji="1" lang="ja-JP" altLang="en-US" smtClean="0"/>
-              <a:t>2020/9/30</a:t>
+              <a:t>2020/10/5</a:t>
             </a:fld>
             <a:endParaRPr kumimoji="1" lang="ja-JP" altLang="en-US"/>
           </a:p>
@@ -2303,7 +2303,7 @@
           <a:p>
             <a:fld id="{FA3992D2-0107-4EEA-8C14-7D0839A79863}" type="datetimeFigureOut">
               <a:rPr kumimoji="1" lang="ja-JP" altLang="en-US" smtClean="0"/>
-              <a:t>2020/9/30</a:t>
+              <a:t>2020/10/5</a:t>
             </a:fld>
             <a:endParaRPr kumimoji="1" lang="ja-JP" altLang="en-US"/>
           </a:p>
@@ -2509,7 +2509,7 @@
           <a:p>
             <a:fld id="{FA3992D2-0107-4EEA-8C14-7D0839A79863}" type="datetimeFigureOut">
               <a:rPr kumimoji="1" lang="ja-JP" altLang="en-US" smtClean="0"/>
-              <a:t>2020/9/30</a:t>
+              <a:t>2020/10/5</a:t>
             </a:fld>
             <a:endParaRPr kumimoji="1" lang="ja-JP" altLang="en-US"/>
           </a:p>
@@ -2721,7 +2721,7 @@
           <a:p>
             <a:fld id="{FA3992D2-0107-4EEA-8C14-7D0839A79863}" type="datetimeFigureOut">
               <a:rPr kumimoji="1" lang="ja-JP" altLang="en-US" smtClean="0"/>
-              <a:t>2020/9/30</a:t>
+              <a:t>2020/10/5</a:t>
             </a:fld>
             <a:endParaRPr kumimoji="1" lang="ja-JP" altLang="en-US"/>
           </a:p>
@@ -2923,7 +2923,7 @@
           <a:p>
             <a:fld id="{FA3992D2-0107-4EEA-8C14-7D0839A79863}" type="datetimeFigureOut">
               <a:rPr kumimoji="1" lang="ja-JP" altLang="en-US" smtClean="0"/>
-              <a:t>2020/9/30</a:t>
+              <a:t>2020/10/5</a:t>
             </a:fld>
             <a:endParaRPr kumimoji="1" lang="ja-JP" altLang="en-US"/>
           </a:p>
@@ -3173,7 +3173,7 @@
           <a:p>
             <a:fld id="{FA3992D2-0107-4EEA-8C14-7D0839A79863}" type="datetimeFigureOut">
               <a:rPr kumimoji="1" lang="ja-JP" altLang="en-US" smtClean="0"/>
-              <a:t>2020/9/30</a:t>
+              <a:t>2020/10/5</a:t>
             </a:fld>
             <a:endParaRPr kumimoji="1" lang="ja-JP" altLang="en-US"/>
           </a:p>
@@ -3473,7 +3473,7 @@
           <a:p>
             <a:fld id="{FA3992D2-0107-4EEA-8C14-7D0839A79863}" type="datetimeFigureOut">
               <a:rPr kumimoji="1" lang="ja-JP" altLang="en-US" smtClean="0"/>
-              <a:t>2020/9/30</a:t>
+              <a:t>2020/10/5</a:t>
             </a:fld>
             <a:endParaRPr kumimoji="1" lang="ja-JP" altLang="en-US"/>
           </a:p>
@@ -3919,7 +3919,7 @@
           <a:p>
             <a:fld id="{FA3992D2-0107-4EEA-8C14-7D0839A79863}" type="datetimeFigureOut">
               <a:rPr kumimoji="1" lang="ja-JP" altLang="en-US" smtClean="0"/>
-              <a:t>2020/9/30</a:t>
+              <a:t>2020/10/5</a:t>
             </a:fld>
             <a:endParaRPr kumimoji="1" lang="ja-JP" altLang="en-US"/>
           </a:p>
@@ -4037,7 +4037,7 @@
           <a:p>
             <a:fld id="{FA3992D2-0107-4EEA-8C14-7D0839A79863}" type="datetimeFigureOut">
               <a:rPr kumimoji="1" lang="ja-JP" altLang="en-US" smtClean="0"/>
-              <a:t>2020/9/30</a:t>
+              <a:t>2020/10/5</a:t>
             </a:fld>
             <a:endParaRPr kumimoji="1" lang="ja-JP" altLang="en-US"/>
           </a:p>
@@ -4132,7 +4132,7 @@
           <a:p>
             <a:fld id="{FA3992D2-0107-4EEA-8C14-7D0839A79863}" type="datetimeFigureOut">
               <a:rPr kumimoji="1" lang="ja-JP" altLang="en-US" smtClean="0"/>
-              <a:t>2020/9/30</a:t>
+              <a:t>2020/10/5</a:t>
             </a:fld>
             <a:endParaRPr kumimoji="1" lang="ja-JP" altLang="en-US"/>
           </a:p>
@@ -4419,7 +4419,7 @@
           <a:p>
             <a:fld id="{FA3992D2-0107-4EEA-8C14-7D0839A79863}" type="datetimeFigureOut">
               <a:rPr kumimoji="1" lang="ja-JP" altLang="en-US" smtClean="0"/>
-              <a:t>2020/9/30</a:t>
+              <a:t>2020/10/5</a:t>
             </a:fld>
             <a:endParaRPr kumimoji="1" lang="ja-JP" altLang="en-US"/>
           </a:p>
@@ -4702,7 +4702,7 @@
           <a:p>
             <a:fld id="{FA3992D2-0107-4EEA-8C14-7D0839A79863}" type="datetimeFigureOut">
               <a:rPr kumimoji="1" lang="ja-JP" altLang="en-US" smtClean="0"/>
-              <a:t>2020/9/30</a:t>
+              <a:t>2020/10/5</a:t>
             </a:fld>
             <a:endParaRPr kumimoji="1" lang="ja-JP" altLang="en-US"/>
           </a:p>
@@ -5140,7 +5140,7 @@
           <a:p>
             <a:fld id="{FA3992D2-0107-4EEA-8C14-7D0839A79863}" type="datetimeFigureOut">
               <a:rPr kumimoji="1" lang="ja-JP" altLang="en-US" smtClean="0"/>
-              <a:t>2020/9/30</a:t>
+              <a:t>2020/10/5</a:t>
             </a:fld>
             <a:endParaRPr kumimoji="1" lang="ja-JP" altLang="en-US"/>
           </a:p>
@@ -6726,7 +6726,7 @@
         <p:spPr>
           <a:xfrm>
             <a:off x="449317" y="2947962"/>
-            <a:ext cx="11264622" cy="461665"/>
+            <a:ext cx="7571303" cy="461665"/>
           </a:xfrm>
           <a:prstGeom prst="rect">
             <a:avLst/>
@@ -6741,7 +6741,27 @@
           <a:p>
             <a:r>
               <a:rPr kumimoji="1" lang="ja-JP" altLang="en-US" sz="2400" dirty="0" smtClean="0"/>
-              <a:t>・制作コストや時間を考え剣身の長さと幅をいくつか用意して組み合わせる形に</a:t>
+              <a:t>・</a:t>
+            </a:r>
+            <a:r>
+              <a:rPr kumimoji="1" lang="ja-JP" altLang="en-US" sz="2400" dirty="0" smtClean="0"/>
+              <a:t>カスタム要素は</a:t>
+            </a:r>
+            <a:r>
+              <a:rPr kumimoji="1" lang="ja-JP" altLang="en-US" sz="2400" dirty="0" smtClean="0"/>
+              <a:t>剣</a:t>
+            </a:r>
+            <a:r>
+              <a:rPr kumimoji="1" lang="ja-JP" altLang="en-US" sz="2400" dirty="0" smtClean="0"/>
+              <a:t>身の長さと</a:t>
+            </a:r>
+            <a:r>
+              <a:rPr kumimoji="1" lang="ja-JP" altLang="en-US" sz="2400" dirty="0" smtClean="0"/>
+              <a:t>幅を組み合わせる</a:t>
+            </a:r>
+            <a:r>
+              <a:rPr kumimoji="1" lang="ja-JP" altLang="en-US" sz="2400" dirty="0" smtClean="0"/>
+              <a:t>形に</a:t>
             </a:r>
             <a:endParaRPr kumimoji="1" lang="en-US" altLang="ja-JP" sz="2400" dirty="0" smtClean="0"/>
           </a:p>
@@ -6789,7 +6809,7 @@
         </p:nvSpPr>
         <p:spPr>
           <a:xfrm>
-            <a:off x="520595" y="6298797"/>
+            <a:off x="979910" y="6264787"/>
             <a:ext cx="10203435" cy="461665"/>
           </a:xfrm>
           <a:prstGeom prst="rect">
@@ -6805,22 +6825,22 @@
           <a:p>
             <a:pPr algn="ctr"/>
             <a:r>
-              <a:rPr kumimoji="1" lang="ja-JP" altLang="en-US" sz="2400" dirty="0" smtClean="0"/>
+              <a:rPr kumimoji="1" lang="ja-JP" altLang="en-US" sz="2400" b="1" dirty="0" smtClean="0"/>
               <a:t>剣のカスタムは長さ、幅、柄（追加効果）の</a:t>
             </a:r>
             <a:r>
-              <a:rPr kumimoji="1" lang="en-US" altLang="ja-JP" sz="2400" dirty="0" smtClean="0"/>
+              <a:rPr kumimoji="1" lang="en-US" altLang="ja-JP" sz="2400" b="1" dirty="0" smtClean="0"/>
               <a:t>3</a:t>
             </a:r>
             <a:r>
-              <a:rPr kumimoji="1" lang="ja-JP" altLang="en-US" sz="2400" dirty="0" err="1" smtClean="0"/>
+              <a:rPr kumimoji="1" lang="ja-JP" altLang="en-US" sz="2400" b="1" dirty="0" err="1" smtClean="0"/>
               <a:t>つの</a:t>
             </a:r>
             <a:r>
-              <a:rPr kumimoji="1" lang="ja-JP" altLang="en-US" sz="2400" dirty="0" smtClean="0"/>
+              <a:rPr kumimoji="1" lang="ja-JP" altLang="en-US" sz="2400" b="1" dirty="0" smtClean="0"/>
               <a:t>要素をカスタムさせる</a:t>
             </a:r>
-            <a:endParaRPr kumimoji="1" lang="en-US" altLang="ja-JP" sz="2400" dirty="0" smtClean="0"/>
+            <a:endParaRPr kumimoji="1" lang="en-US" altLang="ja-JP" sz="2400" b="1" dirty="0" smtClean="0"/>
           </a:p>
         </p:txBody>
       </p:sp>
@@ -7401,82 +7421,9 @@
           <a:chExt cx="0" cy="0"/>
         </a:xfrm>
       </p:grpSpPr>
-      <p:sp>
-        <p:nvSpPr>
-          <p:cNvPr id="2" name="テキスト ボックス 1"/>
-          <p:cNvSpPr txBox="1"/>
-          <p:nvPr/>
-        </p:nvSpPr>
-        <p:spPr>
-          <a:xfrm>
-            <a:off x="304799" y="285750"/>
-            <a:ext cx="10125075" cy="707886"/>
-          </a:xfrm>
-          <a:prstGeom prst="rect">
-            <a:avLst/>
-          </a:prstGeom>
-          <a:noFill/>
-        </p:spPr>
-        <p:txBody>
-          <a:bodyPr wrap="square" rtlCol="0">
-            <a:spAutoFit/>
-          </a:bodyPr>
-          <a:lstStyle/>
-          <a:p>
-            <a:r>
-              <a:rPr kumimoji="1" lang="ja-JP" altLang="en-US" sz="4000" u="sng" dirty="0" smtClean="0">
-                <a:latin typeface="小塚ゴシック Pro B" panose="020B0800000000000000" pitchFamily="34" charset="-128"/>
-                <a:ea typeface="小塚ゴシック Pro B" panose="020B0800000000000000" pitchFamily="34" charset="-128"/>
-              </a:rPr>
-              <a:t>　</a:t>
-            </a:r>
-            <a:r>
-              <a:rPr kumimoji="1" lang="ja-JP" altLang="en-US" sz="4000" u="sng" dirty="0">
-                <a:latin typeface="小塚ゴシック Pro B" panose="020B0800000000000000" pitchFamily="34" charset="-128"/>
-                <a:ea typeface="小塚ゴシック Pro B" panose="020B0800000000000000" pitchFamily="34" charset="-128"/>
-              </a:rPr>
-              <a:t>システム</a:t>
-            </a:r>
-            <a:endParaRPr kumimoji="1" lang="en-US" altLang="ja-JP" sz="4000" u="sng" dirty="0" smtClean="0">
-              <a:latin typeface="小塚ゴシック Pro B" panose="020B0800000000000000" pitchFamily="34" charset="-128"/>
-              <a:ea typeface="小塚ゴシック Pro B" panose="020B0800000000000000" pitchFamily="34" charset="-128"/>
-            </a:endParaRPr>
-          </a:p>
-        </p:txBody>
-      </p:sp>
-      <p:sp>
-        <p:nvSpPr>
-          <p:cNvPr id="4" name="テキスト ボックス 3"/>
-          <p:cNvSpPr txBox="1"/>
-          <p:nvPr/>
-        </p:nvSpPr>
-        <p:spPr>
-          <a:xfrm>
-            <a:off x="660399" y="1117600"/>
-            <a:ext cx="9879628" cy="646331"/>
-          </a:xfrm>
-          <a:prstGeom prst="rect">
-            <a:avLst/>
-          </a:prstGeom>
-          <a:noFill/>
-        </p:spPr>
-        <p:txBody>
-          <a:bodyPr wrap="none" rtlCol="0">
-            <a:spAutoFit/>
-          </a:bodyPr>
-          <a:lstStyle/>
-          <a:p>
-            <a:r>
-              <a:rPr kumimoji="1" lang="ja-JP" altLang="en-US" sz="3600" b="1" dirty="0" smtClean="0"/>
-              <a:t>カスタム要素①：長さ（攻撃範囲、待機時間）</a:t>
-            </a:r>
-            <a:endParaRPr kumimoji="1" lang="ja-JP" altLang="en-US" sz="3600" b="1" dirty="0"/>
-          </a:p>
-        </p:txBody>
-      </p:sp>
       <p:pic>
         <p:nvPicPr>
-          <p:cNvPr id="5" name="図 4"/>
+          <p:cNvPr id="12" name="図 11"/>
           <p:cNvPicPr>
             <a:picLocks noChangeAspect="1"/>
           </p:cNvPicPr>
@@ -7496,8 +7443,8 @@
         </p:blipFill>
         <p:spPr>
           <a:xfrm>
-            <a:off x="2770737" y="4912878"/>
-            <a:ext cx="2164080" cy="2164080"/>
+            <a:off x="5230800" y="2772427"/>
+            <a:ext cx="1475235" cy="1962916"/>
           </a:xfrm>
           <a:prstGeom prst="rect">
             <a:avLst/>
@@ -7506,14 +7453,14 @@
       </p:pic>
       <p:sp>
         <p:nvSpPr>
-          <p:cNvPr id="6" name="テキスト ボックス 5"/>
+          <p:cNvPr id="2" name="テキスト ボックス 1"/>
           <p:cNvSpPr txBox="1"/>
           <p:nvPr/>
         </p:nvSpPr>
         <p:spPr>
           <a:xfrm>
-            <a:off x="660399" y="1887895"/>
-            <a:ext cx="9280105" cy="461665"/>
+            <a:off x="304799" y="285750"/>
+            <a:ext cx="10125075" cy="707886"/>
           </a:xfrm>
           <a:prstGeom prst="rect">
             <a:avLst/>
@@ -7521,37 +7468,42 @@
           <a:noFill/>
         </p:spPr>
         <p:txBody>
-          <a:bodyPr wrap="none" rtlCol="0">
+          <a:bodyPr wrap="square" rtlCol="0">
             <a:spAutoFit/>
           </a:bodyPr>
           <a:lstStyle/>
           <a:p>
             <a:r>
-              <a:rPr kumimoji="1" lang="ja-JP" altLang="en-US" sz="2400" dirty="0" smtClean="0"/>
-              <a:t>・剣の長さに持たせる要素は攻撃範囲と待機時間の</a:t>
-            </a:r>
-            <a:r>
-              <a:rPr kumimoji="1" lang="en-US" altLang="ja-JP" sz="2400" dirty="0" smtClean="0"/>
-              <a:t>2</a:t>
-            </a:r>
-            <a:r>
-              <a:rPr kumimoji="1" lang="ja-JP" altLang="en-US" sz="2400" dirty="0" smtClean="0"/>
-              <a:t>つとする。</a:t>
-            </a:r>
-            <a:endParaRPr kumimoji="1" lang="ja-JP" altLang="en-US" sz="2400" dirty="0"/>
-          </a:p>
-        </p:txBody>
-      </p:sp>
-      <p:sp>
-        <p:nvSpPr>
-          <p:cNvPr id="7" name="テキスト ボックス 6"/>
+              <a:rPr kumimoji="1" lang="ja-JP" altLang="en-US" sz="4000" u="sng" dirty="0" smtClean="0">
+                <a:latin typeface="小塚ゴシック Pro B" panose="020B0800000000000000" pitchFamily="34" charset="-128"/>
+                <a:ea typeface="小塚ゴシック Pro B" panose="020B0800000000000000" pitchFamily="34" charset="-128"/>
+              </a:rPr>
+              <a:t>　</a:t>
+            </a:r>
+            <a:r>
+              <a:rPr kumimoji="1" lang="ja-JP" altLang="en-US" sz="4000" u="sng" dirty="0">
+                <a:latin typeface="小塚ゴシック Pro B" panose="020B0800000000000000" pitchFamily="34" charset="-128"/>
+                <a:ea typeface="小塚ゴシック Pro B" panose="020B0800000000000000" pitchFamily="34" charset="-128"/>
+              </a:rPr>
+              <a:t>システム</a:t>
+            </a:r>
+            <a:endParaRPr kumimoji="1" lang="en-US" altLang="ja-JP" sz="4000" u="sng" dirty="0" smtClean="0">
+              <a:latin typeface="小塚ゴシック Pro B" panose="020B0800000000000000" pitchFamily="34" charset="-128"/>
+              <a:ea typeface="小塚ゴシック Pro B" panose="020B0800000000000000" pitchFamily="34" charset="-128"/>
+            </a:endParaRPr>
+          </a:p>
+        </p:txBody>
+      </p:sp>
+      <p:sp>
+        <p:nvSpPr>
+          <p:cNvPr id="4" name="テキスト ボックス 3"/>
           <p:cNvSpPr txBox="1"/>
           <p:nvPr/>
         </p:nvSpPr>
         <p:spPr>
           <a:xfrm>
-            <a:off x="660398" y="2349560"/>
-            <a:ext cx="9110186" cy="830997"/>
+            <a:off x="660399" y="1117600"/>
+            <a:ext cx="9879628" cy="646331"/>
           </a:xfrm>
           <a:prstGeom prst="rect">
             <a:avLst/>
@@ -7565,34 +7517,23 @@
           <a:lstStyle/>
           <a:p>
             <a:r>
-              <a:rPr kumimoji="1" lang="ja-JP" altLang="en-US" sz="2400" dirty="0" smtClean="0"/>
-              <a:t>・攻撃範囲は剣を振ったとき攻撃が届く範囲、</a:t>
-            </a:r>
-            <a:endParaRPr kumimoji="1" lang="en-US" altLang="ja-JP" sz="2400" dirty="0" smtClean="0"/>
-          </a:p>
-          <a:p>
-            <a:r>
-              <a:rPr kumimoji="1" lang="ja-JP" altLang="en-US" sz="2400" dirty="0"/>
-              <a:t>　</a:t>
-            </a:r>
-            <a:r>
-              <a:rPr kumimoji="1" lang="ja-JP" altLang="en-US" sz="2400" dirty="0" smtClean="0"/>
-              <a:t>待機時間は剣を振った後次の行動に移るまでの時間とする。</a:t>
-            </a:r>
-            <a:endParaRPr kumimoji="1" lang="ja-JP" altLang="en-US" sz="2400" dirty="0"/>
-          </a:p>
-        </p:txBody>
-      </p:sp>
-      <p:sp>
-        <p:nvSpPr>
-          <p:cNvPr id="8" name="テキスト ボックス 7"/>
+              <a:rPr kumimoji="1" lang="ja-JP" altLang="en-US" sz="3600" b="1" dirty="0" smtClean="0"/>
+              <a:t>カスタム要素①：長さ（攻撃範囲、待機時間）</a:t>
+            </a:r>
+            <a:endParaRPr kumimoji="1" lang="ja-JP" altLang="en-US" sz="3600" b="1" dirty="0"/>
+          </a:p>
+        </p:txBody>
+      </p:sp>
+      <p:sp>
+        <p:nvSpPr>
+          <p:cNvPr id="6" name="テキスト ボックス 5"/>
           <p:cNvSpPr txBox="1"/>
           <p:nvPr/>
         </p:nvSpPr>
         <p:spPr>
           <a:xfrm>
-            <a:off x="660397" y="3180557"/>
-            <a:ext cx="10033516" cy="830997"/>
+            <a:off x="660398" y="1716433"/>
+            <a:ext cx="8664551" cy="461665"/>
           </a:xfrm>
           <a:prstGeom prst="rect">
             <a:avLst/>
@@ -7607,18 +7548,145 @@
           <a:p>
             <a:r>
               <a:rPr kumimoji="1" lang="ja-JP" altLang="en-US" sz="2400" dirty="0" smtClean="0"/>
-              <a:t>・剣の長さを長くするほど攻撃範囲は広がり、待機時間は長くなる。</a:t>
-            </a:r>
-            <a:endParaRPr kumimoji="1" lang="en-US" altLang="ja-JP" sz="2400" dirty="0" smtClean="0"/>
-          </a:p>
-          <a:p>
-            <a:r>
-              <a:rPr kumimoji="1" lang="ja-JP" altLang="en-US" sz="2400" dirty="0"/>
-              <a:t>　</a:t>
+              <a:t>剣</a:t>
             </a:r>
             <a:r>
               <a:rPr kumimoji="1" lang="ja-JP" altLang="en-US" sz="2400" dirty="0" smtClean="0"/>
-              <a:t>逆に短くすると攻撃範囲は狭まり、待機時間は短くなる。</a:t>
+              <a:t>の長さに持たせる要素は攻撃範囲と待機時間の</a:t>
+            </a:r>
+            <a:r>
+              <a:rPr kumimoji="1" lang="en-US" altLang="ja-JP" sz="2400" dirty="0" smtClean="0"/>
+              <a:t>2</a:t>
+            </a:r>
+            <a:r>
+              <a:rPr kumimoji="1" lang="ja-JP" altLang="en-US" sz="2400" dirty="0" smtClean="0"/>
+              <a:t>つとする。</a:t>
+            </a:r>
+            <a:endParaRPr kumimoji="1" lang="ja-JP" altLang="en-US" sz="2400" dirty="0"/>
+          </a:p>
+        </p:txBody>
+      </p:sp>
+      <p:sp>
+        <p:nvSpPr>
+          <p:cNvPr id="7" name="テキスト ボックス 6"/>
+          <p:cNvSpPr txBox="1"/>
+          <p:nvPr/>
+        </p:nvSpPr>
+        <p:spPr>
+          <a:xfrm>
+            <a:off x="660398" y="2217664"/>
+            <a:ext cx="6340197" cy="461665"/>
+          </a:xfrm>
+          <a:prstGeom prst="rect">
+            <a:avLst/>
+          </a:prstGeom>
+          <a:noFill/>
+        </p:spPr>
+        <p:txBody>
+          <a:bodyPr wrap="none" rtlCol="0">
+            <a:spAutoFit/>
+          </a:bodyPr>
+          <a:lstStyle/>
+          <a:p>
+            <a:r>
+              <a:rPr kumimoji="1" lang="ja-JP" altLang="en-US" sz="2400" dirty="0" smtClean="0"/>
+              <a:t>・攻撃</a:t>
+            </a:r>
+            <a:r>
+              <a:rPr kumimoji="1" lang="ja-JP" altLang="en-US" sz="2400" dirty="0" smtClean="0"/>
+              <a:t>範囲は剣を振ったとき攻撃が届く</a:t>
+            </a:r>
+            <a:r>
+              <a:rPr kumimoji="1" lang="ja-JP" altLang="en-US" sz="2400" dirty="0" smtClean="0"/>
+              <a:t>範囲</a:t>
+            </a:r>
+            <a:endParaRPr kumimoji="1" lang="ja-JP" altLang="en-US" sz="2400" dirty="0"/>
+          </a:p>
+        </p:txBody>
+      </p:sp>
+      <p:sp>
+        <p:nvSpPr>
+          <p:cNvPr id="3" name="環状矢印 2"/>
+          <p:cNvSpPr/>
+          <p:nvPr/>
+        </p:nvSpPr>
+        <p:spPr>
+          <a:xfrm rot="6332741">
+            <a:off x="4069877" y="2693928"/>
+            <a:ext cx="1220129" cy="1975397"/>
+          </a:xfrm>
+          <a:prstGeom prst="circularArrow">
+            <a:avLst>
+              <a:gd name="adj1" fmla="val 12500"/>
+              <a:gd name="adj2" fmla="val 1142319"/>
+              <a:gd name="adj3" fmla="val 20457681"/>
+              <a:gd name="adj4" fmla="val 10104403"/>
+              <a:gd name="adj5" fmla="val 12500"/>
+            </a:avLst>
+          </a:prstGeom>
+          <a:solidFill>
+            <a:schemeClr val="tx1"/>
+          </a:solidFill>
+          <a:ln>
+            <a:solidFill>
+              <a:schemeClr val="bg1"/>
+            </a:solidFill>
+          </a:ln>
+        </p:spPr>
+        <p:style>
+          <a:lnRef idx="2">
+            <a:schemeClr val="accent1">
+              <a:shade val="50000"/>
+            </a:schemeClr>
+          </a:lnRef>
+          <a:fillRef idx="1">
+            <a:schemeClr val="accent1"/>
+          </a:fillRef>
+          <a:effectRef idx="0">
+            <a:schemeClr val="accent1"/>
+          </a:effectRef>
+          <a:fontRef idx="minor">
+            <a:schemeClr val="lt1"/>
+          </a:fontRef>
+        </p:style>
+        <p:txBody>
+          <a:bodyPr rtlCol="0" anchor="ctr"/>
+          <a:lstStyle/>
+          <a:p>
+            <a:pPr algn="ctr"/>
+            <a:endParaRPr kumimoji="1" lang="ja-JP" altLang="en-US">
+              <a:solidFill>
+                <a:schemeClr val="tx1"/>
+              </a:solidFill>
+            </a:endParaRPr>
+          </a:p>
+        </p:txBody>
+      </p:sp>
+      <p:sp>
+        <p:nvSpPr>
+          <p:cNvPr id="22" name="テキスト ボックス 21"/>
+          <p:cNvSpPr txBox="1"/>
+          <p:nvPr/>
+        </p:nvSpPr>
+        <p:spPr>
+          <a:xfrm>
+            <a:off x="660398" y="4615476"/>
+            <a:ext cx="7571303" cy="461665"/>
+          </a:xfrm>
+          <a:prstGeom prst="rect">
+            <a:avLst/>
+          </a:prstGeom>
+          <a:noFill/>
+        </p:spPr>
+        <p:txBody>
+          <a:bodyPr wrap="none" rtlCol="0">
+            <a:spAutoFit/>
+          </a:bodyPr>
+          <a:lstStyle/>
+          <a:p>
+            <a:r>
+              <a:rPr kumimoji="1" lang="ja-JP" altLang="en-US" sz="2400" dirty="0" smtClean="0"/>
+              <a:t>・待機時間は剣を振った後次の行動に移るまでの時間</a:t>
             </a:r>
             <a:endParaRPr kumimoji="1" lang="ja-JP" altLang="en-US" sz="2400" dirty="0"/>
           </a:p>
@@ -7626,7 +7694,7 @@
       </p:sp>
       <p:pic>
         <p:nvPicPr>
-          <p:cNvPr id="9" name="図 8"/>
+          <p:cNvPr id="11" name="図 10"/>
           <p:cNvPicPr>
             <a:picLocks noChangeAspect="1"/>
           </p:cNvPicPr>
@@ -7645,55 +7713,100 @@
           </a:stretch>
         </p:blipFill>
         <p:spPr>
-          <a:xfrm>
-            <a:off x="304799" y="4114800"/>
-            <a:ext cx="2164080" cy="3333692"/>
+          <a:xfrm flipH="1">
+            <a:off x="3293344" y="2750465"/>
+            <a:ext cx="1475235" cy="1962916"/>
           </a:xfrm>
           <a:prstGeom prst="rect">
             <a:avLst/>
           </a:prstGeom>
         </p:spPr>
       </p:pic>
-      <p:pic>
-        <p:nvPicPr>
-          <p:cNvPr id="10" name="図 9"/>
-          <p:cNvPicPr>
-            <a:picLocks noChangeAspect="1"/>
-          </p:cNvPicPr>
+      <p:grpSp>
+        <p:nvGrpSpPr>
+          <p:cNvPr id="19" name="グループ化 18"/>
+          <p:cNvGrpSpPr/>
           <p:nvPr/>
-        </p:nvPicPr>
-        <p:blipFill>
-          <a:blip r:embed="rId4" cstate="print">
-            <a:extLst>
-              <a:ext uri="{28A0092B-C50C-407E-A947-70E740481C1C}">
-                <a14:useLocalDpi xmlns:a14="http://schemas.microsoft.com/office/drawing/2010/main" val="0"/>
-              </a:ext>
-            </a:extLst>
-          </a:blip>
-          <a:stretch>
-            <a:fillRect/>
-          </a:stretch>
-        </p:blipFill>
-        <p:spPr>
-          <a:xfrm>
-            <a:off x="5367336" y="5630505"/>
-            <a:ext cx="2164080" cy="728825"/>
-          </a:xfrm>
-          <a:prstGeom prst="rect">
-            <a:avLst/>
-          </a:prstGeom>
-        </p:spPr>
-      </p:pic>
-      <p:sp>
-        <p:nvSpPr>
-          <p:cNvPr id="13" name="テキスト ボックス 12"/>
+        </p:nvGrpSpPr>
+        <p:grpSpPr>
+          <a:xfrm rot="10800000">
+            <a:off x="3149014" y="3752695"/>
+            <a:ext cx="738210" cy="610476"/>
+            <a:chOff x="1402175" y="4314787"/>
+            <a:chExt cx="1650250" cy="1643881"/>
+          </a:xfrm>
+        </p:grpSpPr>
+        <p:pic>
+          <p:nvPicPr>
+            <p:cNvPr id="20" name="図 19"/>
+            <p:cNvPicPr>
+              <a:picLocks noChangeAspect="1"/>
+            </p:cNvPicPr>
+            <p:nvPr/>
+          </p:nvPicPr>
+          <p:blipFill>
+            <a:blip r:embed="rId4" cstate="print">
+              <a:extLst>
+                <a:ext uri="{28A0092B-C50C-407E-A947-70E740481C1C}">
+                  <a14:useLocalDpi xmlns:a14="http://schemas.microsoft.com/office/drawing/2010/main" val="0"/>
+                </a:ext>
+              </a:extLst>
+            </a:blip>
+            <a:stretch>
+              <a:fillRect/>
+            </a:stretch>
+          </p:blipFill>
+          <p:spPr>
+            <a:xfrm rot="2781929">
+              <a:off x="1408544" y="4314787"/>
+              <a:ext cx="1643881" cy="1643881"/>
+            </a:xfrm>
+            <a:prstGeom prst="rect">
+              <a:avLst/>
+            </a:prstGeom>
+          </p:spPr>
+        </p:pic>
+        <p:pic>
+          <p:nvPicPr>
+            <p:cNvPr id="21" name="図 20"/>
+            <p:cNvPicPr>
+              <a:picLocks noChangeAspect="1"/>
+            </p:cNvPicPr>
+            <p:nvPr/>
+          </p:nvPicPr>
+          <p:blipFill>
+            <a:blip r:embed="rId5" cstate="print">
+              <a:extLst>
+                <a:ext uri="{28A0092B-C50C-407E-A947-70E740481C1C}">
+                  <a14:useLocalDpi xmlns:a14="http://schemas.microsoft.com/office/drawing/2010/main" val="0"/>
+                </a:ext>
+              </a:extLst>
+            </a:blip>
+            <a:stretch>
+              <a:fillRect/>
+            </a:stretch>
+          </p:blipFill>
+          <p:spPr>
+            <a:xfrm>
+              <a:off x="1402175" y="4514262"/>
+              <a:ext cx="1441201" cy="1441201"/>
+            </a:xfrm>
+            <a:prstGeom prst="rect">
+              <a:avLst/>
+            </a:prstGeom>
+          </p:spPr>
+        </p:pic>
+      </p:grpSp>
+      <p:sp>
+        <p:nvSpPr>
+          <p:cNvPr id="26" name="テキスト ボックス 25"/>
           <p:cNvSpPr txBox="1"/>
           <p:nvPr/>
         </p:nvSpPr>
         <p:spPr>
           <a:xfrm>
-            <a:off x="1602261" y="5574102"/>
-            <a:ext cx="1599194" cy="646331"/>
+            <a:off x="3887224" y="2725495"/>
+            <a:ext cx="697627" cy="246221"/>
           </a:xfrm>
           <a:prstGeom prst="rect">
             <a:avLst/>
@@ -7701,64 +7814,29 @@
           <a:noFill/>
         </p:spPr>
         <p:txBody>
-          <a:bodyPr wrap="square" rtlCol="0">
+          <a:bodyPr wrap="none" rtlCol="0">
             <a:spAutoFit/>
           </a:bodyPr>
           <a:lstStyle/>
           <a:p>
-            <a:pPr algn="ctr"/>
-            <a:r>
-              <a:rPr kumimoji="1" lang="ja-JP" altLang="en-US" dirty="0" smtClean="0">
-                <a:latin typeface="HGS創英角ｺﾞｼｯｸUB" panose="020B0900000000000000" pitchFamily="50" charset="-128"/>
-                <a:ea typeface="HGS創英角ｺﾞｼｯｸUB" panose="020B0900000000000000" pitchFamily="50" charset="-128"/>
-              </a:rPr>
-              <a:t>攻撃範囲：広</a:t>
-            </a:r>
-            <a:endParaRPr kumimoji="1" lang="en-US" altLang="ja-JP" dirty="0" smtClean="0">
-              <a:latin typeface="HGS創英角ｺﾞｼｯｸUB" panose="020B0900000000000000" pitchFamily="50" charset="-128"/>
-              <a:ea typeface="HGS創英角ｺﾞｼｯｸUB" panose="020B0900000000000000" pitchFamily="50" charset="-128"/>
-            </a:endParaRPr>
-          </a:p>
-          <a:p>
-            <a:pPr algn="ctr"/>
-            <a:r>
-              <a:rPr kumimoji="1" lang="ja-JP" altLang="en-US" dirty="0" smtClean="0">
-                <a:latin typeface="HGS創英角ｺﾞｼｯｸUB" panose="020B0900000000000000" pitchFamily="50" charset="-128"/>
-                <a:ea typeface="HGS創英角ｺﾞｼｯｸUB" panose="020B0900000000000000" pitchFamily="50" charset="-128"/>
-              </a:rPr>
-              <a:t>待機時間</a:t>
-            </a:r>
-            <a:r>
-              <a:rPr kumimoji="1" lang="ja-JP" altLang="en-US" dirty="0">
-                <a:latin typeface="HGS創英角ｺﾞｼｯｸUB" panose="020B0900000000000000" pitchFamily="50" charset="-128"/>
-                <a:ea typeface="HGS創英角ｺﾞｼｯｸUB" panose="020B0900000000000000" pitchFamily="50" charset="-128"/>
-              </a:rPr>
-              <a:t>：</a:t>
-            </a:r>
-            <a:r>
-              <a:rPr kumimoji="1" lang="ja-JP" altLang="en-US" dirty="0" smtClean="0">
-                <a:latin typeface="HGS創英角ｺﾞｼｯｸUB" panose="020B0900000000000000" pitchFamily="50" charset="-128"/>
-                <a:ea typeface="HGS創英角ｺﾞｼｯｸUB" panose="020B0900000000000000" pitchFamily="50" charset="-128"/>
-              </a:rPr>
-              <a:t>長</a:t>
-            </a:r>
-            <a:endParaRPr kumimoji="1" lang="ja-JP" altLang="en-US" dirty="0">
-              <a:latin typeface="HGS創英角ｺﾞｼｯｸUB" panose="020B0900000000000000" pitchFamily="50" charset="-128"/>
-              <a:ea typeface="HGS創英角ｺﾞｼｯｸUB" panose="020B0900000000000000" pitchFamily="50" charset="-128"/>
-            </a:endParaRPr>
-          </a:p>
-        </p:txBody>
-      </p:sp>
-      <p:sp>
-        <p:nvSpPr>
-          <p:cNvPr id="14" name="テキスト ボックス 13"/>
+            <a:r>
+              <a:rPr kumimoji="1" lang="ja-JP" altLang="en-US" sz="1000" dirty="0" smtClean="0"/>
+              <a:t>＼エイ／</a:t>
+            </a:r>
+            <a:endParaRPr kumimoji="1" lang="ja-JP" altLang="en-US" sz="1000" dirty="0"/>
+          </a:p>
+        </p:txBody>
+      </p:sp>
+      <p:sp>
+        <p:nvSpPr>
+          <p:cNvPr id="27" name="テキスト ボックス 26"/>
           <p:cNvSpPr txBox="1"/>
           <p:nvPr/>
         </p:nvSpPr>
         <p:spPr>
           <a:xfrm>
-            <a:off x="4135220" y="5574102"/>
-            <a:ext cx="1599194" cy="646331"/>
+            <a:off x="5619603" y="2823687"/>
+            <a:ext cx="825867" cy="246221"/>
           </a:xfrm>
           <a:prstGeom prst="rect">
             <a:avLst/>
@@ -7766,88 +7844,24 @@
           <a:noFill/>
         </p:spPr>
         <p:txBody>
-          <a:bodyPr wrap="square" rtlCol="0">
+          <a:bodyPr wrap="none" rtlCol="0">
             <a:spAutoFit/>
           </a:bodyPr>
           <a:lstStyle/>
           <a:p>
-            <a:pPr algn="ctr"/>
-            <a:r>
-              <a:rPr kumimoji="1" lang="ja-JP" altLang="en-US" dirty="0" smtClean="0">
-                <a:latin typeface="HGS創英角ｺﾞｼｯｸUB" panose="020B0900000000000000" pitchFamily="50" charset="-128"/>
-                <a:ea typeface="HGS創英角ｺﾞｼｯｸUB" panose="020B0900000000000000" pitchFamily="50" charset="-128"/>
-              </a:rPr>
-              <a:t>攻撃範囲：普</a:t>
-            </a:r>
-            <a:endParaRPr kumimoji="1" lang="en-US" altLang="ja-JP" dirty="0" smtClean="0">
-              <a:latin typeface="HGS創英角ｺﾞｼｯｸUB" panose="020B0900000000000000" pitchFamily="50" charset="-128"/>
-              <a:ea typeface="HGS創英角ｺﾞｼｯｸUB" panose="020B0900000000000000" pitchFamily="50" charset="-128"/>
-            </a:endParaRPr>
-          </a:p>
-          <a:p>
-            <a:pPr algn="ctr"/>
-            <a:r>
-              <a:rPr kumimoji="1" lang="ja-JP" altLang="en-US" dirty="0" smtClean="0">
-                <a:latin typeface="HGS創英角ｺﾞｼｯｸUB" panose="020B0900000000000000" pitchFamily="50" charset="-128"/>
-                <a:ea typeface="HGS創英角ｺﾞｼｯｸUB" panose="020B0900000000000000" pitchFamily="50" charset="-128"/>
-              </a:rPr>
-              <a:t>待機時間：普</a:t>
-            </a:r>
-            <a:endParaRPr kumimoji="1" lang="ja-JP" altLang="en-US" dirty="0">
-              <a:latin typeface="HGS創英角ｺﾞｼｯｸUB" panose="020B0900000000000000" pitchFamily="50" charset="-128"/>
-              <a:ea typeface="HGS創英角ｺﾞｼｯｸUB" panose="020B0900000000000000" pitchFamily="50" charset="-128"/>
-            </a:endParaRPr>
-          </a:p>
-        </p:txBody>
-      </p:sp>
-      <p:sp>
-        <p:nvSpPr>
-          <p:cNvPr id="15" name="テキスト ボックス 14"/>
-          <p:cNvSpPr txBox="1"/>
-          <p:nvPr/>
-        </p:nvSpPr>
-        <p:spPr>
-          <a:xfrm>
-            <a:off x="6929220" y="5574102"/>
-            <a:ext cx="1599194" cy="646331"/>
-          </a:xfrm>
-          <a:prstGeom prst="rect">
-            <a:avLst/>
-          </a:prstGeom>
-          <a:noFill/>
-        </p:spPr>
-        <p:txBody>
-          <a:bodyPr wrap="square" rtlCol="0">
-            <a:spAutoFit/>
-          </a:bodyPr>
-          <a:lstStyle/>
-          <a:p>
-            <a:pPr algn="ctr"/>
-            <a:r>
-              <a:rPr kumimoji="1" lang="ja-JP" altLang="en-US" dirty="0" smtClean="0">
-                <a:latin typeface="HGS創英角ｺﾞｼｯｸUB" panose="020B0900000000000000" pitchFamily="50" charset="-128"/>
-                <a:ea typeface="HGS創英角ｺﾞｼｯｸUB" panose="020B0900000000000000" pitchFamily="50" charset="-128"/>
-              </a:rPr>
-              <a:t>攻撃範囲：狭</a:t>
-            </a:r>
-            <a:endParaRPr kumimoji="1" lang="en-US" altLang="ja-JP" dirty="0" smtClean="0">
-              <a:latin typeface="HGS創英角ｺﾞｼｯｸUB" panose="020B0900000000000000" pitchFamily="50" charset="-128"/>
-              <a:ea typeface="HGS創英角ｺﾞｼｯｸUB" panose="020B0900000000000000" pitchFamily="50" charset="-128"/>
-            </a:endParaRPr>
-          </a:p>
-          <a:p>
-            <a:pPr algn="ctr"/>
-            <a:r>
-              <a:rPr kumimoji="1" lang="ja-JP" altLang="en-US" dirty="0" smtClean="0">
-                <a:latin typeface="HGS創英角ｺﾞｼｯｸUB" panose="020B0900000000000000" pitchFamily="50" charset="-128"/>
-                <a:ea typeface="HGS創英角ｺﾞｼｯｸUB" panose="020B0900000000000000" pitchFamily="50" charset="-128"/>
-              </a:rPr>
-              <a:t>待機時間：短</a:t>
-            </a:r>
-            <a:endParaRPr kumimoji="1" lang="ja-JP" altLang="en-US" dirty="0">
-              <a:latin typeface="HGS創英角ｺﾞｼｯｸUB" panose="020B0900000000000000" pitchFamily="50" charset="-128"/>
-              <a:ea typeface="HGS創英角ｺﾞｼｯｸUB" panose="020B0900000000000000" pitchFamily="50" charset="-128"/>
-            </a:endParaRPr>
+            <a:r>
+              <a:rPr kumimoji="1" lang="ja-JP" altLang="en-US" sz="1000" dirty="0" smtClean="0"/>
+              <a:t>＼</a:t>
+            </a:r>
+            <a:r>
+              <a:rPr kumimoji="1" lang="ja-JP" altLang="en-US" sz="1000" dirty="0" err="1" smtClean="0"/>
+              <a:t>ぐわ</a:t>
+            </a:r>
+            <a:r>
+              <a:rPr kumimoji="1" lang="ja-JP" altLang="en-US" sz="1000" dirty="0" smtClean="0"/>
+              <a:t>ー／</a:t>
+            </a:r>
+            <a:endParaRPr kumimoji="1" lang="ja-JP" altLang="en-US" sz="1000" dirty="0"/>
           </a:p>
         </p:txBody>
       </p:sp>
@@ -7881,16 +7895,91 @@
           <a:chExt cx="0" cy="0"/>
         </a:xfrm>
       </p:grpSpPr>
-      <p:sp>
-        <p:nvSpPr>
-          <p:cNvPr id="2" name="テキスト ボックス 1"/>
+      <p:grpSp>
+        <p:nvGrpSpPr>
+          <p:cNvPr id="2" name="グループ化 1"/>
+          <p:cNvGrpSpPr/>
+          <p:nvPr/>
+        </p:nvGrpSpPr>
+        <p:grpSpPr>
+          <a:xfrm>
+            <a:off x="993874" y="2452923"/>
+            <a:ext cx="1650250" cy="1643881"/>
+            <a:chOff x="1402175" y="4314787"/>
+            <a:chExt cx="1650250" cy="1643881"/>
+          </a:xfrm>
+        </p:grpSpPr>
+        <p:pic>
+          <p:nvPicPr>
+            <p:cNvPr id="3" name="図 2"/>
+            <p:cNvPicPr>
+              <a:picLocks noChangeAspect="1"/>
+            </p:cNvPicPr>
+            <p:nvPr/>
+          </p:nvPicPr>
+          <p:blipFill>
+            <a:blip r:embed="rId2" cstate="print">
+              <a:extLst>
+                <a:ext uri="{28A0092B-C50C-407E-A947-70E740481C1C}">
+                  <a14:useLocalDpi xmlns:a14="http://schemas.microsoft.com/office/drawing/2010/main" val="0"/>
+                </a:ext>
+              </a:extLst>
+            </a:blip>
+            <a:stretch>
+              <a:fillRect/>
+            </a:stretch>
+          </p:blipFill>
+          <p:spPr>
+            <a:xfrm rot="2781929">
+              <a:off x="1408544" y="4314787"/>
+              <a:ext cx="1643881" cy="1643881"/>
+            </a:xfrm>
+            <a:prstGeom prst="rect">
+              <a:avLst/>
+            </a:prstGeom>
+          </p:spPr>
+        </p:pic>
+        <p:pic>
+          <p:nvPicPr>
+            <p:cNvPr id="4" name="図 3"/>
+            <p:cNvPicPr>
+              <a:picLocks noChangeAspect="1"/>
+            </p:cNvPicPr>
+            <p:nvPr/>
+          </p:nvPicPr>
+          <p:blipFill>
+            <a:blip r:embed="rId3" cstate="print">
+              <a:extLst>
+                <a:ext uri="{28A0092B-C50C-407E-A947-70E740481C1C}">
+                  <a14:useLocalDpi xmlns:a14="http://schemas.microsoft.com/office/drawing/2010/main" val="0"/>
+                </a:ext>
+              </a:extLst>
+            </a:blip>
+            <a:stretch>
+              <a:fillRect/>
+            </a:stretch>
+          </p:blipFill>
+          <p:spPr>
+            <a:xfrm>
+              <a:off x="1402175" y="4514262"/>
+              <a:ext cx="1441201" cy="1441201"/>
+            </a:xfrm>
+            <a:prstGeom prst="rect">
+              <a:avLst/>
+            </a:prstGeom>
+          </p:spPr>
+        </p:pic>
+      </p:grpSp>
+      <p:sp>
+        <p:nvSpPr>
+          <p:cNvPr id="5" name="テキスト ボックス 4"/>
           <p:cNvSpPr txBox="1"/>
           <p:nvPr/>
         </p:nvSpPr>
         <p:spPr>
           <a:xfrm>
-            <a:off x="304799" y="285750"/>
-            <a:ext cx="10125075" cy="707886"/>
+            <a:off x="822323" y="596497"/>
+            <a:ext cx="10033516" cy="830997"/>
           </a:xfrm>
           <a:prstGeom prst="rect">
             <a:avLst/>
@@ -7898,155 +7987,14 @@
           <a:noFill/>
         </p:spPr>
         <p:txBody>
-          <a:bodyPr wrap="square" rtlCol="0">
-            <a:spAutoFit/>
-          </a:bodyPr>
-          <a:lstStyle/>
-          <a:p>
-            <a:r>
-              <a:rPr kumimoji="1" lang="ja-JP" altLang="en-US" sz="4000" u="sng" dirty="0" smtClean="0">
-                <a:latin typeface="小塚ゴシック Pro B" panose="020B0800000000000000" pitchFamily="34" charset="-128"/>
-                <a:ea typeface="小塚ゴシック Pro B" panose="020B0800000000000000" pitchFamily="34" charset="-128"/>
-              </a:rPr>
-              <a:t>　</a:t>
-            </a:r>
-            <a:r>
-              <a:rPr kumimoji="1" lang="ja-JP" altLang="en-US" sz="4000" u="sng" dirty="0">
-                <a:latin typeface="小塚ゴシック Pro B" panose="020B0800000000000000" pitchFamily="34" charset="-128"/>
-                <a:ea typeface="小塚ゴシック Pro B" panose="020B0800000000000000" pitchFamily="34" charset="-128"/>
-              </a:rPr>
-              <a:t>システム</a:t>
-            </a:r>
-            <a:endParaRPr kumimoji="1" lang="en-US" altLang="ja-JP" sz="4000" u="sng" dirty="0" smtClean="0">
-              <a:latin typeface="小塚ゴシック Pro B" panose="020B0800000000000000" pitchFamily="34" charset="-128"/>
-              <a:ea typeface="小塚ゴシック Pro B" panose="020B0800000000000000" pitchFamily="34" charset="-128"/>
-            </a:endParaRPr>
-          </a:p>
-        </p:txBody>
-      </p:sp>
-      <p:sp>
-        <p:nvSpPr>
-          <p:cNvPr id="3" name="テキスト ボックス 2"/>
-          <p:cNvSpPr txBox="1"/>
-          <p:nvPr/>
-        </p:nvSpPr>
-        <p:spPr>
-          <a:xfrm>
-            <a:off x="660399" y="1117600"/>
-            <a:ext cx="8956298" cy="646331"/>
-          </a:xfrm>
-          <a:prstGeom prst="rect">
-            <a:avLst/>
-          </a:prstGeom>
-          <a:noFill/>
-        </p:spPr>
-        <p:txBody>
           <a:bodyPr wrap="none" rtlCol="0">
             <a:spAutoFit/>
           </a:bodyPr>
           <a:lstStyle/>
           <a:p>
             <a:r>
-              <a:rPr kumimoji="1" lang="ja-JP" altLang="en-US" sz="3600" b="1" dirty="0" smtClean="0"/>
-              <a:t>カスタム要素②：幅（攻撃力、攻撃速度）</a:t>
-            </a:r>
-            <a:endParaRPr kumimoji="1" lang="ja-JP" altLang="en-US" sz="3600" b="1" dirty="0"/>
-          </a:p>
-        </p:txBody>
-      </p:sp>
-      <p:pic>
-        <p:nvPicPr>
-          <p:cNvPr id="4" name="図 3"/>
-          <p:cNvPicPr>
-            <a:picLocks noChangeAspect="1"/>
-          </p:cNvPicPr>
-          <p:nvPr/>
-        </p:nvPicPr>
-        <p:blipFill>
-          <a:blip r:embed="rId2" cstate="print">
-            <a:extLst>
-              <a:ext uri="{28A0092B-C50C-407E-A947-70E740481C1C}">
-                <a14:useLocalDpi xmlns:a14="http://schemas.microsoft.com/office/drawing/2010/main" val="0"/>
-              </a:ext>
-            </a:extLst>
-          </a:blip>
-          <a:stretch>
-            <a:fillRect/>
-          </a:stretch>
-        </p:blipFill>
-        <p:spPr>
-          <a:xfrm>
-            <a:off x="2770737" y="4912878"/>
-            <a:ext cx="2164080" cy="2164080"/>
-          </a:xfrm>
-          <a:prstGeom prst="rect">
-            <a:avLst/>
-          </a:prstGeom>
-        </p:spPr>
-      </p:pic>
-      <p:sp>
-        <p:nvSpPr>
-          <p:cNvPr id="5" name="テキスト ボックス 4"/>
-          <p:cNvSpPr txBox="1"/>
-          <p:nvPr/>
-        </p:nvSpPr>
-        <p:spPr>
-          <a:xfrm>
-            <a:off x="660399" y="1887895"/>
-            <a:ext cx="8664551" cy="461665"/>
-          </a:xfrm>
-          <a:prstGeom prst="rect">
-            <a:avLst/>
-          </a:prstGeom>
-          <a:noFill/>
-        </p:spPr>
-        <p:txBody>
-          <a:bodyPr wrap="none" rtlCol="0">
-            <a:spAutoFit/>
-          </a:bodyPr>
-          <a:lstStyle/>
-          <a:p>
-            <a:r>
               <a:rPr kumimoji="1" lang="ja-JP" altLang="en-US" sz="2400" dirty="0" smtClean="0"/>
-              <a:t>・剣の幅に持たせる要素は攻撃力と攻撃速度の</a:t>
-            </a:r>
-            <a:r>
-              <a:rPr kumimoji="1" lang="en-US" altLang="ja-JP" sz="2400" dirty="0" smtClean="0"/>
-              <a:t>2</a:t>
-            </a:r>
-            <a:r>
-              <a:rPr kumimoji="1" lang="ja-JP" altLang="en-US" sz="2400" dirty="0" smtClean="0"/>
-              <a:t>つとする。</a:t>
-            </a:r>
-            <a:endParaRPr kumimoji="1" lang="ja-JP" altLang="en-US" sz="2400" dirty="0"/>
-          </a:p>
-        </p:txBody>
-      </p:sp>
-      <p:sp>
-        <p:nvSpPr>
-          <p:cNvPr id="6" name="テキスト ボックス 5"/>
-          <p:cNvSpPr txBox="1"/>
-          <p:nvPr/>
-        </p:nvSpPr>
-        <p:spPr>
-          <a:xfrm>
-            <a:off x="660398" y="2349560"/>
-            <a:ext cx="6647974" cy="830997"/>
-          </a:xfrm>
-          <a:prstGeom prst="rect">
-            <a:avLst/>
-          </a:prstGeom>
-          <a:noFill/>
-        </p:spPr>
-        <p:txBody>
-          <a:bodyPr wrap="none" rtlCol="0">
-            <a:spAutoFit/>
-          </a:bodyPr>
-          <a:lstStyle/>
-          <a:p>
-            <a:r>
-              <a:rPr kumimoji="1" lang="ja-JP" altLang="en-US" sz="2400" dirty="0" smtClean="0"/>
-              <a:t>・攻撃力は剣が当たった時に与えるダメージ、</a:t>
+              <a:t>・剣の長さを長くするほど攻撃範囲は広がり、待機時間は長くなる。</a:t>
             </a:r>
             <a:endParaRPr kumimoji="1" lang="en-US" altLang="ja-JP" sz="2400" dirty="0" smtClean="0"/>
           </a:p>
@@ -8057,298 +8005,16 @@
             </a:r>
             <a:r>
               <a:rPr kumimoji="1" lang="ja-JP" altLang="en-US" sz="2400" dirty="0" smtClean="0"/>
-              <a:t>攻撃速度は剣を振る速さとする。</a:t>
+              <a:t>逆に短くすると攻撃範囲は狭まり、待機時間は短くなる。</a:t>
             </a:r>
             <a:endParaRPr kumimoji="1" lang="ja-JP" altLang="en-US" sz="2400" dirty="0"/>
           </a:p>
         </p:txBody>
       </p:sp>
-      <p:sp>
-        <p:nvSpPr>
-          <p:cNvPr id="7" name="テキスト ボックス 6"/>
-          <p:cNvSpPr txBox="1"/>
-          <p:nvPr/>
-        </p:nvSpPr>
-        <p:spPr>
-          <a:xfrm>
-            <a:off x="660397" y="3180557"/>
-            <a:ext cx="9110186" cy="830997"/>
-          </a:xfrm>
-          <a:prstGeom prst="rect">
-            <a:avLst/>
-          </a:prstGeom>
-          <a:noFill/>
-        </p:spPr>
-        <p:txBody>
-          <a:bodyPr wrap="none" rtlCol="0">
-            <a:spAutoFit/>
-          </a:bodyPr>
-          <a:lstStyle/>
-          <a:p>
-            <a:r>
-              <a:rPr kumimoji="1" lang="ja-JP" altLang="en-US" sz="2400" dirty="0" smtClean="0"/>
-              <a:t>・剣の幅を広くするほど攻撃力は上がり、攻撃速度は遅くなる。</a:t>
-            </a:r>
-            <a:endParaRPr kumimoji="1" lang="en-US" altLang="ja-JP" sz="2400" dirty="0" smtClean="0"/>
-          </a:p>
-          <a:p>
-            <a:r>
-              <a:rPr kumimoji="1" lang="ja-JP" altLang="en-US" sz="2400" dirty="0"/>
-              <a:t>　</a:t>
-            </a:r>
-            <a:r>
-              <a:rPr kumimoji="1" lang="ja-JP" altLang="en-US" sz="2400" dirty="0" smtClean="0"/>
-              <a:t>逆に狭くすると攻撃力は下がり、攻撃速度は速くなる。</a:t>
-            </a:r>
-            <a:endParaRPr kumimoji="1" lang="ja-JP" altLang="en-US" sz="2400" dirty="0"/>
-          </a:p>
-        </p:txBody>
-      </p:sp>
-      <p:sp>
-        <p:nvSpPr>
-          <p:cNvPr id="9" name="テキスト ボックス 8"/>
-          <p:cNvSpPr txBox="1"/>
-          <p:nvPr/>
-        </p:nvSpPr>
-        <p:spPr>
-          <a:xfrm>
-            <a:off x="1602261" y="5574102"/>
-            <a:ext cx="1599194" cy="646331"/>
-          </a:xfrm>
-          <a:prstGeom prst="rect">
-            <a:avLst/>
-          </a:prstGeom>
-          <a:noFill/>
-        </p:spPr>
-        <p:txBody>
-          <a:bodyPr wrap="square" rtlCol="0">
-            <a:spAutoFit/>
-          </a:bodyPr>
-          <a:lstStyle/>
-          <a:p>
-            <a:pPr algn="ctr"/>
-            <a:r>
-              <a:rPr kumimoji="1" lang="ja-JP" altLang="en-US" dirty="0" smtClean="0">
-                <a:latin typeface="HGS創英角ｺﾞｼｯｸUB" panose="020B0900000000000000" pitchFamily="50" charset="-128"/>
-                <a:ea typeface="HGS創英角ｺﾞｼｯｸUB" panose="020B0900000000000000" pitchFamily="50" charset="-128"/>
-              </a:rPr>
-              <a:t>攻撃力：高</a:t>
-            </a:r>
-            <a:endParaRPr kumimoji="1" lang="en-US" altLang="ja-JP" dirty="0" smtClean="0">
-              <a:latin typeface="HGS創英角ｺﾞｼｯｸUB" panose="020B0900000000000000" pitchFamily="50" charset="-128"/>
-              <a:ea typeface="HGS創英角ｺﾞｼｯｸUB" panose="020B0900000000000000" pitchFamily="50" charset="-128"/>
-            </a:endParaRPr>
-          </a:p>
-          <a:p>
-            <a:pPr algn="ctr"/>
-            <a:r>
-              <a:rPr kumimoji="1" lang="ja-JP" altLang="en-US" dirty="0" smtClean="0">
-                <a:latin typeface="HGS創英角ｺﾞｼｯｸUB" panose="020B0900000000000000" pitchFamily="50" charset="-128"/>
-                <a:ea typeface="HGS創英角ｺﾞｼｯｸUB" panose="020B0900000000000000" pitchFamily="50" charset="-128"/>
-              </a:rPr>
-              <a:t>攻撃</a:t>
-            </a:r>
-            <a:r>
-              <a:rPr kumimoji="1" lang="ja-JP" altLang="en-US" dirty="0">
-                <a:latin typeface="HGS創英角ｺﾞｼｯｸUB" panose="020B0900000000000000" pitchFamily="50" charset="-128"/>
-                <a:ea typeface="HGS創英角ｺﾞｼｯｸUB" panose="020B0900000000000000" pitchFamily="50" charset="-128"/>
-              </a:rPr>
-              <a:t>速度</a:t>
-            </a:r>
-            <a:r>
-              <a:rPr kumimoji="1" lang="ja-JP" altLang="en-US" dirty="0" smtClean="0">
-                <a:latin typeface="HGS創英角ｺﾞｼｯｸUB" panose="020B0900000000000000" pitchFamily="50" charset="-128"/>
-                <a:ea typeface="HGS創英角ｺﾞｼｯｸUB" panose="020B0900000000000000" pitchFamily="50" charset="-128"/>
-              </a:rPr>
-              <a:t>：遅</a:t>
-            </a:r>
-            <a:endParaRPr kumimoji="1" lang="ja-JP" altLang="en-US" dirty="0">
-              <a:latin typeface="HGS創英角ｺﾞｼｯｸUB" panose="020B0900000000000000" pitchFamily="50" charset="-128"/>
-              <a:ea typeface="HGS創英角ｺﾞｼｯｸUB" panose="020B0900000000000000" pitchFamily="50" charset="-128"/>
-            </a:endParaRPr>
-          </a:p>
-        </p:txBody>
-      </p:sp>
-      <p:sp>
-        <p:nvSpPr>
-          <p:cNvPr id="10" name="テキスト ボックス 9"/>
-          <p:cNvSpPr txBox="1"/>
-          <p:nvPr/>
-        </p:nvSpPr>
-        <p:spPr>
-          <a:xfrm>
-            <a:off x="4135220" y="5574102"/>
-            <a:ext cx="1599194" cy="646331"/>
-          </a:xfrm>
-          <a:prstGeom prst="rect">
-            <a:avLst/>
-          </a:prstGeom>
-          <a:noFill/>
-        </p:spPr>
-        <p:txBody>
-          <a:bodyPr wrap="square" rtlCol="0">
-            <a:spAutoFit/>
-          </a:bodyPr>
-          <a:lstStyle/>
-          <a:p>
-            <a:pPr algn="ctr"/>
-            <a:r>
-              <a:rPr kumimoji="1" lang="ja-JP" altLang="en-US" dirty="0" smtClean="0">
-                <a:latin typeface="HGS創英角ｺﾞｼｯｸUB" panose="020B0900000000000000" pitchFamily="50" charset="-128"/>
-                <a:ea typeface="HGS創英角ｺﾞｼｯｸUB" panose="020B0900000000000000" pitchFamily="50" charset="-128"/>
-              </a:rPr>
-              <a:t>攻撃力：普</a:t>
-            </a:r>
-            <a:endParaRPr kumimoji="1" lang="en-US" altLang="ja-JP" dirty="0" smtClean="0">
-              <a:latin typeface="HGS創英角ｺﾞｼｯｸUB" panose="020B0900000000000000" pitchFamily="50" charset="-128"/>
-              <a:ea typeface="HGS創英角ｺﾞｼｯｸUB" panose="020B0900000000000000" pitchFamily="50" charset="-128"/>
-            </a:endParaRPr>
-          </a:p>
-          <a:p>
-            <a:pPr algn="ctr"/>
-            <a:r>
-              <a:rPr kumimoji="1" lang="ja-JP" altLang="en-US" dirty="0" smtClean="0">
-                <a:latin typeface="HGS創英角ｺﾞｼｯｸUB" panose="020B0900000000000000" pitchFamily="50" charset="-128"/>
-                <a:ea typeface="HGS創英角ｺﾞｼｯｸUB" panose="020B0900000000000000" pitchFamily="50" charset="-128"/>
-              </a:rPr>
-              <a:t>攻撃</a:t>
-            </a:r>
-            <a:r>
-              <a:rPr kumimoji="1" lang="ja-JP" altLang="en-US" dirty="0">
-                <a:latin typeface="HGS創英角ｺﾞｼｯｸUB" panose="020B0900000000000000" pitchFamily="50" charset="-128"/>
-                <a:ea typeface="HGS創英角ｺﾞｼｯｸUB" panose="020B0900000000000000" pitchFamily="50" charset="-128"/>
-              </a:rPr>
-              <a:t>速度</a:t>
-            </a:r>
-            <a:r>
-              <a:rPr kumimoji="1" lang="ja-JP" altLang="en-US" dirty="0" smtClean="0">
-                <a:latin typeface="HGS創英角ｺﾞｼｯｸUB" panose="020B0900000000000000" pitchFamily="50" charset="-128"/>
-                <a:ea typeface="HGS創英角ｺﾞｼｯｸUB" panose="020B0900000000000000" pitchFamily="50" charset="-128"/>
-              </a:rPr>
-              <a:t>：普</a:t>
-            </a:r>
-            <a:endParaRPr kumimoji="1" lang="ja-JP" altLang="en-US" dirty="0">
-              <a:latin typeface="HGS創英角ｺﾞｼｯｸUB" panose="020B0900000000000000" pitchFamily="50" charset="-128"/>
-              <a:ea typeface="HGS創英角ｺﾞｼｯｸUB" panose="020B0900000000000000" pitchFamily="50" charset="-128"/>
-            </a:endParaRPr>
-          </a:p>
-        </p:txBody>
-      </p:sp>
-      <p:sp>
-        <p:nvSpPr>
-          <p:cNvPr id="11" name="テキスト ボックス 10"/>
-          <p:cNvSpPr txBox="1"/>
-          <p:nvPr/>
-        </p:nvSpPr>
-        <p:spPr>
-          <a:xfrm>
-            <a:off x="6929220" y="5574102"/>
-            <a:ext cx="1599194" cy="646331"/>
-          </a:xfrm>
-          <a:prstGeom prst="rect">
-            <a:avLst/>
-          </a:prstGeom>
-          <a:noFill/>
-        </p:spPr>
-        <p:txBody>
-          <a:bodyPr wrap="square" rtlCol="0">
-            <a:spAutoFit/>
-          </a:bodyPr>
-          <a:lstStyle/>
-          <a:p>
-            <a:pPr algn="ctr"/>
-            <a:r>
-              <a:rPr kumimoji="1" lang="ja-JP" altLang="en-US" dirty="0" smtClean="0">
-                <a:latin typeface="HGS創英角ｺﾞｼｯｸUB" panose="020B0900000000000000" pitchFamily="50" charset="-128"/>
-                <a:ea typeface="HGS創英角ｺﾞｼｯｸUB" panose="020B0900000000000000" pitchFamily="50" charset="-128"/>
-              </a:rPr>
-              <a:t>攻撃力：低</a:t>
-            </a:r>
-            <a:endParaRPr kumimoji="1" lang="en-US" altLang="ja-JP" dirty="0" smtClean="0">
-              <a:latin typeface="HGS創英角ｺﾞｼｯｸUB" panose="020B0900000000000000" pitchFamily="50" charset="-128"/>
-              <a:ea typeface="HGS創英角ｺﾞｼｯｸUB" panose="020B0900000000000000" pitchFamily="50" charset="-128"/>
-            </a:endParaRPr>
-          </a:p>
-          <a:p>
-            <a:pPr algn="ctr"/>
-            <a:r>
-              <a:rPr kumimoji="1" lang="ja-JP" altLang="en-US" dirty="0" smtClean="0">
-                <a:latin typeface="HGS創英角ｺﾞｼｯｸUB" panose="020B0900000000000000" pitchFamily="50" charset="-128"/>
-                <a:ea typeface="HGS創英角ｺﾞｼｯｸUB" panose="020B0900000000000000" pitchFamily="50" charset="-128"/>
-              </a:rPr>
-              <a:t>攻撃速度：速</a:t>
-            </a:r>
-            <a:endParaRPr kumimoji="1" lang="ja-JP" altLang="en-US" dirty="0">
-              <a:latin typeface="HGS創英角ｺﾞｼｯｸUB" panose="020B0900000000000000" pitchFamily="50" charset="-128"/>
-              <a:ea typeface="HGS創英角ｺﾞｼｯｸUB" panose="020B0900000000000000" pitchFamily="50" charset="-128"/>
-            </a:endParaRPr>
-          </a:p>
-        </p:txBody>
-      </p:sp>
-      <p:pic>
-        <p:nvPicPr>
-          <p:cNvPr id="12" name="図 11"/>
-          <p:cNvPicPr>
-            <a:picLocks noChangeAspect="1"/>
-          </p:cNvPicPr>
-          <p:nvPr/>
-        </p:nvPicPr>
-        <p:blipFill>
-          <a:blip r:embed="rId3">
-            <a:extLst>
-              <a:ext uri="{28A0092B-C50C-407E-A947-70E740481C1C}">
-                <a14:useLocalDpi xmlns:a14="http://schemas.microsoft.com/office/drawing/2010/main" val="0"/>
-              </a:ext>
-            </a:extLst>
-          </a:blip>
-          <a:stretch>
-            <a:fillRect/>
-          </a:stretch>
-        </p:blipFill>
-        <p:spPr>
-          <a:xfrm>
-            <a:off x="-986426" y="4842551"/>
-            <a:ext cx="4440926" cy="2164080"/>
-          </a:xfrm>
-          <a:prstGeom prst="rect">
-            <a:avLst/>
-          </a:prstGeom>
-        </p:spPr>
-      </p:pic>
-      <p:pic>
-        <p:nvPicPr>
-          <p:cNvPr id="13" name="図 12"/>
-          <p:cNvPicPr>
-            <a:picLocks noChangeAspect="1"/>
-          </p:cNvPicPr>
-          <p:nvPr/>
-        </p:nvPicPr>
-        <p:blipFill>
-          <a:blip r:embed="rId4" cstate="print">
-            <a:extLst>
-              <a:ext uri="{28A0092B-C50C-407E-A947-70E740481C1C}">
-                <a14:useLocalDpi xmlns:a14="http://schemas.microsoft.com/office/drawing/2010/main" val="0"/>
-              </a:ext>
-            </a:extLst>
-          </a:blip>
-          <a:stretch>
-            <a:fillRect/>
-          </a:stretch>
-        </p:blipFill>
-        <p:spPr>
-          <a:xfrm>
-            <a:off x="6129623" y="4912878"/>
-            <a:ext cx="879212" cy="2164080"/>
-          </a:xfrm>
-          <a:prstGeom prst="rect">
-            <a:avLst/>
-          </a:prstGeom>
-        </p:spPr>
-      </p:pic>
     </p:spTree>
     <p:extLst>
       <p:ext uri="{BB962C8B-B14F-4D97-AF65-F5344CB8AC3E}">
-        <p14:creationId xmlns:p14="http://schemas.microsoft.com/office/powerpoint/2010/main" val="1611893404"/>
+        <p14:creationId xmlns:p14="http://schemas.microsoft.com/office/powerpoint/2010/main" val="732905619"/>
       </p:ext>
     </p:extLst>
   </p:cSld>
@@ -8427,7 +8093,7 @@
         <p:spPr>
           <a:xfrm>
             <a:off x="660399" y="1117600"/>
-            <a:ext cx="7109639" cy="646331"/>
+            <a:ext cx="8956298" cy="646331"/>
           </a:xfrm>
           <a:prstGeom prst="rect">
             <a:avLst/>
@@ -8442,184 +8108,15 @@
           <a:p>
             <a:r>
               <a:rPr kumimoji="1" lang="ja-JP" altLang="en-US" sz="3600" b="1" dirty="0" smtClean="0"/>
-              <a:t>カスタム要素③：柄（追加効果）</a:t>
+              <a:t>カスタム要素②：幅（攻撃力、攻撃速度）</a:t>
             </a:r>
             <a:endParaRPr kumimoji="1" lang="ja-JP" altLang="en-US" sz="3600" b="1" dirty="0"/>
-          </a:p>
-        </p:txBody>
-      </p:sp>
-      <p:sp>
-        <p:nvSpPr>
-          <p:cNvPr id="4" name="テキスト ボックス 3"/>
-          <p:cNvSpPr txBox="1"/>
-          <p:nvPr/>
-        </p:nvSpPr>
-        <p:spPr>
-          <a:xfrm>
-            <a:off x="660399" y="1887895"/>
-            <a:ext cx="6955750" cy="461665"/>
-          </a:xfrm>
-          <a:prstGeom prst="rect">
-            <a:avLst/>
-          </a:prstGeom>
-          <a:noFill/>
-        </p:spPr>
-        <p:txBody>
-          <a:bodyPr wrap="none" rtlCol="0">
-            <a:spAutoFit/>
-          </a:bodyPr>
-          <a:lstStyle/>
-          <a:p>
-            <a:r>
-              <a:rPr kumimoji="1" lang="ja-JP" altLang="en-US" sz="2400" dirty="0" smtClean="0"/>
-              <a:t>・剣の柄に持たせる要素の追加効果だけとする。</a:t>
-            </a:r>
-            <a:endParaRPr kumimoji="1" lang="ja-JP" altLang="en-US" sz="2400" dirty="0"/>
-          </a:p>
-        </p:txBody>
-      </p:sp>
-      <p:sp>
-        <p:nvSpPr>
-          <p:cNvPr id="5" name="テキスト ボックス 4"/>
-          <p:cNvSpPr txBox="1"/>
-          <p:nvPr/>
-        </p:nvSpPr>
-        <p:spPr>
-          <a:xfrm>
-            <a:off x="660399" y="2473524"/>
-            <a:ext cx="8186857" cy="461665"/>
-          </a:xfrm>
-          <a:prstGeom prst="rect">
-            <a:avLst/>
-          </a:prstGeom>
-          <a:noFill/>
-        </p:spPr>
-        <p:txBody>
-          <a:bodyPr wrap="none" rtlCol="0">
-            <a:spAutoFit/>
-          </a:bodyPr>
-          <a:lstStyle/>
-          <a:p>
-            <a:r>
-              <a:rPr kumimoji="1" lang="ja-JP" altLang="en-US" sz="2400" dirty="0" smtClean="0"/>
-              <a:t>・追加効果は様々な＋効果を剣に付与することができる。</a:t>
-            </a:r>
-            <a:endParaRPr kumimoji="1" lang="ja-JP" altLang="en-US" sz="2400" dirty="0"/>
-          </a:p>
-        </p:txBody>
-      </p:sp>
-      <p:sp>
-        <p:nvSpPr>
-          <p:cNvPr id="6" name="テキスト ボックス 5"/>
-          <p:cNvSpPr txBox="1"/>
-          <p:nvPr/>
-        </p:nvSpPr>
-        <p:spPr>
-          <a:xfrm>
-            <a:off x="660399" y="3059153"/>
-            <a:ext cx="10956846" cy="2308324"/>
-          </a:xfrm>
-          <a:prstGeom prst="rect">
-            <a:avLst/>
-          </a:prstGeom>
-          <a:noFill/>
-        </p:spPr>
-        <p:txBody>
-          <a:bodyPr wrap="none" rtlCol="0">
-            <a:spAutoFit/>
-          </a:bodyPr>
-          <a:lstStyle/>
-          <a:p>
-            <a:r>
-              <a:rPr kumimoji="1" lang="ja-JP" altLang="en-US" sz="2400" dirty="0" smtClean="0"/>
-              <a:t>・現状想定している効果は攻撃力</a:t>
-            </a:r>
-            <a:r>
-              <a:rPr kumimoji="1" lang="ja-JP" altLang="en-US" sz="2400" dirty="0"/>
-              <a:t>上昇</a:t>
-            </a:r>
-            <a:r>
-              <a:rPr kumimoji="1" lang="ja-JP" altLang="en-US" sz="2400" dirty="0" smtClean="0"/>
-              <a:t>や待機時間</a:t>
-            </a:r>
-            <a:r>
-              <a:rPr kumimoji="1" lang="ja-JP" altLang="en-US" sz="2400" dirty="0"/>
-              <a:t>短縮</a:t>
-            </a:r>
-            <a:r>
-              <a:rPr kumimoji="1" lang="ja-JP" altLang="en-US" sz="2400" dirty="0" smtClean="0"/>
-              <a:t>など</a:t>
-            </a:r>
-            <a:endParaRPr kumimoji="1" lang="en-US" altLang="ja-JP" sz="2400" dirty="0" smtClean="0"/>
-          </a:p>
-          <a:p>
-            <a:r>
-              <a:rPr kumimoji="1" lang="ja-JP" altLang="en-US" sz="2400" dirty="0"/>
-              <a:t>　</a:t>
-            </a:r>
-            <a:r>
-              <a:rPr kumimoji="1" lang="ja-JP" altLang="en-US" sz="2400" dirty="0" smtClean="0"/>
-              <a:t>長さや幅の持っている要素を強化するものや、</a:t>
-            </a:r>
-            <a:endParaRPr kumimoji="1" lang="en-US" altLang="ja-JP" sz="2400" dirty="0" smtClean="0"/>
-          </a:p>
-          <a:p>
-            <a:r>
-              <a:rPr kumimoji="1" lang="ja-JP" altLang="en-US" sz="2400" dirty="0"/>
-              <a:t>　</a:t>
-            </a:r>
-            <a:r>
-              <a:rPr kumimoji="1" lang="ja-JP" altLang="en-US" sz="2400" dirty="0" smtClean="0"/>
-              <a:t>攻撃時に衝撃波を出したり、毒や麻痺といった状態異常を引き起こすもの、</a:t>
-            </a:r>
-            <a:endParaRPr kumimoji="1" lang="en-US" altLang="ja-JP" sz="2400" dirty="0" smtClean="0"/>
-          </a:p>
-          <a:p>
-            <a:r>
-              <a:rPr kumimoji="1" lang="ja-JP" altLang="en-US" sz="2400" dirty="0"/>
-              <a:t>　</a:t>
-            </a:r>
-            <a:r>
-              <a:rPr kumimoji="1" lang="ja-JP" altLang="en-US" sz="2400" dirty="0" smtClean="0"/>
-              <a:t>ダメージ時怯み無効、</a:t>
-            </a:r>
-            <a:r>
-              <a:rPr kumimoji="1" lang="en-US" altLang="ja-JP" sz="2400" dirty="0" smtClean="0"/>
-              <a:t>2</a:t>
-            </a:r>
-            <a:r>
-              <a:rPr kumimoji="1" lang="ja-JP" altLang="en-US" sz="2400" dirty="0" smtClean="0"/>
-              <a:t>段ジャンプができるようになるといった</a:t>
-            </a:r>
-            <a:endParaRPr kumimoji="1" lang="en-US" altLang="ja-JP" sz="2400" dirty="0" smtClean="0"/>
-          </a:p>
-          <a:p>
-            <a:r>
-              <a:rPr kumimoji="1" lang="ja-JP" altLang="en-US" sz="2400" dirty="0"/>
-              <a:t>　</a:t>
-            </a:r>
-            <a:r>
-              <a:rPr kumimoji="1" lang="ja-JP" altLang="en-US" sz="2400" dirty="0" smtClean="0"/>
-              <a:t>キャラクターが強化されるものなど対戦やカスタマイズの</a:t>
-            </a:r>
-            <a:endParaRPr kumimoji="1" lang="en-US" altLang="ja-JP" sz="2400" dirty="0" smtClean="0"/>
-          </a:p>
-          <a:p>
-            <a:r>
-              <a:rPr kumimoji="1" lang="ja-JP" altLang="en-US" sz="2400" dirty="0"/>
-              <a:t>　</a:t>
-            </a:r>
-            <a:r>
-              <a:rPr kumimoji="1" lang="ja-JP" altLang="en-US" sz="2400" dirty="0" smtClean="0"/>
-              <a:t>アクセントとなるものになる予定。</a:t>
-            </a:r>
-            <a:endParaRPr kumimoji="1" lang="en-US" altLang="ja-JP" sz="2400" dirty="0"/>
           </a:p>
         </p:txBody>
       </p:sp>
       <p:pic>
         <p:nvPicPr>
-          <p:cNvPr id="7" name="図 6"/>
+          <p:cNvPr id="4" name="図 3"/>
           <p:cNvPicPr>
             <a:picLocks noChangeAspect="1"/>
           </p:cNvPicPr>
@@ -8639,24 +8136,325 @@
         </p:blipFill>
         <p:spPr>
           <a:xfrm>
-            <a:off x="2758440" y="5367477"/>
-            <a:ext cx="1463735" cy="1364933"/>
+            <a:off x="2770737" y="4912878"/>
+            <a:ext cx="2164080" cy="2164080"/>
           </a:xfrm>
           <a:prstGeom prst="rect">
             <a:avLst/>
           </a:prstGeom>
         </p:spPr>
       </p:pic>
+      <p:sp>
+        <p:nvSpPr>
+          <p:cNvPr id="5" name="テキスト ボックス 4"/>
+          <p:cNvSpPr txBox="1"/>
+          <p:nvPr/>
+        </p:nvSpPr>
+        <p:spPr>
+          <a:xfrm>
+            <a:off x="660399" y="1887895"/>
+            <a:ext cx="8664551" cy="461665"/>
+          </a:xfrm>
+          <a:prstGeom prst="rect">
+            <a:avLst/>
+          </a:prstGeom>
+          <a:noFill/>
+        </p:spPr>
+        <p:txBody>
+          <a:bodyPr wrap="none" rtlCol="0">
+            <a:spAutoFit/>
+          </a:bodyPr>
+          <a:lstStyle/>
+          <a:p>
+            <a:r>
+              <a:rPr kumimoji="1" lang="ja-JP" altLang="en-US" sz="2400" dirty="0" smtClean="0"/>
+              <a:t>・剣の幅に持たせる要素は攻撃力と攻撃速度の</a:t>
+            </a:r>
+            <a:r>
+              <a:rPr kumimoji="1" lang="en-US" altLang="ja-JP" sz="2400" dirty="0" smtClean="0"/>
+              <a:t>2</a:t>
+            </a:r>
+            <a:r>
+              <a:rPr kumimoji="1" lang="ja-JP" altLang="en-US" sz="2400" dirty="0" smtClean="0"/>
+              <a:t>つとする。</a:t>
+            </a:r>
+            <a:endParaRPr kumimoji="1" lang="ja-JP" altLang="en-US" sz="2400" dirty="0"/>
+          </a:p>
+        </p:txBody>
+      </p:sp>
+      <p:sp>
+        <p:nvSpPr>
+          <p:cNvPr id="6" name="テキスト ボックス 5"/>
+          <p:cNvSpPr txBox="1"/>
+          <p:nvPr/>
+        </p:nvSpPr>
+        <p:spPr>
+          <a:xfrm>
+            <a:off x="660398" y="2349560"/>
+            <a:ext cx="6647974" cy="830997"/>
+          </a:xfrm>
+          <a:prstGeom prst="rect">
+            <a:avLst/>
+          </a:prstGeom>
+          <a:noFill/>
+        </p:spPr>
+        <p:txBody>
+          <a:bodyPr wrap="none" rtlCol="0">
+            <a:spAutoFit/>
+          </a:bodyPr>
+          <a:lstStyle/>
+          <a:p>
+            <a:r>
+              <a:rPr kumimoji="1" lang="ja-JP" altLang="en-US" sz="2400" dirty="0" smtClean="0"/>
+              <a:t>・攻撃力は剣が当たった時に与えるダメージ、</a:t>
+            </a:r>
+            <a:endParaRPr kumimoji="1" lang="en-US" altLang="ja-JP" sz="2400" dirty="0" smtClean="0"/>
+          </a:p>
+          <a:p>
+            <a:r>
+              <a:rPr kumimoji="1" lang="ja-JP" altLang="en-US" sz="2400" dirty="0"/>
+              <a:t>　</a:t>
+            </a:r>
+            <a:r>
+              <a:rPr kumimoji="1" lang="ja-JP" altLang="en-US" sz="2400" dirty="0" smtClean="0"/>
+              <a:t>攻撃速度は剣を振る速さとする。</a:t>
+            </a:r>
+            <a:endParaRPr kumimoji="1" lang="ja-JP" altLang="en-US" sz="2400" dirty="0"/>
+          </a:p>
+        </p:txBody>
+      </p:sp>
+      <p:sp>
+        <p:nvSpPr>
+          <p:cNvPr id="7" name="テキスト ボックス 6"/>
+          <p:cNvSpPr txBox="1"/>
+          <p:nvPr/>
+        </p:nvSpPr>
+        <p:spPr>
+          <a:xfrm>
+            <a:off x="660397" y="3180557"/>
+            <a:ext cx="9110186" cy="830997"/>
+          </a:xfrm>
+          <a:prstGeom prst="rect">
+            <a:avLst/>
+          </a:prstGeom>
+          <a:noFill/>
+        </p:spPr>
+        <p:txBody>
+          <a:bodyPr wrap="none" rtlCol="0">
+            <a:spAutoFit/>
+          </a:bodyPr>
+          <a:lstStyle/>
+          <a:p>
+            <a:r>
+              <a:rPr kumimoji="1" lang="ja-JP" altLang="en-US" sz="2400" dirty="0" smtClean="0"/>
+              <a:t>・剣の幅を広くするほど攻撃力は上がり、攻撃速度は遅くなる。</a:t>
+            </a:r>
+            <a:endParaRPr kumimoji="1" lang="en-US" altLang="ja-JP" sz="2400" dirty="0" smtClean="0"/>
+          </a:p>
+          <a:p>
+            <a:r>
+              <a:rPr kumimoji="1" lang="ja-JP" altLang="en-US" sz="2400" dirty="0"/>
+              <a:t>　</a:t>
+            </a:r>
+            <a:r>
+              <a:rPr kumimoji="1" lang="ja-JP" altLang="en-US" sz="2400" dirty="0" smtClean="0"/>
+              <a:t>逆に狭くすると攻撃力は下がり、攻撃速度は速くなる。</a:t>
+            </a:r>
+            <a:endParaRPr kumimoji="1" lang="ja-JP" altLang="en-US" sz="2400" dirty="0"/>
+          </a:p>
+        </p:txBody>
+      </p:sp>
+      <p:sp>
+        <p:nvSpPr>
+          <p:cNvPr id="9" name="テキスト ボックス 8"/>
+          <p:cNvSpPr txBox="1"/>
+          <p:nvPr/>
+        </p:nvSpPr>
+        <p:spPr>
+          <a:xfrm>
+            <a:off x="1602261" y="5574102"/>
+            <a:ext cx="1599194" cy="646331"/>
+          </a:xfrm>
+          <a:prstGeom prst="rect">
+            <a:avLst/>
+          </a:prstGeom>
+          <a:noFill/>
+        </p:spPr>
+        <p:txBody>
+          <a:bodyPr wrap="square" rtlCol="0">
+            <a:spAutoFit/>
+          </a:bodyPr>
+          <a:lstStyle/>
+          <a:p>
+            <a:pPr algn="ctr"/>
+            <a:r>
+              <a:rPr kumimoji="1" lang="ja-JP" altLang="en-US" dirty="0" smtClean="0">
+                <a:latin typeface="HGS創英角ｺﾞｼｯｸUB" panose="020B0900000000000000" pitchFamily="50" charset="-128"/>
+                <a:ea typeface="HGS創英角ｺﾞｼｯｸUB" panose="020B0900000000000000" pitchFamily="50" charset="-128"/>
+              </a:rPr>
+              <a:t>攻撃力：高</a:t>
+            </a:r>
+            <a:endParaRPr kumimoji="1" lang="en-US" altLang="ja-JP" dirty="0" smtClean="0">
+              <a:latin typeface="HGS創英角ｺﾞｼｯｸUB" panose="020B0900000000000000" pitchFamily="50" charset="-128"/>
+              <a:ea typeface="HGS創英角ｺﾞｼｯｸUB" panose="020B0900000000000000" pitchFamily="50" charset="-128"/>
+            </a:endParaRPr>
+          </a:p>
+          <a:p>
+            <a:pPr algn="ctr"/>
+            <a:r>
+              <a:rPr kumimoji="1" lang="ja-JP" altLang="en-US" dirty="0" smtClean="0">
+                <a:latin typeface="HGS創英角ｺﾞｼｯｸUB" panose="020B0900000000000000" pitchFamily="50" charset="-128"/>
+                <a:ea typeface="HGS創英角ｺﾞｼｯｸUB" panose="020B0900000000000000" pitchFamily="50" charset="-128"/>
+              </a:rPr>
+              <a:t>攻撃</a:t>
+            </a:r>
+            <a:r>
+              <a:rPr kumimoji="1" lang="ja-JP" altLang="en-US" dirty="0">
+                <a:latin typeface="HGS創英角ｺﾞｼｯｸUB" panose="020B0900000000000000" pitchFamily="50" charset="-128"/>
+                <a:ea typeface="HGS創英角ｺﾞｼｯｸUB" panose="020B0900000000000000" pitchFamily="50" charset="-128"/>
+              </a:rPr>
+              <a:t>速度</a:t>
+            </a:r>
+            <a:r>
+              <a:rPr kumimoji="1" lang="ja-JP" altLang="en-US" dirty="0" smtClean="0">
+                <a:latin typeface="HGS創英角ｺﾞｼｯｸUB" panose="020B0900000000000000" pitchFamily="50" charset="-128"/>
+                <a:ea typeface="HGS創英角ｺﾞｼｯｸUB" panose="020B0900000000000000" pitchFamily="50" charset="-128"/>
+              </a:rPr>
+              <a:t>：遅</a:t>
+            </a:r>
+            <a:endParaRPr kumimoji="1" lang="ja-JP" altLang="en-US" dirty="0">
+              <a:latin typeface="HGS創英角ｺﾞｼｯｸUB" panose="020B0900000000000000" pitchFamily="50" charset="-128"/>
+              <a:ea typeface="HGS創英角ｺﾞｼｯｸUB" panose="020B0900000000000000" pitchFamily="50" charset="-128"/>
+            </a:endParaRPr>
+          </a:p>
+        </p:txBody>
+      </p:sp>
+      <p:sp>
+        <p:nvSpPr>
+          <p:cNvPr id="10" name="テキスト ボックス 9"/>
+          <p:cNvSpPr txBox="1"/>
+          <p:nvPr/>
+        </p:nvSpPr>
+        <p:spPr>
+          <a:xfrm>
+            <a:off x="4135220" y="5574102"/>
+            <a:ext cx="1599194" cy="646331"/>
+          </a:xfrm>
+          <a:prstGeom prst="rect">
+            <a:avLst/>
+          </a:prstGeom>
+          <a:noFill/>
+        </p:spPr>
+        <p:txBody>
+          <a:bodyPr wrap="square" rtlCol="0">
+            <a:spAutoFit/>
+          </a:bodyPr>
+          <a:lstStyle/>
+          <a:p>
+            <a:pPr algn="ctr"/>
+            <a:r>
+              <a:rPr kumimoji="1" lang="ja-JP" altLang="en-US" dirty="0" smtClean="0">
+                <a:latin typeface="HGS創英角ｺﾞｼｯｸUB" panose="020B0900000000000000" pitchFamily="50" charset="-128"/>
+                <a:ea typeface="HGS創英角ｺﾞｼｯｸUB" panose="020B0900000000000000" pitchFamily="50" charset="-128"/>
+              </a:rPr>
+              <a:t>攻撃力：普</a:t>
+            </a:r>
+            <a:endParaRPr kumimoji="1" lang="en-US" altLang="ja-JP" dirty="0" smtClean="0">
+              <a:latin typeface="HGS創英角ｺﾞｼｯｸUB" panose="020B0900000000000000" pitchFamily="50" charset="-128"/>
+              <a:ea typeface="HGS創英角ｺﾞｼｯｸUB" panose="020B0900000000000000" pitchFamily="50" charset="-128"/>
+            </a:endParaRPr>
+          </a:p>
+          <a:p>
+            <a:pPr algn="ctr"/>
+            <a:r>
+              <a:rPr kumimoji="1" lang="ja-JP" altLang="en-US" dirty="0" smtClean="0">
+                <a:latin typeface="HGS創英角ｺﾞｼｯｸUB" panose="020B0900000000000000" pitchFamily="50" charset="-128"/>
+                <a:ea typeface="HGS創英角ｺﾞｼｯｸUB" panose="020B0900000000000000" pitchFamily="50" charset="-128"/>
+              </a:rPr>
+              <a:t>攻撃</a:t>
+            </a:r>
+            <a:r>
+              <a:rPr kumimoji="1" lang="ja-JP" altLang="en-US" dirty="0">
+                <a:latin typeface="HGS創英角ｺﾞｼｯｸUB" panose="020B0900000000000000" pitchFamily="50" charset="-128"/>
+                <a:ea typeface="HGS創英角ｺﾞｼｯｸUB" panose="020B0900000000000000" pitchFamily="50" charset="-128"/>
+              </a:rPr>
+              <a:t>速度</a:t>
+            </a:r>
+            <a:r>
+              <a:rPr kumimoji="1" lang="ja-JP" altLang="en-US" dirty="0" smtClean="0">
+                <a:latin typeface="HGS創英角ｺﾞｼｯｸUB" panose="020B0900000000000000" pitchFamily="50" charset="-128"/>
+                <a:ea typeface="HGS創英角ｺﾞｼｯｸUB" panose="020B0900000000000000" pitchFamily="50" charset="-128"/>
+              </a:rPr>
+              <a:t>：普</a:t>
+            </a:r>
+            <a:endParaRPr kumimoji="1" lang="ja-JP" altLang="en-US" dirty="0">
+              <a:latin typeface="HGS創英角ｺﾞｼｯｸUB" panose="020B0900000000000000" pitchFamily="50" charset="-128"/>
+              <a:ea typeface="HGS創英角ｺﾞｼｯｸUB" panose="020B0900000000000000" pitchFamily="50" charset="-128"/>
+            </a:endParaRPr>
+          </a:p>
+        </p:txBody>
+      </p:sp>
+      <p:sp>
+        <p:nvSpPr>
+          <p:cNvPr id="11" name="テキスト ボックス 10"/>
+          <p:cNvSpPr txBox="1"/>
+          <p:nvPr/>
+        </p:nvSpPr>
+        <p:spPr>
+          <a:xfrm>
+            <a:off x="6929220" y="5574102"/>
+            <a:ext cx="1599194" cy="646331"/>
+          </a:xfrm>
+          <a:prstGeom prst="rect">
+            <a:avLst/>
+          </a:prstGeom>
+          <a:noFill/>
+        </p:spPr>
+        <p:txBody>
+          <a:bodyPr wrap="square" rtlCol="0">
+            <a:spAutoFit/>
+          </a:bodyPr>
+          <a:lstStyle/>
+          <a:p>
+            <a:pPr algn="ctr"/>
+            <a:r>
+              <a:rPr kumimoji="1" lang="ja-JP" altLang="en-US" dirty="0" smtClean="0">
+                <a:latin typeface="HGS創英角ｺﾞｼｯｸUB" panose="020B0900000000000000" pitchFamily="50" charset="-128"/>
+                <a:ea typeface="HGS創英角ｺﾞｼｯｸUB" panose="020B0900000000000000" pitchFamily="50" charset="-128"/>
+              </a:rPr>
+              <a:t>攻撃力：低</a:t>
+            </a:r>
+            <a:endParaRPr kumimoji="1" lang="en-US" altLang="ja-JP" dirty="0" smtClean="0">
+              <a:latin typeface="HGS創英角ｺﾞｼｯｸUB" panose="020B0900000000000000" pitchFamily="50" charset="-128"/>
+              <a:ea typeface="HGS創英角ｺﾞｼｯｸUB" panose="020B0900000000000000" pitchFamily="50" charset="-128"/>
+            </a:endParaRPr>
+          </a:p>
+          <a:p>
+            <a:pPr algn="ctr"/>
+            <a:r>
+              <a:rPr kumimoji="1" lang="ja-JP" altLang="en-US" dirty="0" smtClean="0">
+                <a:latin typeface="HGS創英角ｺﾞｼｯｸUB" panose="020B0900000000000000" pitchFamily="50" charset="-128"/>
+                <a:ea typeface="HGS創英角ｺﾞｼｯｸUB" panose="020B0900000000000000" pitchFamily="50" charset="-128"/>
+              </a:rPr>
+              <a:t>攻撃速度：速</a:t>
+            </a:r>
+            <a:endParaRPr kumimoji="1" lang="ja-JP" altLang="en-US" dirty="0">
+              <a:latin typeface="HGS創英角ｺﾞｼｯｸUB" panose="020B0900000000000000" pitchFamily="50" charset="-128"/>
+              <a:ea typeface="HGS創英角ｺﾞｼｯｸUB" panose="020B0900000000000000" pitchFamily="50" charset="-128"/>
+            </a:endParaRPr>
+          </a:p>
+        </p:txBody>
+      </p:sp>
       <p:pic>
         <p:nvPicPr>
-          <p:cNvPr id="8" name="図 7"/>
+          <p:cNvPr id="12" name="図 11"/>
           <p:cNvPicPr>
             <a:picLocks noChangeAspect="1"/>
           </p:cNvPicPr>
           <p:nvPr/>
         </p:nvPicPr>
         <p:blipFill>
-          <a:blip r:embed="rId3" cstate="print">
+          <a:blip r:embed="rId3">
             <a:extLst>
               <a:ext uri="{28A0092B-C50C-407E-A947-70E740481C1C}">
                 <a14:useLocalDpi xmlns:a14="http://schemas.microsoft.com/office/drawing/2010/main" val="0"/>
@@ -8669,8 +8467,38 @@
         </p:blipFill>
         <p:spPr>
           <a:xfrm>
-            <a:off x="5887720" y="5282366"/>
-            <a:ext cx="1535153" cy="1535153"/>
+            <a:off x="-986426" y="4842551"/>
+            <a:ext cx="4440926" cy="2164080"/>
+          </a:xfrm>
+          <a:prstGeom prst="rect">
+            <a:avLst/>
+          </a:prstGeom>
+        </p:spPr>
+      </p:pic>
+      <p:pic>
+        <p:nvPicPr>
+          <p:cNvPr id="13" name="図 12"/>
+          <p:cNvPicPr>
+            <a:picLocks noChangeAspect="1"/>
+          </p:cNvPicPr>
+          <p:nvPr/>
+        </p:nvPicPr>
+        <p:blipFill>
+          <a:blip r:embed="rId4" cstate="print">
+            <a:extLst>
+              <a:ext uri="{28A0092B-C50C-407E-A947-70E740481C1C}">
+                <a14:useLocalDpi xmlns:a14="http://schemas.microsoft.com/office/drawing/2010/main" val="0"/>
+              </a:ext>
+            </a:extLst>
+          </a:blip>
+          <a:stretch>
+            <a:fillRect/>
+          </a:stretch>
+        </p:blipFill>
+        <p:spPr>
+          <a:xfrm>
+            <a:off x="6129623" y="4912878"/>
+            <a:ext cx="879212" cy="2164080"/>
           </a:xfrm>
           <a:prstGeom prst="rect">
             <a:avLst/>
@@ -8680,7 +8508,7 @@
     </p:spTree>
     <p:extLst>
       <p:ext uri="{BB962C8B-B14F-4D97-AF65-F5344CB8AC3E}">
-        <p14:creationId xmlns:p14="http://schemas.microsoft.com/office/powerpoint/2010/main" val="2848030420"/>
+        <p14:creationId xmlns:p14="http://schemas.microsoft.com/office/powerpoint/2010/main" val="1611893404"/>
       </p:ext>
     </p:extLst>
   </p:cSld>
@@ -8707,10 +8535,312 @@
           <a:chExt cx="0" cy="0"/>
         </a:xfrm>
       </p:grpSpPr>
+      <p:sp>
+        <p:nvSpPr>
+          <p:cNvPr id="2" name="テキスト ボックス 1"/>
+          <p:cNvSpPr txBox="1"/>
+          <p:nvPr/>
+        </p:nvSpPr>
+        <p:spPr>
+          <a:xfrm>
+            <a:off x="304799" y="285750"/>
+            <a:ext cx="10125075" cy="707886"/>
+          </a:xfrm>
+          <a:prstGeom prst="rect">
+            <a:avLst/>
+          </a:prstGeom>
+          <a:noFill/>
+        </p:spPr>
+        <p:txBody>
+          <a:bodyPr wrap="square" rtlCol="0">
+            <a:spAutoFit/>
+          </a:bodyPr>
+          <a:lstStyle/>
+          <a:p>
+            <a:r>
+              <a:rPr kumimoji="1" lang="ja-JP" altLang="en-US" sz="4000" u="sng" dirty="0" smtClean="0">
+                <a:latin typeface="小塚ゴシック Pro B" panose="020B0800000000000000" pitchFamily="34" charset="-128"/>
+                <a:ea typeface="小塚ゴシック Pro B" panose="020B0800000000000000" pitchFamily="34" charset="-128"/>
+              </a:rPr>
+              <a:t>　</a:t>
+            </a:r>
+            <a:r>
+              <a:rPr kumimoji="1" lang="ja-JP" altLang="en-US" sz="4000" u="sng" dirty="0">
+                <a:latin typeface="小塚ゴシック Pro B" panose="020B0800000000000000" pitchFamily="34" charset="-128"/>
+                <a:ea typeface="小塚ゴシック Pro B" panose="020B0800000000000000" pitchFamily="34" charset="-128"/>
+              </a:rPr>
+              <a:t>システム</a:t>
+            </a:r>
+            <a:endParaRPr kumimoji="1" lang="en-US" altLang="ja-JP" sz="4000" u="sng" dirty="0" smtClean="0">
+              <a:latin typeface="小塚ゴシック Pro B" panose="020B0800000000000000" pitchFamily="34" charset="-128"/>
+              <a:ea typeface="小塚ゴシック Pro B" panose="020B0800000000000000" pitchFamily="34" charset="-128"/>
+            </a:endParaRPr>
+          </a:p>
+        </p:txBody>
+      </p:sp>
+      <p:sp>
+        <p:nvSpPr>
+          <p:cNvPr id="3" name="テキスト ボックス 2"/>
+          <p:cNvSpPr txBox="1"/>
+          <p:nvPr/>
+        </p:nvSpPr>
+        <p:spPr>
+          <a:xfrm>
+            <a:off x="660399" y="1117600"/>
+            <a:ext cx="7109639" cy="646331"/>
+          </a:xfrm>
+          <a:prstGeom prst="rect">
+            <a:avLst/>
+          </a:prstGeom>
+          <a:noFill/>
+        </p:spPr>
+        <p:txBody>
+          <a:bodyPr wrap="none" rtlCol="0">
+            <a:spAutoFit/>
+          </a:bodyPr>
+          <a:lstStyle/>
+          <a:p>
+            <a:r>
+              <a:rPr kumimoji="1" lang="ja-JP" altLang="en-US" sz="3600" b="1" dirty="0" smtClean="0"/>
+              <a:t>カスタム要素③：柄（追加効果）</a:t>
+            </a:r>
+            <a:endParaRPr kumimoji="1" lang="ja-JP" altLang="en-US" sz="3600" b="1" dirty="0"/>
+          </a:p>
+        </p:txBody>
+      </p:sp>
+      <p:sp>
+        <p:nvSpPr>
+          <p:cNvPr id="4" name="テキスト ボックス 3"/>
+          <p:cNvSpPr txBox="1"/>
+          <p:nvPr/>
+        </p:nvSpPr>
+        <p:spPr>
+          <a:xfrm>
+            <a:off x="660399" y="1887895"/>
+            <a:ext cx="6955750" cy="461665"/>
+          </a:xfrm>
+          <a:prstGeom prst="rect">
+            <a:avLst/>
+          </a:prstGeom>
+          <a:noFill/>
+        </p:spPr>
+        <p:txBody>
+          <a:bodyPr wrap="none" rtlCol="0">
+            <a:spAutoFit/>
+          </a:bodyPr>
+          <a:lstStyle/>
+          <a:p>
+            <a:r>
+              <a:rPr kumimoji="1" lang="ja-JP" altLang="en-US" sz="2400" dirty="0" smtClean="0"/>
+              <a:t>・剣の柄に持たせる要素の追加効果だけとする。</a:t>
+            </a:r>
+            <a:endParaRPr kumimoji="1" lang="ja-JP" altLang="en-US" sz="2400" dirty="0"/>
+          </a:p>
+        </p:txBody>
+      </p:sp>
+      <p:sp>
+        <p:nvSpPr>
+          <p:cNvPr id="5" name="テキスト ボックス 4"/>
+          <p:cNvSpPr txBox="1"/>
+          <p:nvPr/>
+        </p:nvSpPr>
+        <p:spPr>
+          <a:xfrm>
+            <a:off x="660399" y="2473524"/>
+            <a:ext cx="8186857" cy="461665"/>
+          </a:xfrm>
+          <a:prstGeom prst="rect">
+            <a:avLst/>
+          </a:prstGeom>
+          <a:noFill/>
+        </p:spPr>
+        <p:txBody>
+          <a:bodyPr wrap="none" rtlCol="0">
+            <a:spAutoFit/>
+          </a:bodyPr>
+          <a:lstStyle/>
+          <a:p>
+            <a:r>
+              <a:rPr kumimoji="1" lang="ja-JP" altLang="en-US" sz="2400" dirty="0" smtClean="0"/>
+              <a:t>・追加効果は様々な＋効果を剣に付与することができる。</a:t>
+            </a:r>
+            <a:endParaRPr kumimoji="1" lang="ja-JP" altLang="en-US" sz="2400" dirty="0"/>
+          </a:p>
+        </p:txBody>
+      </p:sp>
+      <p:sp>
+        <p:nvSpPr>
+          <p:cNvPr id="6" name="テキスト ボックス 5"/>
+          <p:cNvSpPr txBox="1"/>
+          <p:nvPr/>
+        </p:nvSpPr>
+        <p:spPr>
+          <a:xfrm>
+            <a:off x="660399" y="3059153"/>
+            <a:ext cx="10956846" cy="2308324"/>
+          </a:xfrm>
+          <a:prstGeom prst="rect">
+            <a:avLst/>
+          </a:prstGeom>
+          <a:noFill/>
+        </p:spPr>
+        <p:txBody>
+          <a:bodyPr wrap="none" rtlCol="0">
+            <a:spAutoFit/>
+          </a:bodyPr>
+          <a:lstStyle/>
+          <a:p>
+            <a:r>
+              <a:rPr kumimoji="1" lang="ja-JP" altLang="en-US" sz="2400" dirty="0" smtClean="0"/>
+              <a:t>・現状想定している効果は攻撃力</a:t>
+            </a:r>
+            <a:r>
+              <a:rPr kumimoji="1" lang="ja-JP" altLang="en-US" sz="2400" dirty="0"/>
+              <a:t>上昇</a:t>
+            </a:r>
+            <a:r>
+              <a:rPr kumimoji="1" lang="ja-JP" altLang="en-US" sz="2400" dirty="0" smtClean="0"/>
+              <a:t>や待機時間</a:t>
+            </a:r>
+            <a:r>
+              <a:rPr kumimoji="1" lang="ja-JP" altLang="en-US" sz="2400" dirty="0"/>
+              <a:t>短縮</a:t>
+            </a:r>
+            <a:r>
+              <a:rPr kumimoji="1" lang="ja-JP" altLang="en-US" sz="2400" dirty="0" smtClean="0"/>
+              <a:t>など</a:t>
+            </a:r>
+            <a:endParaRPr kumimoji="1" lang="en-US" altLang="ja-JP" sz="2400" dirty="0" smtClean="0"/>
+          </a:p>
+          <a:p>
+            <a:r>
+              <a:rPr kumimoji="1" lang="ja-JP" altLang="en-US" sz="2400" dirty="0"/>
+              <a:t>　</a:t>
+            </a:r>
+            <a:r>
+              <a:rPr kumimoji="1" lang="ja-JP" altLang="en-US" sz="2400" dirty="0" smtClean="0"/>
+              <a:t>長さや幅の持っている要素を強化するものや、</a:t>
+            </a:r>
+            <a:endParaRPr kumimoji="1" lang="en-US" altLang="ja-JP" sz="2400" dirty="0" smtClean="0"/>
+          </a:p>
+          <a:p>
+            <a:r>
+              <a:rPr kumimoji="1" lang="ja-JP" altLang="en-US" sz="2400" dirty="0"/>
+              <a:t>　</a:t>
+            </a:r>
+            <a:r>
+              <a:rPr kumimoji="1" lang="ja-JP" altLang="en-US" sz="2400" dirty="0" smtClean="0"/>
+              <a:t>攻撃時に衝撃波を出したり、毒や麻痺といった状態異常を引き起こすもの、</a:t>
+            </a:r>
+            <a:endParaRPr kumimoji="1" lang="en-US" altLang="ja-JP" sz="2400" dirty="0" smtClean="0"/>
+          </a:p>
+          <a:p>
+            <a:r>
+              <a:rPr kumimoji="1" lang="ja-JP" altLang="en-US" sz="2400" dirty="0"/>
+              <a:t>　</a:t>
+            </a:r>
+            <a:r>
+              <a:rPr kumimoji="1" lang="ja-JP" altLang="en-US" sz="2400" dirty="0" smtClean="0"/>
+              <a:t>ダメージ時怯み無効、</a:t>
+            </a:r>
+            <a:r>
+              <a:rPr kumimoji="1" lang="en-US" altLang="ja-JP" sz="2400" dirty="0" smtClean="0"/>
+              <a:t>2</a:t>
+            </a:r>
+            <a:r>
+              <a:rPr kumimoji="1" lang="ja-JP" altLang="en-US" sz="2400" dirty="0" smtClean="0"/>
+              <a:t>段ジャンプができるようになるといった</a:t>
+            </a:r>
+            <a:endParaRPr kumimoji="1" lang="en-US" altLang="ja-JP" sz="2400" dirty="0" smtClean="0"/>
+          </a:p>
+          <a:p>
+            <a:r>
+              <a:rPr kumimoji="1" lang="ja-JP" altLang="en-US" sz="2400" dirty="0"/>
+              <a:t>　</a:t>
+            </a:r>
+            <a:r>
+              <a:rPr kumimoji="1" lang="ja-JP" altLang="en-US" sz="2400" dirty="0" smtClean="0"/>
+              <a:t>キャラクターが強化されるものなど対戦やカスタマイズの</a:t>
+            </a:r>
+            <a:endParaRPr kumimoji="1" lang="en-US" altLang="ja-JP" sz="2400" dirty="0" smtClean="0"/>
+          </a:p>
+          <a:p>
+            <a:r>
+              <a:rPr kumimoji="1" lang="ja-JP" altLang="en-US" sz="2400" dirty="0"/>
+              <a:t>　</a:t>
+            </a:r>
+            <a:r>
+              <a:rPr kumimoji="1" lang="ja-JP" altLang="en-US" sz="2400" dirty="0" smtClean="0"/>
+              <a:t>アクセントとなるものになる予定。</a:t>
+            </a:r>
+            <a:endParaRPr kumimoji="1" lang="en-US" altLang="ja-JP" sz="2400" dirty="0"/>
+          </a:p>
+        </p:txBody>
+      </p:sp>
+      <p:pic>
+        <p:nvPicPr>
+          <p:cNvPr id="7" name="図 6"/>
+          <p:cNvPicPr>
+            <a:picLocks noChangeAspect="1"/>
+          </p:cNvPicPr>
+          <p:nvPr/>
+        </p:nvPicPr>
+        <p:blipFill>
+          <a:blip r:embed="rId2" cstate="print">
+            <a:extLst>
+              <a:ext uri="{28A0092B-C50C-407E-A947-70E740481C1C}">
+                <a14:useLocalDpi xmlns:a14="http://schemas.microsoft.com/office/drawing/2010/main" val="0"/>
+              </a:ext>
+            </a:extLst>
+          </a:blip>
+          <a:stretch>
+            <a:fillRect/>
+          </a:stretch>
+        </p:blipFill>
+        <p:spPr>
+          <a:xfrm>
+            <a:off x="2758440" y="5367477"/>
+            <a:ext cx="1463735" cy="1364933"/>
+          </a:xfrm>
+          <a:prstGeom prst="rect">
+            <a:avLst/>
+          </a:prstGeom>
+        </p:spPr>
+      </p:pic>
+      <p:pic>
+        <p:nvPicPr>
+          <p:cNvPr id="8" name="図 7"/>
+          <p:cNvPicPr>
+            <a:picLocks noChangeAspect="1"/>
+          </p:cNvPicPr>
+          <p:nvPr/>
+        </p:nvPicPr>
+        <p:blipFill>
+          <a:blip r:embed="rId3" cstate="print">
+            <a:extLst>
+              <a:ext uri="{28A0092B-C50C-407E-A947-70E740481C1C}">
+                <a14:useLocalDpi xmlns:a14="http://schemas.microsoft.com/office/drawing/2010/main" val="0"/>
+              </a:ext>
+            </a:extLst>
+          </a:blip>
+          <a:stretch>
+            <a:fillRect/>
+          </a:stretch>
+        </p:blipFill>
+        <p:spPr>
+          <a:xfrm>
+            <a:off x="5887720" y="5282366"/>
+            <a:ext cx="1535153" cy="1535153"/>
+          </a:xfrm>
+          <a:prstGeom prst="rect">
+            <a:avLst/>
+          </a:prstGeom>
+        </p:spPr>
+      </p:pic>
     </p:spTree>
     <p:extLst>
       <p:ext uri="{BB962C8B-B14F-4D97-AF65-F5344CB8AC3E}">
-        <p14:creationId xmlns:p14="http://schemas.microsoft.com/office/powerpoint/2010/main" val="732905619"/>
+        <p14:creationId xmlns:p14="http://schemas.microsoft.com/office/powerpoint/2010/main" val="2848030420"/>
       </p:ext>
     </p:extLst>
   </p:cSld>

--- a/企画書.pptx
+++ b/企画書.pptx
@@ -8,23 +8,23 @@
     <p:sldId id="256" r:id="rId2"/>
     <p:sldId id="257" r:id="rId3"/>
     <p:sldId id="258" r:id="rId4"/>
-    <p:sldId id="259" r:id="rId5"/>
-    <p:sldId id="260" r:id="rId6"/>
-    <p:sldId id="263" r:id="rId7"/>
-    <p:sldId id="261" r:id="rId8"/>
-    <p:sldId id="262" r:id="rId9"/>
+    <p:sldId id="265" r:id="rId5"/>
+    <p:sldId id="259" r:id="rId6"/>
+    <p:sldId id="260" r:id="rId7"/>
+    <p:sldId id="263" r:id="rId8"/>
+    <p:sldId id="261" r:id="rId9"/>
     <p:sldId id="264" r:id="rId10"/>
-    <p:sldId id="265" r:id="rId11"/>
+    <p:sldId id="262" r:id="rId11"/>
     <p:sldId id="266" r:id="rId12"/>
-    <p:sldId id="267" r:id="rId13"/>
-    <p:sldId id="268" r:id="rId14"/>
-    <p:sldId id="269" r:id="rId15"/>
-    <p:sldId id="270" r:id="rId16"/>
-    <p:sldId id="271" r:id="rId17"/>
-    <p:sldId id="272" r:id="rId18"/>
-    <p:sldId id="273" r:id="rId19"/>
-    <p:sldId id="274" r:id="rId20"/>
-    <p:sldId id="275" r:id="rId21"/>
+    <p:sldId id="269" r:id="rId13"/>
+    <p:sldId id="270" r:id="rId14"/>
+    <p:sldId id="271" r:id="rId15"/>
+    <p:sldId id="272" r:id="rId16"/>
+    <p:sldId id="273" r:id="rId17"/>
+    <p:sldId id="274" r:id="rId18"/>
+    <p:sldId id="275" r:id="rId19"/>
+    <p:sldId id="267" r:id="rId20"/>
+    <p:sldId id="268" r:id="rId21"/>
   </p:sldIdLst>
   <p:sldSz cx="12192000" cy="6858000"/>
   <p:notesSz cx="6858000" cy="9144000"/>
@@ -322,7 +322,7 @@
           <a:p>
             <a:fld id="{FA3992D2-0107-4EEA-8C14-7D0839A79863}" type="datetimeFigureOut">
               <a:rPr kumimoji="1" lang="ja-JP" altLang="en-US" smtClean="0"/>
-              <a:t>2020/10/5</a:t>
+              <a:t>2020/10/8</a:t>
             </a:fld>
             <a:endParaRPr kumimoji="1" lang="ja-JP" altLang="en-US"/>
           </a:p>
@@ -758,7 +758,7 @@
           <a:p>
             <a:fld id="{FA3992D2-0107-4EEA-8C14-7D0839A79863}" type="datetimeFigureOut">
               <a:rPr kumimoji="1" lang="ja-JP" altLang="en-US" smtClean="0"/>
-              <a:t>2020/10/5</a:t>
+              <a:t>2020/10/8</a:t>
             </a:fld>
             <a:endParaRPr kumimoji="1" lang="ja-JP" altLang="en-US"/>
           </a:p>
@@ -1008,7 +1008,7 @@
           <a:p>
             <a:fld id="{FA3992D2-0107-4EEA-8C14-7D0839A79863}" type="datetimeFigureOut">
               <a:rPr kumimoji="1" lang="ja-JP" altLang="en-US" smtClean="0"/>
-              <a:t>2020/10/5</a:t>
+              <a:t>2020/10/8</a:t>
             </a:fld>
             <a:endParaRPr kumimoji="1" lang="ja-JP" altLang="en-US"/>
           </a:p>
@@ -1316,7 +1316,7 @@
           <a:p>
             <a:fld id="{FA3992D2-0107-4EEA-8C14-7D0839A79863}" type="datetimeFigureOut">
               <a:rPr kumimoji="1" lang="ja-JP" altLang="en-US" smtClean="0"/>
-              <a:t>2020/10/5</a:t>
+              <a:t>2020/10/8</a:t>
             </a:fld>
             <a:endParaRPr kumimoji="1" lang="ja-JP" altLang="en-US"/>
           </a:p>
@@ -1634,7 +1634,7 @@
           <a:p>
             <a:fld id="{FA3992D2-0107-4EEA-8C14-7D0839A79863}" type="datetimeFigureOut">
               <a:rPr kumimoji="1" lang="ja-JP" altLang="en-US" smtClean="0"/>
-              <a:t>2020/10/5</a:t>
+              <a:t>2020/10/8</a:t>
             </a:fld>
             <a:endParaRPr kumimoji="1" lang="ja-JP" altLang="en-US"/>
           </a:p>
@@ -1936,7 +1936,7 @@
           <a:p>
             <a:fld id="{FA3992D2-0107-4EEA-8C14-7D0839A79863}" type="datetimeFigureOut">
               <a:rPr kumimoji="1" lang="ja-JP" altLang="en-US" smtClean="0"/>
-              <a:t>2020/10/5</a:t>
+              <a:t>2020/10/8</a:t>
             </a:fld>
             <a:endParaRPr kumimoji="1" lang="ja-JP" altLang="en-US"/>
           </a:p>
@@ -2303,7 +2303,7 @@
           <a:p>
             <a:fld id="{FA3992D2-0107-4EEA-8C14-7D0839A79863}" type="datetimeFigureOut">
               <a:rPr kumimoji="1" lang="ja-JP" altLang="en-US" smtClean="0"/>
-              <a:t>2020/10/5</a:t>
+              <a:t>2020/10/8</a:t>
             </a:fld>
             <a:endParaRPr kumimoji="1" lang="ja-JP" altLang="en-US"/>
           </a:p>
@@ -2509,7 +2509,7 @@
           <a:p>
             <a:fld id="{FA3992D2-0107-4EEA-8C14-7D0839A79863}" type="datetimeFigureOut">
               <a:rPr kumimoji="1" lang="ja-JP" altLang="en-US" smtClean="0"/>
-              <a:t>2020/10/5</a:t>
+              <a:t>2020/10/8</a:t>
             </a:fld>
             <a:endParaRPr kumimoji="1" lang="ja-JP" altLang="en-US"/>
           </a:p>
@@ -2721,7 +2721,7 @@
           <a:p>
             <a:fld id="{FA3992D2-0107-4EEA-8C14-7D0839A79863}" type="datetimeFigureOut">
               <a:rPr kumimoji="1" lang="ja-JP" altLang="en-US" smtClean="0"/>
-              <a:t>2020/10/5</a:t>
+              <a:t>2020/10/8</a:t>
             </a:fld>
             <a:endParaRPr kumimoji="1" lang="ja-JP" altLang="en-US"/>
           </a:p>
@@ -2923,7 +2923,7 @@
           <a:p>
             <a:fld id="{FA3992D2-0107-4EEA-8C14-7D0839A79863}" type="datetimeFigureOut">
               <a:rPr kumimoji="1" lang="ja-JP" altLang="en-US" smtClean="0"/>
-              <a:t>2020/10/5</a:t>
+              <a:t>2020/10/8</a:t>
             </a:fld>
             <a:endParaRPr kumimoji="1" lang="ja-JP" altLang="en-US"/>
           </a:p>
@@ -3173,7 +3173,7 @@
           <a:p>
             <a:fld id="{FA3992D2-0107-4EEA-8C14-7D0839A79863}" type="datetimeFigureOut">
               <a:rPr kumimoji="1" lang="ja-JP" altLang="en-US" smtClean="0"/>
-              <a:t>2020/10/5</a:t>
+              <a:t>2020/10/8</a:t>
             </a:fld>
             <a:endParaRPr kumimoji="1" lang="ja-JP" altLang="en-US"/>
           </a:p>
@@ -3473,7 +3473,7 @@
           <a:p>
             <a:fld id="{FA3992D2-0107-4EEA-8C14-7D0839A79863}" type="datetimeFigureOut">
               <a:rPr kumimoji="1" lang="ja-JP" altLang="en-US" smtClean="0"/>
-              <a:t>2020/10/5</a:t>
+              <a:t>2020/10/8</a:t>
             </a:fld>
             <a:endParaRPr kumimoji="1" lang="ja-JP" altLang="en-US"/>
           </a:p>
@@ -3919,7 +3919,7 @@
           <a:p>
             <a:fld id="{FA3992D2-0107-4EEA-8C14-7D0839A79863}" type="datetimeFigureOut">
               <a:rPr kumimoji="1" lang="ja-JP" altLang="en-US" smtClean="0"/>
-              <a:t>2020/10/5</a:t>
+              <a:t>2020/10/8</a:t>
             </a:fld>
             <a:endParaRPr kumimoji="1" lang="ja-JP" altLang="en-US"/>
           </a:p>
@@ -4037,7 +4037,7 @@
           <a:p>
             <a:fld id="{FA3992D2-0107-4EEA-8C14-7D0839A79863}" type="datetimeFigureOut">
               <a:rPr kumimoji="1" lang="ja-JP" altLang="en-US" smtClean="0"/>
-              <a:t>2020/10/5</a:t>
+              <a:t>2020/10/8</a:t>
             </a:fld>
             <a:endParaRPr kumimoji="1" lang="ja-JP" altLang="en-US"/>
           </a:p>
@@ -4132,7 +4132,7 @@
           <a:p>
             <a:fld id="{FA3992D2-0107-4EEA-8C14-7D0839A79863}" type="datetimeFigureOut">
               <a:rPr kumimoji="1" lang="ja-JP" altLang="en-US" smtClean="0"/>
-              <a:t>2020/10/5</a:t>
+              <a:t>2020/10/8</a:t>
             </a:fld>
             <a:endParaRPr kumimoji="1" lang="ja-JP" altLang="en-US"/>
           </a:p>
@@ -4419,7 +4419,7 @@
           <a:p>
             <a:fld id="{FA3992D2-0107-4EEA-8C14-7D0839A79863}" type="datetimeFigureOut">
               <a:rPr kumimoji="1" lang="ja-JP" altLang="en-US" smtClean="0"/>
-              <a:t>2020/10/5</a:t>
+              <a:t>2020/10/8</a:t>
             </a:fld>
             <a:endParaRPr kumimoji="1" lang="ja-JP" altLang="en-US"/>
           </a:p>
@@ -4702,7 +4702,7 @@
           <a:p>
             <a:fld id="{FA3992D2-0107-4EEA-8C14-7D0839A79863}" type="datetimeFigureOut">
               <a:rPr kumimoji="1" lang="ja-JP" altLang="en-US" smtClean="0"/>
-              <a:t>2020/10/5</a:t>
+              <a:t>2020/10/8</a:t>
             </a:fld>
             <a:endParaRPr kumimoji="1" lang="ja-JP" altLang="en-US"/>
           </a:p>
@@ -5140,7 +5140,7 @@
           <a:p>
             <a:fld id="{FA3992D2-0107-4EEA-8C14-7D0839A79863}" type="datetimeFigureOut">
               <a:rPr kumimoji="1" lang="ja-JP" altLang="en-US" smtClean="0"/>
-              <a:t>2020/10/5</a:t>
+              <a:t>2020/10/8</a:t>
             </a:fld>
             <a:endParaRPr kumimoji="1" lang="ja-JP" altLang="en-US"/>
           </a:p>
@@ -5933,10 +5933,493 @@
           <a:chExt cx="0" cy="0"/>
         </a:xfrm>
       </p:grpSpPr>
+      <p:sp>
+        <p:nvSpPr>
+          <p:cNvPr id="2" name="テキスト ボックス 1"/>
+          <p:cNvSpPr txBox="1"/>
+          <p:nvPr/>
+        </p:nvSpPr>
+        <p:spPr>
+          <a:xfrm>
+            <a:off x="304799" y="285750"/>
+            <a:ext cx="10125075" cy="707886"/>
+          </a:xfrm>
+          <a:prstGeom prst="rect">
+            <a:avLst/>
+          </a:prstGeom>
+          <a:noFill/>
+        </p:spPr>
+        <p:txBody>
+          <a:bodyPr wrap="square" rtlCol="0">
+            <a:spAutoFit/>
+          </a:bodyPr>
+          <a:lstStyle/>
+          <a:p>
+            <a:r>
+              <a:rPr kumimoji="1" lang="ja-JP" altLang="en-US" sz="4000" u="sng" dirty="0" smtClean="0">
+                <a:latin typeface="小塚ゴシック Pro B" panose="020B0800000000000000" pitchFamily="34" charset="-128"/>
+                <a:ea typeface="小塚ゴシック Pro B" panose="020B0800000000000000" pitchFamily="34" charset="-128"/>
+              </a:rPr>
+              <a:t>　</a:t>
+            </a:r>
+            <a:r>
+              <a:rPr kumimoji="1" lang="ja-JP" altLang="en-US" sz="4000" u="sng" dirty="0">
+                <a:latin typeface="小塚ゴシック Pro B" panose="020B0800000000000000" pitchFamily="34" charset="-128"/>
+                <a:ea typeface="小塚ゴシック Pro B" panose="020B0800000000000000" pitchFamily="34" charset="-128"/>
+              </a:rPr>
+              <a:t>システム</a:t>
+            </a:r>
+            <a:endParaRPr kumimoji="1" lang="en-US" altLang="ja-JP" sz="4000" u="sng" dirty="0" smtClean="0">
+              <a:latin typeface="小塚ゴシック Pro B" panose="020B0800000000000000" pitchFamily="34" charset="-128"/>
+              <a:ea typeface="小塚ゴシック Pro B" panose="020B0800000000000000" pitchFamily="34" charset="-128"/>
+            </a:endParaRPr>
+          </a:p>
+        </p:txBody>
+      </p:sp>
+      <p:sp>
+        <p:nvSpPr>
+          <p:cNvPr id="3" name="テキスト ボックス 2"/>
+          <p:cNvSpPr txBox="1"/>
+          <p:nvPr/>
+        </p:nvSpPr>
+        <p:spPr>
+          <a:xfrm>
+            <a:off x="660399" y="1117600"/>
+            <a:ext cx="7109639" cy="646331"/>
+          </a:xfrm>
+          <a:prstGeom prst="rect">
+            <a:avLst/>
+          </a:prstGeom>
+          <a:noFill/>
+        </p:spPr>
+        <p:txBody>
+          <a:bodyPr wrap="none" rtlCol="0">
+            <a:spAutoFit/>
+          </a:bodyPr>
+          <a:lstStyle/>
+          <a:p>
+            <a:r>
+              <a:rPr kumimoji="1" lang="ja-JP" altLang="en-US" sz="3600" b="1" dirty="0" smtClean="0"/>
+              <a:t>カスタム要素③：柄（追加効果）</a:t>
+            </a:r>
+            <a:endParaRPr kumimoji="1" lang="ja-JP" altLang="en-US" sz="3600" b="1" dirty="0"/>
+          </a:p>
+        </p:txBody>
+      </p:sp>
+      <p:sp>
+        <p:nvSpPr>
+          <p:cNvPr id="4" name="テキスト ボックス 3"/>
+          <p:cNvSpPr txBox="1"/>
+          <p:nvPr/>
+        </p:nvSpPr>
+        <p:spPr>
+          <a:xfrm>
+            <a:off x="660399" y="1887895"/>
+            <a:ext cx="6955750" cy="461665"/>
+          </a:xfrm>
+          <a:prstGeom prst="rect">
+            <a:avLst/>
+          </a:prstGeom>
+          <a:noFill/>
+        </p:spPr>
+        <p:txBody>
+          <a:bodyPr wrap="none" rtlCol="0">
+            <a:spAutoFit/>
+          </a:bodyPr>
+          <a:lstStyle/>
+          <a:p>
+            <a:r>
+              <a:rPr kumimoji="1" lang="ja-JP" altLang="en-US" sz="2400" dirty="0" smtClean="0"/>
+              <a:t>・剣の柄に持たせる要素の追加効果だけとする。</a:t>
+            </a:r>
+            <a:endParaRPr kumimoji="1" lang="ja-JP" altLang="en-US" sz="2400" dirty="0"/>
+          </a:p>
+        </p:txBody>
+      </p:sp>
+      <p:sp>
+        <p:nvSpPr>
+          <p:cNvPr id="5" name="テキスト ボックス 4"/>
+          <p:cNvSpPr txBox="1"/>
+          <p:nvPr/>
+        </p:nvSpPr>
+        <p:spPr>
+          <a:xfrm>
+            <a:off x="660399" y="2473524"/>
+            <a:ext cx="8186857" cy="461665"/>
+          </a:xfrm>
+          <a:prstGeom prst="rect">
+            <a:avLst/>
+          </a:prstGeom>
+          <a:noFill/>
+        </p:spPr>
+        <p:txBody>
+          <a:bodyPr wrap="none" rtlCol="0">
+            <a:spAutoFit/>
+          </a:bodyPr>
+          <a:lstStyle/>
+          <a:p>
+            <a:r>
+              <a:rPr kumimoji="1" lang="ja-JP" altLang="en-US" sz="2400" dirty="0" smtClean="0"/>
+              <a:t>・追加効果は様々な＋効果を剣に付与することができる。</a:t>
+            </a:r>
+            <a:endParaRPr kumimoji="1" lang="ja-JP" altLang="en-US" sz="2400" dirty="0"/>
+          </a:p>
+        </p:txBody>
+      </p:sp>
+      <p:pic>
+        <p:nvPicPr>
+          <p:cNvPr id="7" name="図 6"/>
+          <p:cNvPicPr>
+            <a:picLocks noChangeAspect="1"/>
+          </p:cNvPicPr>
+          <p:nvPr/>
+        </p:nvPicPr>
+        <p:blipFill>
+          <a:blip r:embed="rId2" cstate="print">
+            <a:extLst>
+              <a:ext uri="{28A0092B-C50C-407E-A947-70E740481C1C}">
+                <a14:useLocalDpi xmlns:a14="http://schemas.microsoft.com/office/drawing/2010/main" val="0"/>
+              </a:ext>
+            </a:extLst>
+          </a:blip>
+          <a:stretch>
+            <a:fillRect/>
+          </a:stretch>
+        </p:blipFill>
+        <p:spPr>
+          <a:xfrm>
+            <a:off x="1201842" y="3997730"/>
+            <a:ext cx="2185035" cy="2037545"/>
+          </a:xfrm>
+          <a:prstGeom prst="rect">
+            <a:avLst/>
+          </a:prstGeom>
+        </p:spPr>
+      </p:pic>
+      <p:pic>
+        <p:nvPicPr>
+          <p:cNvPr id="8" name="図 7"/>
+          <p:cNvPicPr>
+            <a:picLocks noChangeAspect="1"/>
+          </p:cNvPicPr>
+          <p:nvPr/>
+        </p:nvPicPr>
+        <p:blipFill>
+          <a:blip r:embed="rId3" cstate="print">
+            <a:extLst>
+              <a:ext uri="{28A0092B-C50C-407E-A947-70E740481C1C}">
+                <a14:useLocalDpi xmlns:a14="http://schemas.microsoft.com/office/drawing/2010/main" val="0"/>
+              </a:ext>
+            </a:extLst>
+          </a:blip>
+          <a:stretch>
+            <a:fillRect/>
+          </a:stretch>
+        </p:blipFill>
+        <p:spPr>
+          <a:xfrm>
+            <a:off x="4375012" y="3997730"/>
+            <a:ext cx="2056130" cy="2056130"/>
+          </a:xfrm>
+          <a:prstGeom prst="rect">
+            <a:avLst/>
+          </a:prstGeom>
+        </p:spPr>
+      </p:pic>
+      <p:sp>
+        <p:nvSpPr>
+          <p:cNvPr id="9" name="テキスト ボックス 8"/>
+          <p:cNvSpPr txBox="1"/>
+          <p:nvPr/>
+        </p:nvSpPr>
+        <p:spPr>
+          <a:xfrm>
+            <a:off x="1740360" y="3711731"/>
+            <a:ext cx="1446491" cy="369332"/>
+          </a:xfrm>
+          <a:prstGeom prst="rect">
+            <a:avLst/>
+          </a:prstGeom>
+          <a:noFill/>
+        </p:spPr>
+        <p:txBody>
+          <a:bodyPr wrap="square" rtlCol="0">
+            <a:spAutoFit/>
+          </a:bodyPr>
+          <a:lstStyle/>
+          <a:p>
+            <a:r>
+              <a:rPr kumimoji="1" lang="ja-JP" altLang="en-US" dirty="0" smtClean="0">
+                <a:latin typeface="HG創英角ﾎﾟｯﾌﾟ体" panose="040B0A09000000000000" pitchFamily="49" charset="-128"/>
+                <a:ea typeface="HG創英角ﾎﾟｯﾌﾟ体" panose="040B0A09000000000000" pitchFamily="49" charset="-128"/>
+              </a:rPr>
+              <a:t>怯み無効</a:t>
+            </a:r>
+            <a:endParaRPr kumimoji="1" lang="ja-JP" altLang="en-US" dirty="0">
+              <a:latin typeface="HG創英角ﾎﾟｯﾌﾟ体" panose="040B0A09000000000000" pitchFamily="49" charset="-128"/>
+              <a:ea typeface="HG創英角ﾎﾟｯﾌﾟ体" panose="040B0A09000000000000" pitchFamily="49" charset="-128"/>
+            </a:endParaRPr>
+          </a:p>
+        </p:txBody>
+      </p:sp>
+      <p:sp>
+        <p:nvSpPr>
+          <p:cNvPr id="10" name="テキスト ボックス 9"/>
+          <p:cNvSpPr txBox="1"/>
+          <p:nvPr/>
+        </p:nvSpPr>
+        <p:spPr>
+          <a:xfrm>
+            <a:off x="4833720" y="3646983"/>
+            <a:ext cx="1446491" cy="369332"/>
+          </a:xfrm>
+          <a:prstGeom prst="rect">
+            <a:avLst/>
+          </a:prstGeom>
+          <a:noFill/>
+        </p:spPr>
+        <p:txBody>
+          <a:bodyPr wrap="square" rtlCol="0">
+            <a:spAutoFit/>
+          </a:bodyPr>
+          <a:lstStyle/>
+          <a:p>
+            <a:r>
+              <a:rPr kumimoji="1" lang="ja-JP" altLang="en-US" dirty="0" smtClean="0">
+                <a:latin typeface="HG創英角ﾎﾟｯﾌﾟ体" panose="040B0A09000000000000" pitchFamily="49" charset="-128"/>
+                <a:ea typeface="HG創英角ﾎﾟｯﾌﾟ体" panose="040B0A09000000000000" pitchFamily="49" charset="-128"/>
+              </a:rPr>
+              <a:t>攻撃力</a:t>
+            </a:r>
+            <a:r>
+              <a:rPr kumimoji="1" lang="ja-JP" altLang="en-US" dirty="0">
+                <a:latin typeface="HG創英角ﾎﾟｯﾌﾟ体" panose="040B0A09000000000000" pitchFamily="49" charset="-128"/>
+                <a:ea typeface="HG創英角ﾎﾟｯﾌﾟ体" panose="040B0A09000000000000" pitchFamily="49" charset="-128"/>
+              </a:rPr>
+              <a:t>上昇</a:t>
+            </a:r>
+          </a:p>
+        </p:txBody>
+      </p:sp>
+      <p:pic>
+        <p:nvPicPr>
+          <p:cNvPr id="11" name="図 10"/>
+          <p:cNvPicPr>
+            <a:picLocks noChangeAspect="1"/>
+          </p:cNvPicPr>
+          <p:nvPr/>
+        </p:nvPicPr>
+        <p:blipFill>
+          <a:blip r:embed="rId4" cstate="print">
+            <a:extLst>
+              <a:ext uri="{28A0092B-C50C-407E-A947-70E740481C1C}">
+                <a14:useLocalDpi xmlns:a14="http://schemas.microsoft.com/office/drawing/2010/main" val="0"/>
+              </a:ext>
+            </a:extLst>
+          </a:blip>
+          <a:stretch>
+            <a:fillRect/>
+          </a:stretch>
+        </p:blipFill>
+        <p:spPr>
+          <a:xfrm flipH="1">
+            <a:off x="7727054" y="4436927"/>
+            <a:ext cx="1475235" cy="1962916"/>
+          </a:xfrm>
+          <a:prstGeom prst="rect">
+            <a:avLst/>
+          </a:prstGeom>
+        </p:spPr>
+      </p:pic>
+      <p:pic>
+        <p:nvPicPr>
+          <p:cNvPr id="12" name="図 11"/>
+          <p:cNvPicPr>
+            <a:picLocks noChangeAspect="1"/>
+          </p:cNvPicPr>
+          <p:nvPr/>
+        </p:nvPicPr>
+        <p:blipFill>
+          <a:blip r:embed="rId4" cstate="print">
+            <a:extLst>
+              <a:ext uri="{28A0092B-C50C-407E-A947-70E740481C1C}">
+                <a14:useLocalDpi xmlns:a14="http://schemas.microsoft.com/office/drawing/2010/main" val="0"/>
+              </a:ext>
+            </a:extLst>
+          </a:blip>
+          <a:stretch>
+            <a:fillRect/>
+          </a:stretch>
+        </p:blipFill>
+        <p:spPr>
+          <a:xfrm flipH="1">
+            <a:off x="8954639" y="3607869"/>
+            <a:ext cx="1475235" cy="1962916"/>
+          </a:xfrm>
+          <a:prstGeom prst="rect">
+            <a:avLst/>
+          </a:prstGeom>
+        </p:spPr>
+      </p:pic>
+      <p:sp>
+        <p:nvSpPr>
+          <p:cNvPr id="13" name="テキスト ボックス 12"/>
+          <p:cNvSpPr txBox="1"/>
+          <p:nvPr/>
+        </p:nvSpPr>
+        <p:spPr>
+          <a:xfrm>
+            <a:off x="8227270" y="3251324"/>
+            <a:ext cx="1763833" cy="369332"/>
+          </a:xfrm>
+          <a:prstGeom prst="rect">
+            <a:avLst/>
+          </a:prstGeom>
+          <a:noFill/>
+        </p:spPr>
+        <p:txBody>
+          <a:bodyPr wrap="square" rtlCol="0">
+            <a:spAutoFit/>
+          </a:bodyPr>
+          <a:lstStyle/>
+          <a:p>
+            <a:r>
+              <a:rPr kumimoji="1" lang="ja-JP" altLang="en-US" dirty="0" smtClean="0">
+                <a:latin typeface="HG創英角ﾎﾟｯﾌﾟ体" panose="040B0A09000000000000" pitchFamily="49" charset="-128"/>
+                <a:ea typeface="HG創英角ﾎﾟｯﾌﾟ体" panose="040B0A09000000000000" pitchFamily="49" charset="-128"/>
+              </a:rPr>
+              <a:t>二段</a:t>
+            </a:r>
+            <a:r>
+              <a:rPr kumimoji="1" lang="ja-JP" altLang="en-US" dirty="0">
+                <a:latin typeface="HG創英角ﾎﾟｯﾌﾟ体" panose="040B0A09000000000000" pitchFamily="49" charset="-128"/>
+                <a:ea typeface="HG創英角ﾎﾟｯﾌﾟ体" panose="040B0A09000000000000" pitchFamily="49" charset="-128"/>
+              </a:rPr>
+              <a:t>ジャンプ</a:t>
+            </a:r>
+          </a:p>
+        </p:txBody>
+      </p:sp>
+      <p:sp>
+        <p:nvSpPr>
+          <p:cNvPr id="15" name="環状矢印 14"/>
+          <p:cNvSpPr/>
+          <p:nvPr/>
+        </p:nvSpPr>
+        <p:spPr>
+          <a:xfrm rot="10296948" flipH="1">
+            <a:off x="7556706" y="5629293"/>
+            <a:ext cx="884990" cy="1125193"/>
+          </a:xfrm>
+          <a:prstGeom prst="circularArrow">
+            <a:avLst>
+              <a:gd name="adj1" fmla="val 12500"/>
+              <a:gd name="adj2" fmla="val 1142319"/>
+              <a:gd name="adj3" fmla="val 20457681"/>
+              <a:gd name="adj4" fmla="val 14346676"/>
+              <a:gd name="adj5" fmla="val 12500"/>
+            </a:avLst>
+          </a:prstGeom>
+          <a:solidFill>
+            <a:schemeClr val="tx1"/>
+          </a:solidFill>
+          <a:ln>
+            <a:solidFill>
+              <a:schemeClr val="bg1"/>
+            </a:solidFill>
+          </a:ln>
+        </p:spPr>
+        <p:style>
+          <a:lnRef idx="2">
+            <a:schemeClr val="accent1">
+              <a:shade val="50000"/>
+            </a:schemeClr>
+          </a:lnRef>
+          <a:fillRef idx="1">
+            <a:schemeClr val="accent1"/>
+          </a:fillRef>
+          <a:effectRef idx="0">
+            <a:schemeClr val="accent1"/>
+          </a:effectRef>
+          <a:fontRef idx="minor">
+            <a:schemeClr val="lt1"/>
+          </a:fontRef>
+        </p:style>
+        <p:txBody>
+          <a:bodyPr rtlCol="0" anchor="ctr"/>
+          <a:lstStyle/>
+          <a:p>
+            <a:pPr algn="ctr"/>
+            <a:endParaRPr kumimoji="1" lang="ja-JP" altLang="en-US">
+              <a:solidFill>
+                <a:schemeClr val="tx1"/>
+              </a:solidFill>
+            </a:endParaRPr>
+          </a:p>
+        </p:txBody>
+      </p:sp>
+      <p:sp>
+        <p:nvSpPr>
+          <p:cNvPr id="16" name="環状矢印 15"/>
+          <p:cNvSpPr/>
+          <p:nvPr/>
+        </p:nvSpPr>
+        <p:spPr>
+          <a:xfrm rot="10296948" flipH="1">
+            <a:off x="8784292" y="4801614"/>
+            <a:ext cx="884990" cy="1125193"/>
+          </a:xfrm>
+          <a:prstGeom prst="circularArrow">
+            <a:avLst>
+              <a:gd name="adj1" fmla="val 12500"/>
+              <a:gd name="adj2" fmla="val 1142319"/>
+              <a:gd name="adj3" fmla="val 20457681"/>
+              <a:gd name="adj4" fmla="val 14346676"/>
+              <a:gd name="adj5" fmla="val 12500"/>
+            </a:avLst>
+          </a:prstGeom>
+          <a:solidFill>
+            <a:schemeClr val="tx1"/>
+          </a:solidFill>
+          <a:ln>
+            <a:solidFill>
+              <a:schemeClr val="bg1"/>
+            </a:solidFill>
+          </a:ln>
+        </p:spPr>
+        <p:style>
+          <a:lnRef idx="2">
+            <a:schemeClr val="accent1">
+              <a:shade val="50000"/>
+            </a:schemeClr>
+          </a:lnRef>
+          <a:fillRef idx="1">
+            <a:schemeClr val="accent1"/>
+          </a:fillRef>
+          <a:effectRef idx="0">
+            <a:schemeClr val="accent1"/>
+          </a:effectRef>
+          <a:fontRef idx="minor">
+            <a:schemeClr val="lt1"/>
+          </a:fontRef>
+        </p:style>
+        <p:txBody>
+          <a:bodyPr rtlCol="0" anchor="ctr"/>
+          <a:lstStyle/>
+          <a:p>
+            <a:pPr algn="ctr"/>
+            <a:endParaRPr kumimoji="1" lang="ja-JP" altLang="en-US">
+              <a:solidFill>
+                <a:schemeClr val="tx1"/>
+              </a:solidFill>
+            </a:endParaRPr>
+          </a:p>
+        </p:txBody>
+      </p:sp>
     </p:spTree>
     <p:extLst>
       <p:ext uri="{BB962C8B-B14F-4D97-AF65-F5344CB8AC3E}">
-        <p14:creationId xmlns:p14="http://schemas.microsoft.com/office/powerpoint/2010/main" val="1123968223"/>
+        <p14:creationId xmlns:p14="http://schemas.microsoft.com/office/powerpoint/2010/main" val="2848030420"/>
       </p:ext>
     </p:extLst>
   </p:cSld>
@@ -5963,6 +6446,56 @@
           <a:chExt cx="0" cy="0"/>
         </a:xfrm>
       </p:grpSpPr>
+      <p:sp>
+        <p:nvSpPr>
+          <p:cNvPr id="2" name="テキスト ボックス 1"/>
+          <p:cNvSpPr txBox="1"/>
+          <p:nvPr/>
+        </p:nvSpPr>
+        <p:spPr>
+          <a:xfrm>
+            <a:off x="304799" y="285750"/>
+            <a:ext cx="10125075" cy="707886"/>
+          </a:xfrm>
+          <a:prstGeom prst="rect">
+            <a:avLst/>
+          </a:prstGeom>
+          <a:noFill/>
+        </p:spPr>
+        <p:txBody>
+          <a:bodyPr wrap="square" rtlCol="0">
+            <a:spAutoFit/>
+          </a:bodyPr>
+          <a:lstStyle/>
+          <a:p>
+            <a:r>
+              <a:rPr kumimoji="1" lang="ja-JP" altLang="en-US" sz="4000" u="sng" dirty="0" smtClean="0">
+                <a:latin typeface="小塚ゴシック Pro B" panose="020B0800000000000000" pitchFamily="34" charset="-128"/>
+                <a:ea typeface="小塚ゴシック Pro B" panose="020B0800000000000000" pitchFamily="34" charset="-128"/>
+              </a:rPr>
+              <a:t>　</a:t>
+            </a:r>
+            <a:r>
+              <a:rPr kumimoji="1" lang="ja-JP" altLang="en-US" sz="4000" u="sng" dirty="0" smtClean="0">
+                <a:latin typeface="小塚ゴシック Pro B" panose="020B0800000000000000" pitchFamily="34" charset="-128"/>
+                <a:ea typeface="小塚ゴシック Pro B" panose="020B0800000000000000" pitchFamily="34" charset="-128"/>
+              </a:rPr>
+              <a:t>操作</a:t>
+            </a:r>
+            <a:r>
+              <a:rPr kumimoji="1" lang="ja-JP" altLang="en-US" sz="4000" u="sng" dirty="0">
+                <a:latin typeface="小塚ゴシック Pro B" panose="020B0800000000000000" pitchFamily="34" charset="-128"/>
+                <a:ea typeface="小塚ゴシック Pro B" panose="020B0800000000000000" pitchFamily="34" charset="-128"/>
+              </a:rPr>
+              <a:t>イメージ</a:t>
+            </a:r>
+            <a:endParaRPr kumimoji="1" lang="en-US" altLang="ja-JP" sz="4000" u="sng" dirty="0" smtClean="0">
+              <a:latin typeface="小塚ゴシック Pro B" panose="020B0800000000000000" pitchFamily="34" charset="-128"/>
+              <a:ea typeface="小塚ゴシック Pro B" panose="020B0800000000000000" pitchFamily="34" charset="-128"/>
+            </a:endParaRPr>
+          </a:p>
+        </p:txBody>
+      </p:sp>
     </p:spTree>
     <p:extLst>
       <p:ext uri="{BB962C8B-B14F-4D97-AF65-F5344CB8AC3E}">
@@ -5993,10 +6526,53 @@
           <a:chExt cx="0" cy="0"/>
         </a:xfrm>
       </p:grpSpPr>
+      <p:sp>
+        <p:nvSpPr>
+          <p:cNvPr id="2" name="テキスト ボックス 1"/>
+          <p:cNvSpPr txBox="1"/>
+          <p:nvPr/>
+        </p:nvSpPr>
+        <p:spPr>
+          <a:xfrm>
+            <a:off x="304799" y="285750"/>
+            <a:ext cx="10125075" cy="707886"/>
+          </a:xfrm>
+          <a:prstGeom prst="rect">
+            <a:avLst/>
+          </a:prstGeom>
+          <a:noFill/>
+        </p:spPr>
+        <p:txBody>
+          <a:bodyPr wrap="square" rtlCol="0">
+            <a:spAutoFit/>
+          </a:bodyPr>
+          <a:lstStyle/>
+          <a:p>
+            <a:r>
+              <a:rPr kumimoji="1" lang="ja-JP" altLang="en-US" sz="4000" u="sng" dirty="0" smtClean="0">
+                <a:latin typeface="小塚ゴシック Pro B" panose="020B0800000000000000" pitchFamily="34" charset="-128"/>
+                <a:ea typeface="小塚ゴシック Pro B" panose="020B0800000000000000" pitchFamily="34" charset="-128"/>
+              </a:rPr>
+              <a:t>　</a:t>
+            </a:r>
+            <a:r>
+              <a:rPr kumimoji="1" lang="ja-JP" altLang="en-US" sz="4000" u="sng" dirty="0">
+                <a:latin typeface="小塚ゴシック Pro B" panose="020B0800000000000000" pitchFamily="34" charset="-128"/>
+                <a:ea typeface="小塚ゴシック Pro B" panose="020B0800000000000000" pitchFamily="34" charset="-128"/>
+              </a:rPr>
+              <a:t>システム</a:t>
+            </a:r>
+            <a:endParaRPr kumimoji="1" lang="en-US" altLang="ja-JP" sz="4000" u="sng" dirty="0" smtClean="0">
+              <a:latin typeface="小塚ゴシック Pro B" panose="020B0800000000000000" pitchFamily="34" charset="-128"/>
+              <a:ea typeface="小塚ゴシック Pro B" panose="020B0800000000000000" pitchFamily="34" charset="-128"/>
+            </a:endParaRPr>
+          </a:p>
+        </p:txBody>
+      </p:sp>
     </p:spTree>
     <p:extLst>
       <p:ext uri="{BB962C8B-B14F-4D97-AF65-F5344CB8AC3E}">
-        <p14:creationId xmlns:p14="http://schemas.microsoft.com/office/powerpoint/2010/main" val="2955495822"/>
+        <p14:creationId xmlns:p14="http://schemas.microsoft.com/office/powerpoint/2010/main" val="3094829848"/>
       </p:ext>
     </p:extLst>
   </p:cSld>
@@ -6023,10 +6599,53 @@
           <a:chExt cx="0" cy="0"/>
         </a:xfrm>
       </p:grpSpPr>
+      <p:sp>
+        <p:nvSpPr>
+          <p:cNvPr id="2" name="テキスト ボックス 1"/>
+          <p:cNvSpPr txBox="1"/>
+          <p:nvPr/>
+        </p:nvSpPr>
+        <p:spPr>
+          <a:xfrm>
+            <a:off x="304799" y="285750"/>
+            <a:ext cx="10125075" cy="707886"/>
+          </a:xfrm>
+          <a:prstGeom prst="rect">
+            <a:avLst/>
+          </a:prstGeom>
+          <a:noFill/>
+        </p:spPr>
+        <p:txBody>
+          <a:bodyPr wrap="square" rtlCol="0">
+            <a:spAutoFit/>
+          </a:bodyPr>
+          <a:lstStyle/>
+          <a:p>
+            <a:r>
+              <a:rPr kumimoji="1" lang="ja-JP" altLang="en-US" sz="4000" u="sng" dirty="0" smtClean="0">
+                <a:latin typeface="小塚ゴシック Pro B" panose="020B0800000000000000" pitchFamily="34" charset="-128"/>
+                <a:ea typeface="小塚ゴシック Pro B" panose="020B0800000000000000" pitchFamily="34" charset="-128"/>
+              </a:rPr>
+              <a:t>　</a:t>
+            </a:r>
+            <a:r>
+              <a:rPr kumimoji="1" lang="ja-JP" altLang="en-US" sz="4000" u="sng" dirty="0">
+                <a:latin typeface="小塚ゴシック Pro B" panose="020B0800000000000000" pitchFamily="34" charset="-128"/>
+                <a:ea typeface="小塚ゴシック Pro B" panose="020B0800000000000000" pitchFamily="34" charset="-128"/>
+              </a:rPr>
+              <a:t>システム</a:t>
+            </a:r>
+            <a:endParaRPr kumimoji="1" lang="en-US" altLang="ja-JP" sz="4000" u="sng" dirty="0" smtClean="0">
+              <a:latin typeface="小塚ゴシック Pro B" panose="020B0800000000000000" pitchFamily="34" charset="-128"/>
+              <a:ea typeface="小塚ゴシック Pro B" panose="020B0800000000000000" pitchFamily="34" charset="-128"/>
+            </a:endParaRPr>
+          </a:p>
+        </p:txBody>
+      </p:sp>
     </p:spTree>
     <p:extLst>
       <p:ext uri="{BB962C8B-B14F-4D97-AF65-F5344CB8AC3E}">
-        <p14:creationId xmlns:p14="http://schemas.microsoft.com/office/powerpoint/2010/main" val="597074922"/>
+        <p14:creationId xmlns:p14="http://schemas.microsoft.com/office/powerpoint/2010/main" val="3769411352"/>
       </p:ext>
     </p:extLst>
   </p:cSld>
@@ -6053,10 +6672,53 @@
           <a:chExt cx="0" cy="0"/>
         </a:xfrm>
       </p:grpSpPr>
+      <p:sp>
+        <p:nvSpPr>
+          <p:cNvPr id="2" name="テキスト ボックス 1"/>
+          <p:cNvSpPr txBox="1"/>
+          <p:nvPr/>
+        </p:nvSpPr>
+        <p:spPr>
+          <a:xfrm>
+            <a:off x="304799" y="285750"/>
+            <a:ext cx="10125075" cy="707886"/>
+          </a:xfrm>
+          <a:prstGeom prst="rect">
+            <a:avLst/>
+          </a:prstGeom>
+          <a:noFill/>
+        </p:spPr>
+        <p:txBody>
+          <a:bodyPr wrap="square" rtlCol="0">
+            <a:spAutoFit/>
+          </a:bodyPr>
+          <a:lstStyle/>
+          <a:p>
+            <a:r>
+              <a:rPr kumimoji="1" lang="ja-JP" altLang="en-US" sz="4000" u="sng" dirty="0" smtClean="0">
+                <a:latin typeface="小塚ゴシック Pro B" panose="020B0800000000000000" pitchFamily="34" charset="-128"/>
+                <a:ea typeface="小塚ゴシック Pro B" panose="020B0800000000000000" pitchFamily="34" charset="-128"/>
+              </a:rPr>
+              <a:t>　</a:t>
+            </a:r>
+            <a:r>
+              <a:rPr kumimoji="1" lang="ja-JP" altLang="en-US" sz="4000" u="sng" dirty="0">
+                <a:latin typeface="小塚ゴシック Pro B" panose="020B0800000000000000" pitchFamily="34" charset="-128"/>
+                <a:ea typeface="小塚ゴシック Pro B" panose="020B0800000000000000" pitchFamily="34" charset="-128"/>
+              </a:rPr>
+              <a:t>システム</a:t>
+            </a:r>
+            <a:endParaRPr kumimoji="1" lang="en-US" altLang="ja-JP" sz="4000" u="sng" dirty="0" smtClean="0">
+              <a:latin typeface="小塚ゴシック Pro B" panose="020B0800000000000000" pitchFamily="34" charset="-128"/>
+              <a:ea typeface="小塚ゴシック Pro B" panose="020B0800000000000000" pitchFamily="34" charset="-128"/>
+            </a:endParaRPr>
+          </a:p>
+        </p:txBody>
+      </p:sp>
     </p:spTree>
     <p:extLst>
       <p:ext uri="{BB962C8B-B14F-4D97-AF65-F5344CB8AC3E}">
-        <p14:creationId xmlns:p14="http://schemas.microsoft.com/office/powerpoint/2010/main" val="3094829848"/>
+        <p14:creationId xmlns:p14="http://schemas.microsoft.com/office/powerpoint/2010/main" val="1431974935"/>
       </p:ext>
     </p:extLst>
   </p:cSld>
@@ -6083,10 +6745,53 @@
           <a:chExt cx="0" cy="0"/>
         </a:xfrm>
       </p:grpSpPr>
+      <p:sp>
+        <p:nvSpPr>
+          <p:cNvPr id="2" name="テキスト ボックス 1"/>
+          <p:cNvSpPr txBox="1"/>
+          <p:nvPr/>
+        </p:nvSpPr>
+        <p:spPr>
+          <a:xfrm>
+            <a:off x="304799" y="285750"/>
+            <a:ext cx="10125075" cy="707886"/>
+          </a:xfrm>
+          <a:prstGeom prst="rect">
+            <a:avLst/>
+          </a:prstGeom>
+          <a:noFill/>
+        </p:spPr>
+        <p:txBody>
+          <a:bodyPr wrap="square" rtlCol="0">
+            <a:spAutoFit/>
+          </a:bodyPr>
+          <a:lstStyle/>
+          <a:p>
+            <a:r>
+              <a:rPr kumimoji="1" lang="ja-JP" altLang="en-US" sz="4000" u="sng" dirty="0" smtClean="0">
+                <a:latin typeface="小塚ゴシック Pro B" panose="020B0800000000000000" pitchFamily="34" charset="-128"/>
+                <a:ea typeface="小塚ゴシック Pro B" panose="020B0800000000000000" pitchFamily="34" charset="-128"/>
+              </a:rPr>
+              <a:t>　</a:t>
+            </a:r>
+            <a:r>
+              <a:rPr kumimoji="1" lang="ja-JP" altLang="en-US" sz="4000" u="sng" dirty="0">
+                <a:latin typeface="小塚ゴシック Pro B" panose="020B0800000000000000" pitchFamily="34" charset="-128"/>
+                <a:ea typeface="小塚ゴシック Pro B" panose="020B0800000000000000" pitchFamily="34" charset="-128"/>
+              </a:rPr>
+              <a:t>システム</a:t>
+            </a:r>
+            <a:endParaRPr kumimoji="1" lang="en-US" altLang="ja-JP" sz="4000" u="sng" dirty="0" smtClean="0">
+              <a:latin typeface="小塚ゴシック Pro B" panose="020B0800000000000000" pitchFamily="34" charset="-128"/>
+              <a:ea typeface="小塚ゴシック Pro B" panose="020B0800000000000000" pitchFamily="34" charset="-128"/>
+            </a:endParaRPr>
+          </a:p>
+        </p:txBody>
+      </p:sp>
     </p:spTree>
     <p:extLst>
       <p:ext uri="{BB962C8B-B14F-4D97-AF65-F5344CB8AC3E}">
-        <p14:creationId xmlns:p14="http://schemas.microsoft.com/office/powerpoint/2010/main" val="3769411352"/>
+        <p14:creationId xmlns:p14="http://schemas.microsoft.com/office/powerpoint/2010/main" val="898285594"/>
       </p:ext>
     </p:extLst>
   </p:cSld>
@@ -6113,10 +6818,53 @@
           <a:chExt cx="0" cy="0"/>
         </a:xfrm>
       </p:grpSpPr>
+      <p:sp>
+        <p:nvSpPr>
+          <p:cNvPr id="2" name="テキスト ボックス 1"/>
+          <p:cNvSpPr txBox="1"/>
+          <p:nvPr/>
+        </p:nvSpPr>
+        <p:spPr>
+          <a:xfrm>
+            <a:off x="304799" y="285750"/>
+            <a:ext cx="10125075" cy="707886"/>
+          </a:xfrm>
+          <a:prstGeom prst="rect">
+            <a:avLst/>
+          </a:prstGeom>
+          <a:noFill/>
+        </p:spPr>
+        <p:txBody>
+          <a:bodyPr wrap="square" rtlCol="0">
+            <a:spAutoFit/>
+          </a:bodyPr>
+          <a:lstStyle/>
+          <a:p>
+            <a:r>
+              <a:rPr kumimoji="1" lang="ja-JP" altLang="en-US" sz="4000" u="sng" dirty="0" smtClean="0">
+                <a:latin typeface="小塚ゴシック Pro B" panose="020B0800000000000000" pitchFamily="34" charset="-128"/>
+                <a:ea typeface="小塚ゴシック Pro B" panose="020B0800000000000000" pitchFamily="34" charset="-128"/>
+              </a:rPr>
+              <a:t>　</a:t>
+            </a:r>
+            <a:r>
+              <a:rPr kumimoji="1" lang="ja-JP" altLang="en-US" sz="4000" u="sng" dirty="0">
+                <a:latin typeface="小塚ゴシック Pro B" panose="020B0800000000000000" pitchFamily="34" charset="-128"/>
+                <a:ea typeface="小塚ゴシック Pro B" panose="020B0800000000000000" pitchFamily="34" charset="-128"/>
+              </a:rPr>
+              <a:t>システム</a:t>
+            </a:r>
+            <a:endParaRPr kumimoji="1" lang="en-US" altLang="ja-JP" sz="4000" u="sng" dirty="0" smtClean="0">
+              <a:latin typeface="小塚ゴシック Pro B" panose="020B0800000000000000" pitchFamily="34" charset="-128"/>
+              <a:ea typeface="小塚ゴシック Pro B" panose="020B0800000000000000" pitchFamily="34" charset="-128"/>
+            </a:endParaRPr>
+          </a:p>
+        </p:txBody>
+      </p:sp>
     </p:spTree>
     <p:extLst>
       <p:ext uri="{BB962C8B-B14F-4D97-AF65-F5344CB8AC3E}">
-        <p14:creationId xmlns:p14="http://schemas.microsoft.com/office/powerpoint/2010/main" val="1431974935"/>
+        <p14:creationId xmlns:p14="http://schemas.microsoft.com/office/powerpoint/2010/main" val="1160621946"/>
       </p:ext>
     </p:extLst>
   </p:cSld>
@@ -6143,10 +6891,53 @@
           <a:chExt cx="0" cy="0"/>
         </a:xfrm>
       </p:grpSpPr>
+      <p:sp>
+        <p:nvSpPr>
+          <p:cNvPr id="2" name="テキスト ボックス 1"/>
+          <p:cNvSpPr txBox="1"/>
+          <p:nvPr/>
+        </p:nvSpPr>
+        <p:spPr>
+          <a:xfrm>
+            <a:off x="304799" y="285750"/>
+            <a:ext cx="10125075" cy="707886"/>
+          </a:xfrm>
+          <a:prstGeom prst="rect">
+            <a:avLst/>
+          </a:prstGeom>
+          <a:noFill/>
+        </p:spPr>
+        <p:txBody>
+          <a:bodyPr wrap="square" rtlCol="0">
+            <a:spAutoFit/>
+          </a:bodyPr>
+          <a:lstStyle/>
+          <a:p>
+            <a:r>
+              <a:rPr kumimoji="1" lang="ja-JP" altLang="en-US" sz="4000" u="sng" dirty="0" smtClean="0">
+                <a:latin typeface="小塚ゴシック Pro B" panose="020B0800000000000000" pitchFamily="34" charset="-128"/>
+                <a:ea typeface="小塚ゴシック Pro B" panose="020B0800000000000000" pitchFamily="34" charset="-128"/>
+              </a:rPr>
+              <a:t>　</a:t>
+            </a:r>
+            <a:r>
+              <a:rPr kumimoji="1" lang="ja-JP" altLang="en-US" sz="4000" u="sng" dirty="0">
+                <a:latin typeface="小塚ゴシック Pro B" panose="020B0800000000000000" pitchFamily="34" charset="-128"/>
+                <a:ea typeface="小塚ゴシック Pro B" panose="020B0800000000000000" pitchFamily="34" charset="-128"/>
+              </a:rPr>
+              <a:t>システム</a:t>
+            </a:r>
+            <a:endParaRPr kumimoji="1" lang="en-US" altLang="ja-JP" sz="4000" u="sng" dirty="0" smtClean="0">
+              <a:latin typeface="小塚ゴシック Pro B" panose="020B0800000000000000" pitchFamily="34" charset="-128"/>
+              <a:ea typeface="小塚ゴシック Pro B" panose="020B0800000000000000" pitchFamily="34" charset="-128"/>
+            </a:endParaRPr>
+          </a:p>
+        </p:txBody>
+      </p:sp>
     </p:spTree>
     <p:extLst>
       <p:ext uri="{BB962C8B-B14F-4D97-AF65-F5344CB8AC3E}">
-        <p14:creationId xmlns:p14="http://schemas.microsoft.com/office/powerpoint/2010/main" val="898285594"/>
+        <p14:creationId xmlns:p14="http://schemas.microsoft.com/office/powerpoint/2010/main" val="1387443692"/>
       </p:ext>
     </p:extLst>
   </p:cSld>
@@ -6173,10 +6964,53 @@
           <a:chExt cx="0" cy="0"/>
         </a:xfrm>
       </p:grpSpPr>
+      <p:sp>
+        <p:nvSpPr>
+          <p:cNvPr id="2" name="テキスト ボックス 1"/>
+          <p:cNvSpPr txBox="1"/>
+          <p:nvPr/>
+        </p:nvSpPr>
+        <p:spPr>
+          <a:xfrm>
+            <a:off x="304799" y="285750"/>
+            <a:ext cx="10125075" cy="707886"/>
+          </a:xfrm>
+          <a:prstGeom prst="rect">
+            <a:avLst/>
+          </a:prstGeom>
+          <a:noFill/>
+        </p:spPr>
+        <p:txBody>
+          <a:bodyPr wrap="square" rtlCol="0">
+            <a:spAutoFit/>
+          </a:bodyPr>
+          <a:lstStyle/>
+          <a:p>
+            <a:r>
+              <a:rPr kumimoji="1" lang="ja-JP" altLang="en-US" sz="4000" u="sng" dirty="0" smtClean="0">
+                <a:latin typeface="小塚ゴシック Pro B" panose="020B0800000000000000" pitchFamily="34" charset="-128"/>
+                <a:ea typeface="小塚ゴシック Pro B" panose="020B0800000000000000" pitchFamily="34" charset="-128"/>
+              </a:rPr>
+              <a:t>　</a:t>
+            </a:r>
+            <a:r>
+              <a:rPr kumimoji="1" lang="ja-JP" altLang="en-US" sz="4000" u="sng" dirty="0">
+                <a:latin typeface="小塚ゴシック Pro B" panose="020B0800000000000000" pitchFamily="34" charset="-128"/>
+                <a:ea typeface="小塚ゴシック Pro B" panose="020B0800000000000000" pitchFamily="34" charset="-128"/>
+              </a:rPr>
+              <a:t>システム</a:t>
+            </a:r>
+            <a:endParaRPr kumimoji="1" lang="en-US" altLang="ja-JP" sz="4000" u="sng" dirty="0" smtClean="0">
+              <a:latin typeface="小塚ゴシック Pro B" panose="020B0800000000000000" pitchFamily="34" charset="-128"/>
+              <a:ea typeface="小塚ゴシック Pro B" panose="020B0800000000000000" pitchFamily="34" charset="-128"/>
+            </a:endParaRPr>
+          </a:p>
+        </p:txBody>
+      </p:sp>
     </p:spTree>
     <p:extLst>
       <p:ext uri="{BB962C8B-B14F-4D97-AF65-F5344CB8AC3E}">
-        <p14:creationId xmlns:p14="http://schemas.microsoft.com/office/powerpoint/2010/main" val="1160621946"/>
+        <p14:creationId xmlns:p14="http://schemas.microsoft.com/office/powerpoint/2010/main" val="222339337"/>
       </p:ext>
     </p:extLst>
   </p:cSld>
@@ -6203,10 +7037,60 @@
           <a:chExt cx="0" cy="0"/>
         </a:xfrm>
       </p:grpSpPr>
+      <p:sp>
+        <p:nvSpPr>
+          <p:cNvPr id="2" name="テキスト ボックス 1"/>
+          <p:cNvSpPr txBox="1"/>
+          <p:nvPr/>
+        </p:nvSpPr>
+        <p:spPr>
+          <a:xfrm>
+            <a:off x="304799" y="285750"/>
+            <a:ext cx="10125075" cy="707886"/>
+          </a:xfrm>
+          <a:prstGeom prst="rect">
+            <a:avLst/>
+          </a:prstGeom>
+          <a:noFill/>
+        </p:spPr>
+        <p:txBody>
+          <a:bodyPr wrap="square" rtlCol="0">
+            <a:spAutoFit/>
+          </a:bodyPr>
+          <a:lstStyle/>
+          <a:p>
+            <a:r>
+              <a:rPr kumimoji="1" lang="ja-JP" altLang="en-US" sz="4000" u="sng" dirty="0" smtClean="0">
+                <a:latin typeface="小塚ゴシック Pro B" panose="020B0800000000000000" pitchFamily="34" charset="-128"/>
+                <a:ea typeface="小塚ゴシック Pro B" panose="020B0800000000000000" pitchFamily="34" charset="-128"/>
+              </a:rPr>
+              <a:t>　</a:t>
+            </a:r>
+            <a:r>
+              <a:rPr kumimoji="1" lang="ja-JP" altLang="en-US" sz="4000" u="sng" dirty="0" smtClean="0">
+                <a:latin typeface="小塚ゴシック Pro B" panose="020B0800000000000000" pitchFamily="34" charset="-128"/>
+                <a:ea typeface="小塚ゴシック Pro B" panose="020B0800000000000000" pitchFamily="34" charset="-128"/>
+              </a:rPr>
+              <a:t>プレイ</a:t>
+            </a:r>
+            <a:r>
+              <a:rPr kumimoji="1" lang="ja-JP" altLang="en-US" sz="4000" u="sng" dirty="0">
+                <a:latin typeface="小塚ゴシック Pro B" panose="020B0800000000000000" pitchFamily="34" charset="-128"/>
+                <a:ea typeface="小塚ゴシック Pro B" panose="020B0800000000000000" pitchFamily="34" charset="-128"/>
+              </a:rPr>
+              <a:t>モード</a:t>
+            </a:r>
+            <a:endParaRPr kumimoji="1" lang="en-US" altLang="ja-JP" sz="4000" u="sng" dirty="0" smtClean="0">
+              <a:latin typeface="小塚ゴシック Pro B" panose="020B0800000000000000" pitchFamily="34" charset="-128"/>
+              <a:ea typeface="小塚ゴシック Pro B" panose="020B0800000000000000" pitchFamily="34" charset="-128"/>
+            </a:endParaRPr>
+          </a:p>
+        </p:txBody>
+      </p:sp>
     </p:spTree>
     <p:extLst>
       <p:ext uri="{BB962C8B-B14F-4D97-AF65-F5344CB8AC3E}">
-        <p14:creationId xmlns:p14="http://schemas.microsoft.com/office/powerpoint/2010/main" val="1387443692"/>
+        <p14:creationId xmlns:p14="http://schemas.microsoft.com/office/powerpoint/2010/main" val="2955495822"/>
       </p:ext>
     </p:extLst>
   </p:cSld>
@@ -6366,7 +7250,7 @@
         </p:nvSpPr>
         <p:spPr>
           <a:xfrm>
-            <a:off x="2746864" y="3785870"/>
+            <a:off x="2727814" y="3996034"/>
             <a:ext cx="7839075" cy="830997"/>
           </a:xfrm>
           <a:prstGeom prst="rect">
@@ -6382,7 +7266,15 @@
           <a:p>
             <a:r>
               <a:rPr kumimoji="1" lang="ja-JP" altLang="en-US" sz="2400" dirty="0" smtClean="0"/>
-              <a:t>・それってカスタムロボなのでは？</a:t>
+              <a:t>・</a:t>
+            </a:r>
+            <a:r>
+              <a:rPr kumimoji="1" lang="ja-JP" altLang="en-US" sz="2400" dirty="0" smtClean="0"/>
+              <a:t>既存ゲームとの</a:t>
+            </a:r>
+            <a:r>
+              <a:rPr kumimoji="1" lang="ja-JP" altLang="en-US" sz="2400" dirty="0"/>
+              <a:t>差別化</a:t>
             </a:r>
             <a:endParaRPr kumimoji="1" lang="en-US" altLang="ja-JP" sz="2400" dirty="0" smtClean="0"/>
           </a:p>
@@ -6403,8 +7295,8 @@
         </p:nvSpPr>
         <p:spPr>
           <a:xfrm>
-            <a:off x="2157779" y="5614697"/>
-            <a:ext cx="9972675" cy="461665"/>
+            <a:off x="2319705" y="5854662"/>
+            <a:ext cx="7681546" cy="461665"/>
           </a:xfrm>
           <a:prstGeom prst="rect">
             <a:avLst/>
@@ -6419,7 +7311,11 @@
           <a:p>
             <a:r>
               <a:rPr kumimoji="1" lang="ja-JP" altLang="en-US" sz="2400" dirty="0" smtClean="0"/>
-              <a:t>・剣をカスタムして戦う</a:t>
+              <a:t>剣</a:t>
+            </a:r>
+            <a:r>
+              <a:rPr kumimoji="1" lang="ja-JP" altLang="en-US" sz="2400" dirty="0" smtClean="0"/>
+              <a:t>をカスタムして戦う</a:t>
             </a:r>
             <a:r>
               <a:rPr kumimoji="1" lang="en-US" altLang="ja-JP" sz="2400" dirty="0" smtClean="0"/>
@@ -6485,7 +7381,7 @@
         </p:blipFill>
         <p:spPr>
           <a:xfrm>
-            <a:off x="1201982" y="3322490"/>
+            <a:off x="1097207" y="3525235"/>
             <a:ext cx="1316018" cy="1772596"/>
           </a:xfrm>
           <a:prstGeom prst="rect">
@@ -6523,10 +7419,60 @@
           <a:chExt cx="0" cy="0"/>
         </a:xfrm>
       </p:grpSpPr>
+      <p:sp>
+        <p:nvSpPr>
+          <p:cNvPr id="2" name="テキスト ボックス 1"/>
+          <p:cNvSpPr txBox="1"/>
+          <p:nvPr/>
+        </p:nvSpPr>
+        <p:spPr>
+          <a:xfrm>
+            <a:off x="304799" y="285750"/>
+            <a:ext cx="10125075" cy="707886"/>
+          </a:xfrm>
+          <a:prstGeom prst="rect">
+            <a:avLst/>
+          </a:prstGeom>
+          <a:noFill/>
+        </p:spPr>
+        <p:txBody>
+          <a:bodyPr wrap="square" rtlCol="0">
+            <a:spAutoFit/>
+          </a:bodyPr>
+          <a:lstStyle/>
+          <a:p>
+            <a:r>
+              <a:rPr kumimoji="1" lang="ja-JP" altLang="en-US" sz="4000" u="sng" dirty="0" smtClean="0">
+                <a:latin typeface="小塚ゴシック Pro B" panose="020B0800000000000000" pitchFamily="34" charset="-128"/>
+                <a:ea typeface="小塚ゴシック Pro B" panose="020B0800000000000000" pitchFamily="34" charset="-128"/>
+              </a:rPr>
+              <a:t>　</a:t>
+            </a:r>
+            <a:r>
+              <a:rPr kumimoji="1" lang="ja-JP" altLang="en-US" sz="4000" u="sng" dirty="0">
+                <a:latin typeface="小塚ゴシック Pro B" panose="020B0800000000000000" pitchFamily="34" charset="-128"/>
+                <a:ea typeface="小塚ゴシック Pro B" panose="020B0800000000000000" pitchFamily="34" charset="-128"/>
+              </a:rPr>
+              <a:t>キャラクタ</a:t>
+            </a:r>
+            <a:r>
+              <a:rPr kumimoji="1" lang="ja-JP" altLang="en-US" sz="4000" u="sng" dirty="0" smtClean="0">
+                <a:latin typeface="小塚ゴシック Pro B" panose="020B0800000000000000" pitchFamily="34" charset="-128"/>
+                <a:ea typeface="小塚ゴシック Pro B" panose="020B0800000000000000" pitchFamily="34" charset="-128"/>
+              </a:rPr>
+              <a:t>ー</a:t>
+            </a:r>
+            <a:endParaRPr kumimoji="1" lang="en-US" altLang="ja-JP" sz="4000" u="sng" dirty="0" smtClean="0">
+              <a:latin typeface="小塚ゴシック Pro B" panose="020B0800000000000000" pitchFamily="34" charset="-128"/>
+              <a:ea typeface="小塚ゴシック Pro B" panose="020B0800000000000000" pitchFamily="34" charset="-128"/>
+            </a:endParaRPr>
+          </a:p>
+        </p:txBody>
+      </p:sp>
     </p:spTree>
     <p:extLst>
       <p:ext uri="{BB962C8B-B14F-4D97-AF65-F5344CB8AC3E}">
-        <p14:creationId xmlns:p14="http://schemas.microsoft.com/office/powerpoint/2010/main" val="222339337"/>
+        <p14:creationId xmlns:p14="http://schemas.microsoft.com/office/powerpoint/2010/main" val="597074922"/>
       </p:ext>
     </p:extLst>
   </p:cSld>
@@ -6662,7 +7608,7 @@
         <p:spPr>
           <a:xfrm>
             <a:off x="449317" y="1710395"/>
-            <a:ext cx="11264622" cy="1200329"/>
+            <a:ext cx="11264622" cy="830997"/>
           </a:xfrm>
           <a:prstGeom prst="rect">
             <a:avLst/>
@@ -6677,14 +7623,11 @@
           <a:p>
             <a:r>
               <a:rPr kumimoji="1" lang="ja-JP" altLang="en-US" sz="2400" dirty="0" smtClean="0"/>
-              <a:t>・剣をカスタムってどうしよう？</a:t>
-            </a:r>
-            <a:endParaRPr kumimoji="1" lang="en-US" altLang="ja-JP" sz="2400" dirty="0" smtClean="0"/>
-          </a:p>
-          <a:p>
+              <a:t>・剣</a:t>
+            </a:r>
             <a:r>
               <a:rPr kumimoji="1" lang="ja-JP" altLang="en-US" sz="2400" dirty="0" smtClean="0"/>
-              <a:t>　→剣のパーツは大まかに柄と剣身の</a:t>
+              <a:t>のパーツは大まかに柄と剣身の</a:t>
             </a:r>
             <a:r>
               <a:rPr kumimoji="1" lang="en-US" altLang="ja-JP" sz="2400" dirty="0" smtClean="0"/>
@@ -6725,7 +7668,7 @@
         </p:nvSpPr>
         <p:spPr>
           <a:xfrm>
-            <a:off x="449317" y="2947962"/>
+            <a:off x="449317" y="2621373"/>
             <a:ext cx="7571303" cy="461665"/>
           </a:xfrm>
           <a:prstGeom prst="rect">
@@ -6741,27 +7684,7 @@
           <a:p>
             <a:r>
               <a:rPr kumimoji="1" lang="ja-JP" altLang="en-US" sz="2400" dirty="0" smtClean="0"/>
-              <a:t>・</a:t>
-            </a:r>
-            <a:r>
-              <a:rPr kumimoji="1" lang="ja-JP" altLang="en-US" sz="2400" dirty="0" smtClean="0"/>
-              <a:t>カスタム要素は</a:t>
-            </a:r>
-            <a:r>
-              <a:rPr kumimoji="1" lang="ja-JP" altLang="en-US" sz="2400" dirty="0" smtClean="0"/>
-              <a:t>剣</a:t>
-            </a:r>
-            <a:r>
-              <a:rPr kumimoji="1" lang="ja-JP" altLang="en-US" sz="2400" dirty="0" smtClean="0"/>
-              <a:t>身の長さと</a:t>
-            </a:r>
-            <a:r>
-              <a:rPr kumimoji="1" lang="ja-JP" altLang="en-US" sz="2400" dirty="0" smtClean="0"/>
-              <a:t>幅を組み合わせる</a:t>
-            </a:r>
-            <a:r>
-              <a:rPr kumimoji="1" lang="ja-JP" altLang="en-US" sz="2400" dirty="0" smtClean="0"/>
-              <a:t>形に</a:t>
+              <a:t>・カスタム要素は剣身の長さと幅を組み合わせる形に</a:t>
             </a:r>
             <a:endParaRPr kumimoji="1" lang="en-US" altLang="ja-JP" sz="2400" dirty="0" smtClean="0"/>
           </a:p>
@@ -6775,7 +7698,7 @@
         </p:nvSpPr>
         <p:spPr>
           <a:xfrm>
-            <a:off x="449317" y="3446865"/>
+            <a:off x="449317" y="3132595"/>
             <a:ext cx="7879080" cy="461665"/>
           </a:xfrm>
           <a:prstGeom prst="rect">
@@ -6809,7 +7732,7 @@
         </p:nvSpPr>
         <p:spPr>
           <a:xfrm>
-            <a:off x="979910" y="6264787"/>
+            <a:off x="997495" y="6168071"/>
             <a:ext cx="10203435" cy="461665"/>
           </a:xfrm>
           <a:prstGeom prst="rect">
@@ -6844,81 +7767,6 @@
           </a:p>
         </p:txBody>
       </p:sp>
-      <p:grpSp>
-        <p:nvGrpSpPr>
-          <p:cNvPr id="16" name="グループ化 15"/>
-          <p:cNvGrpSpPr/>
-          <p:nvPr/>
-        </p:nvGrpSpPr>
-        <p:grpSpPr>
-          <a:xfrm>
-            <a:off x="1090589" y="4281723"/>
-            <a:ext cx="1650250" cy="1643881"/>
-            <a:chOff x="1402175" y="4314787"/>
-            <a:chExt cx="1650250" cy="1643881"/>
-          </a:xfrm>
-        </p:grpSpPr>
-        <p:pic>
-          <p:nvPicPr>
-            <p:cNvPr id="2" name="図 1"/>
-            <p:cNvPicPr>
-              <a:picLocks noChangeAspect="1"/>
-            </p:cNvPicPr>
-            <p:nvPr/>
-          </p:nvPicPr>
-          <p:blipFill>
-            <a:blip r:embed="rId2" cstate="print">
-              <a:extLst>
-                <a:ext uri="{28A0092B-C50C-407E-A947-70E740481C1C}">
-                  <a14:useLocalDpi xmlns:a14="http://schemas.microsoft.com/office/drawing/2010/main" val="0"/>
-                </a:ext>
-              </a:extLst>
-            </a:blip>
-            <a:stretch>
-              <a:fillRect/>
-            </a:stretch>
-          </p:blipFill>
-          <p:spPr>
-            <a:xfrm rot="2781929">
-              <a:off x="1408544" y="4314787"/>
-              <a:ext cx="1643881" cy="1643881"/>
-            </a:xfrm>
-            <a:prstGeom prst="rect">
-              <a:avLst/>
-            </a:prstGeom>
-          </p:spPr>
-        </p:pic>
-        <p:pic>
-          <p:nvPicPr>
-            <p:cNvPr id="5" name="図 4"/>
-            <p:cNvPicPr>
-              <a:picLocks noChangeAspect="1"/>
-            </p:cNvPicPr>
-            <p:nvPr/>
-          </p:nvPicPr>
-          <p:blipFill>
-            <a:blip r:embed="rId3" cstate="print">
-              <a:extLst>
-                <a:ext uri="{28A0092B-C50C-407E-A947-70E740481C1C}">
-                  <a14:useLocalDpi xmlns:a14="http://schemas.microsoft.com/office/drawing/2010/main" val="0"/>
-                </a:ext>
-              </a:extLst>
-            </a:blip>
-            <a:stretch>
-              <a:fillRect/>
-            </a:stretch>
-          </p:blipFill>
-          <p:spPr>
-            <a:xfrm>
-              <a:off x="1402175" y="4514262"/>
-              <a:ext cx="1441201" cy="1441201"/>
-            </a:xfrm>
-            <a:prstGeom prst="rect">
-              <a:avLst/>
-            </a:prstGeom>
-          </p:spPr>
-        </p:pic>
-      </p:grpSp>
       <p:grpSp>
         <p:nvGrpSpPr>
           <p:cNvPr id="17" name="グループ化 16"/>
@@ -6927,7 +7775,7 @@
         </p:nvGrpSpPr>
         <p:grpSpPr>
           <a:xfrm>
-            <a:off x="2812628" y="3116713"/>
+            <a:off x="0" y="3025608"/>
             <a:ext cx="3101024" cy="4065377"/>
             <a:chOff x="2403274" y="3277963"/>
             <a:chExt cx="3101024" cy="4065377"/>
@@ -6942,7 +7790,7 @@
             <p:nvPr/>
           </p:nvPicPr>
           <p:blipFill>
-            <a:blip r:embed="rId4">
+            <a:blip r:embed="rId2">
               <a:extLst>
                 <a:ext uri="{28A0092B-C50C-407E-A947-70E740481C1C}">
                   <a14:useLocalDpi xmlns:a14="http://schemas.microsoft.com/office/drawing/2010/main" val="0"/>
@@ -7002,7 +7850,7 @@
         </p:nvGrpSpPr>
         <p:grpSpPr>
           <a:xfrm>
-            <a:off x="8778641" y="3462142"/>
+            <a:off x="7472903" y="3093462"/>
             <a:ext cx="1441201" cy="3536274"/>
             <a:chOff x="5405928" y="3381197"/>
             <a:chExt cx="1441201" cy="3536274"/>
@@ -7017,7 +7865,7 @@
             <p:nvPr/>
           </p:nvPicPr>
           <p:blipFill>
-            <a:blip r:embed="rId5" cstate="print">
+            <a:blip r:embed="rId4" cstate="print">
               <a:extLst>
                 <a:ext uri="{28A0092B-C50C-407E-A947-70E740481C1C}">
                   <a14:useLocalDpi xmlns:a14="http://schemas.microsoft.com/office/drawing/2010/main" val="0"/>
@@ -7077,7 +7925,7 @@
         </p:nvGrpSpPr>
         <p:grpSpPr>
           <a:xfrm>
-            <a:off x="5223746" y="4806426"/>
+            <a:off x="3310748" y="4612168"/>
             <a:ext cx="3541610" cy="1459916"/>
             <a:chOff x="7791612" y="4754010"/>
             <a:chExt cx="3541610" cy="1459916"/>
@@ -7092,7 +7940,7 @@
             <p:nvPr/>
           </p:nvPicPr>
           <p:blipFill>
-            <a:blip r:embed="rId6" cstate="print">
+            <a:blip r:embed="rId5" cstate="print">
               <a:extLst>
                 <a:ext uri="{28A0092B-C50C-407E-A947-70E740481C1C}">
                   <a14:useLocalDpi xmlns:a14="http://schemas.microsoft.com/office/drawing/2010/main" val="0"/>
@@ -7144,6 +7992,206 @@
           </p:spPr>
         </p:pic>
       </p:grpSp>
+      <p:sp>
+        <p:nvSpPr>
+          <p:cNvPr id="20" name="テキスト ボックス 19"/>
+          <p:cNvSpPr txBox="1"/>
+          <p:nvPr/>
+        </p:nvSpPr>
+        <p:spPr>
+          <a:xfrm>
+            <a:off x="2186987" y="4662268"/>
+            <a:ext cx="1569660" cy="923330"/>
+          </a:xfrm>
+          <a:prstGeom prst="rect">
+            <a:avLst/>
+          </a:prstGeom>
+          <a:noFill/>
+        </p:spPr>
+        <p:txBody>
+          <a:bodyPr wrap="none" rtlCol="0">
+            <a:spAutoFit/>
+          </a:bodyPr>
+          <a:lstStyle/>
+          <a:p>
+            <a:r>
+              <a:rPr kumimoji="1" lang="ja-JP" altLang="en-US" dirty="0">
+                <a:latin typeface="HG創英角ﾎﾟｯﾌﾟ体" panose="040B0A09000000000000" pitchFamily="49" charset="-128"/>
+                <a:ea typeface="HG創英角ﾎﾟｯﾌﾟ体" panose="040B0A09000000000000" pitchFamily="49" charset="-128"/>
+              </a:rPr>
+              <a:t>＋</a:t>
+            </a:r>
+            <a:r>
+              <a:rPr kumimoji="1" lang="ja-JP" altLang="en-US" dirty="0" smtClean="0">
+                <a:latin typeface="HG創英角ﾎﾟｯﾌﾟ体" panose="040B0A09000000000000" pitchFamily="49" charset="-128"/>
+                <a:ea typeface="HG創英角ﾎﾟｯﾌﾟ体" panose="040B0A09000000000000" pitchFamily="49" charset="-128"/>
+              </a:rPr>
+              <a:t>長い</a:t>
+            </a:r>
+            <a:endParaRPr kumimoji="1" lang="en-US" altLang="ja-JP" dirty="0" smtClean="0">
+              <a:latin typeface="HG創英角ﾎﾟｯﾌﾟ体" panose="040B0A09000000000000" pitchFamily="49" charset="-128"/>
+              <a:ea typeface="HG創英角ﾎﾟｯﾌﾟ体" panose="040B0A09000000000000" pitchFamily="49" charset="-128"/>
+            </a:endParaRPr>
+          </a:p>
+          <a:p>
+            <a:r>
+              <a:rPr kumimoji="1" lang="ja-JP" altLang="en-US" dirty="0" smtClean="0">
+                <a:latin typeface="HG創英角ﾎﾟｯﾌﾟ体" panose="040B0A09000000000000" pitchFamily="49" charset="-128"/>
+                <a:ea typeface="HG創英角ﾎﾟｯﾌﾟ体" panose="040B0A09000000000000" pitchFamily="49" charset="-128"/>
+              </a:rPr>
+              <a:t>＋広い</a:t>
+            </a:r>
+            <a:endParaRPr kumimoji="1" lang="en-US" altLang="ja-JP" dirty="0">
+              <a:latin typeface="HG創英角ﾎﾟｯﾌﾟ体" panose="040B0A09000000000000" pitchFamily="49" charset="-128"/>
+              <a:ea typeface="HG創英角ﾎﾟｯﾌﾟ体" panose="040B0A09000000000000" pitchFamily="49" charset="-128"/>
+            </a:endParaRPr>
+          </a:p>
+          <a:p>
+            <a:r>
+              <a:rPr kumimoji="1" lang="ja-JP" altLang="en-US" dirty="0" smtClean="0">
+                <a:latin typeface="HG創英角ﾎﾟｯﾌﾟ体" panose="040B0A09000000000000" pitchFamily="49" charset="-128"/>
+                <a:ea typeface="HG創英角ﾎﾟｯﾌﾟ体" panose="040B0A09000000000000" pitchFamily="49" charset="-128"/>
+              </a:rPr>
+              <a:t>＋攻撃速度</a:t>
+            </a:r>
+            <a:r>
+              <a:rPr kumimoji="1" lang="en-US" altLang="ja-JP" dirty="0" smtClean="0">
+                <a:latin typeface="HG創英角ﾎﾟｯﾌﾟ体" panose="040B0A09000000000000" pitchFamily="49" charset="-128"/>
+                <a:ea typeface="HG創英角ﾎﾟｯﾌﾟ体" panose="040B0A09000000000000" pitchFamily="49" charset="-128"/>
+              </a:rPr>
+              <a:t>UP</a:t>
+            </a:r>
+            <a:endParaRPr kumimoji="1" lang="ja-JP" altLang="en-US" dirty="0">
+              <a:latin typeface="HG創英角ﾎﾟｯﾌﾟ体" panose="040B0A09000000000000" pitchFamily="49" charset="-128"/>
+              <a:ea typeface="HG創英角ﾎﾟｯﾌﾟ体" panose="040B0A09000000000000" pitchFamily="49" charset="-128"/>
+            </a:endParaRPr>
+          </a:p>
+        </p:txBody>
+      </p:sp>
+      <p:sp>
+        <p:nvSpPr>
+          <p:cNvPr id="21" name="テキスト ボックス 20"/>
+          <p:cNvSpPr txBox="1"/>
+          <p:nvPr/>
+        </p:nvSpPr>
+        <p:spPr>
+          <a:xfrm>
+            <a:off x="5592619" y="4664124"/>
+            <a:ext cx="1338828" cy="923330"/>
+          </a:xfrm>
+          <a:prstGeom prst="rect">
+            <a:avLst/>
+          </a:prstGeom>
+          <a:noFill/>
+        </p:spPr>
+        <p:txBody>
+          <a:bodyPr wrap="none" rtlCol="0">
+            <a:spAutoFit/>
+          </a:bodyPr>
+          <a:lstStyle/>
+          <a:p>
+            <a:r>
+              <a:rPr kumimoji="1" lang="ja-JP" altLang="en-US" dirty="0" smtClean="0">
+                <a:latin typeface="HG創英角ﾎﾟｯﾌﾟ体" panose="040B0A09000000000000" pitchFamily="49" charset="-128"/>
+                <a:ea typeface="HG創英角ﾎﾟｯﾌﾟ体" panose="040B0A09000000000000" pitchFamily="49" charset="-128"/>
+              </a:rPr>
+              <a:t>＋長い</a:t>
+            </a:r>
+            <a:endParaRPr kumimoji="1" lang="en-US" altLang="ja-JP" dirty="0" smtClean="0">
+              <a:latin typeface="HG創英角ﾎﾟｯﾌﾟ体" panose="040B0A09000000000000" pitchFamily="49" charset="-128"/>
+              <a:ea typeface="HG創英角ﾎﾟｯﾌﾟ体" panose="040B0A09000000000000" pitchFamily="49" charset="-128"/>
+            </a:endParaRPr>
+          </a:p>
+          <a:p>
+            <a:r>
+              <a:rPr kumimoji="1" lang="ja-JP" altLang="en-US" dirty="0" smtClean="0">
+                <a:latin typeface="HG創英角ﾎﾟｯﾌﾟ体" panose="040B0A09000000000000" pitchFamily="49" charset="-128"/>
+                <a:ea typeface="HG創英角ﾎﾟｯﾌﾟ体" panose="040B0A09000000000000" pitchFamily="49" charset="-128"/>
+              </a:rPr>
+              <a:t>＋細い</a:t>
+            </a:r>
+            <a:endParaRPr kumimoji="1" lang="en-US" altLang="ja-JP" dirty="0" smtClean="0">
+              <a:latin typeface="HG創英角ﾎﾟｯﾌﾟ体" panose="040B0A09000000000000" pitchFamily="49" charset="-128"/>
+              <a:ea typeface="HG創英角ﾎﾟｯﾌﾟ体" panose="040B0A09000000000000" pitchFamily="49" charset="-128"/>
+            </a:endParaRPr>
+          </a:p>
+          <a:p>
+            <a:r>
+              <a:rPr kumimoji="1" lang="ja-JP" altLang="en-US" dirty="0" smtClean="0">
+                <a:latin typeface="HG創英角ﾎﾟｯﾌﾟ体" panose="040B0A09000000000000" pitchFamily="49" charset="-128"/>
+                <a:ea typeface="HG創英角ﾎﾟｯﾌﾟ体" panose="040B0A09000000000000" pitchFamily="49" charset="-128"/>
+              </a:rPr>
+              <a:t>＋怯まない</a:t>
+            </a:r>
+            <a:endParaRPr kumimoji="1" lang="ja-JP" altLang="en-US" dirty="0">
+              <a:latin typeface="HG創英角ﾎﾟｯﾌﾟ体" panose="040B0A09000000000000" pitchFamily="49" charset="-128"/>
+              <a:ea typeface="HG創英角ﾎﾟｯﾌﾟ体" panose="040B0A09000000000000" pitchFamily="49" charset="-128"/>
+            </a:endParaRPr>
+          </a:p>
+        </p:txBody>
+      </p:sp>
+      <p:sp>
+        <p:nvSpPr>
+          <p:cNvPr id="22" name="テキスト ボックス 21"/>
+          <p:cNvSpPr txBox="1"/>
+          <p:nvPr/>
+        </p:nvSpPr>
+        <p:spPr>
+          <a:xfrm>
+            <a:off x="8651733" y="4605241"/>
+            <a:ext cx="1107996" cy="923330"/>
+          </a:xfrm>
+          <a:prstGeom prst="rect">
+            <a:avLst/>
+          </a:prstGeom>
+          <a:noFill/>
+        </p:spPr>
+        <p:txBody>
+          <a:bodyPr wrap="none" rtlCol="0">
+            <a:spAutoFit/>
+          </a:bodyPr>
+          <a:lstStyle/>
+          <a:p>
+            <a:r>
+              <a:rPr kumimoji="1" lang="ja-JP" altLang="en-US" dirty="0" smtClean="0">
+                <a:latin typeface="HG創英角ﾎﾟｯﾌﾟ体" panose="040B0A09000000000000" pitchFamily="49" charset="-128"/>
+                <a:ea typeface="HG創英角ﾎﾟｯﾌﾟ体" panose="040B0A09000000000000" pitchFamily="49" charset="-128"/>
+              </a:rPr>
+              <a:t>＋短い</a:t>
+            </a:r>
+            <a:endParaRPr kumimoji="1" lang="en-US" altLang="ja-JP" dirty="0" smtClean="0">
+              <a:latin typeface="HG創英角ﾎﾟｯﾌﾟ体" panose="040B0A09000000000000" pitchFamily="49" charset="-128"/>
+              <a:ea typeface="HG創英角ﾎﾟｯﾌﾟ体" panose="040B0A09000000000000" pitchFamily="49" charset="-128"/>
+            </a:endParaRPr>
+          </a:p>
+          <a:p>
+            <a:r>
+              <a:rPr kumimoji="1" lang="ja-JP" altLang="en-US" dirty="0" smtClean="0">
+                <a:latin typeface="HG創英角ﾎﾟｯﾌﾟ体" panose="040B0A09000000000000" pitchFamily="49" charset="-128"/>
+                <a:ea typeface="HG創英角ﾎﾟｯﾌﾟ体" panose="040B0A09000000000000" pitchFamily="49" charset="-128"/>
+              </a:rPr>
+              <a:t>＋広い</a:t>
+            </a:r>
+            <a:endParaRPr kumimoji="1" lang="en-US" altLang="ja-JP" dirty="0" smtClean="0">
+              <a:latin typeface="HG創英角ﾎﾟｯﾌﾟ体" panose="040B0A09000000000000" pitchFamily="49" charset="-128"/>
+              <a:ea typeface="HG創英角ﾎﾟｯﾌﾟ体" panose="040B0A09000000000000" pitchFamily="49" charset="-128"/>
+            </a:endParaRPr>
+          </a:p>
+          <a:p>
+            <a:r>
+              <a:rPr kumimoji="1" lang="ja-JP" altLang="en-US" dirty="0" smtClean="0">
+                <a:latin typeface="HG創英角ﾎﾟｯﾌﾟ体" panose="040B0A09000000000000" pitchFamily="49" charset="-128"/>
+                <a:ea typeface="HG創英角ﾎﾟｯﾌﾟ体" panose="040B0A09000000000000" pitchFamily="49" charset="-128"/>
+              </a:rPr>
+              <a:t>＋毒付与</a:t>
+            </a:r>
+            <a:endParaRPr kumimoji="1" lang="ja-JP" altLang="en-US" dirty="0">
+              <a:latin typeface="HG創英角ﾎﾟｯﾌﾟ体" panose="040B0A09000000000000" pitchFamily="49" charset="-128"/>
+              <a:ea typeface="HG創英角ﾎﾟｯﾌﾟ体" panose="040B0A09000000000000" pitchFamily="49" charset="-128"/>
+            </a:endParaRPr>
+          </a:p>
+        </p:txBody>
+      </p:sp>
     </p:spTree>
     <p:extLst>
       <p:ext uri="{BB962C8B-B14F-4D97-AF65-F5344CB8AC3E}">
@@ -7225,8 +8273,8 @@
         </p:nvSpPr>
         <p:spPr>
           <a:xfrm>
-            <a:off x="660399" y="1117600"/>
-            <a:ext cx="2492990" cy="646331"/>
+            <a:off x="304799" y="1400022"/>
+            <a:ext cx="5262979" cy="646331"/>
           </a:xfrm>
           <a:prstGeom prst="rect">
             <a:avLst/>
@@ -7241,7 +8289,15 @@
           <a:p>
             <a:r>
               <a:rPr kumimoji="1" lang="ja-JP" altLang="en-US" sz="3600" b="1" dirty="0" smtClean="0"/>
-              <a:t>剣カスタム</a:t>
+              <a:t>１</a:t>
+            </a:r>
+            <a:r>
+              <a:rPr kumimoji="1" lang="en-US" altLang="ja-JP" sz="3600" b="1" dirty="0" smtClean="0"/>
+              <a:t>vs</a:t>
+            </a:r>
+            <a:r>
+              <a:rPr kumimoji="1" lang="ja-JP" altLang="en-US" sz="3600" b="1" dirty="0" smtClean="0"/>
+              <a:t>１の対戦アクション</a:t>
             </a:r>
             <a:endParaRPr kumimoji="1" lang="ja-JP" altLang="en-US" sz="3600" b="1" dirty="0"/>
           </a:p>
@@ -7249,14 +8305,62 @@
       </p:sp>
       <p:sp>
         <p:nvSpPr>
-          <p:cNvPr id="6" name="テキスト ボックス 5"/>
+          <p:cNvPr id="4" name="正方形/長方形 3"/>
+          <p:cNvSpPr/>
+          <p:nvPr/>
+        </p:nvSpPr>
+        <p:spPr>
+          <a:xfrm>
+            <a:off x="772709" y="5973162"/>
+            <a:ext cx="10003446" cy="191663"/>
+          </a:xfrm>
+          <a:prstGeom prst="rect">
+            <a:avLst/>
+          </a:prstGeom>
+          <a:solidFill>
+            <a:schemeClr val="tx1"/>
+          </a:solidFill>
+          <a:ln>
+            <a:solidFill>
+              <a:schemeClr val="accent6"/>
+            </a:solidFill>
+          </a:ln>
+        </p:spPr>
+        <p:style>
+          <a:lnRef idx="2">
+            <a:schemeClr val="accent1">
+              <a:shade val="50000"/>
+            </a:schemeClr>
+          </a:lnRef>
+          <a:fillRef idx="1">
+            <a:schemeClr val="accent1"/>
+          </a:fillRef>
+          <a:effectRef idx="0">
+            <a:schemeClr val="accent1"/>
+          </a:effectRef>
+          <a:fontRef idx="minor">
+            <a:schemeClr val="lt1"/>
+          </a:fontRef>
+        </p:style>
+        <p:txBody>
+          <a:bodyPr rtlCol="0" anchor="ctr"/>
+          <a:lstStyle/>
+          <a:p>
+            <a:pPr algn="ctr"/>
+            <a:endParaRPr kumimoji="1" lang="ja-JP" altLang="en-US"/>
+          </a:p>
+        </p:txBody>
+      </p:sp>
+      <p:sp>
+        <p:nvSpPr>
+          <p:cNvPr id="5" name="テキスト ボックス 4"/>
           <p:cNvSpPr txBox="1"/>
           <p:nvPr/>
         </p:nvSpPr>
         <p:spPr>
           <a:xfrm>
-            <a:off x="304799" y="1865710"/>
-            <a:ext cx="9280105" cy="1200329"/>
+            <a:off x="304799" y="2046353"/>
+            <a:ext cx="9190336" cy="461665"/>
           </a:xfrm>
           <a:prstGeom prst="rect">
             <a:avLst/>
@@ -7271,29 +8375,27 @@
           <a:p>
             <a:r>
               <a:rPr kumimoji="1" lang="ja-JP" altLang="en-US" sz="2400" dirty="0" smtClean="0"/>
-              <a:t>・本作のメインとなるシステム。</a:t>
-            </a:r>
-            <a:endParaRPr kumimoji="1" lang="en-US" altLang="ja-JP" sz="2400" dirty="0" smtClean="0"/>
-          </a:p>
-          <a:p>
+              <a:t>・</a:t>
+            </a:r>
             <a:r>
               <a:rPr kumimoji="1" lang="ja-JP" altLang="en-US" sz="2400" dirty="0" smtClean="0"/>
-              <a:t>　剣の長さ、幅、柄（追加効果）の</a:t>
+              <a:t>フィールド上を動き回り相手の</a:t>
             </a:r>
             <a:r>
               <a:rPr kumimoji="1" lang="en-US" altLang="ja-JP" sz="2400" dirty="0" smtClean="0"/>
-              <a:t>3</a:t>
+              <a:t>LIFE</a:t>
             </a:r>
             <a:r>
               <a:rPr kumimoji="1" lang="ja-JP" altLang="en-US" sz="2400" dirty="0" smtClean="0"/>
-              <a:t>種類をそれぞれカスタムして</a:t>
-            </a:r>
-            <a:endParaRPr kumimoji="1" lang="en-US" altLang="ja-JP" sz="2400" dirty="0" smtClean="0"/>
-          </a:p>
-          <a:p>
+              <a:t>を</a:t>
+            </a:r>
+            <a:r>
+              <a:rPr kumimoji="1" lang="en-US" altLang="ja-JP" sz="2400" dirty="0" smtClean="0"/>
+              <a:t>0</a:t>
+            </a:r>
             <a:r>
               <a:rPr kumimoji="1" lang="ja-JP" altLang="en-US" sz="2400" dirty="0" smtClean="0"/>
-              <a:t>　オリジナルの性能の装備を作る。</a:t>
+              <a:t>にすれば勝利の王道対戦</a:t>
             </a:r>
             <a:endParaRPr kumimoji="1" lang="ja-JP" altLang="en-US" sz="2400" dirty="0"/>
           </a:p>
@@ -7301,100 +8403,212 @@
       </p:sp>
       <p:sp>
         <p:nvSpPr>
-          <p:cNvPr id="7" name="テキスト ボックス 6"/>
-          <p:cNvSpPr txBox="1"/>
-          <p:nvPr/>
-        </p:nvSpPr>
-        <p:spPr>
-          <a:xfrm>
-            <a:off x="304799" y="3328750"/>
-            <a:ext cx="11604459" cy="2677656"/>
+          <p:cNvPr id="6" name="正方形/長方形 5"/>
+          <p:cNvSpPr/>
+          <p:nvPr/>
+        </p:nvSpPr>
+        <p:spPr>
+          <a:xfrm>
+            <a:off x="1170040" y="3706878"/>
+            <a:ext cx="2290916" cy="235524"/>
           </a:xfrm>
           <a:prstGeom prst="rect">
             <a:avLst/>
           </a:prstGeom>
-          <a:noFill/>
-        </p:spPr>
-        <p:txBody>
-          <a:bodyPr wrap="none" rtlCol="0">
-            <a:spAutoFit/>
-          </a:bodyPr>
-          <a:lstStyle/>
-          <a:p>
-            <a:r>
-              <a:rPr kumimoji="1" lang="ja-JP" altLang="en-US" sz="2400" dirty="0" smtClean="0"/>
-              <a:t>・柄（追加効果）以外の</a:t>
-            </a:r>
-            <a:r>
-              <a:rPr kumimoji="1" lang="en-US" altLang="ja-JP" sz="2400" dirty="0" smtClean="0"/>
-              <a:t>2</a:t>
-            </a:r>
-            <a:r>
-              <a:rPr kumimoji="1" lang="ja-JP" altLang="en-US" sz="2400" dirty="0" smtClean="0"/>
-              <a:t>種類は性能に</a:t>
-            </a:r>
-            <a:r>
-              <a:rPr kumimoji="1" lang="en-US" altLang="ja-JP" sz="2400" dirty="0" smtClean="0"/>
-              <a:t>2</a:t>
-            </a:r>
-            <a:r>
-              <a:rPr kumimoji="1" lang="ja-JP" altLang="en-US" sz="2400" dirty="0" err="1" smtClean="0"/>
-              <a:t>つの</a:t>
-            </a:r>
-            <a:r>
-              <a:rPr kumimoji="1" lang="ja-JP" altLang="en-US" sz="2400" dirty="0" smtClean="0"/>
-              <a:t>要素を用意してトレードオフさせる。</a:t>
-            </a:r>
-            <a:endParaRPr kumimoji="1" lang="en-US" altLang="ja-JP" sz="2400" dirty="0" smtClean="0"/>
-          </a:p>
-          <a:p>
-            <a:endParaRPr kumimoji="1" lang="en-US" altLang="ja-JP" sz="2400" dirty="0" smtClean="0"/>
-          </a:p>
-          <a:p>
-            <a:r>
-              <a:rPr kumimoji="1" lang="ja-JP" altLang="en-US" sz="2400" dirty="0"/>
-              <a:t>　</a:t>
-            </a:r>
-            <a:r>
-              <a:rPr kumimoji="1" lang="ja-JP" altLang="en-US" sz="2400" dirty="0" smtClean="0"/>
-              <a:t>例えば長さには攻撃範囲と待機時間の要素を持たせるとするなら、</a:t>
-            </a:r>
-            <a:endParaRPr kumimoji="1" lang="en-US" altLang="ja-JP" sz="2400" dirty="0" smtClean="0"/>
-          </a:p>
-          <a:p>
-            <a:r>
-              <a:rPr kumimoji="1" lang="ja-JP" altLang="en-US" sz="2400" dirty="0"/>
-              <a:t>　</a:t>
-            </a:r>
-            <a:r>
-              <a:rPr kumimoji="1" lang="ja-JP" altLang="en-US" sz="2400" dirty="0" smtClean="0"/>
-              <a:t>長くすれば攻撃範囲が広がり当てやすくなるが</a:t>
-            </a:r>
-            <a:endParaRPr kumimoji="1" lang="en-US" altLang="ja-JP" sz="2400" dirty="0" smtClean="0"/>
-          </a:p>
-          <a:p>
-            <a:r>
-              <a:rPr kumimoji="1" lang="ja-JP" altLang="en-US" sz="2400" dirty="0" smtClean="0"/>
-              <a:t>　待機時間が伸び攻撃後の隙が増えるといったようにする。</a:t>
-            </a:r>
-            <a:endParaRPr kumimoji="1" lang="en-US" altLang="ja-JP" sz="2400" dirty="0" smtClean="0"/>
-          </a:p>
-          <a:p>
-            <a:endParaRPr kumimoji="1" lang="en-US" altLang="ja-JP" sz="2400" dirty="0"/>
-          </a:p>
-          <a:p>
-            <a:r>
-              <a:rPr kumimoji="1" lang="ja-JP" altLang="en-US" sz="2400" dirty="0" smtClean="0"/>
-              <a:t>　柄（追加効果）は基本的にはプラスの効果しか用意しない予定。</a:t>
-            </a:r>
-            <a:endParaRPr kumimoji="1" lang="ja-JP" altLang="en-US" sz="2400" dirty="0"/>
-          </a:p>
-        </p:txBody>
-      </p:sp>
+          <a:solidFill>
+            <a:schemeClr val="tx1"/>
+          </a:solidFill>
+          <a:ln>
+            <a:solidFill>
+              <a:schemeClr val="accent6"/>
+            </a:solidFill>
+          </a:ln>
+        </p:spPr>
+        <p:style>
+          <a:lnRef idx="2">
+            <a:schemeClr val="accent1">
+              <a:shade val="50000"/>
+            </a:schemeClr>
+          </a:lnRef>
+          <a:fillRef idx="1">
+            <a:schemeClr val="accent1"/>
+          </a:fillRef>
+          <a:effectRef idx="0">
+            <a:schemeClr val="accent1"/>
+          </a:effectRef>
+          <a:fontRef idx="minor">
+            <a:schemeClr val="lt1"/>
+          </a:fontRef>
+        </p:style>
+        <p:txBody>
+          <a:bodyPr rtlCol="0" anchor="ctr"/>
+          <a:lstStyle/>
+          <a:p>
+            <a:pPr algn="ctr"/>
+            <a:endParaRPr kumimoji="1" lang="ja-JP" altLang="en-US"/>
+          </a:p>
+        </p:txBody>
+      </p:sp>
+      <p:sp>
+        <p:nvSpPr>
+          <p:cNvPr id="7" name="正方形/長方形 6"/>
+          <p:cNvSpPr/>
+          <p:nvPr/>
+        </p:nvSpPr>
+        <p:spPr>
+          <a:xfrm>
+            <a:off x="4516847" y="4449740"/>
+            <a:ext cx="2290916" cy="235524"/>
+          </a:xfrm>
+          <a:prstGeom prst="rect">
+            <a:avLst/>
+          </a:prstGeom>
+          <a:solidFill>
+            <a:schemeClr val="tx1"/>
+          </a:solidFill>
+          <a:ln>
+            <a:solidFill>
+              <a:schemeClr val="accent6"/>
+            </a:solidFill>
+          </a:ln>
+        </p:spPr>
+        <p:style>
+          <a:lnRef idx="2">
+            <a:schemeClr val="accent1">
+              <a:shade val="50000"/>
+            </a:schemeClr>
+          </a:lnRef>
+          <a:fillRef idx="1">
+            <a:schemeClr val="accent1"/>
+          </a:fillRef>
+          <a:effectRef idx="0">
+            <a:schemeClr val="accent1"/>
+          </a:effectRef>
+          <a:fontRef idx="minor">
+            <a:schemeClr val="lt1"/>
+          </a:fontRef>
+        </p:style>
+        <p:txBody>
+          <a:bodyPr rtlCol="0" anchor="ctr"/>
+          <a:lstStyle/>
+          <a:p>
+            <a:pPr algn="ctr"/>
+            <a:endParaRPr kumimoji="1" lang="ja-JP" altLang="en-US"/>
+          </a:p>
+        </p:txBody>
+      </p:sp>
+      <p:sp>
+        <p:nvSpPr>
+          <p:cNvPr id="8" name="正方形/長方形 7"/>
+          <p:cNvSpPr/>
+          <p:nvPr/>
+        </p:nvSpPr>
+        <p:spPr>
+          <a:xfrm>
+            <a:off x="7648420" y="3628733"/>
+            <a:ext cx="2290916" cy="235524"/>
+          </a:xfrm>
+          <a:prstGeom prst="rect">
+            <a:avLst/>
+          </a:prstGeom>
+          <a:solidFill>
+            <a:schemeClr val="tx1"/>
+          </a:solidFill>
+          <a:ln>
+            <a:solidFill>
+              <a:schemeClr val="accent6"/>
+            </a:solidFill>
+          </a:ln>
+        </p:spPr>
+        <p:style>
+          <a:lnRef idx="2">
+            <a:schemeClr val="accent1">
+              <a:shade val="50000"/>
+            </a:schemeClr>
+          </a:lnRef>
+          <a:fillRef idx="1">
+            <a:schemeClr val="accent1"/>
+          </a:fillRef>
+          <a:effectRef idx="0">
+            <a:schemeClr val="accent1"/>
+          </a:effectRef>
+          <a:fontRef idx="minor">
+            <a:schemeClr val="lt1"/>
+          </a:fontRef>
+        </p:style>
+        <p:txBody>
+          <a:bodyPr rtlCol="0" anchor="ctr"/>
+          <a:lstStyle/>
+          <a:p>
+            <a:pPr algn="ctr"/>
+            <a:endParaRPr kumimoji="1" lang="ja-JP" altLang="en-US"/>
+          </a:p>
+        </p:txBody>
+      </p:sp>
+      <p:pic>
+        <p:nvPicPr>
+          <p:cNvPr id="9" name="図 8"/>
+          <p:cNvPicPr>
+            <a:picLocks noChangeAspect="1"/>
+          </p:cNvPicPr>
+          <p:nvPr/>
+        </p:nvPicPr>
+        <p:blipFill>
+          <a:blip r:embed="rId2" cstate="print">
+            <a:extLst>
+              <a:ext uri="{28A0092B-C50C-407E-A947-70E740481C1C}">
+                <a14:useLocalDpi xmlns:a14="http://schemas.microsoft.com/office/drawing/2010/main" val="0"/>
+              </a:ext>
+            </a:extLst>
+          </a:blip>
+          <a:stretch>
+            <a:fillRect/>
+          </a:stretch>
+        </p:blipFill>
+        <p:spPr>
+          <a:xfrm>
+            <a:off x="5882266" y="2941773"/>
+            <a:ext cx="1087785" cy="1447384"/>
+          </a:xfrm>
+          <a:prstGeom prst="rect">
+            <a:avLst/>
+          </a:prstGeom>
+        </p:spPr>
+      </p:pic>
+      <p:pic>
+        <p:nvPicPr>
+          <p:cNvPr id="10" name="図 9"/>
+          <p:cNvPicPr>
+            <a:picLocks noChangeAspect="1"/>
+          </p:cNvPicPr>
+          <p:nvPr/>
+        </p:nvPicPr>
+        <p:blipFill>
+          <a:blip r:embed="rId3" cstate="print">
+            <a:extLst>
+              <a:ext uri="{28A0092B-C50C-407E-A947-70E740481C1C}">
+                <a14:useLocalDpi xmlns:a14="http://schemas.microsoft.com/office/drawing/2010/main" val="0"/>
+              </a:ext>
+            </a:extLst>
+          </a:blip>
+          <a:stretch>
+            <a:fillRect/>
+          </a:stretch>
+        </p:blipFill>
+        <p:spPr>
+          <a:xfrm flipH="1">
+            <a:off x="2552631" y="4364512"/>
+            <a:ext cx="1227507" cy="1633295"/>
+          </a:xfrm>
+          <a:prstGeom prst="rect">
+            <a:avLst/>
+          </a:prstGeom>
+        </p:spPr>
+      </p:pic>
     </p:spTree>
     <p:extLst>
       <p:ext uri="{BB962C8B-B14F-4D97-AF65-F5344CB8AC3E}">
-        <p14:creationId xmlns:p14="http://schemas.microsoft.com/office/powerpoint/2010/main" val="2361661932"/>
+        <p14:creationId xmlns:p14="http://schemas.microsoft.com/office/powerpoint/2010/main" val="1123968223"/>
       </p:ext>
     </p:extLst>
   </p:cSld>
@@ -7421,9 +8635,213 @@
           <a:chExt cx="0" cy="0"/>
         </a:xfrm>
       </p:grpSpPr>
+      <p:sp>
+        <p:nvSpPr>
+          <p:cNvPr id="2" name="テキスト ボックス 1"/>
+          <p:cNvSpPr txBox="1"/>
+          <p:nvPr/>
+        </p:nvSpPr>
+        <p:spPr>
+          <a:xfrm>
+            <a:off x="304799" y="285750"/>
+            <a:ext cx="10125075" cy="707886"/>
+          </a:xfrm>
+          <a:prstGeom prst="rect">
+            <a:avLst/>
+          </a:prstGeom>
+          <a:noFill/>
+        </p:spPr>
+        <p:txBody>
+          <a:bodyPr wrap="square" rtlCol="0">
+            <a:spAutoFit/>
+          </a:bodyPr>
+          <a:lstStyle/>
+          <a:p>
+            <a:r>
+              <a:rPr kumimoji="1" lang="ja-JP" altLang="en-US" sz="4000" u="sng" dirty="0" smtClean="0">
+                <a:latin typeface="小塚ゴシック Pro B" panose="020B0800000000000000" pitchFamily="34" charset="-128"/>
+                <a:ea typeface="小塚ゴシック Pro B" panose="020B0800000000000000" pitchFamily="34" charset="-128"/>
+              </a:rPr>
+              <a:t>　</a:t>
+            </a:r>
+            <a:r>
+              <a:rPr kumimoji="1" lang="ja-JP" altLang="en-US" sz="4000" u="sng" dirty="0">
+                <a:latin typeface="小塚ゴシック Pro B" panose="020B0800000000000000" pitchFamily="34" charset="-128"/>
+                <a:ea typeface="小塚ゴシック Pro B" panose="020B0800000000000000" pitchFamily="34" charset="-128"/>
+              </a:rPr>
+              <a:t>システム</a:t>
+            </a:r>
+            <a:endParaRPr kumimoji="1" lang="en-US" altLang="ja-JP" sz="4000" u="sng" dirty="0" smtClean="0">
+              <a:latin typeface="小塚ゴシック Pro B" panose="020B0800000000000000" pitchFamily="34" charset="-128"/>
+              <a:ea typeface="小塚ゴシック Pro B" panose="020B0800000000000000" pitchFamily="34" charset="-128"/>
+            </a:endParaRPr>
+          </a:p>
+        </p:txBody>
+      </p:sp>
+      <p:sp>
+        <p:nvSpPr>
+          <p:cNvPr id="3" name="テキスト ボックス 2"/>
+          <p:cNvSpPr txBox="1"/>
+          <p:nvPr/>
+        </p:nvSpPr>
+        <p:spPr>
+          <a:xfrm>
+            <a:off x="304799" y="1606500"/>
+            <a:ext cx="2492990" cy="646331"/>
+          </a:xfrm>
+          <a:prstGeom prst="rect">
+            <a:avLst/>
+          </a:prstGeom>
+          <a:noFill/>
+        </p:spPr>
+        <p:txBody>
+          <a:bodyPr wrap="none" rtlCol="0">
+            <a:spAutoFit/>
+          </a:bodyPr>
+          <a:lstStyle/>
+          <a:p>
+            <a:r>
+              <a:rPr kumimoji="1" lang="ja-JP" altLang="en-US" sz="3600" b="1" dirty="0" smtClean="0"/>
+              <a:t>剣カスタム</a:t>
+            </a:r>
+            <a:endParaRPr kumimoji="1" lang="ja-JP" altLang="en-US" sz="3600" b="1" dirty="0"/>
+          </a:p>
+        </p:txBody>
+      </p:sp>
+      <p:sp>
+        <p:nvSpPr>
+          <p:cNvPr id="6" name="テキスト ボックス 5"/>
+          <p:cNvSpPr txBox="1"/>
+          <p:nvPr/>
+        </p:nvSpPr>
+        <p:spPr>
+          <a:xfrm>
+            <a:off x="304799" y="2681058"/>
+            <a:ext cx="9280105" cy="1200329"/>
+          </a:xfrm>
+          <a:prstGeom prst="rect">
+            <a:avLst/>
+          </a:prstGeom>
+          <a:noFill/>
+        </p:spPr>
+        <p:txBody>
+          <a:bodyPr wrap="none" rtlCol="0">
+            <a:spAutoFit/>
+          </a:bodyPr>
+          <a:lstStyle/>
+          <a:p>
+            <a:r>
+              <a:rPr kumimoji="1" lang="ja-JP" altLang="en-US" sz="2400" dirty="0" smtClean="0"/>
+              <a:t>・本作の</a:t>
+            </a:r>
+            <a:r>
+              <a:rPr kumimoji="1" lang="ja-JP" altLang="en-US" sz="2400" dirty="0" smtClean="0"/>
+              <a:t>メイン要素</a:t>
+            </a:r>
+            <a:endParaRPr kumimoji="1" lang="en-US" altLang="ja-JP" sz="2400" dirty="0" smtClean="0"/>
+          </a:p>
+          <a:p>
+            <a:r>
+              <a:rPr kumimoji="1" lang="ja-JP" altLang="en-US" sz="2400" dirty="0" smtClean="0"/>
+              <a:t>　剣の長さ、幅、柄（追加効果）の</a:t>
+            </a:r>
+            <a:r>
+              <a:rPr kumimoji="1" lang="en-US" altLang="ja-JP" sz="2400" dirty="0" smtClean="0"/>
+              <a:t>3</a:t>
+            </a:r>
+            <a:r>
+              <a:rPr kumimoji="1" lang="ja-JP" altLang="en-US" sz="2400" dirty="0" smtClean="0"/>
+              <a:t>種類をそれぞれカスタムして</a:t>
+            </a:r>
+            <a:endParaRPr kumimoji="1" lang="en-US" altLang="ja-JP" sz="2400" dirty="0" smtClean="0"/>
+          </a:p>
+          <a:p>
+            <a:r>
+              <a:rPr kumimoji="1" lang="ja-JP" altLang="en-US" sz="2400" dirty="0" smtClean="0"/>
+              <a:t>　オリジナルの性能の装備を</a:t>
+            </a:r>
+            <a:r>
+              <a:rPr kumimoji="1" lang="ja-JP" altLang="en-US" sz="2400" dirty="0" smtClean="0"/>
+              <a:t>作る</a:t>
+            </a:r>
+            <a:endParaRPr kumimoji="1" lang="ja-JP" altLang="en-US" sz="2400" dirty="0"/>
+          </a:p>
+        </p:txBody>
+      </p:sp>
+      <p:sp>
+        <p:nvSpPr>
+          <p:cNvPr id="7" name="テキスト ボックス 6"/>
+          <p:cNvSpPr txBox="1"/>
+          <p:nvPr/>
+        </p:nvSpPr>
+        <p:spPr>
+          <a:xfrm>
+            <a:off x="304799" y="4390642"/>
+            <a:ext cx="9417963" cy="1569660"/>
+          </a:xfrm>
+          <a:prstGeom prst="rect">
+            <a:avLst/>
+          </a:prstGeom>
+          <a:noFill/>
+        </p:spPr>
+        <p:txBody>
+          <a:bodyPr wrap="none" rtlCol="0">
+            <a:spAutoFit/>
+          </a:bodyPr>
+          <a:lstStyle/>
+          <a:p>
+            <a:r>
+              <a:rPr kumimoji="1" lang="ja-JP" altLang="en-US" sz="2400" dirty="0" smtClean="0"/>
+              <a:t>・長さと幅は</a:t>
+            </a:r>
+            <a:r>
+              <a:rPr kumimoji="1" lang="ja-JP" altLang="en-US" sz="2400" dirty="0" smtClean="0"/>
+              <a:t>性能に</a:t>
+            </a:r>
+            <a:r>
+              <a:rPr kumimoji="1" lang="en-US" altLang="ja-JP" sz="2400" dirty="0" smtClean="0"/>
+              <a:t>2</a:t>
+            </a:r>
+            <a:r>
+              <a:rPr kumimoji="1" lang="ja-JP" altLang="en-US" sz="2400" dirty="0" err="1" smtClean="0"/>
+              <a:t>つの</a:t>
+            </a:r>
+            <a:r>
+              <a:rPr kumimoji="1" lang="ja-JP" altLang="en-US" sz="2400" dirty="0" smtClean="0"/>
+              <a:t>要素を用意してトレードオフ</a:t>
+            </a:r>
+            <a:r>
+              <a:rPr kumimoji="1" lang="ja-JP" altLang="en-US" sz="2400" dirty="0" smtClean="0"/>
+              <a:t>させる</a:t>
+            </a:r>
+            <a:endParaRPr kumimoji="1" lang="en-US" altLang="ja-JP" sz="2400" dirty="0" smtClean="0"/>
+          </a:p>
+          <a:p>
+            <a:endParaRPr kumimoji="1" lang="en-US" altLang="ja-JP" sz="2400" dirty="0"/>
+          </a:p>
+          <a:p>
+            <a:endParaRPr kumimoji="1" lang="en-US" altLang="ja-JP" sz="2400" dirty="0"/>
+          </a:p>
+          <a:p>
+            <a:r>
+              <a:rPr kumimoji="1" lang="ja-JP" altLang="en-US" sz="2400" dirty="0" smtClean="0"/>
+              <a:t>・柄</a:t>
+            </a:r>
+            <a:r>
+              <a:rPr kumimoji="1" lang="ja-JP" altLang="en-US" sz="2400" dirty="0" smtClean="0"/>
+              <a:t>（追加効果）は基本的にはプラスの効果しか用意しない</a:t>
+            </a:r>
+            <a:r>
+              <a:rPr kumimoji="1" lang="ja-JP" altLang="en-US" sz="2400" dirty="0" smtClean="0"/>
+              <a:t>予定</a:t>
+            </a:r>
+            <a:endParaRPr kumimoji="1" lang="ja-JP" altLang="en-US" sz="2400" dirty="0"/>
+          </a:p>
+        </p:txBody>
+      </p:sp>
       <p:pic>
         <p:nvPicPr>
-          <p:cNvPr id="12" name="図 11"/>
+          <p:cNvPr id="4" name="図 3"/>
           <p:cNvPicPr>
             <a:picLocks noChangeAspect="1"/>
           </p:cNvPicPr>
@@ -7443,7 +8861,67 @@
         </p:blipFill>
         <p:spPr>
           <a:xfrm>
-            <a:off x="5230800" y="2772427"/>
+            <a:off x="9722762" y="3147974"/>
+            <a:ext cx="2113613" cy="2812328"/>
+          </a:xfrm>
+          <a:prstGeom prst="rect">
+            <a:avLst/>
+          </a:prstGeom>
+        </p:spPr>
+      </p:pic>
+    </p:spTree>
+    <p:extLst>
+      <p:ext uri="{BB962C8B-B14F-4D97-AF65-F5344CB8AC3E}">
+        <p14:creationId xmlns:p14="http://schemas.microsoft.com/office/powerpoint/2010/main" val="2361661932"/>
+      </p:ext>
+    </p:extLst>
+  </p:cSld>
+  <p:clrMapOvr>
+    <a:masterClrMapping/>
+  </p:clrMapOvr>
+</p:sld>
+</file>
+
+<file path=ppt/slides/slide6.xml><?xml version="1.0" encoding="utf-8"?>
+<p:sld xmlns:a="http://schemas.openxmlformats.org/drawingml/2006/main" xmlns:r="http://schemas.openxmlformats.org/officeDocument/2006/relationships" xmlns:p="http://schemas.openxmlformats.org/presentationml/2006/main">
+  <p:cSld>
+    <p:spTree>
+      <p:nvGrpSpPr>
+        <p:cNvPr id="1" name=""/>
+        <p:cNvGrpSpPr/>
+        <p:nvPr/>
+      </p:nvGrpSpPr>
+      <p:grpSpPr>
+        <a:xfrm>
+          <a:off x="0" y="0"/>
+          <a:ext cx="0" cy="0"/>
+          <a:chOff x="0" y="0"/>
+          <a:chExt cx="0" cy="0"/>
+        </a:xfrm>
+      </p:grpSpPr>
+      <p:pic>
+        <p:nvPicPr>
+          <p:cNvPr id="12" name="図 11"/>
+          <p:cNvPicPr>
+            <a:picLocks noChangeAspect="1"/>
+          </p:cNvPicPr>
+          <p:nvPr/>
+        </p:nvPicPr>
+        <p:blipFill>
+          <a:blip r:embed="rId2" cstate="print">
+            <a:extLst>
+              <a:ext uri="{28A0092B-C50C-407E-A947-70E740481C1C}">
+                <a14:useLocalDpi xmlns:a14="http://schemas.microsoft.com/office/drawing/2010/main" val="0"/>
+              </a:ext>
+            </a:extLst>
+          </a:blip>
+          <a:stretch>
+            <a:fillRect/>
+          </a:stretch>
+        </p:blipFill>
+        <p:spPr>
+          <a:xfrm>
+            <a:off x="8938051" y="4663566"/>
             <a:ext cx="1475235" cy="1962916"/>
           </a:xfrm>
           <a:prstGeom prst="rect">
@@ -7502,7 +8980,7 @@
         </p:nvSpPr>
         <p:spPr>
           <a:xfrm>
-            <a:off x="660399" y="1117600"/>
+            <a:off x="304799" y="1399571"/>
             <a:ext cx="9879628" cy="646331"/>
           </a:xfrm>
           <a:prstGeom prst="rect">
@@ -7532,7 +9010,7 @@
         </p:nvSpPr>
         <p:spPr>
           <a:xfrm>
-            <a:off x="660398" y="1716433"/>
+            <a:off x="304799" y="1998536"/>
             <a:ext cx="8664551" cy="461665"/>
           </a:xfrm>
           <a:prstGeom prst="rect">
@@ -7548,11 +9026,7 @@
           <a:p>
             <a:r>
               <a:rPr kumimoji="1" lang="ja-JP" altLang="en-US" sz="2400" dirty="0" smtClean="0"/>
-              <a:t>剣</a:t>
-            </a:r>
-            <a:r>
-              <a:rPr kumimoji="1" lang="ja-JP" altLang="en-US" sz="2400" dirty="0" smtClean="0"/>
-              <a:t>の長さに持たせる要素は攻撃範囲と待機時間の</a:t>
+              <a:t>剣の長さに持たせる要素は攻撃範囲と待機時間の</a:t>
             </a:r>
             <a:r>
               <a:rPr kumimoji="1" lang="en-US" altLang="ja-JP" sz="2400" dirty="0" smtClean="0"/>
@@ -7574,7 +9048,7 @@
         </p:nvSpPr>
         <p:spPr>
           <a:xfrm>
-            <a:off x="660398" y="2217664"/>
+            <a:off x="304799" y="2771892"/>
             <a:ext cx="6340197" cy="461665"/>
           </a:xfrm>
           <a:prstGeom prst="rect">
@@ -7590,15 +9064,7 @@
           <a:p>
             <a:r>
               <a:rPr kumimoji="1" lang="ja-JP" altLang="en-US" sz="2400" dirty="0" smtClean="0"/>
-              <a:t>・攻撃</a:t>
-            </a:r>
-            <a:r>
-              <a:rPr kumimoji="1" lang="ja-JP" altLang="en-US" sz="2400" dirty="0" smtClean="0"/>
-              <a:t>範囲は剣を振ったとき攻撃が届く</a:t>
-            </a:r>
-            <a:r>
-              <a:rPr kumimoji="1" lang="ja-JP" altLang="en-US" sz="2400" dirty="0" smtClean="0"/>
-              <a:t>範囲</a:t>
+              <a:t>・攻撃範囲は剣を振ったとき攻撃が届く範囲</a:t>
             </a:r>
             <a:endParaRPr kumimoji="1" lang="ja-JP" altLang="en-US" sz="2400" dirty="0"/>
           </a:p>
@@ -7612,7 +9078,7 @@
         </p:nvSpPr>
         <p:spPr>
           <a:xfrm rot="6332741">
-            <a:off x="4069877" y="2693928"/>
+            <a:off x="7777128" y="4585067"/>
             <a:ext cx="1220129" cy="1975397"/>
           </a:xfrm>
           <a:prstGeom prst="circularArrow">
@@ -7662,36 +9128,6 @@
           </a:p>
         </p:txBody>
       </p:sp>
-      <p:sp>
-        <p:nvSpPr>
-          <p:cNvPr id="22" name="テキスト ボックス 21"/>
-          <p:cNvSpPr txBox="1"/>
-          <p:nvPr/>
-        </p:nvSpPr>
-        <p:spPr>
-          <a:xfrm>
-            <a:off x="660398" y="4615476"/>
-            <a:ext cx="7571303" cy="461665"/>
-          </a:xfrm>
-          <a:prstGeom prst="rect">
-            <a:avLst/>
-          </a:prstGeom>
-          <a:noFill/>
-        </p:spPr>
-        <p:txBody>
-          <a:bodyPr wrap="none" rtlCol="0">
-            <a:spAutoFit/>
-          </a:bodyPr>
-          <a:lstStyle/>
-          <a:p>
-            <a:r>
-              <a:rPr kumimoji="1" lang="ja-JP" altLang="en-US" sz="2400" dirty="0" smtClean="0"/>
-              <a:t>・待機時間は剣を振った後次の行動に移るまでの時間</a:t>
-            </a:r>
-            <a:endParaRPr kumimoji="1" lang="ja-JP" altLang="en-US" sz="2400" dirty="0"/>
-          </a:p>
-        </p:txBody>
-      </p:sp>
       <p:pic>
         <p:nvPicPr>
           <p:cNvPr id="11" name="図 10"/>
@@ -7714,7 +9150,7 @@
         </p:blipFill>
         <p:spPr>
           <a:xfrm flipH="1">
-            <a:off x="3293344" y="2750465"/>
+            <a:off x="7000595" y="4641604"/>
             <a:ext cx="1475235" cy="1962916"/>
           </a:xfrm>
           <a:prstGeom prst="rect">
@@ -7730,10 +9166,10 @@
         </p:nvGrpSpPr>
         <p:grpSpPr>
           <a:xfrm rot="10800000">
-            <a:off x="3149014" y="3752695"/>
-            <a:ext cx="738210" cy="610476"/>
-            <a:chOff x="1402175" y="4314787"/>
-            <a:chExt cx="1650250" cy="1643881"/>
+            <a:off x="6415077" y="5645024"/>
+            <a:ext cx="1442568" cy="723353"/>
+            <a:chOff x="813865" y="4007629"/>
+            <a:chExt cx="3224825" cy="1947835"/>
           </a:xfrm>
         </p:grpSpPr>
         <p:pic>
@@ -7758,8 +9194,8 @@
           </p:blipFill>
           <p:spPr>
             <a:xfrm rot="2781929">
-              <a:off x="1408544" y="4314787"/>
-              <a:ext cx="1643881" cy="1643881"/>
+              <a:off x="1604337" y="3217157"/>
+              <a:ext cx="1643881" cy="3224825"/>
             </a:xfrm>
             <a:prstGeom prst="rect">
               <a:avLst/>
@@ -7788,8 +9224,8 @@
           </p:blipFill>
           <p:spPr>
             <a:xfrm>
-              <a:off x="1402175" y="4514262"/>
-              <a:ext cx="1441201" cy="1441201"/>
+              <a:off x="1402175" y="4627861"/>
+              <a:ext cx="1327604" cy="1327603"/>
             </a:xfrm>
             <a:prstGeom prst="rect">
               <a:avLst/>
@@ -7805,7 +9241,7 @@
         </p:nvSpPr>
         <p:spPr>
           <a:xfrm>
-            <a:off x="3887224" y="2725495"/>
+            <a:off x="7594475" y="4616634"/>
             <a:ext cx="697627" cy="246221"/>
           </a:xfrm>
           <a:prstGeom prst="rect">
@@ -7835,7 +9271,7 @@
         </p:nvSpPr>
         <p:spPr>
           <a:xfrm>
-            <a:off x="5619603" y="2823687"/>
+            <a:off x="9326854" y="4714826"/>
             <a:ext cx="825867" cy="246221"/>
           </a:xfrm>
           <a:prstGeom prst="rect">
@@ -7865,60 +9301,118 @@
           </a:p>
         </p:txBody>
       </p:sp>
-    </p:spTree>
-    <p:extLst>
-      <p:ext uri="{BB962C8B-B14F-4D97-AF65-F5344CB8AC3E}">
-        <p14:creationId xmlns:p14="http://schemas.microsoft.com/office/powerpoint/2010/main" val="3334655549"/>
-      </p:ext>
-    </p:extLst>
-  </p:cSld>
-  <p:clrMapOvr>
-    <a:masterClrMapping/>
-  </p:clrMapOvr>
-</p:sld>
-</file>
-
-<file path=ppt/slides/slide6.xml><?xml version="1.0" encoding="utf-8"?>
-<p:sld xmlns:a="http://schemas.openxmlformats.org/drawingml/2006/main" xmlns:r="http://schemas.openxmlformats.org/officeDocument/2006/relationships" xmlns:p="http://schemas.openxmlformats.org/presentationml/2006/main">
-  <p:cSld>
-    <p:spTree>
-      <p:nvGrpSpPr>
-        <p:cNvPr id="1" name=""/>
-        <p:cNvGrpSpPr/>
-        <p:nvPr/>
-      </p:nvGrpSpPr>
-      <p:grpSpPr>
-        <a:xfrm>
-          <a:off x="0" y="0"/>
-          <a:ext cx="0" cy="0"/>
-          <a:chOff x="0" y="0"/>
-          <a:chExt cx="0" cy="0"/>
-        </a:xfrm>
-      </p:grpSpPr>
+      <p:sp>
+        <p:nvSpPr>
+          <p:cNvPr id="15" name="環状矢印 14"/>
+          <p:cNvSpPr/>
+          <p:nvPr/>
+        </p:nvSpPr>
+        <p:spPr>
+          <a:xfrm rot="6332741">
+            <a:off x="1888004" y="5145690"/>
+            <a:ext cx="884990" cy="1125193"/>
+          </a:xfrm>
+          <a:prstGeom prst="circularArrow">
+            <a:avLst>
+              <a:gd name="adj1" fmla="val 12500"/>
+              <a:gd name="adj2" fmla="val 1142319"/>
+              <a:gd name="adj3" fmla="val 20457681"/>
+              <a:gd name="adj4" fmla="val 10104403"/>
+              <a:gd name="adj5" fmla="val 12500"/>
+            </a:avLst>
+          </a:prstGeom>
+          <a:solidFill>
+            <a:schemeClr val="tx1"/>
+          </a:solidFill>
+          <a:ln>
+            <a:solidFill>
+              <a:schemeClr val="bg1"/>
+            </a:solidFill>
+          </a:ln>
+        </p:spPr>
+        <p:style>
+          <a:lnRef idx="2">
+            <a:schemeClr val="accent1">
+              <a:shade val="50000"/>
+            </a:schemeClr>
+          </a:lnRef>
+          <a:fillRef idx="1">
+            <a:schemeClr val="accent1"/>
+          </a:fillRef>
+          <a:effectRef idx="0">
+            <a:schemeClr val="accent1"/>
+          </a:effectRef>
+          <a:fontRef idx="minor">
+            <a:schemeClr val="lt1"/>
+          </a:fontRef>
+        </p:style>
+        <p:txBody>
+          <a:bodyPr rtlCol="0" anchor="ctr"/>
+          <a:lstStyle/>
+          <a:p>
+            <a:pPr algn="ctr"/>
+            <a:endParaRPr kumimoji="1" lang="ja-JP" altLang="en-US">
+              <a:solidFill>
+                <a:schemeClr val="tx1"/>
+              </a:solidFill>
+            </a:endParaRPr>
+          </a:p>
+        </p:txBody>
+      </p:sp>
+      <p:pic>
+        <p:nvPicPr>
+          <p:cNvPr id="16" name="図 15"/>
+          <p:cNvPicPr>
+            <a:picLocks noChangeAspect="1"/>
+          </p:cNvPicPr>
+          <p:nvPr/>
+        </p:nvPicPr>
+        <p:blipFill>
+          <a:blip r:embed="rId3" cstate="print">
+            <a:extLst>
+              <a:ext uri="{28A0092B-C50C-407E-A947-70E740481C1C}">
+                <a14:useLocalDpi xmlns:a14="http://schemas.microsoft.com/office/drawing/2010/main" val="0"/>
+              </a:ext>
+            </a:extLst>
+          </a:blip>
+          <a:stretch>
+            <a:fillRect/>
+          </a:stretch>
+        </p:blipFill>
+        <p:spPr>
+          <a:xfrm flipH="1">
+            <a:off x="1038993" y="4598257"/>
+            <a:ext cx="1475235" cy="1962916"/>
+          </a:xfrm>
+          <a:prstGeom prst="rect">
+            <a:avLst/>
+          </a:prstGeom>
+        </p:spPr>
+      </p:pic>
       <p:grpSp>
         <p:nvGrpSpPr>
-          <p:cNvPr id="2" name="グループ化 1"/>
+          <p:cNvPr id="17" name="グループ化 16"/>
           <p:cNvGrpSpPr/>
           <p:nvPr/>
         </p:nvGrpSpPr>
         <p:grpSpPr>
-          <a:xfrm>
-            <a:off x="993874" y="2452923"/>
-            <a:ext cx="1650250" cy="1643881"/>
-            <a:chOff x="1402175" y="4314787"/>
-            <a:chExt cx="1650250" cy="1643881"/>
+          <a:xfrm rot="10800000">
+            <a:off x="911646" y="5653620"/>
+            <a:ext cx="642312" cy="610476"/>
+            <a:chOff x="1578588" y="4171709"/>
+            <a:chExt cx="1435871" cy="1643881"/>
           </a:xfrm>
         </p:grpSpPr>
         <p:pic>
           <p:nvPicPr>
-            <p:cNvPr id="3" name="図 2"/>
+            <p:cNvPr id="18" name="図 17"/>
             <p:cNvPicPr>
               <a:picLocks noChangeAspect="1"/>
             </p:cNvPicPr>
             <p:nvPr/>
           </p:nvPicPr>
           <p:blipFill>
-            <a:blip r:embed="rId2" cstate="print">
+            <a:blip r:embed="rId6" cstate="print">
               <a:extLst>
                 <a:ext uri="{28A0092B-C50C-407E-A947-70E740481C1C}">
                   <a14:useLocalDpi xmlns:a14="http://schemas.microsoft.com/office/drawing/2010/main" val="0"/>
@@ -7931,8 +9425,8 @@
           </p:blipFill>
           <p:spPr>
             <a:xfrm rot="2781929">
-              <a:off x="1408544" y="4314787"/>
-              <a:ext cx="1643881" cy="1643881"/>
+              <a:off x="1516999" y="4318131"/>
+              <a:ext cx="1643881" cy="1351038"/>
             </a:xfrm>
             <a:prstGeom prst="rect">
               <a:avLst/>
@@ -7941,14 +9435,14 @@
         </p:pic>
         <p:pic>
           <p:nvPicPr>
-            <p:cNvPr id="4" name="図 3"/>
+            <p:cNvPr id="23" name="図 22"/>
             <p:cNvPicPr>
               <a:picLocks noChangeAspect="1"/>
             </p:cNvPicPr>
             <p:nvPr/>
           </p:nvPicPr>
           <p:blipFill>
-            <a:blip r:embed="rId3" cstate="print">
+            <a:blip r:embed="rId5" cstate="print">
               <a:extLst>
                 <a:ext uri="{28A0092B-C50C-407E-A947-70E740481C1C}">
                   <a14:useLocalDpi xmlns:a14="http://schemas.microsoft.com/office/drawing/2010/main" val="0"/>
@@ -7961,8 +9455,8 @@
           </p:blipFill>
           <p:spPr>
             <a:xfrm>
-              <a:off x="1402175" y="4514262"/>
-              <a:ext cx="1441201" cy="1441201"/>
+              <a:off x="1578588" y="4454118"/>
+              <a:ext cx="1327603" cy="1327603"/>
             </a:xfrm>
             <a:prstGeom prst="rect">
               <a:avLst/>
@@ -7972,14 +9466,14 @@
       </p:grpSp>
       <p:sp>
         <p:nvSpPr>
-          <p:cNvPr id="5" name="テキスト ボックス 4"/>
+          <p:cNvPr id="24" name="テキスト ボックス 23"/>
           <p:cNvSpPr txBox="1"/>
           <p:nvPr/>
         </p:nvSpPr>
         <p:spPr>
           <a:xfrm>
-            <a:off x="822323" y="596497"/>
-            <a:ext cx="10033516" cy="830997"/>
+            <a:off x="1632873" y="4573287"/>
+            <a:ext cx="697627" cy="246221"/>
           </a:xfrm>
           <a:prstGeom prst="rect">
             <a:avLst/>
@@ -7993,19 +9487,162 @@
           <a:lstStyle/>
           <a:p>
             <a:r>
+              <a:rPr kumimoji="1" lang="ja-JP" altLang="en-US" sz="1000" dirty="0" smtClean="0"/>
+              <a:t>＼エイ／</a:t>
+            </a:r>
+            <a:endParaRPr kumimoji="1" lang="ja-JP" altLang="en-US" sz="1000" dirty="0"/>
+          </a:p>
+        </p:txBody>
+      </p:sp>
+      <p:sp>
+        <p:nvSpPr>
+          <p:cNvPr id="5" name="右矢印 4"/>
+          <p:cNvSpPr/>
+          <p:nvPr/>
+        </p:nvSpPr>
+        <p:spPr>
+          <a:xfrm>
+            <a:off x="5270001" y="5529417"/>
+            <a:ext cx="978408" cy="484632"/>
+          </a:xfrm>
+          <a:prstGeom prst="rightArrow">
+            <a:avLst/>
+          </a:prstGeom>
+        </p:spPr>
+        <p:style>
+          <a:lnRef idx="2">
+            <a:schemeClr val="accent5">
+              <a:shade val="50000"/>
+            </a:schemeClr>
+          </a:lnRef>
+          <a:fillRef idx="1">
+            <a:schemeClr val="accent5"/>
+          </a:fillRef>
+          <a:effectRef idx="0">
+            <a:schemeClr val="accent5"/>
+          </a:effectRef>
+          <a:fontRef idx="minor">
+            <a:schemeClr val="lt1"/>
+          </a:fontRef>
+        </p:style>
+        <p:txBody>
+          <a:bodyPr rtlCol="0" anchor="ctr"/>
+          <a:lstStyle/>
+          <a:p>
+            <a:pPr algn="ctr"/>
+            <a:endParaRPr kumimoji="1" lang="ja-JP" altLang="en-US"/>
+          </a:p>
+        </p:txBody>
+      </p:sp>
+      <p:pic>
+        <p:nvPicPr>
+          <p:cNvPr id="8" name="図 7"/>
+          <p:cNvPicPr>
+            <a:picLocks noChangeAspect="1"/>
+          </p:cNvPicPr>
+          <p:nvPr/>
+        </p:nvPicPr>
+        <p:blipFill>
+          <a:blip r:embed="rId7" cstate="print">
+            <a:extLst>
+              <a:ext uri="{28A0092B-C50C-407E-A947-70E740481C1C}">
+                <a14:useLocalDpi xmlns:a14="http://schemas.microsoft.com/office/drawing/2010/main" val="0"/>
+              </a:ext>
+            </a:extLst>
+          </a:blip>
+          <a:stretch>
+            <a:fillRect/>
+          </a:stretch>
+        </p:blipFill>
+        <p:spPr>
+          <a:xfrm>
+            <a:off x="2983726" y="4598257"/>
+            <a:ext cx="1475235" cy="1962916"/>
+          </a:xfrm>
+          <a:prstGeom prst="rect">
+            <a:avLst/>
+          </a:prstGeom>
+        </p:spPr>
+      </p:pic>
+      <p:sp>
+        <p:nvSpPr>
+          <p:cNvPr id="25" name="テキスト ボックス 24"/>
+          <p:cNvSpPr txBox="1"/>
+          <p:nvPr/>
+        </p:nvSpPr>
+        <p:spPr>
+          <a:xfrm>
+            <a:off x="3126642" y="4518493"/>
+            <a:ext cx="1210588" cy="246221"/>
+          </a:xfrm>
+          <a:prstGeom prst="rect">
+            <a:avLst/>
+          </a:prstGeom>
+          <a:noFill/>
+        </p:spPr>
+        <p:txBody>
+          <a:bodyPr wrap="none" rtlCol="0">
+            <a:spAutoFit/>
+          </a:bodyPr>
+          <a:lstStyle/>
+          <a:p>
+            <a:r>
+              <a:rPr kumimoji="1" lang="ja-JP" altLang="en-US" sz="1000" dirty="0" smtClean="0"/>
+              <a:t>＼</a:t>
+            </a:r>
+            <a:r>
+              <a:rPr kumimoji="1" lang="ja-JP" altLang="en-US" sz="1000" dirty="0"/>
+              <a:t>当</a:t>
+            </a:r>
+            <a:r>
+              <a:rPr kumimoji="1" lang="ja-JP" altLang="en-US" sz="1000" dirty="0" smtClean="0"/>
+              <a:t>たらない</a:t>
+            </a:r>
+            <a:r>
+              <a:rPr kumimoji="1" lang="ja-JP" altLang="en-US" sz="1000" dirty="0"/>
+              <a:t>よ</a:t>
+            </a:r>
+            <a:r>
+              <a:rPr kumimoji="1" lang="ja-JP" altLang="en-US" sz="1000" dirty="0" smtClean="0"/>
+              <a:t>／</a:t>
+            </a:r>
+            <a:endParaRPr kumimoji="1" lang="ja-JP" altLang="en-US" sz="1000" dirty="0"/>
+          </a:p>
+        </p:txBody>
+      </p:sp>
+      <p:sp>
+        <p:nvSpPr>
+          <p:cNvPr id="28" name="テキスト ボックス 27"/>
+          <p:cNvSpPr txBox="1"/>
+          <p:nvPr/>
+        </p:nvSpPr>
+        <p:spPr>
+          <a:xfrm>
+            <a:off x="304799" y="3645192"/>
+            <a:ext cx="6647974" cy="461665"/>
+          </a:xfrm>
+          <a:prstGeom prst="rect">
+            <a:avLst/>
+          </a:prstGeom>
+          <a:noFill/>
+        </p:spPr>
+        <p:txBody>
+          <a:bodyPr wrap="none" rtlCol="0">
+            <a:spAutoFit/>
+          </a:bodyPr>
+          <a:lstStyle/>
+          <a:p>
+            <a:r>
               <a:rPr kumimoji="1" lang="ja-JP" altLang="en-US" sz="2400" dirty="0" smtClean="0"/>
-              <a:t>・剣の長さを長くするほど攻撃範囲は広がり、待機時間は長くなる。</a:t>
-            </a:r>
-            <a:endParaRPr kumimoji="1" lang="en-US" altLang="ja-JP" sz="2400" dirty="0" smtClean="0"/>
-          </a:p>
-          <a:p>
+              <a:t>・剣が長くなればなるほど攻撃範囲</a:t>
+            </a:r>
             <a:r>
               <a:rPr kumimoji="1" lang="ja-JP" altLang="en-US" sz="2400" dirty="0"/>
-              <a:t>　</a:t>
+              <a:t>は</a:t>
             </a:r>
             <a:r>
               <a:rPr kumimoji="1" lang="ja-JP" altLang="en-US" sz="2400" dirty="0" smtClean="0"/>
-              <a:t>逆に短くすると攻撃範囲は狭まり、待機時間は短くなる。</a:t>
+              <a:t>広くなる</a:t>
             </a:r>
             <a:endParaRPr kumimoji="1" lang="ja-JP" altLang="en-US" sz="2400" dirty="0"/>
           </a:p>
@@ -8014,7 +9651,7 @@
     </p:spTree>
     <p:extLst>
       <p:ext uri="{BB962C8B-B14F-4D97-AF65-F5344CB8AC3E}">
-        <p14:creationId xmlns:p14="http://schemas.microsoft.com/office/powerpoint/2010/main" val="732905619"/>
+        <p14:creationId xmlns:p14="http://schemas.microsoft.com/office/powerpoint/2010/main" val="3334655549"/>
       </p:ext>
     </p:extLst>
   </p:cSld>
@@ -8043,7 +9680,37 @@
       </p:grpSpPr>
       <p:sp>
         <p:nvSpPr>
-          <p:cNvPr id="2" name="テキスト ボックス 1"/>
+          <p:cNvPr id="6" name="テキスト ボックス 5"/>
+          <p:cNvSpPr txBox="1"/>
+          <p:nvPr/>
+        </p:nvSpPr>
+        <p:spPr>
+          <a:xfrm>
+            <a:off x="446509" y="1185328"/>
+            <a:ext cx="7571303" cy="461665"/>
+          </a:xfrm>
+          <a:prstGeom prst="rect">
+            <a:avLst/>
+          </a:prstGeom>
+          <a:noFill/>
+        </p:spPr>
+        <p:txBody>
+          <a:bodyPr wrap="none" rtlCol="0">
+            <a:spAutoFit/>
+          </a:bodyPr>
+          <a:lstStyle/>
+          <a:p>
+            <a:r>
+              <a:rPr kumimoji="1" lang="ja-JP" altLang="en-US" sz="2400" dirty="0" smtClean="0"/>
+              <a:t>・待機時間は剣を振った後次の行動に移るまでの時間</a:t>
+            </a:r>
+            <a:endParaRPr kumimoji="1" lang="ja-JP" altLang="en-US" sz="2400" dirty="0"/>
+          </a:p>
+        </p:txBody>
+      </p:sp>
+      <p:sp>
+        <p:nvSpPr>
+          <p:cNvPr id="8" name="テキスト ボックス 7"/>
           <p:cNvSpPr txBox="1"/>
           <p:nvPr/>
         </p:nvSpPr>
@@ -8084,39 +9751,9 @@
           </a:p>
         </p:txBody>
       </p:sp>
-      <p:sp>
-        <p:nvSpPr>
-          <p:cNvPr id="3" name="テキスト ボックス 2"/>
-          <p:cNvSpPr txBox="1"/>
-          <p:nvPr/>
-        </p:nvSpPr>
-        <p:spPr>
-          <a:xfrm>
-            <a:off x="660399" y="1117600"/>
-            <a:ext cx="8956298" cy="646331"/>
-          </a:xfrm>
-          <a:prstGeom prst="rect">
-            <a:avLst/>
-          </a:prstGeom>
-          <a:noFill/>
-        </p:spPr>
-        <p:txBody>
-          <a:bodyPr wrap="none" rtlCol="0">
-            <a:spAutoFit/>
-          </a:bodyPr>
-          <a:lstStyle/>
-          <a:p>
-            <a:r>
-              <a:rPr kumimoji="1" lang="ja-JP" altLang="en-US" sz="3600" b="1" dirty="0" smtClean="0"/>
-              <a:t>カスタム要素②：幅（攻撃力、攻撃速度）</a:t>
-            </a:r>
-            <a:endParaRPr kumimoji="1" lang="ja-JP" altLang="en-US" sz="3600" b="1" dirty="0"/>
-          </a:p>
-        </p:txBody>
-      </p:sp>
       <p:pic>
         <p:nvPicPr>
-          <p:cNvPr id="4" name="図 3"/>
+          <p:cNvPr id="11" name="図 10"/>
           <p:cNvPicPr>
             <a:picLocks noChangeAspect="1"/>
           </p:cNvPicPr>
@@ -8135,25 +9772,100 @@
           </a:stretch>
         </p:blipFill>
         <p:spPr>
-          <a:xfrm>
-            <a:off x="2770737" y="4912878"/>
-            <a:ext cx="2164080" cy="2164080"/>
+          <a:xfrm flipH="1">
+            <a:off x="890317" y="2628166"/>
+            <a:ext cx="1475235" cy="1962916"/>
           </a:xfrm>
           <a:prstGeom prst="rect">
             <a:avLst/>
           </a:prstGeom>
         </p:spPr>
       </p:pic>
-      <p:sp>
-        <p:nvSpPr>
-          <p:cNvPr id="5" name="テキスト ボックス 4"/>
+      <p:grpSp>
+        <p:nvGrpSpPr>
+          <p:cNvPr id="12" name="グループ化 11"/>
+          <p:cNvGrpSpPr/>
+          <p:nvPr/>
+        </p:nvGrpSpPr>
+        <p:grpSpPr>
+          <a:xfrm rot="10800000">
+            <a:off x="304799" y="3631586"/>
+            <a:ext cx="1442568" cy="723353"/>
+            <a:chOff x="813865" y="4007629"/>
+            <a:chExt cx="3224825" cy="1947835"/>
+          </a:xfrm>
+        </p:grpSpPr>
+        <p:pic>
+          <p:nvPicPr>
+            <p:cNvPr id="13" name="図 12"/>
+            <p:cNvPicPr>
+              <a:picLocks noChangeAspect="1"/>
+            </p:cNvPicPr>
+            <p:nvPr/>
+          </p:nvPicPr>
+          <p:blipFill>
+            <a:blip r:embed="rId3" cstate="print">
+              <a:extLst>
+                <a:ext uri="{28A0092B-C50C-407E-A947-70E740481C1C}">
+                  <a14:useLocalDpi xmlns:a14="http://schemas.microsoft.com/office/drawing/2010/main" val="0"/>
+                </a:ext>
+              </a:extLst>
+            </a:blip>
+            <a:stretch>
+              <a:fillRect/>
+            </a:stretch>
+          </p:blipFill>
+          <p:spPr>
+            <a:xfrm rot="2781929">
+              <a:off x="1604337" y="3217157"/>
+              <a:ext cx="1643881" cy="3224825"/>
+            </a:xfrm>
+            <a:prstGeom prst="rect">
+              <a:avLst/>
+            </a:prstGeom>
+          </p:spPr>
+        </p:pic>
+        <p:pic>
+          <p:nvPicPr>
+            <p:cNvPr id="14" name="図 13"/>
+            <p:cNvPicPr>
+              <a:picLocks noChangeAspect="1"/>
+            </p:cNvPicPr>
+            <p:nvPr/>
+          </p:nvPicPr>
+          <p:blipFill>
+            <a:blip r:embed="rId4" cstate="print">
+              <a:extLst>
+                <a:ext uri="{28A0092B-C50C-407E-A947-70E740481C1C}">
+                  <a14:useLocalDpi xmlns:a14="http://schemas.microsoft.com/office/drawing/2010/main" val="0"/>
+                </a:ext>
+              </a:extLst>
+            </a:blip>
+            <a:stretch>
+              <a:fillRect/>
+            </a:stretch>
+          </p:blipFill>
+          <p:spPr>
+            <a:xfrm>
+              <a:off x="1402175" y="4627861"/>
+              <a:ext cx="1327604" cy="1327603"/>
+            </a:xfrm>
+            <a:prstGeom prst="rect">
+              <a:avLst/>
+            </a:prstGeom>
+          </p:spPr>
+        </p:pic>
+      </p:grpSp>
+      <p:sp>
+        <p:nvSpPr>
+          <p:cNvPr id="15" name="テキスト ボックス 14"/>
           <p:cNvSpPr txBox="1"/>
           <p:nvPr/>
         </p:nvSpPr>
         <p:spPr>
           <a:xfrm>
-            <a:off x="660399" y="1887895"/>
-            <a:ext cx="8664551" cy="461665"/>
+            <a:off x="1484197" y="2603196"/>
+            <a:ext cx="697627" cy="246221"/>
           </a:xfrm>
           <a:prstGeom prst="rect">
             <a:avLst/>
@@ -8167,294 +9879,31 @@
           <a:lstStyle/>
           <a:p>
             <a:r>
-              <a:rPr kumimoji="1" lang="ja-JP" altLang="en-US" sz="2400" dirty="0" smtClean="0"/>
-              <a:t>・剣の幅に持たせる要素は攻撃力と攻撃速度の</a:t>
-            </a:r>
-            <a:r>
-              <a:rPr kumimoji="1" lang="en-US" altLang="ja-JP" sz="2400" dirty="0" smtClean="0"/>
-              <a:t>2</a:t>
-            </a:r>
-            <a:r>
-              <a:rPr kumimoji="1" lang="ja-JP" altLang="en-US" sz="2400" dirty="0" smtClean="0"/>
-              <a:t>つとする。</a:t>
-            </a:r>
-            <a:endParaRPr kumimoji="1" lang="ja-JP" altLang="en-US" sz="2400" dirty="0"/>
-          </a:p>
-        </p:txBody>
-      </p:sp>
-      <p:sp>
-        <p:nvSpPr>
-          <p:cNvPr id="6" name="テキスト ボックス 5"/>
-          <p:cNvSpPr txBox="1"/>
-          <p:nvPr/>
-        </p:nvSpPr>
-        <p:spPr>
-          <a:xfrm>
-            <a:off x="660398" y="2349560"/>
-            <a:ext cx="6647974" cy="830997"/>
-          </a:xfrm>
-          <a:prstGeom prst="rect">
-            <a:avLst/>
-          </a:prstGeom>
-          <a:noFill/>
-        </p:spPr>
-        <p:txBody>
-          <a:bodyPr wrap="none" rtlCol="0">
-            <a:spAutoFit/>
-          </a:bodyPr>
-          <a:lstStyle/>
-          <a:p>
-            <a:r>
-              <a:rPr kumimoji="1" lang="ja-JP" altLang="en-US" sz="2400" dirty="0" smtClean="0"/>
-              <a:t>・攻撃力は剣が当たった時に与えるダメージ、</a:t>
-            </a:r>
-            <a:endParaRPr kumimoji="1" lang="en-US" altLang="ja-JP" sz="2400" dirty="0" smtClean="0"/>
-          </a:p>
-          <a:p>
-            <a:r>
-              <a:rPr kumimoji="1" lang="ja-JP" altLang="en-US" sz="2400" dirty="0"/>
-              <a:t>　</a:t>
-            </a:r>
-            <a:r>
-              <a:rPr kumimoji="1" lang="ja-JP" altLang="en-US" sz="2400" dirty="0" smtClean="0"/>
-              <a:t>攻撃速度は剣を振る速さとする。</a:t>
-            </a:r>
-            <a:endParaRPr kumimoji="1" lang="ja-JP" altLang="en-US" sz="2400" dirty="0"/>
-          </a:p>
-        </p:txBody>
-      </p:sp>
-      <p:sp>
-        <p:nvSpPr>
-          <p:cNvPr id="7" name="テキスト ボックス 6"/>
-          <p:cNvSpPr txBox="1"/>
-          <p:nvPr/>
-        </p:nvSpPr>
-        <p:spPr>
-          <a:xfrm>
-            <a:off x="660397" y="3180557"/>
-            <a:ext cx="9110186" cy="830997"/>
-          </a:xfrm>
-          <a:prstGeom prst="rect">
-            <a:avLst/>
-          </a:prstGeom>
-          <a:noFill/>
-        </p:spPr>
-        <p:txBody>
-          <a:bodyPr wrap="none" rtlCol="0">
-            <a:spAutoFit/>
-          </a:bodyPr>
-          <a:lstStyle/>
-          <a:p>
-            <a:r>
-              <a:rPr kumimoji="1" lang="ja-JP" altLang="en-US" sz="2400" dirty="0" smtClean="0"/>
-              <a:t>・剣の幅を広くするほど攻撃力は上がり、攻撃速度は遅くなる。</a:t>
-            </a:r>
-            <a:endParaRPr kumimoji="1" lang="en-US" altLang="ja-JP" sz="2400" dirty="0" smtClean="0"/>
-          </a:p>
-          <a:p>
-            <a:r>
-              <a:rPr kumimoji="1" lang="ja-JP" altLang="en-US" sz="2400" dirty="0"/>
-              <a:t>　</a:t>
-            </a:r>
-            <a:r>
-              <a:rPr kumimoji="1" lang="ja-JP" altLang="en-US" sz="2400" dirty="0" smtClean="0"/>
-              <a:t>逆に狭くすると攻撃力は下がり、攻撃速度は速くなる。</a:t>
-            </a:r>
-            <a:endParaRPr kumimoji="1" lang="ja-JP" altLang="en-US" sz="2400" dirty="0"/>
-          </a:p>
-        </p:txBody>
-      </p:sp>
-      <p:sp>
-        <p:nvSpPr>
-          <p:cNvPr id="9" name="テキスト ボックス 8"/>
-          <p:cNvSpPr txBox="1"/>
-          <p:nvPr/>
-        </p:nvSpPr>
-        <p:spPr>
-          <a:xfrm>
-            <a:off x="1602261" y="5574102"/>
-            <a:ext cx="1599194" cy="646331"/>
-          </a:xfrm>
-          <a:prstGeom prst="rect">
-            <a:avLst/>
-          </a:prstGeom>
-          <a:noFill/>
-        </p:spPr>
-        <p:txBody>
-          <a:bodyPr wrap="square" rtlCol="0">
-            <a:spAutoFit/>
-          </a:bodyPr>
-          <a:lstStyle/>
-          <a:p>
-            <a:pPr algn="ctr"/>
-            <a:r>
-              <a:rPr kumimoji="1" lang="ja-JP" altLang="en-US" dirty="0" smtClean="0">
-                <a:latin typeface="HGS創英角ｺﾞｼｯｸUB" panose="020B0900000000000000" pitchFamily="50" charset="-128"/>
-                <a:ea typeface="HGS創英角ｺﾞｼｯｸUB" panose="020B0900000000000000" pitchFamily="50" charset="-128"/>
-              </a:rPr>
-              <a:t>攻撃力：高</a:t>
-            </a:r>
-            <a:endParaRPr kumimoji="1" lang="en-US" altLang="ja-JP" dirty="0" smtClean="0">
-              <a:latin typeface="HGS創英角ｺﾞｼｯｸUB" panose="020B0900000000000000" pitchFamily="50" charset="-128"/>
-              <a:ea typeface="HGS創英角ｺﾞｼｯｸUB" panose="020B0900000000000000" pitchFamily="50" charset="-128"/>
-            </a:endParaRPr>
-          </a:p>
-          <a:p>
-            <a:pPr algn="ctr"/>
-            <a:r>
-              <a:rPr kumimoji="1" lang="ja-JP" altLang="en-US" dirty="0" smtClean="0">
-                <a:latin typeface="HGS創英角ｺﾞｼｯｸUB" panose="020B0900000000000000" pitchFamily="50" charset="-128"/>
-                <a:ea typeface="HGS創英角ｺﾞｼｯｸUB" panose="020B0900000000000000" pitchFamily="50" charset="-128"/>
-              </a:rPr>
+              <a:rPr kumimoji="1" lang="ja-JP" altLang="en-US" sz="1000" dirty="0" smtClean="0"/>
+              <a:t>＼</a:t>
+            </a:r>
+            <a:r>
+              <a:rPr kumimoji="1" lang="ja-JP" altLang="en-US" sz="1000" dirty="0"/>
               <a:t>攻撃</a:t>
             </a:r>
             <a:r>
-              <a:rPr kumimoji="1" lang="ja-JP" altLang="en-US" dirty="0">
-                <a:latin typeface="HGS創英角ｺﾞｼｯｸUB" panose="020B0900000000000000" pitchFamily="50" charset="-128"/>
-                <a:ea typeface="HGS創英角ｺﾞｼｯｸUB" panose="020B0900000000000000" pitchFamily="50" charset="-128"/>
-              </a:rPr>
-              <a:t>速度</a:t>
-            </a:r>
-            <a:r>
-              <a:rPr kumimoji="1" lang="ja-JP" altLang="en-US" dirty="0" smtClean="0">
-                <a:latin typeface="HGS創英角ｺﾞｼｯｸUB" panose="020B0900000000000000" pitchFamily="50" charset="-128"/>
-                <a:ea typeface="HGS創英角ｺﾞｼｯｸUB" panose="020B0900000000000000" pitchFamily="50" charset="-128"/>
-              </a:rPr>
-              <a:t>：遅</a:t>
-            </a:r>
-            <a:endParaRPr kumimoji="1" lang="ja-JP" altLang="en-US" dirty="0">
-              <a:latin typeface="HGS創英角ｺﾞｼｯｸUB" panose="020B0900000000000000" pitchFamily="50" charset="-128"/>
-              <a:ea typeface="HGS創英角ｺﾞｼｯｸUB" panose="020B0900000000000000" pitchFamily="50" charset="-128"/>
-            </a:endParaRPr>
-          </a:p>
-        </p:txBody>
-      </p:sp>
-      <p:sp>
-        <p:nvSpPr>
-          <p:cNvPr id="10" name="テキスト ボックス 9"/>
-          <p:cNvSpPr txBox="1"/>
-          <p:nvPr/>
-        </p:nvSpPr>
-        <p:spPr>
-          <a:xfrm>
-            <a:off x="4135220" y="5574102"/>
-            <a:ext cx="1599194" cy="646331"/>
-          </a:xfrm>
-          <a:prstGeom prst="rect">
-            <a:avLst/>
-          </a:prstGeom>
-          <a:noFill/>
-        </p:spPr>
-        <p:txBody>
-          <a:bodyPr wrap="square" rtlCol="0">
-            <a:spAutoFit/>
-          </a:bodyPr>
-          <a:lstStyle/>
-          <a:p>
-            <a:pPr algn="ctr"/>
-            <a:r>
-              <a:rPr kumimoji="1" lang="ja-JP" altLang="en-US" dirty="0" smtClean="0">
-                <a:latin typeface="HGS創英角ｺﾞｼｯｸUB" panose="020B0900000000000000" pitchFamily="50" charset="-128"/>
-                <a:ea typeface="HGS創英角ｺﾞｼｯｸUB" panose="020B0900000000000000" pitchFamily="50" charset="-128"/>
-              </a:rPr>
-              <a:t>攻撃力：普</a:t>
-            </a:r>
-            <a:endParaRPr kumimoji="1" lang="en-US" altLang="ja-JP" dirty="0" smtClean="0">
-              <a:latin typeface="HGS創英角ｺﾞｼｯｸUB" panose="020B0900000000000000" pitchFamily="50" charset="-128"/>
-              <a:ea typeface="HGS創英角ｺﾞｼｯｸUB" panose="020B0900000000000000" pitchFamily="50" charset="-128"/>
-            </a:endParaRPr>
-          </a:p>
-          <a:p>
-            <a:pPr algn="ctr"/>
-            <a:r>
-              <a:rPr kumimoji="1" lang="ja-JP" altLang="en-US" dirty="0" smtClean="0">
-                <a:latin typeface="HGS創英角ｺﾞｼｯｸUB" panose="020B0900000000000000" pitchFamily="50" charset="-128"/>
-                <a:ea typeface="HGS創英角ｺﾞｼｯｸUB" panose="020B0900000000000000" pitchFamily="50" charset="-128"/>
-              </a:rPr>
-              <a:t>攻撃</a:t>
-            </a:r>
-            <a:r>
-              <a:rPr kumimoji="1" lang="ja-JP" altLang="en-US" dirty="0">
-                <a:latin typeface="HGS創英角ｺﾞｼｯｸUB" panose="020B0900000000000000" pitchFamily="50" charset="-128"/>
-                <a:ea typeface="HGS創英角ｺﾞｼｯｸUB" panose="020B0900000000000000" pitchFamily="50" charset="-128"/>
-              </a:rPr>
-              <a:t>速度</a:t>
-            </a:r>
-            <a:r>
-              <a:rPr kumimoji="1" lang="ja-JP" altLang="en-US" dirty="0" smtClean="0">
-                <a:latin typeface="HGS創英角ｺﾞｼｯｸUB" panose="020B0900000000000000" pitchFamily="50" charset="-128"/>
-                <a:ea typeface="HGS創英角ｺﾞｼｯｸUB" panose="020B0900000000000000" pitchFamily="50" charset="-128"/>
-              </a:rPr>
-              <a:t>：普</a:t>
-            </a:r>
-            <a:endParaRPr kumimoji="1" lang="ja-JP" altLang="en-US" dirty="0">
-              <a:latin typeface="HGS創英角ｺﾞｼｯｸUB" panose="020B0900000000000000" pitchFamily="50" charset="-128"/>
-              <a:ea typeface="HGS創英角ｺﾞｼｯｸUB" panose="020B0900000000000000" pitchFamily="50" charset="-128"/>
-            </a:endParaRPr>
-          </a:p>
-        </p:txBody>
-      </p:sp>
-      <p:sp>
-        <p:nvSpPr>
-          <p:cNvPr id="11" name="テキスト ボックス 10"/>
-          <p:cNvSpPr txBox="1"/>
-          <p:nvPr/>
-        </p:nvSpPr>
-        <p:spPr>
-          <a:xfrm>
-            <a:off x="6929220" y="5574102"/>
-            <a:ext cx="1599194" cy="646331"/>
-          </a:xfrm>
-          <a:prstGeom prst="rect">
-            <a:avLst/>
-          </a:prstGeom>
-          <a:noFill/>
-        </p:spPr>
-        <p:txBody>
-          <a:bodyPr wrap="square" rtlCol="0">
-            <a:spAutoFit/>
-          </a:bodyPr>
-          <a:lstStyle/>
-          <a:p>
-            <a:pPr algn="ctr"/>
-            <a:r>
-              <a:rPr kumimoji="1" lang="ja-JP" altLang="en-US" dirty="0" smtClean="0">
-                <a:latin typeface="HGS創英角ｺﾞｼｯｸUB" panose="020B0900000000000000" pitchFamily="50" charset="-128"/>
-                <a:ea typeface="HGS創英角ｺﾞｼｯｸUB" panose="020B0900000000000000" pitchFamily="50" charset="-128"/>
-              </a:rPr>
-              <a:t>攻撃力：低</a:t>
-            </a:r>
-            <a:endParaRPr kumimoji="1" lang="en-US" altLang="ja-JP" dirty="0" smtClean="0">
-              <a:latin typeface="HGS創英角ｺﾞｼｯｸUB" panose="020B0900000000000000" pitchFamily="50" charset="-128"/>
-              <a:ea typeface="HGS創英角ｺﾞｼｯｸUB" panose="020B0900000000000000" pitchFamily="50" charset="-128"/>
-            </a:endParaRPr>
-          </a:p>
-          <a:p>
-            <a:pPr algn="ctr"/>
-            <a:r>
-              <a:rPr kumimoji="1" lang="ja-JP" altLang="en-US" dirty="0" smtClean="0">
-                <a:latin typeface="HGS創英角ｺﾞｼｯｸUB" panose="020B0900000000000000" pitchFamily="50" charset="-128"/>
-                <a:ea typeface="HGS創英角ｺﾞｼｯｸUB" panose="020B0900000000000000" pitchFamily="50" charset="-128"/>
-              </a:rPr>
-              <a:t>攻撃速度：速</a:t>
-            </a:r>
-            <a:endParaRPr kumimoji="1" lang="ja-JP" altLang="en-US" dirty="0">
-              <a:latin typeface="HGS創英角ｺﾞｼｯｸUB" panose="020B0900000000000000" pitchFamily="50" charset="-128"/>
-              <a:ea typeface="HGS創英角ｺﾞｼｯｸUB" panose="020B0900000000000000" pitchFamily="50" charset="-128"/>
-            </a:endParaRPr>
+              <a:rPr kumimoji="1" lang="ja-JP" altLang="en-US" sz="1000" dirty="0" smtClean="0"/>
+              <a:t>／</a:t>
+            </a:r>
+            <a:endParaRPr kumimoji="1" lang="ja-JP" altLang="en-US" sz="1000" dirty="0"/>
           </a:p>
         </p:txBody>
       </p:sp>
       <p:pic>
         <p:nvPicPr>
-          <p:cNvPr id="12" name="図 11"/>
+          <p:cNvPr id="18" name="図 17"/>
           <p:cNvPicPr>
             <a:picLocks noChangeAspect="1"/>
           </p:cNvPicPr>
           <p:nvPr/>
         </p:nvPicPr>
         <p:blipFill>
-          <a:blip r:embed="rId3">
+          <a:blip r:embed="rId2" cstate="print">
             <a:extLst>
               <a:ext uri="{28A0092B-C50C-407E-A947-70E740481C1C}">
                 <a14:useLocalDpi xmlns:a14="http://schemas.microsoft.com/office/drawing/2010/main" val="0"/>
@@ -8466,25 +9915,172 @@
           </a:stretch>
         </p:blipFill>
         <p:spPr>
-          <a:xfrm>
-            <a:off x="-986426" y="4842551"/>
-            <a:ext cx="4440926" cy="2164080"/>
+          <a:xfrm flipH="1">
+            <a:off x="824355" y="4641022"/>
+            <a:ext cx="1475235" cy="1962916"/>
           </a:xfrm>
           <a:prstGeom prst="rect">
             <a:avLst/>
           </a:prstGeom>
         </p:spPr>
       </p:pic>
+      <p:grpSp>
+        <p:nvGrpSpPr>
+          <p:cNvPr id="19" name="グループ化 18"/>
+          <p:cNvGrpSpPr/>
+          <p:nvPr/>
+        </p:nvGrpSpPr>
+        <p:grpSpPr>
+          <a:xfrm rot="10800000">
+            <a:off x="697008" y="5696385"/>
+            <a:ext cx="642312" cy="610476"/>
+            <a:chOff x="1578588" y="4171709"/>
+            <a:chExt cx="1435871" cy="1643881"/>
+          </a:xfrm>
+        </p:grpSpPr>
+        <p:pic>
+          <p:nvPicPr>
+            <p:cNvPr id="20" name="図 19"/>
+            <p:cNvPicPr>
+              <a:picLocks noChangeAspect="1"/>
+            </p:cNvPicPr>
+            <p:nvPr/>
+          </p:nvPicPr>
+          <p:blipFill>
+            <a:blip r:embed="rId5" cstate="print">
+              <a:extLst>
+                <a:ext uri="{28A0092B-C50C-407E-A947-70E740481C1C}">
+                  <a14:useLocalDpi xmlns:a14="http://schemas.microsoft.com/office/drawing/2010/main" val="0"/>
+                </a:ext>
+              </a:extLst>
+            </a:blip>
+            <a:stretch>
+              <a:fillRect/>
+            </a:stretch>
+          </p:blipFill>
+          <p:spPr>
+            <a:xfrm rot="2781929">
+              <a:off x="1516999" y="4318131"/>
+              <a:ext cx="1643881" cy="1351038"/>
+            </a:xfrm>
+            <a:prstGeom prst="rect">
+              <a:avLst/>
+            </a:prstGeom>
+          </p:spPr>
+        </p:pic>
+        <p:pic>
+          <p:nvPicPr>
+            <p:cNvPr id="21" name="図 20"/>
+            <p:cNvPicPr>
+              <a:picLocks noChangeAspect="1"/>
+            </p:cNvPicPr>
+            <p:nvPr/>
+          </p:nvPicPr>
+          <p:blipFill>
+            <a:blip r:embed="rId4" cstate="print">
+              <a:extLst>
+                <a:ext uri="{28A0092B-C50C-407E-A947-70E740481C1C}">
+                  <a14:useLocalDpi xmlns:a14="http://schemas.microsoft.com/office/drawing/2010/main" val="0"/>
+                </a:ext>
+              </a:extLst>
+            </a:blip>
+            <a:stretch>
+              <a:fillRect/>
+            </a:stretch>
+          </p:blipFill>
+          <p:spPr>
+            <a:xfrm>
+              <a:off x="1578588" y="4454118"/>
+              <a:ext cx="1327603" cy="1327603"/>
+            </a:xfrm>
+            <a:prstGeom prst="rect">
+              <a:avLst/>
+            </a:prstGeom>
+          </p:spPr>
+        </p:pic>
+      </p:grpSp>
+      <p:sp>
+        <p:nvSpPr>
+          <p:cNvPr id="22" name="テキスト ボックス 21"/>
+          <p:cNvSpPr txBox="1"/>
+          <p:nvPr/>
+        </p:nvSpPr>
+        <p:spPr>
+          <a:xfrm>
+            <a:off x="1418235" y="4616052"/>
+            <a:ext cx="697627" cy="246221"/>
+          </a:xfrm>
+          <a:prstGeom prst="rect">
+            <a:avLst/>
+          </a:prstGeom>
+          <a:noFill/>
+        </p:spPr>
+        <p:txBody>
+          <a:bodyPr wrap="none" rtlCol="0">
+            <a:spAutoFit/>
+          </a:bodyPr>
+          <a:lstStyle/>
+          <a:p>
+            <a:r>
+              <a:rPr kumimoji="1" lang="ja-JP" altLang="en-US" sz="1000" dirty="0" smtClean="0"/>
+              <a:t>＼</a:t>
+            </a:r>
+            <a:r>
+              <a:rPr kumimoji="1" lang="ja-JP" altLang="en-US" sz="1000" dirty="0"/>
+              <a:t>攻撃</a:t>
+            </a:r>
+            <a:r>
+              <a:rPr kumimoji="1" lang="ja-JP" altLang="en-US" sz="1000" dirty="0" smtClean="0"/>
+              <a:t>／</a:t>
+            </a:r>
+            <a:endParaRPr kumimoji="1" lang="ja-JP" altLang="en-US" sz="1000" dirty="0"/>
+          </a:p>
+        </p:txBody>
+      </p:sp>
+      <p:sp>
+        <p:nvSpPr>
+          <p:cNvPr id="23" name="テキスト ボックス 22"/>
+          <p:cNvSpPr txBox="1"/>
+          <p:nvPr/>
+        </p:nvSpPr>
+        <p:spPr>
+          <a:xfrm>
+            <a:off x="446508" y="1838900"/>
+            <a:ext cx="6032421" cy="461665"/>
+          </a:xfrm>
+          <a:prstGeom prst="rect">
+            <a:avLst/>
+          </a:prstGeom>
+          <a:noFill/>
+        </p:spPr>
+        <p:txBody>
+          <a:bodyPr wrap="none" rtlCol="0">
+            <a:spAutoFit/>
+          </a:bodyPr>
+          <a:lstStyle/>
+          <a:p>
+            <a:r>
+              <a:rPr kumimoji="1" lang="ja-JP" altLang="en-US" sz="2400" dirty="0" smtClean="0"/>
+              <a:t>・</a:t>
+            </a:r>
+            <a:r>
+              <a:rPr kumimoji="1" lang="ja-JP" altLang="en-US" sz="2400" dirty="0" smtClean="0"/>
+              <a:t>長さが短くなるほど待機時間は短くなる</a:t>
+            </a:r>
+            <a:endParaRPr kumimoji="1" lang="ja-JP" altLang="en-US" sz="2400" dirty="0"/>
+          </a:p>
+        </p:txBody>
+      </p:sp>
       <p:pic>
         <p:nvPicPr>
-          <p:cNvPr id="13" name="図 12"/>
+          <p:cNvPr id="24" name="図 23"/>
           <p:cNvPicPr>
             <a:picLocks noChangeAspect="1"/>
           </p:cNvPicPr>
           <p:nvPr/>
         </p:nvPicPr>
         <p:blipFill>
-          <a:blip r:embed="rId4" cstate="print">
+          <a:blip r:embed="rId6" cstate="print">
             <a:extLst>
               <a:ext uri="{28A0092B-C50C-407E-A947-70E740481C1C}">
                 <a14:useLocalDpi xmlns:a14="http://schemas.microsoft.com/office/drawing/2010/main" val="0"/>
@@ -8497,18 +10093,586 @@
         </p:blipFill>
         <p:spPr>
           <a:xfrm>
-            <a:off x="6129623" y="4912878"/>
-            <a:ext cx="879212" cy="2164080"/>
+            <a:off x="2835952" y="2822946"/>
+            <a:ext cx="505036" cy="505036"/>
           </a:xfrm>
           <a:prstGeom prst="rect">
             <a:avLst/>
           </a:prstGeom>
         </p:spPr>
       </p:pic>
+      <p:sp>
+        <p:nvSpPr>
+          <p:cNvPr id="25" name="テキスト ボックス 24"/>
+          <p:cNvSpPr txBox="1"/>
+          <p:nvPr/>
+        </p:nvSpPr>
+        <p:spPr>
+          <a:xfrm>
+            <a:off x="3340988" y="2890798"/>
+            <a:ext cx="1569660" cy="369332"/>
+          </a:xfrm>
+          <a:prstGeom prst="rect">
+            <a:avLst/>
+          </a:prstGeom>
+          <a:noFill/>
+        </p:spPr>
+        <p:txBody>
+          <a:bodyPr wrap="none" rtlCol="0">
+            <a:spAutoFit/>
+          </a:bodyPr>
+          <a:lstStyle/>
+          <a:p>
+            <a:r>
+              <a:rPr kumimoji="1" lang="ja-JP" altLang="en-US" dirty="0" smtClean="0">
+                <a:latin typeface="+mn-ea"/>
+              </a:rPr>
+              <a:t>待機時間長い</a:t>
+            </a:r>
+            <a:endParaRPr kumimoji="1" lang="ja-JP" altLang="en-US" dirty="0">
+              <a:latin typeface="+mn-ea"/>
+            </a:endParaRPr>
+          </a:p>
+        </p:txBody>
+      </p:sp>
+      <p:sp>
+        <p:nvSpPr>
+          <p:cNvPr id="26" name="右矢印 25"/>
+          <p:cNvSpPr/>
+          <p:nvPr/>
+        </p:nvSpPr>
+        <p:spPr>
+          <a:xfrm>
+            <a:off x="3190336" y="3389270"/>
+            <a:ext cx="3730179" cy="484632"/>
+          </a:xfrm>
+          <a:prstGeom prst="rightArrow">
+            <a:avLst/>
+          </a:prstGeom>
+        </p:spPr>
+        <p:style>
+          <a:lnRef idx="2">
+            <a:schemeClr val="accent1">
+              <a:shade val="50000"/>
+            </a:schemeClr>
+          </a:lnRef>
+          <a:fillRef idx="1">
+            <a:schemeClr val="accent1"/>
+          </a:fillRef>
+          <a:effectRef idx="0">
+            <a:schemeClr val="accent1"/>
+          </a:effectRef>
+          <a:fontRef idx="minor">
+            <a:schemeClr val="lt1"/>
+          </a:fontRef>
+        </p:style>
+        <p:txBody>
+          <a:bodyPr rtlCol="0" anchor="ctr"/>
+          <a:lstStyle/>
+          <a:p>
+            <a:pPr algn="ctr"/>
+            <a:endParaRPr kumimoji="1" lang="ja-JP" altLang="en-US"/>
+          </a:p>
+        </p:txBody>
+      </p:sp>
+      <p:pic>
+        <p:nvPicPr>
+          <p:cNvPr id="27" name="図 26"/>
+          <p:cNvPicPr>
+            <a:picLocks noChangeAspect="1"/>
+          </p:cNvPicPr>
+          <p:nvPr/>
+        </p:nvPicPr>
+        <p:blipFill>
+          <a:blip r:embed="rId6" cstate="print">
+            <a:extLst>
+              <a:ext uri="{28A0092B-C50C-407E-A947-70E740481C1C}">
+                <a14:useLocalDpi xmlns:a14="http://schemas.microsoft.com/office/drawing/2010/main" val="0"/>
+              </a:ext>
+            </a:extLst>
+          </a:blip>
+          <a:stretch>
+            <a:fillRect/>
+          </a:stretch>
+        </p:blipFill>
+        <p:spPr>
+          <a:xfrm>
+            <a:off x="2835952" y="4827724"/>
+            <a:ext cx="505036" cy="505036"/>
+          </a:xfrm>
+          <a:prstGeom prst="rect">
+            <a:avLst/>
+          </a:prstGeom>
+        </p:spPr>
+      </p:pic>
+      <p:sp>
+        <p:nvSpPr>
+          <p:cNvPr id="28" name="テキスト ボックス 27"/>
+          <p:cNvSpPr txBox="1"/>
+          <p:nvPr/>
+        </p:nvSpPr>
+        <p:spPr>
+          <a:xfrm>
+            <a:off x="3340988" y="4895576"/>
+            <a:ext cx="1569660" cy="369332"/>
+          </a:xfrm>
+          <a:prstGeom prst="rect">
+            <a:avLst/>
+          </a:prstGeom>
+          <a:noFill/>
+        </p:spPr>
+        <p:txBody>
+          <a:bodyPr wrap="none" rtlCol="0">
+            <a:spAutoFit/>
+          </a:bodyPr>
+          <a:lstStyle/>
+          <a:p>
+            <a:r>
+              <a:rPr kumimoji="1" lang="ja-JP" altLang="en-US" dirty="0" smtClean="0">
+                <a:latin typeface="+mn-ea"/>
+              </a:rPr>
+              <a:t>待機時間短い</a:t>
+            </a:r>
+            <a:endParaRPr kumimoji="1" lang="ja-JP" altLang="en-US" dirty="0">
+              <a:latin typeface="+mn-ea"/>
+            </a:endParaRPr>
+          </a:p>
+        </p:txBody>
+      </p:sp>
+      <p:sp>
+        <p:nvSpPr>
+          <p:cNvPr id="29" name="右矢印 28"/>
+          <p:cNvSpPr/>
+          <p:nvPr/>
+        </p:nvSpPr>
+        <p:spPr>
+          <a:xfrm>
+            <a:off x="3190337" y="5466647"/>
+            <a:ext cx="1566301" cy="484632"/>
+          </a:xfrm>
+          <a:prstGeom prst="rightArrow">
+            <a:avLst/>
+          </a:prstGeom>
+        </p:spPr>
+        <p:style>
+          <a:lnRef idx="2">
+            <a:schemeClr val="accent1">
+              <a:shade val="50000"/>
+            </a:schemeClr>
+          </a:lnRef>
+          <a:fillRef idx="1">
+            <a:schemeClr val="accent1"/>
+          </a:fillRef>
+          <a:effectRef idx="0">
+            <a:schemeClr val="accent1"/>
+          </a:effectRef>
+          <a:fontRef idx="minor">
+            <a:schemeClr val="lt1"/>
+          </a:fontRef>
+        </p:style>
+        <p:txBody>
+          <a:bodyPr rtlCol="0" anchor="ctr"/>
+          <a:lstStyle/>
+          <a:p>
+            <a:pPr algn="ctr"/>
+            <a:endParaRPr kumimoji="1" lang="ja-JP" altLang="en-US"/>
+          </a:p>
+        </p:txBody>
+      </p:sp>
+      <p:pic>
+        <p:nvPicPr>
+          <p:cNvPr id="30" name="図 29"/>
+          <p:cNvPicPr>
+            <a:picLocks noChangeAspect="1"/>
+          </p:cNvPicPr>
+          <p:nvPr/>
+        </p:nvPicPr>
+        <p:blipFill>
+          <a:blip r:embed="rId2" cstate="print">
+            <a:extLst>
+              <a:ext uri="{28A0092B-C50C-407E-A947-70E740481C1C}">
+                <a14:useLocalDpi xmlns:a14="http://schemas.microsoft.com/office/drawing/2010/main" val="0"/>
+              </a:ext>
+            </a:extLst>
+          </a:blip>
+          <a:stretch>
+            <a:fillRect/>
+          </a:stretch>
+        </p:blipFill>
+        <p:spPr>
+          <a:xfrm>
+            <a:off x="9465612" y="2691388"/>
+            <a:ext cx="1475235" cy="1962916"/>
+          </a:xfrm>
+          <a:prstGeom prst="rect">
+            <a:avLst/>
+          </a:prstGeom>
+        </p:spPr>
+      </p:pic>
+      <p:grpSp>
+        <p:nvGrpSpPr>
+          <p:cNvPr id="31" name="グループ化 30"/>
+          <p:cNvGrpSpPr/>
+          <p:nvPr/>
+        </p:nvGrpSpPr>
+        <p:grpSpPr>
+          <a:xfrm rot="10800000" flipH="1">
+            <a:off x="10388941" y="3703742"/>
+            <a:ext cx="642312" cy="610476"/>
+            <a:chOff x="1578588" y="4171709"/>
+            <a:chExt cx="1435871" cy="1643881"/>
+          </a:xfrm>
+        </p:grpSpPr>
+        <p:pic>
+          <p:nvPicPr>
+            <p:cNvPr id="32" name="図 31"/>
+            <p:cNvPicPr>
+              <a:picLocks noChangeAspect="1"/>
+            </p:cNvPicPr>
+            <p:nvPr/>
+          </p:nvPicPr>
+          <p:blipFill>
+            <a:blip r:embed="rId5" cstate="print">
+              <a:extLst>
+                <a:ext uri="{28A0092B-C50C-407E-A947-70E740481C1C}">
+                  <a14:useLocalDpi xmlns:a14="http://schemas.microsoft.com/office/drawing/2010/main" val="0"/>
+                </a:ext>
+              </a:extLst>
+            </a:blip>
+            <a:stretch>
+              <a:fillRect/>
+            </a:stretch>
+          </p:blipFill>
+          <p:spPr>
+            <a:xfrm rot="2781929">
+              <a:off x="1516999" y="4318131"/>
+              <a:ext cx="1643881" cy="1351038"/>
+            </a:xfrm>
+            <a:prstGeom prst="rect">
+              <a:avLst/>
+            </a:prstGeom>
+          </p:spPr>
+        </p:pic>
+        <p:pic>
+          <p:nvPicPr>
+            <p:cNvPr id="33" name="図 32"/>
+            <p:cNvPicPr>
+              <a:picLocks noChangeAspect="1"/>
+            </p:cNvPicPr>
+            <p:nvPr/>
+          </p:nvPicPr>
+          <p:blipFill>
+            <a:blip r:embed="rId4" cstate="print">
+              <a:extLst>
+                <a:ext uri="{28A0092B-C50C-407E-A947-70E740481C1C}">
+                  <a14:useLocalDpi xmlns:a14="http://schemas.microsoft.com/office/drawing/2010/main" val="0"/>
+                </a:ext>
+              </a:extLst>
+            </a:blip>
+            <a:stretch>
+              <a:fillRect/>
+            </a:stretch>
+          </p:blipFill>
+          <p:spPr>
+            <a:xfrm>
+              <a:off x="1578588" y="4454118"/>
+              <a:ext cx="1327603" cy="1327603"/>
+            </a:xfrm>
+            <a:prstGeom prst="rect">
+              <a:avLst/>
+            </a:prstGeom>
+          </p:spPr>
+        </p:pic>
+      </p:grpSp>
+      <p:sp>
+        <p:nvSpPr>
+          <p:cNvPr id="34" name="テキスト ボックス 33"/>
+          <p:cNvSpPr txBox="1"/>
+          <p:nvPr/>
+        </p:nvSpPr>
+        <p:spPr>
+          <a:xfrm>
+            <a:off x="9602706" y="2628166"/>
+            <a:ext cx="1210588" cy="246221"/>
+          </a:xfrm>
+          <a:prstGeom prst="rect">
+            <a:avLst/>
+          </a:prstGeom>
+          <a:noFill/>
+        </p:spPr>
+        <p:txBody>
+          <a:bodyPr wrap="none" rtlCol="0">
+            <a:spAutoFit/>
+          </a:bodyPr>
+          <a:lstStyle/>
+          <a:p>
+            <a:r>
+              <a:rPr kumimoji="1" lang="ja-JP" altLang="en-US" sz="1000" dirty="0" smtClean="0"/>
+              <a:t>＼隙だらけだぞ／</a:t>
+            </a:r>
+            <a:endParaRPr kumimoji="1" lang="ja-JP" altLang="en-US" sz="1000" dirty="0"/>
+          </a:p>
+        </p:txBody>
+      </p:sp>
+      <p:pic>
+        <p:nvPicPr>
+          <p:cNvPr id="35" name="図 34"/>
+          <p:cNvPicPr>
+            <a:picLocks noChangeAspect="1"/>
+          </p:cNvPicPr>
+          <p:nvPr/>
+        </p:nvPicPr>
+        <p:blipFill>
+          <a:blip r:embed="rId7" cstate="print">
+            <a:extLst>
+              <a:ext uri="{28A0092B-C50C-407E-A947-70E740481C1C}">
+                <a14:useLocalDpi xmlns:a14="http://schemas.microsoft.com/office/drawing/2010/main" val="0"/>
+              </a:ext>
+            </a:extLst>
+          </a:blip>
+          <a:stretch>
+            <a:fillRect/>
+          </a:stretch>
+        </p:blipFill>
+        <p:spPr>
+          <a:xfrm flipH="1">
+            <a:off x="7669821" y="2603196"/>
+            <a:ext cx="1475235" cy="1962916"/>
+          </a:xfrm>
+          <a:prstGeom prst="rect">
+            <a:avLst/>
+          </a:prstGeom>
+        </p:spPr>
+      </p:pic>
+      <p:sp>
+        <p:nvSpPr>
+          <p:cNvPr id="36" name="テキスト ボックス 35"/>
+          <p:cNvSpPr txBox="1"/>
+          <p:nvPr/>
+        </p:nvSpPr>
+        <p:spPr>
+          <a:xfrm>
+            <a:off x="7866264" y="2628165"/>
+            <a:ext cx="1082348" cy="246221"/>
+          </a:xfrm>
+          <a:prstGeom prst="rect">
+            <a:avLst/>
+          </a:prstGeom>
+          <a:noFill/>
+        </p:spPr>
+        <p:txBody>
+          <a:bodyPr wrap="none" rtlCol="0">
+            <a:spAutoFit/>
+          </a:bodyPr>
+          <a:lstStyle/>
+          <a:p>
+            <a:r>
+              <a:rPr kumimoji="1" lang="ja-JP" altLang="en-US" sz="1000" dirty="0" smtClean="0"/>
+              <a:t>＼やられたー／</a:t>
+            </a:r>
+            <a:endParaRPr kumimoji="1" lang="ja-JP" altLang="en-US" sz="1000" dirty="0"/>
+          </a:p>
+        </p:txBody>
+      </p:sp>
+      <p:pic>
+        <p:nvPicPr>
+          <p:cNvPr id="37" name="図 36"/>
+          <p:cNvPicPr>
+            <a:picLocks noChangeAspect="1"/>
+          </p:cNvPicPr>
+          <p:nvPr/>
+        </p:nvPicPr>
+        <p:blipFill>
+          <a:blip r:embed="rId8" cstate="print">
+            <a:extLst>
+              <a:ext uri="{28A0092B-C50C-407E-A947-70E740481C1C}">
+                <a14:useLocalDpi xmlns:a14="http://schemas.microsoft.com/office/drawing/2010/main" val="0"/>
+              </a:ext>
+            </a:extLst>
+          </a:blip>
+          <a:stretch>
+            <a:fillRect/>
+          </a:stretch>
+        </p:blipFill>
+        <p:spPr>
+          <a:xfrm flipH="1">
+            <a:off x="5367336" y="4727505"/>
+            <a:ext cx="1475235" cy="1962916"/>
+          </a:xfrm>
+          <a:prstGeom prst="rect">
+            <a:avLst/>
+          </a:prstGeom>
+        </p:spPr>
+      </p:pic>
+      <p:pic>
+        <p:nvPicPr>
+          <p:cNvPr id="38" name="図 37"/>
+          <p:cNvPicPr>
+            <a:picLocks noChangeAspect="1"/>
+          </p:cNvPicPr>
+          <p:nvPr/>
+        </p:nvPicPr>
+        <p:blipFill>
+          <a:blip r:embed="rId2" cstate="print">
+            <a:extLst>
+              <a:ext uri="{28A0092B-C50C-407E-A947-70E740481C1C}">
+                <a14:useLocalDpi xmlns:a14="http://schemas.microsoft.com/office/drawing/2010/main" val="0"/>
+              </a:ext>
+            </a:extLst>
+          </a:blip>
+          <a:stretch>
+            <a:fillRect/>
+          </a:stretch>
+        </p:blipFill>
+        <p:spPr>
+          <a:xfrm>
+            <a:off x="7561493" y="4731579"/>
+            <a:ext cx="1475235" cy="1962916"/>
+          </a:xfrm>
+          <a:prstGeom prst="rect">
+            <a:avLst/>
+          </a:prstGeom>
+        </p:spPr>
+      </p:pic>
+      <p:grpSp>
+        <p:nvGrpSpPr>
+          <p:cNvPr id="39" name="グループ化 38"/>
+          <p:cNvGrpSpPr/>
+          <p:nvPr/>
+        </p:nvGrpSpPr>
+        <p:grpSpPr>
+          <a:xfrm rot="10800000" flipH="1">
+            <a:off x="8484822" y="5743933"/>
+            <a:ext cx="642312" cy="610476"/>
+            <a:chOff x="1578588" y="4171709"/>
+            <a:chExt cx="1435871" cy="1643881"/>
+          </a:xfrm>
+        </p:grpSpPr>
+        <p:pic>
+          <p:nvPicPr>
+            <p:cNvPr id="40" name="図 39"/>
+            <p:cNvPicPr>
+              <a:picLocks noChangeAspect="1"/>
+            </p:cNvPicPr>
+            <p:nvPr/>
+          </p:nvPicPr>
+          <p:blipFill>
+            <a:blip r:embed="rId5" cstate="print">
+              <a:extLst>
+                <a:ext uri="{28A0092B-C50C-407E-A947-70E740481C1C}">
+                  <a14:useLocalDpi xmlns:a14="http://schemas.microsoft.com/office/drawing/2010/main" val="0"/>
+                </a:ext>
+              </a:extLst>
+            </a:blip>
+            <a:stretch>
+              <a:fillRect/>
+            </a:stretch>
+          </p:blipFill>
+          <p:spPr>
+            <a:xfrm rot="2781929">
+              <a:off x="1516999" y="4318131"/>
+              <a:ext cx="1643881" cy="1351038"/>
+            </a:xfrm>
+            <a:prstGeom prst="rect">
+              <a:avLst/>
+            </a:prstGeom>
+          </p:spPr>
+        </p:pic>
+        <p:pic>
+          <p:nvPicPr>
+            <p:cNvPr id="41" name="図 40"/>
+            <p:cNvPicPr>
+              <a:picLocks noChangeAspect="1"/>
+            </p:cNvPicPr>
+            <p:nvPr/>
+          </p:nvPicPr>
+          <p:blipFill>
+            <a:blip r:embed="rId4" cstate="print">
+              <a:extLst>
+                <a:ext uri="{28A0092B-C50C-407E-A947-70E740481C1C}">
+                  <a14:useLocalDpi xmlns:a14="http://schemas.microsoft.com/office/drawing/2010/main" val="0"/>
+                </a:ext>
+              </a:extLst>
+            </a:blip>
+            <a:stretch>
+              <a:fillRect/>
+            </a:stretch>
+          </p:blipFill>
+          <p:spPr>
+            <a:xfrm>
+              <a:off x="1578588" y="4454118"/>
+              <a:ext cx="1327603" cy="1327603"/>
+            </a:xfrm>
+            <a:prstGeom prst="rect">
+              <a:avLst/>
+            </a:prstGeom>
+          </p:spPr>
+        </p:pic>
+      </p:grpSp>
+      <p:sp>
+        <p:nvSpPr>
+          <p:cNvPr id="42" name="テキスト ボックス 41"/>
+          <p:cNvSpPr txBox="1"/>
+          <p:nvPr/>
+        </p:nvSpPr>
+        <p:spPr>
+          <a:xfrm>
+            <a:off x="7698587" y="4668357"/>
+            <a:ext cx="954107" cy="246221"/>
+          </a:xfrm>
+          <a:prstGeom prst="rect">
+            <a:avLst/>
+          </a:prstGeom>
+          <a:noFill/>
+        </p:spPr>
+        <p:txBody>
+          <a:bodyPr wrap="none" rtlCol="0">
+            <a:spAutoFit/>
+          </a:bodyPr>
+          <a:lstStyle/>
+          <a:p>
+            <a:r>
+              <a:rPr kumimoji="1" lang="ja-JP" altLang="en-US" sz="1000" dirty="0" smtClean="0"/>
+              <a:t>＼当たらん／</a:t>
+            </a:r>
+            <a:endParaRPr kumimoji="1" lang="ja-JP" altLang="en-US" sz="1000" dirty="0"/>
+          </a:p>
+        </p:txBody>
+      </p:sp>
+      <p:sp>
+        <p:nvSpPr>
+          <p:cNvPr id="43" name="テキスト ボックス 42"/>
+          <p:cNvSpPr txBox="1"/>
+          <p:nvPr/>
+        </p:nvSpPr>
+        <p:spPr>
+          <a:xfrm>
+            <a:off x="5756139" y="4616052"/>
+            <a:ext cx="697627" cy="246221"/>
+          </a:xfrm>
+          <a:prstGeom prst="rect">
+            <a:avLst/>
+          </a:prstGeom>
+          <a:noFill/>
+        </p:spPr>
+        <p:txBody>
+          <a:bodyPr wrap="none" rtlCol="0">
+            <a:spAutoFit/>
+          </a:bodyPr>
+          <a:lstStyle/>
+          <a:p>
+            <a:r>
+              <a:rPr kumimoji="1" lang="ja-JP" altLang="en-US" sz="1000" dirty="0" smtClean="0"/>
+              <a:t>＼回避／</a:t>
+            </a:r>
+            <a:endParaRPr kumimoji="1" lang="ja-JP" altLang="en-US" sz="1000" dirty="0"/>
+          </a:p>
+        </p:txBody>
+      </p:sp>
     </p:spTree>
     <p:extLst>
       <p:ext uri="{BB962C8B-B14F-4D97-AF65-F5344CB8AC3E}">
-        <p14:creationId xmlns:p14="http://schemas.microsoft.com/office/powerpoint/2010/main" val="1611893404"/>
+        <p14:creationId xmlns:p14="http://schemas.microsoft.com/office/powerpoint/2010/main" val="732905619"/>
       </p:ext>
     </p:extLst>
   </p:cSld>
@@ -8587,7 +10751,7 @@
         <p:spPr>
           <a:xfrm>
             <a:off x="660399" y="1117600"/>
-            <a:ext cx="7109639" cy="646331"/>
+            <a:ext cx="8956298" cy="646331"/>
           </a:xfrm>
           <a:prstGeom prst="rect">
             <a:avLst/>
@@ -8602,7 +10766,7 @@
           <a:p>
             <a:r>
               <a:rPr kumimoji="1" lang="ja-JP" altLang="en-US" sz="3600" b="1" dirty="0" smtClean="0"/>
-              <a:t>カスタム要素③：柄（追加効果）</a:t>
+              <a:t>カスタム要素②：幅（攻撃力、攻撃速度）</a:t>
             </a:r>
             <a:endParaRPr kumimoji="1" lang="ja-JP" altLang="en-US" sz="3600" b="1" dirty="0"/>
           </a:p>
@@ -8610,14 +10774,14 @@
       </p:sp>
       <p:sp>
         <p:nvSpPr>
-          <p:cNvPr id="4" name="テキスト ボックス 3"/>
+          <p:cNvPr id="5" name="テキスト ボックス 4"/>
           <p:cNvSpPr txBox="1"/>
           <p:nvPr/>
         </p:nvSpPr>
         <p:spPr>
           <a:xfrm>
-            <a:off x="660399" y="1887895"/>
-            <a:ext cx="6955750" cy="461665"/>
+            <a:off x="660399" y="1659019"/>
+            <a:ext cx="8048998" cy="461665"/>
           </a:xfrm>
           <a:prstGeom prst="rect">
             <a:avLst/>
@@ -8631,8 +10795,20 @@
           <a:lstStyle/>
           <a:p>
             <a:r>
+              <a:rPr kumimoji="1" lang="ja-JP" altLang="en-US" sz="2400" smtClean="0"/>
+              <a:t>剣</a:t>
+            </a:r>
+            <a:r>
               <a:rPr kumimoji="1" lang="ja-JP" altLang="en-US" sz="2400" dirty="0" smtClean="0"/>
-              <a:t>・剣の柄に持たせる要素の追加効果だけとする。</a:t>
+              <a:t>の幅に持たせる要素は攻撃力と攻撃速度の</a:t>
+            </a:r>
+            <a:r>
+              <a:rPr kumimoji="1" lang="en-US" altLang="ja-JP" sz="2400" dirty="0" smtClean="0"/>
+              <a:t>2</a:t>
+            </a:r>
+            <a:r>
+              <a:rPr kumimoji="1" lang="ja-JP" altLang="en-US" sz="2400" dirty="0" smtClean="0"/>
+              <a:t>つとする。</a:t>
             </a:r>
             <a:endParaRPr kumimoji="1" lang="ja-JP" altLang="en-US" sz="2400" dirty="0"/>
           </a:p>
@@ -8640,14 +10816,14 @@
       </p:sp>
       <p:sp>
         <p:nvSpPr>
-          <p:cNvPr id="5" name="テキスト ボックス 4"/>
+          <p:cNvPr id="6" name="テキスト ボックス 5"/>
           <p:cNvSpPr txBox="1"/>
           <p:nvPr/>
         </p:nvSpPr>
         <p:spPr>
           <a:xfrm>
-            <a:off x="660399" y="2473524"/>
-            <a:ext cx="8186857" cy="461665"/>
+            <a:off x="642923" y="2449139"/>
+            <a:ext cx="6340197" cy="461665"/>
           </a:xfrm>
           <a:prstGeom prst="rect">
             <a:avLst/>
@@ -8662,22 +10838,26 @@
           <a:p>
             <a:r>
               <a:rPr kumimoji="1" lang="ja-JP" altLang="en-US" sz="2400" dirty="0" smtClean="0"/>
-              <a:t>・追加効果は様々な＋効果を剣に付与することができる。</a:t>
-            </a:r>
-            <a:endParaRPr kumimoji="1" lang="ja-JP" altLang="en-US" sz="2400" dirty="0"/>
-          </a:p>
-        </p:txBody>
-      </p:sp>
-      <p:sp>
-        <p:nvSpPr>
-          <p:cNvPr id="6" name="テキスト ボックス 5"/>
+              <a:t>・攻撃力は剣が当たった時に与える</a:t>
+            </a:r>
+            <a:r>
+              <a:rPr kumimoji="1" lang="ja-JP" altLang="en-US" sz="2400" dirty="0" smtClean="0"/>
+              <a:t>ダメージ</a:t>
+            </a:r>
+            <a:endParaRPr kumimoji="1" lang="en-US" altLang="ja-JP" sz="2400" dirty="0" smtClean="0"/>
+          </a:p>
+        </p:txBody>
+      </p:sp>
+      <p:sp>
+        <p:nvSpPr>
+          <p:cNvPr id="14" name="テキスト ボックス 13"/>
           <p:cNvSpPr txBox="1"/>
           <p:nvPr/>
         </p:nvSpPr>
         <p:spPr>
           <a:xfrm>
-            <a:off x="660399" y="3059153"/>
-            <a:ext cx="10956846" cy="2308324"/>
+            <a:off x="660399" y="3270471"/>
+            <a:ext cx="5416868" cy="461665"/>
           </a:xfrm>
           <a:prstGeom prst="rect">
             <a:avLst/>
@@ -8692,94 +10872,15 @@
           <a:p>
             <a:r>
               <a:rPr kumimoji="1" lang="ja-JP" altLang="en-US" sz="2400" dirty="0" smtClean="0"/>
-              <a:t>・現状想定している効果は攻撃力</a:t>
-            </a:r>
-            <a:r>
-              <a:rPr kumimoji="1" lang="ja-JP" altLang="en-US" sz="2400" dirty="0"/>
-              <a:t>上昇</a:t>
-            </a:r>
-            <a:r>
-              <a:rPr kumimoji="1" lang="ja-JP" altLang="en-US" sz="2400" dirty="0" smtClean="0"/>
-              <a:t>や待機時間</a:t>
-            </a:r>
-            <a:r>
-              <a:rPr kumimoji="1" lang="ja-JP" altLang="en-US" sz="2400" dirty="0"/>
-              <a:t>短縮</a:t>
-            </a:r>
-            <a:r>
-              <a:rPr kumimoji="1" lang="ja-JP" altLang="en-US" sz="2400" dirty="0" smtClean="0"/>
-              <a:t>など</a:t>
+              <a:t>・幅が広くなるほど攻撃力は高くなる</a:t>
             </a:r>
             <a:endParaRPr kumimoji="1" lang="en-US" altLang="ja-JP" sz="2400" dirty="0" smtClean="0"/>
-          </a:p>
-          <a:p>
-            <a:r>
-              <a:rPr kumimoji="1" lang="ja-JP" altLang="en-US" sz="2400" dirty="0"/>
-              <a:t>　</a:t>
-            </a:r>
-            <a:r>
-              <a:rPr kumimoji="1" lang="ja-JP" altLang="en-US" sz="2400" dirty="0" smtClean="0"/>
-              <a:t>長さや幅の持っている要素を強化するものや、</a:t>
-            </a:r>
-            <a:endParaRPr kumimoji="1" lang="en-US" altLang="ja-JP" sz="2400" dirty="0" smtClean="0"/>
-          </a:p>
-          <a:p>
-            <a:r>
-              <a:rPr kumimoji="1" lang="ja-JP" altLang="en-US" sz="2400" dirty="0"/>
-              <a:t>　</a:t>
-            </a:r>
-            <a:r>
-              <a:rPr kumimoji="1" lang="ja-JP" altLang="en-US" sz="2400" dirty="0" smtClean="0"/>
-              <a:t>攻撃時に衝撃波を出したり、毒や麻痺といった状態異常を引き起こすもの、</a:t>
-            </a:r>
-            <a:endParaRPr kumimoji="1" lang="en-US" altLang="ja-JP" sz="2400" dirty="0" smtClean="0"/>
-          </a:p>
-          <a:p>
-            <a:r>
-              <a:rPr kumimoji="1" lang="ja-JP" altLang="en-US" sz="2400" dirty="0"/>
-              <a:t>　</a:t>
-            </a:r>
-            <a:r>
-              <a:rPr kumimoji="1" lang="ja-JP" altLang="en-US" sz="2400" dirty="0" smtClean="0"/>
-              <a:t>ダメージ時怯み無効、</a:t>
-            </a:r>
-            <a:r>
-              <a:rPr kumimoji="1" lang="en-US" altLang="ja-JP" sz="2400" dirty="0" smtClean="0"/>
-              <a:t>2</a:t>
-            </a:r>
-            <a:r>
-              <a:rPr kumimoji="1" lang="ja-JP" altLang="en-US" sz="2400" dirty="0" smtClean="0"/>
-              <a:t>段ジャンプができるようになるといった</a:t>
-            </a:r>
-            <a:endParaRPr kumimoji="1" lang="en-US" altLang="ja-JP" sz="2400" dirty="0" smtClean="0"/>
-          </a:p>
-          <a:p>
-            <a:r>
-              <a:rPr kumimoji="1" lang="ja-JP" altLang="en-US" sz="2400" dirty="0"/>
-              <a:t>　</a:t>
-            </a:r>
-            <a:r>
-              <a:rPr kumimoji="1" lang="ja-JP" altLang="en-US" sz="2400" dirty="0" smtClean="0"/>
-              <a:t>キャラクターが強化されるものなど対戦やカスタマイズの</a:t>
-            </a:r>
-            <a:endParaRPr kumimoji="1" lang="en-US" altLang="ja-JP" sz="2400" dirty="0" smtClean="0"/>
-          </a:p>
-          <a:p>
-            <a:r>
-              <a:rPr kumimoji="1" lang="ja-JP" altLang="en-US" sz="2400" dirty="0"/>
-              <a:t>　</a:t>
-            </a:r>
-            <a:r>
-              <a:rPr kumimoji="1" lang="ja-JP" altLang="en-US" sz="2400" dirty="0" smtClean="0"/>
-              <a:t>アクセントとなるものになる予定。</a:t>
-            </a:r>
-            <a:endParaRPr kumimoji="1" lang="en-US" altLang="ja-JP" sz="2400" dirty="0"/>
           </a:p>
         </p:txBody>
       </p:sp>
       <p:pic>
         <p:nvPicPr>
-          <p:cNvPr id="7" name="図 6"/>
+          <p:cNvPr id="15" name="図 14"/>
           <p:cNvPicPr>
             <a:picLocks noChangeAspect="1"/>
           </p:cNvPicPr>
@@ -8799,8 +10900,8 @@
         </p:blipFill>
         <p:spPr>
           <a:xfrm>
-            <a:off x="2758440" y="5367477"/>
-            <a:ext cx="1463735" cy="1364933"/>
+            <a:off x="2958745" y="4591307"/>
+            <a:ext cx="1475235" cy="1962916"/>
           </a:xfrm>
           <a:prstGeom prst="rect">
             <a:avLst/>
@@ -8809,7 +10910,7 @@
       </p:pic>
       <p:pic>
         <p:nvPicPr>
-          <p:cNvPr id="8" name="図 7"/>
+          <p:cNvPr id="17" name="図 16"/>
           <p:cNvPicPr>
             <a:picLocks noChangeAspect="1"/>
           </p:cNvPicPr>
@@ -8828,9 +10929,455 @@
           </a:stretch>
         </p:blipFill>
         <p:spPr>
-          <a:xfrm>
-            <a:off x="5887720" y="5282366"/>
-            <a:ext cx="1535153" cy="1535153"/>
+          <a:xfrm flipH="1">
+            <a:off x="7000595" y="4641604"/>
+            <a:ext cx="1475235" cy="1962916"/>
+          </a:xfrm>
+          <a:prstGeom prst="rect">
+            <a:avLst/>
+          </a:prstGeom>
+        </p:spPr>
+      </p:pic>
+      <p:sp>
+        <p:nvSpPr>
+          <p:cNvPr id="21" name="テキスト ボックス 20"/>
+          <p:cNvSpPr txBox="1"/>
+          <p:nvPr/>
+        </p:nvSpPr>
+        <p:spPr>
+          <a:xfrm>
+            <a:off x="7594475" y="4616634"/>
+            <a:ext cx="697627" cy="246221"/>
+          </a:xfrm>
+          <a:prstGeom prst="rect">
+            <a:avLst/>
+          </a:prstGeom>
+          <a:noFill/>
+        </p:spPr>
+        <p:txBody>
+          <a:bodyPr wrap="none" rtlCol="0">
+            <a:spAutoFit/>
+          </a:bodyPr>
+          <a:lstStyle/>
+          <a:p>
+            <a:r>
+              <a:rPr kumimoji="1" lang="ja-JP" altLang="en-US" sz="1000" dirty="0" smtClean="0"/>
+              <a:t>＼エイ／</a:t>
+            </a:r>
+            <a:endParaRPr kumimoji="1" lang="ja-JP" altLang="en-US" sz="1000" dirty="0"/>
+          </a:p>
+        </p:txBody>
+      </p:sp>
+      <p:pic>
+        <p:nvPicPr>
+          <p:cNvPr id="24" name="図 23"/>
+          <p:cNvPicPr>
+            <a:picLocks noChangeAspect="1"/>
+          </p:cNvPicPr>
+          <p:nvPr/>
+        </p:nvPicPr>
+        <p:blipFill>
+          <a:blip r:embed="rId3" cstate="print">
+            <a:extLst>
+              <a:ext uri="{28A0092B-C50C-407E-A947-70E740481C1C}">
+                <a14:useLocalDpi xmlns:a14="http://schemas.microsoft.com/office/drawing/2010/main" val="0"/>
+              </a:ext>
+            </a:extLst>
+          </a:blip>
+          <a:stretch>
+            <a:fillRect/>
+          </a:stretch>
+        </p:blipFill>
+        <p:spPr>
+          <a:xfrm flipH="1">
+            <a:off x="1038993" y="4598257"/>
+            <a:ext cx="1475235" cy="1962916"/>
+          </a:xfrm>
+          <a:prstGeom prst="rect">
+            <a:avLst/>
+          </a:prstGeom>
+        </p:spPr>
+      </p:pic>
+      <p:grpSp>
+        <p:nvGrpSpPr>
+          <p:cNvPr id="25" name="グループ化 24"/>
+          <p:cNvGrpSpPr/>
+          <p:nvPr/>
+        </p:nvGrpSpPr>
+        <p:grpSpPr>
+          <a:xfrm rot="10800000">
+            <a:off x="724667" y="5666196"/>
+            <a:ext cx="933147" cy="644354"/>
+            <a:chOff x="1346421" y="4046615"/>
+            <a:chExt cx="2086025" cy="1735106"/>
+          </a:xfrm>
+        </p:grpSpPr>
+        <p:pic>
+          <p:nvPicPr>
+            <p:cNvPr id="26" name="図 25"/>
+            <p:cNvPicPr>
+              <a:picLocks noChangeAspect="1"/>
+            </p:cNvPicPr>
+            <p:nvPr/>
+          </p:nvPicPr>
+          <p:blipFill>
+            <a:blip r:embed="rId4" cstate="print">
+              <a:extLst>
+                <a:ext uri="{28A0092B-C50C-407E-A947-70E740481C1C}">
+                  <a14:useLocalDpi xmlns:a14="http://schemas.microsoft.com/office/drawing/2010/main" val="0"/>
+                </a:ext>
+              </a:extLst>
+            </a:blip>
+            <a:stretch>
+              <a:fillRect/>
+            </a:stretch>
+          </p:blipFill>
+          <p:spPr>
+            <a:xfrm rot="2781929">
+              <a:off x="1567493" y="3825543"/>
+              <a:ext cx="1643881" cy="2086025"/>
+            </a:xfrm>
+            <a:prstGeom prst="rect">
+              <a:avLst/>
+            </a:prstGeom>
+          </p:spPr>
+        </p:pic>
+        <p:pic>
+          <p:nvPicPr>
+            <p:cNvPr id="27" name="図 26"/>
+            <p:cNvPicPr>
+              <a:picLocks noChangeAspect="1"/>
+            </p:cNvPicPr>
+            <p:nvPr/>
+          </p:nvPicPr>
+          <p:blipFill>
+            <a:blip r:embed="rId5" cstate="print">
+              <a:extLst>
+                <a:ext uri="{28A0092B-C50C-407E-A947-70E740481C1C}">
+                  <a14:useLocalDpi xmlns:a14="http://schemas.microsoft.com/office/drawing/2010/main" val="0"/>
+                </a:ext>
+              </a:extLst>
+            </a:blip>
+            <a:stretch>
+              <a:fillRect/>
+            </a:stretch>
+          </p:blipFill>
+          <p:spPr>
+            <a:xfrm>
+              <a:off x="1578588" y="4454118"/>
+              <a:ext cx="1327603" cy="1327603"/>
+            </a:xfrm>
+            <a:prstGeom prst="rect">
+              <a:avLst/>
+            </a:prstGeom>
+          </p:spPr>
+        </p:pic>
+      </p:grpSp>
+      <p:sp>
+        <p:nvSpPr>
+          <p:cNvPr id="28" name="テキスト ボックス 27"/>
+          <p:cNvSpPr txBox="1"/>
+          <p:nvPr/>
+        </p:nvSpPr>
+        <p:spPr>
+          <a:xfrm>
+            <a:off x="1632873" y="4573287"/>
+            <a:ext cx="697627" cy="246221"/>
+          </a:xfrm>
+          <a:prstGeom prst="rect">
+            <a:avLst/>
+          </a:prstGeom>
+          <a:noFill/>
+        </p:spPr>
+        <p:txBody>
+          <a:bodyPr wrap="none" rtlCol="0">
+            <a:spAutoFit/>
+          </a:bodyPr>
+          <a:lstStyle/>
+          <a:p>
+            <a:r>
+              <a:rPr kumimoji="1" lang="ja-JP" altLang="en-US" sz="1000" dirty="0" smtClean="0"/>
+              <a:t>＼エイ／</a:t>
+            </a:r>
+            <a:endParaRPr kumimoji="1" lang="ja-JP" altLang="en-US" sz="1000" dirty="0"/>
+          </a:p>
+        </p:txBody>
+      </p:sp>
+      <p:sp>
+        <p:nvSpPr>
+          <p:cNvPr id="29" name="右矢印 28"/>
+          <p:cNvSpPr/>
+          <p:nvPr/>
+        </p:nvSpPr>
+        <p:spPr>
+          <a:xfrm>
+            <a:off x="5270001" y="5529417"/>
+            <a:ext cx="978408" cy="484632"/>
+          </a:xfrm>
+          <a:prstGeom prst="rightArrow">
+            <a:avLst/>
+          </a:prstGeom>
+        </p:spPr>
+        <p:style>
+          <a:lnRef idx="2">
+            <a:schemeClr val="accent5">
+              <a:shade val="50000"/>
+            </a:schemeClr>
+          </a:lnRef>
+          <a:fillRef idx="1">
+            <a:schemeClr val="accent5"/>
+          </a:fillRef>
+          <a:effectRef idx="0">
+            <a:schemeClr val="accent5"/>
+          </a:effectRef>
+          <a:fontRef idx="minor">
+            <a:schemeClr val="lt1"/>
+          </a:fontRef>
+        </p:style>
+        <p:txBody>
+          <a:bodyPr rtlCol="0" anchor="ctr"/>
+          <a:lstStyle/>
+          <a:p>
+            <a:pPr algn="ctr"/>
+            <a:endParaRPr kumimoji="1" lang="ja-JP" altLang="en-US"/>
+          </a:p>
+        </p:txBody>
+      </p:sp>
+      <p:sp>
+        <p:nvSpPr>
+          <p:cNvPr id="31" name="テキスト ボックス 30"/>
+          <p:cNvSpPr txBox="1"/>
+          <p:nvPr/>
+        </p:nvSpPr>
+        <p:spPr>
+          <a:xfrm>
+            <a:off x="2966912" y="4546428"/>
+            <a:ext cx="1595309" cy="246221"/>
+          </a:xfrm>
+          <a:prstGeom prst="rect">
+            <a:avLst/>
+          </a:prstGeom>
+          <a:noFill/>
+        </p:spPr>
+        <p:txBody>
+          <a:bodyPr wrap="none" rtlCol="0">
+            <a:spAutoFit/>
+          </a:bodyPr>
+          <a:lstStyle/>
+          <a:p>
+            <a:r>
+              <a:rPr kumimoji="1" lang="ja-JP" altLang="en-US" sz="1000" dirty="0" smtClean="0"/>
+              <a:t>＼痛いけど</a:t>
+            </a:r>
+            <a:r>
+              <a:rPr kumimoji="1" lang="en-US" altLang="ja-JP" sz="1000" dirty="0" smtClean="0"/>
+              <a:t>…</a:t>
+            </a:r>
+            <a:r>
+              <a:rPr kumimoji="1" lang="ja-JP" altLang="en-US" sz="1000" dirty="0" smtClean="0"/>
+              <a:t>耐える</a:t>
+            </a:r>
+            <a:r>
+              <a:rPr kumimoji="1" lang="en-US" altLang="ja-JP" sz="1000" dirty="0" smtClean="0"/>
+              <a:t>‼</a:t>
+            </a:r>
+            <a:r>
+              <a:rPr kumimoji="1" lang="ja-JP" altLang="en-US" sz="1000" dirty="0" smtClean="0"/>
+              <a:t>／</a:t>
+            </a:r>
+            <a:endParaRPr kumimoji="1" lang="ja-JP" altLang="en-US" sz="1000" dirty="0"/>
+          </a:p>
+        </p:txBody>
+      </p:sp>
+      <p:grpSp>
+        <p:nvGrpSpPr>
+          <p:cNvPr id="32" name="グループ化 31"/>
+          <p:cNvGrpSpPr/>
+          <p:nvPr/>
+        </p:nvGrpSpPr>
+        <p:grpSpPr>
+          <a:xfrm rot="10800000">
+            <a:off x="6655720" y="5054438"/>
+            <a:ext cx="1029446" cy="1895404"/>
+            <a:chOff x="1375852" y="2325136"/>
+            <a:chExt cx="2301298" cy="5103917"/>
+          </a:xfrm>
+        </p:grpSpPr>
+        <p:pic>
+          <p:nvPicPr>
+            <p:cNvPr id="33" name="図 32"/>
+            <p:cNvPicPr>
+              <a:picLocks noChangeAspect="1"/>
+            </p:cNvPicPr>
+            <p:nvPr/>
+          </p:nvPicPr>
+          <p:blipFill>
+            <a:blip r:embed="rId4" cstate="print">
+              <a:extLst>
+                <a:ext uri="{28A0092B-C50C-407E-A947-70E740481C1C}">
+                  <a14:useLocalDpi xmlns:a14="http://schemas.microsoft.com/office/drawing/2010/main" val="0"/>
+                </a:ext>
+              </a:extLst>
+            </a:blip>
+            <a:stretch>
+              <a:fillRect/>
+            </a:stretch>
+          </p:blipFill>
+          <p:spPr>
+            <a:xfrm rot="2781929">
+              <a:off x="-25458" y="3726446"/>
+              <a:ext cx="5103917" cy="2301298"/>
+            </a:xfrm>
+            <a:prstGeom prst="rect">
+              <a:avLst/>
+            </a:prstGeom>
+          </p:spPr>
+        </p:pic>
+        <p:pic>
+          <p:nvPicPr>
+            <p:cNvPr id="34" name="図 33"/>
+            <p:cNvPicPr>
+              <a:picLocks noChangeAspect="1"/>
+            </p:cNvPicPr>
+            <p:nvPr/>
+          </p:nvPicPr>
+          <p:blipFill>
+            <a:blip r:embed="rId5" cstate="print">
+              <a:extLst>
+                <a:ext uri="{28A0092B-C50C-407E-A947-70E740481C1C}">
+                  <a14:useLocalDpi xmlns:a14="http://schemas.microsoft.com/office/drawing/2010/main" val="0"/>
+                </a:ext>
+              </a:extLst>
+            </a:blip>
+            <a:stretch>
+              <a:fillRect/>
+            </a:stretch>
+          </p:blipFill>
+          <p:spPr>
+            <a:xfrm>
+              <a:off x="1578588" y="4454118"/>
+              <a:ext cx="1327603" cy="1327603"/>
+            </a:xfrm>
+            <a:prstGeom prst="rect">
+              <a:avLst/>
+            </a:prstGeom>
+          </p:spPr>
+        </p:pic>
+      </p:grpSp>
+      <p:pic>
+        <p:nvPicPr>
+          <p:cNvPr id="8" name="図 7"/>
+          <p:cNvPicPr>
+            <a:picLocks noChangeAspect="1"/>
+          </p:cNvPicPr>
+          <p:nvPr/>
+        </p:nvPicPr>
+        <p:blipFill>
+          <a:blip r:embed="rId6" cstate="print">
+            <a:extLst>
+              <a:ext uri="{28A0092B-C50C-407E-A947-70E740481C1C}">
+                <a14:useLocalDpi xmlns:a14="http://schemas.microsoft.com/office/drawing/2010/main" val="0"/>
+              </a:ext>
+            </a:extLst>
+          </a:blip>
+          <a:stretch>
+            <a:fillRect/>
+          </a:stretch>
+        </p:blipFill>
+        <p:spPr>
+          <a:xfrm>
+            <a:off x="2883525" y="5465436"/>
+            <a:ext cx="392440" cy="392440"/>
+          </a:xfrm>
+          <a:prstGeom prst="rect">
+            <a:avLst/>
+          </a:prstGeom>
+        </p:spPr>
+      </p:pic>
+      <p:pic>
+        <p:nvPicPr>
+          <p:cNvPr id="35" name="図 34"/>
+          <p:cNvPicPr>
+            <a:picLocks noChangeAspect="1"/>
+          </p:cNvPicPr>
+          <p:nvPr/>
+        </p:nvPicPr>
+        <p:blipFill>
+          <a:blip r:embed="rId7" cstate="print">
+            <a:extLst>
+              <a:ext uri="{28A0092B-C50C-407E-A947-70E740481C1C}">
+                <a14:useLocalDpi xmlns:a14="http://schemas.microsoft.com/office/drawing/2010/main" val="0"/>
+              </a:ext>
+            </a:extLst>
+          </a:blip>
+          <a:stretch>
+            <a:fillRect/>
+          </a:stretch>
+        </p:blipFill>
+        <p:spPr>
+          <a:xfrm rot="16200000">
+            <a:off x="9195129" y="4717206"/>
+            <a:ext cx="1475235" cy="1962916"/>
+          </a:xfrm>
+          <a:prstGeom prst="rect">
+            <a:avLst/>
+          </a:prstGeom>
+        </p:spPr>
+      </p:pic>
+      <p:pic>
+        <p:nvPicPr>
+          <p:cNvPr id="36" name="図 35"/>
+          <p:cNvPicPr>
+            <a:picLocks noChangeAspect="1"/>
+          </p:cNvPicPr>
+          <p:nvPr/>
+        </p:nvPicPr>
+        <p:blipFill>
+          <a:blip r:embed="rId8">
+            <a:extLst>
+              <a:ext uri="{28A0092B-C50C-407E-A947-70E740481C1C}">
+                <a14:useLocalDpi xmlns:a14="http://schemas.microsoft.com/office/drawing/2010/main" val="0"/>
+              </a:ext>
+            </a:extLst>
+          </a:blip>
+          <a:stretch>
+            <a:fillRect/>
+          </a:stretch>
+        </p:blipFill>
+        <p:spPr>
+          <a:xfrm>
+            <a:off x="8226512" y="5238677"/>
+            <a:ext cx="920542" cy="920542"/>
+          </a:xfrm>
+          <a:prstGeom prst="rect">
+            <a:avLst/>
+          </a:prstGeom>
+        </p:spPr>
+      </p:pic>
+      <p:pic>
+        <p:nvPicPr>
+          <p:cNvPr id="37" name="図 36"/>
+          <p:cNvPicPr>
+            <a:picLocks noChangeAspect="1"/>
+          </p:cNvPicPr>
+          <p:nvPr/>
+        </p:nvPicPr>
+        <p:blipFill>
+          <a:blip r:embed="rId9" cstate="print">
+            <a:extLst>
+              <a:ext uri="{28A0092B-C50C-407E-A947-70E740481C1C}">
+                <a14:useLocalDpi xmlns:a14="http://schemas.microsoft.com/office/drawing/2010/main" val="0"/>
+              </a:ext>
+            </a:extLst>
+          </a:blip>
+          <a:stretch>
+            <a:fillRect/>
+          </a:stretch>
+        </p:blipFill>
+        <p:spPr>
+          <a:xfrm>
+            <a:off x="9616697" y="4333584"/>
+            <a:ext cx="725625" cy="725625"/>
           </a:xfrm>
           <a:prstGeom prst="rect">
             <a:avLst/>
@@ -8840,7 +11387,7 @@
     </p:spTree>
     <p:extLst>
       <p:ext uri="{BB962C8B-B14F-4D97-AF65-F5344CB8AC3E}">
-        <p14:creationId xmlns:p14="http://schemas.microsoft.com/office/powerpoint/2010/main" val="2848030420"/>
+        <p14:creationId xmlns:p14="http://schemas.microsoft.com/office/powerpoint/2010/main" val="1611893404"/>
       </p:ext>
     </p:extLst>
   </p:cSld>
@@ -8867,6 +11414,885 @@
           <a:chExt cx="0" cy="0"/>
         </a:xfrm>
       </p:grpSpPr>
+      <p:sp>
+        <p:nvSpPr>
+          <p:cNvPr id="2" name="テキスト ボックス 1"/>
+          <p:cNvSpPr txBox="1"/>
+          <p:nvPr/>
+        </p:nvSpPr>
+        <p:spPr>
+          <a:xfrm>
+            <a:off x="304799" y="1200210"/>
+            <a:ext cx="3877985" cy="461665"/>
+          </a:xfrm>
+          <a:prstGeom prst="rect">
+            <a:avLst/>
+          </a:prstGeom>
+          <a:noFill/>
+        </p:spPr>
+        <p:txBody>
+          <a:bodyPr wrap="none" rtlCol="0">
+            <a:spAutoFit/>
+          </a:bodyPr>
+          <a:lstStyle/>
+          <a:p>
+            <a:r>
+              <a:rPr kumimoji="1" lang="ja-JP" altLang="en-US" sz="2400" dirty="0" smtClean="0"/>
+              <a:t>・攻撃</a:t>
+            </a:r>
+            <a:r>
+              <a:rPr kumimoji="1" lang="ja-JP" altLang="en-US" sz="2400" dirty="0" smtClean="0"/>
+              <a:t>速度</a:t>
+            </a:r>
+            <a:r>
+              <a:rPr kumimoji="1" lang="ja-JP" altLang="en-US" sz="2400" dirty="0" smtClean="0"/>
+              <a:t>は</a:t>
+            </a:r>
+            <a:r>
+              <a:rPr kumimoji="1" lang="ja-JP" altLang="en-US" sz="2400" dirty="0"/>
+              <a:t>剣</a:t>
+            </a:r>
+            <a:r>
+              <a:rPr kumimoji="1" lang="ja-JP" altLang="en-US" sz="2400" dirty="0" smtClean="0"/>
+              <a:t>を振る速さ</a:t>
+            </a:r>
+            <a:endParaRPr kumimoji="1" lang="ja-JP" altLang="en-US" sz="2400" dirty="0"/>
+          </a:p>
+        </p:txBody>
+      </p:sp>
+      <p:sp>
+        <p:nvSpPr>
+          <p:cNvPr id="3" name="テキスト ボックス 2"/>
+          <p:cNvSpPr txBox="1"/>
+          <p:nvPr/>
+        </p:nvSpPr>
+        <p:spPr>
+          <a:xfrm>
+            <a:off x="304799" y="285750"/>
+            <a:ext cx="10125075" cy="707886"/>
+          </a:xfrm>
+          <a:prstGeom prst="rect">
+            <a:avLst/>
+          </a:prstGeom>
+          <a:noFill/>
+        </p:spPr>
+        <p:txBody>
+          <a:bodyPr wrap="square" rtlCol="0">
+            <a:spAutoFit/>
+          </a:bodyPr>
+          <a:lstStyle/>
+          <a:p>
+            <a:r>
+              <a:rPr kumimoji="1" lang="ja-JP" altLang="en-US" sz="4000" u="sng" dirty="0" smtClean="0">
+                <a:latin typeface="小塚ゴシック Pro B" panose="020B0800000000000000" pitchFamily="34" charset="-128"/>
+                <a:ea typeface="小塚ゴシック Pro B" panose="020B0800000000000000" pitchFamily="34" charset="-128"/>
+              </a:rPr>
+              <a:t>　</a:t>
+            </a:r>
+            <a:r>
+              <a:rPr kumimoji="1" lang="ja-JP" altLang="en-US" sz="4000" u="sng" dirty="0">
+                <a:latin typeface="小塚ゴシック Pro B" panose="020B0800000000000000" pitchFamily="34" charset="-128"/>
+                <a:ea typeface="小塚ゴシック Pro B" panose="020B0800000000000000" pitchFamily="34" charset="-128"/>
+              </a:rPr>
+              <a:t>システム</a:t>
+            </a:r>
+            <a:endParaRPr kumimoji="1" lang="en-US" altLang="ja-JP" sz="4000" u="sng" dirty="0" smtClean="0">
+              <a:latin typeface="小塚ゴシック Pro B" panose="020B0800000000000000" pitchFamily="34" charset="-128"/>
+              <a:ea typeface="小塚ゴシック Pro B" panose="020B0800000000000000" pitchFamily="34" charset="-128"/>
+            </a:endParaRPr>
+          </a:p>
+        </p:txBody>
+      </p:sp>
+      <p:sp>
+        <p:nvSpPr>
+          <p:cNvPr id="4" name="テキスト ボックス 3"/>
+          <p:cNvSpPr txBox="1"/>
+          <p:nvPr/>
+        </p:nvSpPr>
+        <p:spPr>
+          <a:xfrm>
+            <a:off x="304799" y="1895034"/>
+            <a:ext cx="5724644" cy="461665"/>
+          </a:xfrm>
+          <a:prstGeom prst="rect">
+            <a:avLst/>
+          </a:prstGeom>
+          <a:noFill/>
+        </p:spPr>
+        <p:txBody>
+          <a:bodyPr wrap="none" rtlCol="0">
+            <a:spAutoFit/>
+          </a:bodyPr>
+          <a:lstStyle/>
+          <a:p>
+            <a:r>
+              <a:rPr kumimoji="1" lang="ja-JP" altLang="en-US" sz="2400" dirty="0" smtClean="0"/>
+              <a:t>・幅が狭くなるほど攻撃速度は速くなる</a:t>
+            </a:r>
+            <a:endParaRPr kumimoji="1" lang="en-US" altLang="ja-JP" sz="2400" dirty="0" smtClean="0"/>
+          </a:p>
+        </p:txBody>
+      </p:sp>
+      <p:pic>
+        <p:nvPicPr>
+          <p:cNvPr id="5" name="図 4"/>
+          <p:cNvPicPr>
+            <a:picLocks noChangeAspect="1"/>
+          </p:cNvPicPr>
+          <p:nvPr/>
+        </p:nvPicPr>
+        <p:blipFill>
+          <a:blip r:embed="rId2" cstate="print">
+            <a:extLst>
+              <a:ext uri="{28A0092B-C50C-407E-A947-70E740481C1C}">
+                <a14:useLocalDpi xmlns:a14="http://schemas.microsoft.com/office/drawing/2010/main" val="0"/>
+              </a:ext>
+            </a:extLst>
+          </a:blip>
+          <a:stretch>
+            <a:fillRect/>
+          </a:stretch>
+        </p:blipFill>
+        <p:spPr>
+          <a:xfrm flipH="1">
+            <a:off x="1302042" y="2764185"/>
+            <a:ext cx="1475235" cy="1962916"/>
+          </a:xfrm>
+          <a:prstGeom prst="rect">
+            <a:avLst/>
+          </a:prstGeom>
+        </p:spPr>
+      </p:pic>
+      <p:sp>
+        <p:nvSpPr>
+          <p:cNvPr id="6" name="テキスト ボックス 5"/>
+          <p:cNvSpPr txBox="1"/>
+          <p:nvPr/>
+        </p:nvSpPr>
+        <p:spPr>
+          <a:xfrm>
+            <a:off x="1694929" y="2739637"/>
+            <a:ext cx="1082348" cy="246221"/>
+          </a:xfrm>
+          <a:prstGeom prst="rect">
+            <a:avLst/>
+          </a:prstGeom>
+          <a:noFill/>
+        </p:spPr>
+        <p:txBody>
+          <a:bodyPr wrap="none" rtlCol="0">
+            <a:spAutoFit/>
+          </a:bodyPr>
+          <a:lstStyle/>
+          <a:p>
+            <a:r>
+              <a:rPr kumimoji="1" lang="ja-JP" altLang="en-US" sz="1000" dirty="0" smtClean="0"/>
+              <a:t>＼</a:t>
+            </a:r>
+            <a:r>
+              <a:rPr kumimoji="1" lang="ja-JP" altLang="en-US" sz="1000" dirty="0" smtClean="0"/>
+              <a:t>どっこい</a:t>
+            </a:r>
+            <a:r>
+              <a:rPr kumimoji="1" lang="en-US" altLang="ja-JP" sz="1000" dirty="0" smtClean="0"/>
+              <a:t>…</a:t>
+            </a:r>
+            <a:r>
+              <a:rPr kumimoji="1" lang="ja-JP" altLang="en-US" sz="1000" dirty="0" smtClean="0"/>
+              <a:t>／</a:t>
+            </a:r>
+            <a:endParaRPr kumimoji="1" lang="ja-JP" altLang="en-US" sz="1000" dirty="0"/>
+          </a:p>
+        </p:txBody>
+      </p:sp>
+      <p:grpSp>
+        <p:nvGrpSpPr>
+          <p:cNvPr id="7" name="グループ化 6"/>
+          <p:cNvGrpSpPr/>
+          <p:nvPr/>
+        </p:nvGrpSpPr>
+        <p:grpSpPr>
+          <a:xfrm rot="784387">
+            <a:off x="2437127" y="2207443"/>
+            <a:ext cx="1029446" cy="1895404"/>
+            <a:chOff x="1375852" y="2325136"/>
+            <a:chExt cx="2301298" cy="5103917"/>
+          </a:xfrm>
+        </p:grpSpPr>
+        <p:pic>
+          <p:nvPicPr>
+            <p:cNvPr id="8" name="図 7"/>
+            <p:cNvPicPr>
+              <a:picLocks noChangeAspect="1"/>
+            </p:cNvPicPr>
+            <p:nvPr/>
+          </p:nvPicPr>
+          <p:blipFill>
+            <a:blip r:embed="rId3" cstate="print">
+              <a:extLst>
+                <a:ext uri="{28A0092B-C50C-407E-A947-70E740481C1C}">
+                  <a14:useLocalDpi xmlns:a14="http://schemas.microsoft.com/office/drawing/2010/main" val="0"/>
+                </a:ext>
+              </a:extLst>
+            </a:blip>
+            <a:stretch>
+              <a:fillRect/>
+            </a:stretch>
+          </p:blipFill>
+          <p:spPr>
+            <a:xfrm rot="2781929">
+              <a:off x="-25458" y="3726446"/>
+              <a:ext cx="5103917" cy="2301298"/>
+            </a:xfrm>
+            <a:prstGeom prst="rect">
+              <a:avLst/>
+            </a:prstGeom>
+          </p:spPr>
+        </p:pic>
+        <p:pic>
+          <p:nvPicPr>
+            <p:cNvPr id="9" name="図 8"/>
+            <p:cNvPicPr>
+              <a:picLocks noChangeAspect="1"/>
+            </p:cNvPicPr>
+            <p:nvPr/>
+          </p:nvPicPr>
+          <p:blipFill>
+            <a:blip r:embed="rId4" cstate="print">
+              <a:extLst>
+                <a:ext uri="{28A0092B-C50C-407E-A947-70E740481C1C}">
+                  <a14:useLocalDpi xmlns:a14="http://schemas.microsoft.com/office/drawing/2010/main" val="0"/>
+                </a:ext>
+              </a:extLst>
+            </a:blip>
+            <a:stretch>
+              <a:fillRect/>
+            </a:stretch>
+          </p:blipFill>
+          <p:spPr>
+            <a:xfrm>
+              <a:off x="1578588" y="4454118"/>
+              <a:ext cx="1327603" cy="1327603"/>
+            </a:xfrm>
+            <a:prstGeom prst="rect">
+              <a:avLst/>
+            </a:prstGeom>
+          </p:spPr>
+        </p:pic>
+      </p:grpSp>
+      <p:pic>
+        <p:nvPicPr>
+          <p:cNvPr id="11" name="図 10"/>
+          <p:cNvPicPr>
+            <a:picLocks noChangeAspect="1"/>
+          </p:cNvPicPr>
+          <p:nvPr/>
+        </p:nvPicPr>
+        <p:blipFill>
+          <a:blip r:embed="rId2" cstate="print">
+            <a:extLst>
+              <a:ext uri="{28A0092B-C50C-407E-A947-70E740481C1C}">
+                <a14:useLocalDpi xmlns:a14="http://schemas.microsoft.com/office/drawing/2010/main" val="0"/>
+              </a:ext>
+            </a:extLst>
+          </a:blip>
+          <a:stretch>
+            <a:fillRect/>
+          </a:stretch>
+        </p:blipFill>
+        <p:spPr>
+          <a:xfrm flipH="1">
+            <a:off x="8659114" y="2881585"/>
+            <a:ext cx="1475235" cy="1962916"/>
+          </a:xfrm>
+          <a:prstGeom prst="rect">
+            <a:avLst/>
+          </a:prstGeom>
+        </p:spPr>
+      </p:pic>
+      <p:grpSp>
+        <p:nvGrpSpPr>
+          <p:cNvPr id="12" name="グループ化 11"/>
+          <p:cNvGrpSpPr/>
+          <p:nvPr/>
+        </p:nvGrpSpPr>
+        <p:grpSpPr>
+          <a:xfrm rot="10800000">
+            <a:off x="8281818" y="3322229"/>
+            <a:ext cx="1029446" cy="1895404"/>
+            <a:chOff x="1375852" y="2325136"/>
+            <a:chExt cx="2301298" cy="5103917"/>
+          </a:xfrm>
+        </p:grpSpPr>
+        <p:pic>
+          <p:nvPicPr>
+            <p:cNvPr id="13" name="図 12"/>
+            <p:cNvPicPr>
+              <a:picLocks noChangeAspect="1"/>
+            </p:cNvPicPr>
+            <p:nvPr/>
+          </p:nvPicPr>
+          <p:blipFill>
+            <a:blip r:embed="rId3" cstate="print">
+              <a:extLst>
+                <a:ext uri="{28A0092B-C50C-407E-A947-70E740481C1C}">
+                  <a14:useLocalDpi xmlns:a14="http://schemas.microsoft.com/office/drawing/2010/main" val="0"/>
+                </a:ext>
+              </a:extLst>
+            </a:blip>
+            <a:stretch>
+              <a:fillRect/>
+            </a:stretch>
+          </p:blipFill>
+          <p:spPr>
+            <a:xfrm rot="2781929">
+              <a:off x="-25458" y="3726446"/>
+              <a:ext cx="5103917" cy="2301298"/>
+            </a:xfrm>
+            <a:prstGeom prst="rect">
+              <a:avLst/>
+            </a:prstGeom>
+          </p:spPr>
+        </p:pic>
+        <p:pic>
+          <p:nvPicPr>
+            <p:cNvPr id="14" name="図 13"/>
+            <p:cNvPicPr>
+              <a:picLocks noChangeAspect="1"/>
+            </p:cNvPicPr>
+            <p:nvPr/>
+          </p:nvPicPr>
+          <p:blipFill>
+            <a:blip r:embed="rId4" cstate="print">
+              <a:extLst>
+                <a:ext uri="{28A0092B-C50C-407E-A947-70E740481C1C}">
+                  <a14:useLocalDpi xmlns:a14="http://schemas.microsoft.com/office/drawing/2010/main" val="0"/>
+                </a:ext>
+              </a:extLst>
+            </a:blip>
+            <a:stretch>
+              <a:fillRect/>
+            </a:stretch>
+          </p:blipFill>
+          <p:spPr>
+            <a:xfrm>
+              <a:off x="1578588" y="4454118"/>
+              <a:ext cx="1327603" cy="1327603"/>
+            </a:xfrm>
+            <a:prstGeom prst="rect">
+              <a:avLst/>
+            </a:prstGeom>
+          </p:spPr>
+        </p:pic>
+      </p:grpSp>
+      <p:pic>
+        <p:nvPicPr>
+          <p:cNvPr id="19" name="図 18"/>
+          <p:cNvPicPr>
+            <a:picLocks noChangeAspect="1"/>
+          </p:cNvPicPr>
+          <p:nvPr/>
+        </p:nvPicPr>
+        <p:blipFill>
+          <a:blip r:embed="rId5" cstate="print">
+            <a:extLst>
+              <a:ext uri="{28A0092B-C50C-407E-A947-70E740481C1C}">
+                <a14:useLocalDpi xmlns:a14="http://schemas.microsoft.com/office/drawing/2010/main" val="0"/>
+              </a:ext>
+            </a:extLst>
+          </a:blip>
+          <a:stretch>
+            <a:fillRect/>
+          </a:stretch>
+        </p:blipFill>
+        <p:spPr>
+          <a:xfrm>
+            <a:off x="3388047" y="3218975"/>
+            <a:ext cx="505036" cy="505036"/>
+          </a:xfrm>
+          <a:prstGeom prst="rect">
+            <a:avLst/>
+          </a:prstGeom>
+        </p:spPr>
+      </p:pic>
+      <p:sp>
+        <p:nvSpPr>
+          <p:cNvPr id="20" name="テキスト ボックス 19"/>
+          <p:cNvSpPr txBox="1"/>
+          <p:nvPr/>
+        </p:nvSpPr>
+        <p:spPr>
+          <a:xfrm>
+            <a:off x="3893083" y="3286827"/>
+            <a:ext cx="1338828" cy="369332"/>
+          </a:xfrm>
+          <a:prstGeom prst="rect">
+            <a:avLst/>
+          </a:prstGeom>
+          <a:noFill/>
+        </p:spPr>
+        <p:txBody>
+          <a:bodyPr wrap="none" rtlCol="0">
+            <a:spAutoFit/>
+          </a:bodyPr>
+          <a:lstStyle/>
+          <a:p>
+            <a:r>
+              <a:rPr kumimoji="1" lang="ja-JP" altLang="en-US" dirty="0" smtClean="0">
+                <a:latin typeface="+mn-ea"/>
+              </a:rPr>
+              <a:t>振りが遅い</a:t>
+            </a:r>
+            <a:endParaRPr kumimoji="1" lang="ja-JP" altLang="en-US" dirty="0">
+              <a:latin typeface="+mn-ea"/>
+            </a:endParaRPr>
+          </a:p>
+        </p:txBody>
+      </p:sp>
+      <p:sp>
+        <p:nvSpPr>
+          <p:cNvPr id="21" name="右矢印 20"/>
+          <p:cNvSpPr/>
+          <p:nvPr/>
+        </p:nvSpPr>
+        <p:spPr>
+          <a:xfrm>
+            <a:off x="3742431" y="3785299"/>
+            <a:ext cx="4431012" cy="484632"/>
+          </a:xfrm>
+          <a:prstGeom prst="rightArrow">
+            <a:avLst/>
+          </a:prstGeom>
+        </p:spPr>
+        <p:style>
+          <a:lnRef idx="2">
+            <a:schemeClr val="accent1">
+              <a:shade val="50000"/>
+            </a:schemeClr>
+          </a:lnRef>
+          <a:fillRef idx="1">
+            <a:schemeClr val="accent1"/>
+          </a:fillRef>
+          <a:effectRef idx="0">
+            <a:schemeClr val="accent1"/>
+          </a:effectRef>
+          <a:fontRef idx="minor">
+            <a:schemeClr val="lt1"/>
+          </a:fontRef>
+        </p:style>
+        <p:txBody>
+          <a:bodyPr rtlCol="0" anchor="ctr"/>
+          <a:lstStyle/>
+          <a:p>
+            <a:pPr algn="ctr"/>
+            <a:endParaRPr kumimoji="1" lang="ja-JP" altLang="en-US"/>
+          </a:p>
+        </p:txBody>
+      </p:sp>
+      <p:sp>
+        <p:nvSpPr>
+          <p:cNvPr id="22" name="テキスト ボックス 21"/>
+          <p:cNvSpPr txBox="1"/>
+          <p:nvPr/>
+        </p:nvSpPr>
+        <p:spPr>
+          <a:xfrm>
+            <a:off x="9182002" y="2806841"/>
+            <a:ext cx="825867" cy="246221"/>
+          </a:xfrm>
+          <a:prstGeom prst="rect">
+            <a:avLst/>
+          </a:prstGeom>
+          <a:noFill/>
+        </p:spPr>
+        <p:txBody>
+          <a:bodyPr wrap="none" rtlCol="0">
+            <a:spAutoFit/>
+          </a:bodyPr>
+          <a:lstStyle/>
+          <a:p>
+            <a:r>
+              <a:rPr kumimoji="1" lang="ja-JP" altLang="en-US" sz="1000" dirty="0" smtClean="0"/>
+              <a:t>＼しょっ／</a:t>
+            </a:r>
+            <a:endParaRPr kumimoji="1" lang="ja-JP" altLang="en-US" sz="1000" dirty="0"/>
+          </a:p>
+        </p:txBody>
+      </p:sp>
+      <p:pic>
+        <p:nvPicPr>
+          <p:cNvPr id="23" name="図 22"/>
+          <p:cNvPicPr>
+            <a:picLocks noChangeAspect="1"/>
+          </p:cNvPicPr>
+          <p:nvPr/>
+        </p:nvPicPr>
+        <p:blipFill>
+          <a:blip r:embed="rId2" cstate="print">
+            <a:extLst>
+              <a:ext uri="{28A0092B-C50C-407E-A947-70E740481C1C}">
+                <a14:useLocalDpi xmlns:a14="http://schemas.microsoft.com/office/drawing/2010/main" val="0"/>
+              </a:ext>
+            </a:extLst>
+          </a:blip>
+          <a:stretch>
+            <a:fillRect/>
+          </a:stretch>
+        </p:blipFill>
+        <p:spPr>
+          <a:xfrm flipH="1">
+            <a:off x="1209320" y="4672912"/>
+            <a:ext cx="1475235" cy="1962916"/>
+          </a:xfrm>
+          <a:prstGeom prst="rect">
+            <a:avLst/>
+          </a:prstGeom>
+        </p:spPr>
+      </p:pic>
+      <p:sp>
+        <p:nvSpPr>
+          <p:cNvPr id="24" name="テキスト ボックス 23"/>
+          <p:cNvSpPr txBox="1"/>
+          <p:nvPr/>
+        </p:nvSpPr>
+        <p:spPr>
+          <a:xfrm>
+            <a:off x="1602207" y="4648364"/>
+            <a:ext cx="825867" cy="246221"/>
+          </a:xfrm>
+          <a:prstGeom prst="rect">
+            <a:avLst/>
+          </a:prstGeom>
+          <a:noFill/>
+        </p:spPr>
+        <p:txBody>
+          <a:bodyPr wrap="none" rtlCol="0">
+            <a:spAutoFit/>
+          </a:bodyPr>
+          <a:lstStyle/>
+          <a:p>
+            <a:r>
+              <a:rPr kumimoji="1" lang="ja-JP" altLang="en-US" sz="1000" dirty="0" smtClean="0"/>
+              <a:t>＼せいっ／</a:t>
+            </a:r>
+            <a:endParaRPr kumimoji="1" lang="ja-JP" altLang="en-US" sz="1000" dirty="0"/>
+          </a:p>
+        </p:txBody>
+      </p:sp>
+      <p:pic>
+        <p:nvPicPr>
+          <p:cNvPr id="25" name="図 24"/>
+          <p:cNvPicPr>
+            <a:picLocks noChangeAspect="1"/>
+          </p:cNvPicPr>
+          <p:nvPr/>
+        </p:nvPicPr>
+        <p:blipFill>
+          <a:blip r:embed="rId2" cstate="print">
+            <a:extLst>
+              <a:ext uri="{28A0092B-C50C-407E-A947-70E740481C1C}">
+                <a14:useLocalDpi xmlns:a14="http://schemas.microsoft.com/office/drawing/2010/main" val="0"/>
+              </a:ext>
+            </a:extLst>
+          </a:blip>
+          <a:stretch>
+            <a:fillRect/>
+          </a:stretch>
+        </p:blipFill>
+        <p:spPr>
+          <a:xfrm flipH="1">
+            <a:off x="5366727" y="4741594"/>
+            <a:ext cx="1475235" cy="1962916"/>
+          </a:xfrm>
+          <a:prstGeom prst="rect">
+            <a:avLst/>
+          </a:prstGeom>
+        </p:spPr>
+      </p:pic>
+      <p:pic>
+        <p:nvPicPr>
+          <p:cNvPr id="29" name="図 28"/>
+          <p:cNvPicPr>
+            <a:picLocks noChangeAspect="1"/>
+          </p:cNvPicPr>
+          <p:nvPr/>
+        </p:nvPicPr>
+        <p:blipFill>
+          <a:blip r:embed="rId5" cstate="print">
+            <a:extLst>
+              <a:ext uri="{28A0092B-C50C-407E-A947-70E740481C1C}">
+                <a14:useLocalDpi xmlns:a14="http://schemas.microsoft.com/office/drawing/2010/main" val="0"/>
+              </a:ext>
+            </a:extLst>
+          </a:blip>
+          <a:stretch>
+            <a:fillRect/>
+          </a:stretch>
+        </p:blipFill>
+        <p:spPr>
+          <a:xfrm>
+            <a:off x="3295325" y="5127702"/>
+            <a:ext cx="505036" cy="505036"/>
+          </a:xfrm>
+          <a:prstGeom prst="rect">
+            <a:avLst/>
+          </a:prstGeom>
+        </p:spPr>
+      </p:pic>
+      <p:sp>
+        <p:nvSpPr>
+          <p:cNvPr id="30" name="テキスト ボックス 29"/>
+          <p:cNvSpPr txBox="1"/>
+          <p:nvPr/>
+        </p:nvSpPr>
+        <p:spPr>
+          <a:xfrm>
+            <a:off x="3800361" y="5195554"/>
+            <a:ext cx="1338828" cy="369332"/>
+          </a:xfrm>
+          <a:prstGeom prst="rect">
+            <a:avLst/>
+          </a:prstGeom>
+          <a:noFill/>
+        </p:spPr>
+        <p:txBody>
+          <a:bodyPr wrap="none" rtlCol="0">
+            <a:spAutoFit/>
+          </a:bodyPr>
+          <a:lstStyle/>
+          <a:p>
+            <a:r>
+              <a:rPr kumimoji="1" lang="ja-JP" altLang="en-US" dirty="0" smtClean="0">
+                <a:latin typeface="+mn-ea"/>
+              </a:rPr>
+              <a:t>振りが速い</a:t>
+            </a:r>
+            <a:endParaRPr kumimoji="1" lang="ja-JP" altLang="en-US" dirty="0">
+              <a:latin typeface="+mn-ea"/>
+            </a:endParaRPr>
+          </a:p>
+        </p:txBody>
+      </p:sp>
+      <p:sp>
+        <p:nvSpPr>
+          <p:cNvPr id="31" name="右矢印 30"/>
+          <p:cNvSpPr/>
+          <p:nvPr/>
+        </p:nvSpPr>
+        <p:spPr>
+          <a:xfrm>
+            <a:off x="3649710" y="5694026"/>
+            <a:ext cx="1489480" cy="484632"/>
+          </a:xfrm>
+          <a:prstGeom prst="rightArrow">
+            <a:avLst/>
+          </a:prstGeom>
+        </p:spPr>
+        <p:style>
+          <a:lnRef idx="2">
+            <a:schemeClr val="accent1">
+              <a:shade val="50000"/>
+            </a:schemeClr>
+          </a:lnRef>
+          <a:fillRef idx="1">
+            <a:schemeClr val="accent1"/>
+          </a:fillRef>
+          <a:effectRef idx="0">
+            <a:schemeClr val="accent1"/>
+          </a:effectRef>
+          <a:fontRef idx="minor">
+            <a:schemeClr val="lt1"/>
+          </a:fontRef>
+        </p:style>
+        <p:txBody>
+          <a:bodyPr rtlCol="0" anchor="ctr"/>
+          <a:lstStyle/>
+          <a:p>
+            <a:pPr algn="ctr"/>
+            <a:endParaRPr kumimoji="1" lang="ja-JP" altLang="en-US"/>
+          </a:p>
+        </p:txBody>
+      </p:sp>
+      <p:sp>
+        <p:nvSpPr>
+          <p:cNvPr id="32" name="テキスト ボックス 31"/>
+          <p:cNvSpPr txBox="1"/>
+          <p:nvPr/>
+        </p:nvSpPr>
+        <p:spPr>
+          <a:xfrm>
+            <a:off x="5889615" y="4666850"/>
+            <a:ext cx="697627" cy="246221"/>
+          </a:xfrm>
+          <a:prstGeom prst="rect">
+            <a:avLst/>
+          </a:prstGeom>
+          <a:noFill/>
+        </p:spPr>
+        <p:txBody>
+          <a:bodyPr wrap="none" rtlCol="0">
+            <a:spAutoFit/>
+          </a:bodyPr>
+          <a:lstStyle/>
+          <a:p>
+            <a:r>
+              <a:rPr kumimoji="1" lang="ja-JP" altLang="en-US" sz="1000" dirty="0" smtClean="0"/>
+              <a:t>＼はっ／</a:t>
+            </a:r>
+            <a:endParaRPr kumimoji="1" lang="ja-JP" altLang="en-US" sz="1000" dirty="0"/>
+          </a:p>
+        </p:txBody>
+      </p:sp>
+      <p:grpSp>
+        <p:nvGrpSpPr>
+          <p:cNvPr id="33" name="グループ化 32"/>
+          <p:cNvGrpSpPr/>
+          <p:nvPr/>
+        </p:nvGrpSpPr>
+        <p:grpSpPr>
+          <a:xfrm rot="678531">
+            <a:off x="2384767" y="4760981"/>
+            <a:ext cx="933147" cy="644354"/>
+            <a:chOff x="1346421" y="4046615"/>
+            <a:chExt cx="2086025" cy="1735106"/>
+          </a:xfrm>
+        </p:grpSpPr>
+        <p:pic>
+          <p:nvPicPr>
+            <p:cNvPr id="34" name="図 33"/>
+            <p:cNvPicPr>
+              <a:picLocks noChangeAspect="1"/>
+            </p:cNvPicPr>
+            <p:nvPr/>
+          </p:nvPicPr>
+          <p:blipFill>
+            <a:blip r:embed="rId3" cstate="print">
+              <a:extLst>
+                <a:ext uri="{28A0092B-C50C-407E-A947-70E740481C1C}">
+                  <a14:useLocalDpi xmlns:a14="http://schemas.microsoft.com/office/drawing/2010/main" val="0"/>
+                </a:ext>
+              </a:extLst>
+            </a:blip>
+            <a:stretch>
+              <a:fillRect/>
+            </a:stretch>
+          </p:blipFill>
+          <p:spPr>
+            <a:xfrm rot="2781929">
+              <a:off x="1567493" y="3825543"/>
+              <a:ext cx="1643881" cy="2086025"/>
+            </a:xfrm>
+            <a:prstGeom prst="rect">
+              <a:avLst/>
+            </a:prstGeom>
+          </p:spPr>
+        </p:pic>
+        <p:pic>
+          <p:nvPicPr>
+            <p:cNvPr id="35" name="図 34"/>
+            <p:cNvPicPr>
+              <a:picLocks noChangeAspect="1"/>
+            </p:cNvPicPr>
+            <p:nvPr/>
+          </p:nvPicPr>
+          <p:blipFill>
+            <a:blip r:embed="rId4" cstate="print">
+              <a:extLst>
+                <a:ext uri="{28A0092B-C50C-407E-A947-70E740481C1C}">
+                  <a14:useLocalDpi xmlns:a14="http://schemas.microsoft.com/office/drawing/2010/main" val="0"/>
+                </a:ext>
+              </a:extLst>
+            </a:blip>
+            <a:stretch>
+              <a:fillRect/>
+            </a:stretch>
+          </p:blipFill>
+          <p:spPr>
+            <a:xfrm>
+              <a:off x="1578588" y="4454118"/>
+              <a:ext cx="1327603" cy="1327603"/>
+            </a:xfrm>
+            <a:prstGeom prst="rect">
+              <a:avLst/>
+            </a:prstGeom>
+          </p:spPr>
+        </p:pic>
+      </p:grpSp>
+      <p:grpSp>
+        <p:nvGrpSpPr>
+          <p:cNvPr id="36" name="グループ化 35"/>
+          <p:cNvGrpSpPr/>
+          <p:nvPr/>
+        </p:nvGrpSpPr>
+        <p:grpSpPr>
+          <a:xfrm rot="11580574">
+            <a:off x="5110647" y="5701208"/>
+            <a:ext cx="933147" cy="644354"/>
+            <a:chOff x="1346421" y="4046615"/>
+            <a:chExt cx="2086025" cy="1735106"/>
+          </a:xfrm>
+        </p:grpSpPr>
+        <p:pic>
+          <p:nvPicPr>
+            <p:cNvPr id="37" name="図 36"/>
+            <p:cNvPicPr>
+              <a:picLocks noChangeAspect="1"/>
+            </p:cNvPicPr>
+            <p:nvPr/>
+          </p:nvPicPr>
+          <p:blipFill>
+            <a:blip r:embed="rId3" cstate="print">
+              <a:extLst>
+                <a:ext uri="{28A0092B-C50C-407E-A947-70E740481C1C}">
+                  <a14:useLocalDpi xmlns:a14="http://schemas.microsoft.com/office/drawing/2010/main" val="0"/>
+                </a:ext>
+              </a:extLst>
+            </a:blip>
+            <a:stretch>
+              <a:fillRect/>
+            </a:stretch>
+          </p:blipFill>
+          <p:spPr>
+            <a:xfrm rot="2781929">
+              <a:off x="1567493" y="3825543"/>
+              <a:ext cx="1643881" cy="2086025"/>
+            </a:xfrm>
+            <a:prstGeom prst="rect">
+              <a:avLst/>
+            </a:prstGeom>
+          </p:spPr>
+        </p:pic>
+        <p:pic>
+          <p:nvPicPr>
+            <p:cNvPr id="38" name="図 37"/>
+            <p:cNvPicPr>
+              <a:picLocks noChangeAspect="1"/>
+            </p:cNvPicPr>
+            <p:nvPr/>
+          </p:nvPicPr>
+          <p:blipFill>
+            <a:blip r:embed="rId4" cstate="print">
+              <a:extLst>
+                <a:ext uri="{28A0092B-C50C-407E-A947-70E740481C1C}">
+                  <a14:useLocalDpi xmlns:a14="http://schemas.microsoft.com/office/drawing/2010/main" val="0"/>
+                </a:ext>
+              </a:extLst>
+            </a:blip>
+            <a:stretch>
+              <a:fillRect/>
+            </a:stretch>
+          </p:blipFill>
+          <p:spPr>
+            <a:xfrm>
+              <a:off x="1578588" y="4454118"/>
+              <a:ext cx="1327603" cy="1327603"/>
+            </a:xfrm>
+            <a:prstGeom prst="rect">
+              <a:avLst/>
+            </a:prstGeom>
+          </p:spPr>
+        </p:pic>
+      </p:grpSp>
     </p:spTree>
     <p:extLst>
       <p:ext uri="{BB962C8B-B14F-4D97-AF65-F5344CB8AC3E}">

--- a/企画書.pptx
+++ b/企画書.pptx
@@ -322,7 +322,7 @@
           <a:p>
             <a:fld id="{FA3992D2-0107-4EEA-8C14-7D0839A79863}" type="datetimeFigureOut">
               <a:rPr kumimoji="1" lang="ja-JP" altLang="en-US" smtClean="0"/>
-              <a:t>2020/10/8</a:t>
+              <a:t>2020/10/16</a:t>
             </a:fld>
             <a:endParaRPr kumimoji="1" lang="ja-JP" altLang="en-US"/>
           </a:p>
@@ -758,7 +758,7 @@
           <a:p>
             <a:fld id="{FA3992D2-0107-4EEA-8C14-7D0839A79863}" type="datetimeFigureOut">
               <a:rPr kumimoji="1" lang="ja-JP" altLang="en-US" smtClean="0"/>
-              <a:t>2020/10/8</a:t>
+              <a:t>2020/10/16</a:t>
             </a:fld>
             <a:endParaRPr kumimoji="1" lang="ja-JP" altLang="en-US"/>
           </a:p>
@@ -1008,7 +1008,7 @@
           <a:p>
             <a:fld id="{FA3992D2-0107-4EEA-8C14-7D0839A79863}" type="datetimeFigureOut">
               <a:rPr kumimoji="1" lang="ja-JP" altLang="en-US" smtClean="0"/>
-              <a:t>2020/10/8</a:t>
+              <a:t>2020/10/16</a:t>
             </a:fld>
             <a:endParaRPr kumimoji="1" lang="ja-JP" altLang="en-US"/>
           </a:p>
@@ -1316,7 +1316,7 @@
           <a:p>
             <a:fld id="{FA3992D2-0107-4EEA-8C14-7D0839A79863}" type="datetimeFigureOut">
               <a:rPr kumimoji="1" lang="ja-JP" altLang="en-US" smtClean="0"/>
-              <a:t>2020/10/8</a:t>
+              <a:t>2020/10/16</a:t>
             </a:fld>
             <a:endParaRPr kumimoji="1" lang="ja-JP" altLang="en-US"/>
           </a:p>
@@ -1634,7 +1634,7 @@
           <a:p>
             <a:fld id="{FA3992D2-0107-4EEA-8C14-7D0839A79863}" type="datetimeFigureOut">
               <a:rPr kumimoji="1" lang="ja-JP" altLang="en-US" smtClean="0"/>
-              <a:t>2020/10/8</a:t>
+              <a:t>2020/10/16</a:t>
             </a:fld>
             <a:endParaRPr kumimoji="1" lang="ja-JP" altLang="en-US"/>
           </a:p>
@@ -1936,7 +1936,7 @@
           <a:p>
             <a:fld id="{FA3992D2-0107-4EEA-8C14-7D0839A79863}" type="datetimeFigureOut">
               <a:rPr kumimoji="1" lang="ja-JP" altLang="en-US" smtClean="0"/>
-              <a:t>2020/10/8</a:t>
+              <a:t>2020/10/16</a:t>
             </a:fld>
             <a:endParaRPr kumimoji="1" lang="ja-JP" altLang="en-US"/>
           </a:p>
@@ -2303,7 +2303,7 @@
           <a:p>
             <a:fld id="{FA3992D2-0107-4EEA-8C14-7D0839A79863}" type="datetimeFigureOut">
               <a:rPr kumimoji="1" lang="ja-JP" altLang="en-US" smtClean="0"/>
-              <a:t>2020/10/8</a:t>
+              <a:t>2020/10/16</a:t>
             </a:fld>
             <a:endParaRPr kumimoji="1" lang="ja-JP" altLang="en-US"/>
           </a:p>
@@ -2509,7 +2509,7 @@
           <a:p>
             <a:fld id="{FA3992D2-0107-4EEA-8C14-7D0839A79863}" type="datetimeFigureOut">
               <a:rPr kumimoji="1" lang="ja-JP" altLang="en-US" smtClean="0"/>
-              <a:t>2020/10/8</a:t>
+              <a:t>2020/10/16</a:t>
             </a:fld>
             <a:endParaRPr kumimoji="1" lang="ja-JP" altLang="en-US"/>
           </a:p>
@@ -2721,7 +2721,7 @@
           <a:p>
             <a:fld id="{FA3992D2-0107-4EEA-8C14-7D0839A79863}" type="datetimeFigureOut">
               <a:rPr kumimoji="1" lang="ja-JP" altLang="en-US" smtClean="0"/>
-              <a:t>2020/10/8</a:t>
+              <a:t>2020/10/16</a:t>
             </a:fld>
             <a:endParaRPr kumimoji="1" lang="ja-JP" altLang="en-US"/>
           </a:p>
@@ -2923,7 +2923,7 @@
           <a:p>
             <a:fld id="{FA3992D2-0107-4EEA-8C14-7D0839A79863}" type="datetimeFigureOut">
               <a:rPr kumimoji="1" lang="ja-JP" altLang="en-US" smtClean="0"/>
-              <a:t>2020/10/8</a:t>
+              <a:t>2020/10/16</a:t>
             </a:fld>
             <a:endParaRPr kumimoji="1" lang="ja-JP" altLang="en-US"/>
           </a:p>
@@ -3173,7 +3173,7 @@
           <a:p>
             <a:fld id="{FA3992D2-0107-4EEA-8C14-7D0839A79863}" type="datetimeFigureOut">
               <a:rPr kumimoji="1" lang="ja-JP" altLang="en-US" smtClean="0"/>
-              <a:t>2020/10/8</a:t>
+              <a:t>2020/10/16</a:t>
             </a:fld>
             <a:endParaRPr kumimoji="1" lang="ja-JP" altLang="en-US"/>
           </a:p>
@@ -3473,7 +3473,7 @@
           <a:p>
             <a:fld id="{FA3992D2-0107-4EEA-8C14-7D0839A79863}" type="datetimeFigureOut">
               <a:rPr kumimoji="1" lang="ja-JP" altLang="en-US" smtClean="0"/>
-              <a:t>2020/10/8</a:t>
+              <a:t>2020/10/16</a:t>
             </a:fld>
             <a:endParaRPr kumimoji="1" lang="ja-JP" altLang="en-US"/>
           </a:p>
@@ -3919,7 +3919,7 @@
           <a:p>
             <a:fld id="{FA3992D2-0107-4EEA-8C14-7D0839A79863}" type="datetimeFigureOut">
               <a:rPr kumimoji="1" lang="ja-JP" altLang="en-US" smtClean="0"/>
-              <a:t>2020/10/8</a:t>
+              <a:t>2020/10/16</a:t>
             </a:fld>
             <a:endParaRPr kumimoji="1" lang="ja-JP" altLang="en-US"/>
           </a:p>
@@ -4037,7 +4037,7 @@
           <a:p>
             <a:fld id="{FA3992D2-0107-4EEA-8C14-7D0839A79863}" type="datetimeFigureOut">
               <a:rPr kumimoji="1" lang="ja-JP" altLang="en-US" smtClean="0"/>
-              <a:t>2020/10/8</a:t>
+              <a:t>2020/10/16</a:t>
             </a:fld>
             <a:endParaRPr kumimoji="1" lang="ja-JP" altLang="en-US"/>
           </a:p>
@@ -4132,7 +4132,7 @@
           <a:p>
             <a:fld id="{FA3992D2-0107-4EEA-8C14-7D0839A79863}" type="datetimeFigureOut">
               <a:rPr kumimoji="1" lang="ja-JP" altLang="en-US" smtClean="0"/>
-              <a:t>2020/10/8</a:t>
+              <a:t>2020/10/16</a:t>
             </a:fld>
             <a:endParaRPr kumimoji="1" lang="ja-JP" altLang="en-US"/>
           </a:p>
@@ -4419,7 +4419,7 @@
           <a:p>
             <a:fld id="{FA3992D2-0107-4EEA-8C14-7D0839A79863}" type="datetimeFigureOut">
               <a:rPr kumimoji="1" lang="ja-JP" altLang="en-US" smtClean="0"/>
-              <a:t>2020/10/8</a:t>
+              <a:t>2020/10/16</a:t>
             </a:fld>
             <a:endParaRPr kumimoji="1" lang="ja-JP" altLang="en-US"/>
           </a:p>
@@ -4702,7 +4702,7 @@
           <a:p>
             <a:fld id="{FA3992D2-0107-4EEA-8C14-7D0839A79863}" type="datetimeFigureOut">
               <a:rPr kumimoji="1" lang="ja-JP" altLang="en-US" smtClean="0"/>
-              <a:t>2020/10/8</a:t>
+              <a:t>2020/10/16</a:t>
             </a:fld>
             <a:endParaRPr kumimoji="1" lang="ja-JP" altLang="en-US"/>
           </a:p>
@@ -5140,7 +5140,7 @@
           <a:p>
             <a:fld id="{FA3992D2-0107-4EEA-8C14-7D0839A79863}" type="datetimeFigureOut">
               <a:rPr kumimoji="1" lang="ja-JP" altLang="en-US" smtClean="0"/>
-              <a:t>2020/10/8</a:t>
+              <a:t>2020/10/16</a:t>
             </a:fld>
             <a:endParaRPr kumimoji="1" lang="ja-JP" altLang="en-US"/>
           </a:p>
@@ -6480,19 +6480,281 @@
                 <a:latin typeface="小塚ゴシック Pro B" panose="020B0800000000000000" pitchFamily="34" charset="-128"/>
                 <a:ea typeface="小塚ゴシック Pro B" panose="020B0800000000000000" pitchFamily="34" charset="-128"/>
               </a:rPr>
-              <a:t>操作</a:t>
+              <a:t>各種</a:t>
             </a:r>
             <a:r>
               <a:rPr kumimoji="1" lang="ja-JP" altLang="en-US" sz="4000" u="sng" dirty="0">
                 <a:latin typeface="小塚ゴシック Pro B" panose="020B0800000000000000" pitchFamily="34" charset="-128"/>
                 <a:ea typeface="小塚ゴシック Pro B" panose="020B0800000000000000" pitchFamily="34" charset="-128"/>
               </a:rPr>
-              <a:t>イメージ</a:t>
+              <a:t>アクション</a:t>
             </a:r>
             <a:endParaRPr kumimoji="1" lang="en-US" altLang="ja-JP" sz="4000" u="sng" dirty="0" smtClean="0">
               <a:latin typeface="小塚ゴシック Pro B" panose="020B0800000000000000" pitchFamily="34" charset="-128"/>
               <a:ea typeface="小塚ゴシック Pro B" panose="020B0800000000000000" pitchFamily="34" charset="-128"/>
             </a:endParaRPr>
+          </a:p>
+        </p:txBody>
+      </p:sp>
+      <p:sp>
+        <p:nvSpPr>
+          <p:cNvPr id="3" name="テキスト ボックス 2"/>
+          <p:cNvSpPr txBox="1"/>
+          <p:nvPr/>
+        </p:nvSpPr>
+        <p:spPr>
+          <a:xfrm>
+            <a:off x="466967" y="1143977"/>
+            <a:ext cx="1569660" cy="646331"/>
+          </a:xfrm>
+          <a:prstGeom prst="rect">
+            <a:avLst/>
+          </a:prstGeom>
+          <a:noFill/>
+        </p:spPr>
+        <p:txBody>
+          <a:bodyPr wrap="none" rtlCol="0">
+            <a:spAutoFit/>
+          </a:bodyPr>
+          <a:lstStyle/>
+          <a:p>
+            <a:r>
+              <a:rPr kumimoji="1" lang="ja-JP" altLang="en-US" sz="3600" b="1" dirty="0" smtClean="0"/>
+              <a:t>移動系</a:t>
+            </a:r>
+            <a:endParaRPr kumimoji="1" lang="ja-JP" altLang="en-US" sz="3600" b="1" dirty="0"/>
+          </a:p>
+        </p:txBody>
+      </p:sp>
+      <p:sp>
+        <p:nvSpPr>
+          <p:cNvPr id="4" name="テキスト ボックス 3"/>
+          <p:cNvSpPr txBox="1"/>
+          <p:nvPr/>
+        </p:nvSpPr>
+        <p:spPr>
+          <a:xfrm>
+            <a:off x="474905" y="1834978"/>
+            <a:ext cx="8356775" cy="461665"/>
+          </a:xfrm>
+          <a:prstGeom prst="rect">
+            <a:avLst/>
+          </a:prstGeom>
+          <a:noFill/>
+        </p:spPr>
+        <p:txBody>
+          <a:bodyPr wrap="none" rtlCol="0">
+            <a:spAutoFit/>
+          </a:bodyPr>
+          <a:lstStyle/>
+          <a:p>
+            <a:r>
+              <a:rPr kumimoji="1" lang="ja-JP" altLang="en-US" sz="2400" dirty="0" smtClean="0"/>
+              <a:t>・基本動作：歩き（左右）とジャンプ（上下）の平面移動</a:t>
+            </a:r>
+            <a:endParaRPr kumimoji="1" lang="ja-JP" altLang="en-US" sz="2400" dirty="0"/>
+          </a:p>
+        </p:txBody>
+      </p:sp>
+      <p:pic>
+        <p:nvPicPr>
+          <p:cNvPr id="5" name="図 4"/>
+          <p:cNvPicPr>
+            <a:picLocks noChangeAspect="1"/>
+          </p:cNvPicPr>
+          <p:nvPr/>
+        </p:nvPicPr>
+        <p:blipFill>
+          <a:blip r:embed="rId2" cstate="print">
+            <a:extLst>
+              <a:ext uri="{28A0092B-C50C-407E-A947-70E740481C1C}">
+                <a14:useLocalDpi xmlns:a14="http://schemas.microsoft.com/office/drawing/2010/main" val="0"/>
+              </a:ext>
+            </a:extLst>
+          </a:blip>
+          <a:stretch>
+            <a:fillRect/>
+          </a:stretch>
+        </p:blipFill>
+        <p:spPr>
+          <a:xfrm>
+            <a:off x="5006689" y="3533424"/>
+            <a:ext cx="1475235" cy="1962916"/>
+          </a:xfrm>
+          <a:prstGeom prst="rect">
+            <a:avLst/>
+          </a:prstGeom>
+        </p:spPr>
+      </p:pic>
+      <p:sp>
+        <p:nvSpPr>
+          <p:cNvPr id="6" name="右矢印 5"/>
+          <p:cNvSpPr/>
+          <p:nvPr/>
+        </p:nvSpPr>
+        <p:spPr>
+          <a:xfrm>
+            <a:off x="6875586" y="4272566"/>
+            <a:ext cx="978408" cy="484632"/>
+          </a:xfrm>
+          <a:prstGeom prst="rightArrow">
+            <a:avLst/>
+          </a:prstGeom>
+          <a:solidFill>
+            <a:srgbClr val="FFFF00"/>
+          </a:solidFill>
+        </p:spPr>
+        <p:style>
+          <a:lnRef idx="2">
+            <a:schemeClr val="accent1">
+              <a:shade val="50000"/>
+            </a:schemeClr>
+          </a:lnRef>
+          <a:fillRef idx="1">
+            <a:schemeClr val="accent1"/>
+          </a:fillRef>
+          <a:effectRef idx="0">
+            <a:schemeClr val="accent1"/>
+          </a:effectRef>
+          <a:fontRef idx="minor">
+            <a:schemeClr val="lt1"/>
+          </a:fontRef>
+        </p:style>
+        <p:txBody>
+          <a:bodyPr rtlCol="0" anchor="ctr"/>
+          <a:lstStyle/>
+          <a:p>
+            <a:pPr algn="ctr"/>
+            <a:endParaRPr kumimoji="1" lang="ja-JP" altLang="en-US"/>
+          </a:p>
+        </p:txBody>
+      </p:sp>
+      <p:sp>
+        <p:nvSpPr>
+          <p:cNvPr id="7" name="右矢印 6"/>
+          <p:cNvSpPr/>
+          <p:nvPr/>
+        </p:nvSpPr>
+        <p:spPr>
+          <a:xfrm flipH="1">
+            <a:off x="3634619" y="4272566"/>
+            <a:ext cx="978408" cy="484632"/>
+          </a:xfrm>
+          <a:prstGeom prst="rightArrow">
+            <a:avLst/>
+          </a:prstGeom>
+          <a:solidFill>
+            <a:srgbClr val="FFFF00"/>
+          </a:solidFill>
+        </p:spPr>
+        <p:style>
+          <a:lnRef idx="2">
+            <a:schemeClr val="accent1">
+              <a:shade val="50000"/>
+            </a:schemeClr>
+          </a:lnRef>
+          <a:fillRef idx="1">
+            <a:schemeClr val="accent1"/>
+          </a:fillRef>
+          <a:effectRef idx="0">
+            <a:schemeClr val="accent1"/>
+          </a:effectRef>
+          <a:fontRef idx="minor">
+            <a:schemeClr val="lt1"/>
+          </a:fontRef>
+        </p:style>
+        <p:txBody>
+          <a:bodyPr rtlCol="0" anchor="ctr"/>
+          <a:lstStyle/>
+          <a:p>
+            <a:pPr algn="ctr"/>
+            <a:endParaRPr kumimoji="1" lang="ja-JP" altLang="en-US"/>
+          </a:p>
+        </p:txBody>
+      </p:sp>
+      <p:sp>
+        <p:nvSpPr>
+          <p:cNvPr id="8" name="右矢印 7"/>
+          <p:cNvSpPr/>
+          <p:nvPr/>
+        </p:nvSpPr>
+        <p:spPr>
+          <a:xfrm rot="16200000">
+            <a:off x="5120448" y="2801904"/>
+            <a:ext cx="978408" cy="484632"/>
+          </a:xfrm>
+          <a:prstGeom prst="rightArrow">
+            <a:avLst/>
+          </a:prstGeom>
+          <a:solidFill>
+            <a:srgbClr val="FFFF00"/>
+          </a:solidFill>
+        </p:spPr>
+        <p:style>
+          <a:lnRef idx="2">
+            <a:schemeClr val="accent1">
+              <a:shade val="50000"/>
+            </a:schemeClr>
+          </a:lnRef>
+          <a:fillRef idx="1">
+            <a:schemeClr val="accent1"/>
+          </a:fillRef>
+          <a:effectRef idx="0">
+            <a:schemeClr val="accent1"/>
+          </a:effectRef>
+          <a:fontRef idx="minor">
+            <a:schemeClr val="lt1"/>
+          </a:fontRef>
+        </p:style>
+        <p:txBody>
+          <a:bodyPr rtlCol="0" anchor="ctr"/>
+          <a:lstStyle/>
+          <a:p>
+            <a:pPr algn="ctr"/>
+            <a:endParaRPr kumimoji="1" lang="ja-JP" altLang="en-US"/>
+          </a:p>
+        </p:txBody>
+      </p:sp>
+      <p:sp>
+        <p:nvSpPr>
+          <p:cNvPr id="9" name="右矢印 8"/>
+          <p:cNvSpPr/>
+          <p:nvPr/>
+        </p:nvSpPr>
+        <p:spPr>
+          <a:xfrm rot="5400000" flipV="1">
+            <a:off x="5120448" y="5743229"/>
+            <a:ext cx="978408" cy="484632"/>
+          </a:xfrm>
+          <a:prstGeom prst="rightArrow">
+            <a:avLst/>
+          </a:prstGeom>
+          <a:solidFill>
+            <a:srgbClr val="FFFF00"/>
+          </a:solidFill>
+        </p:spPr>
+        <p:style>
+          <a:lnRef idx="2">
+            <a:schemeClr val="accent1">
+              <a:shade val="50000"/>
+            </a:schemeClr>
+          </a:lnRef>
+          <a:fillRef idx="1">
+            <a:schemeClr val="accent1"/>
+          </a:fillRef>
+          <a:effectRef idx="0">
+            <a:schemeClr val="accent1"/>
+          </a:effectRef>
+          <a:fontRef idx="minor">
+            <a:schemeClr val="lt1"/>
+          </a:fontRef>
+        </p:style>
+        <p:txBody>
+          <a:bodyPr rtlCol="0" anchor="ctr"/>
+          <a:lstStyle/>
+          <a:p>
+            <a:pPr algn="ctr"/>
+            <a:endParaRPr kumimoji="1" lang="ja-JP" altLang="en-US"/>
           </a:p>
         </p:txBody>
       </p:sp>
@@ -6528,7 +6790,7 @@
       </p:grpSpPr>
       <p:sp>
         <p:nvSpPr>
-          <p:cNvPr id="2" name="テキスト ボックス 1"/>
+          <p:cNvPr id="5" name="テキスト ボックス 4"/>
           <p:cNvSpPr txBox="1"/>
           <p:nvPr/>
         </p:nvSpPr>
@@ -6556,16 +6818,367 @@
               <a:t>　</a:t>
             </a:r>
             <a:r>
+              <a:rPr kumimoji="1" lang="ja-JP" altLang="en-US" sz="4000" u="sng" dirty="0" smtClean="0">
+                <a:latin typeface="小塚ゴシック Pro B" panose="020B0800000000000000" pitchFamily="34" charset="-128"/>
+                <a:ea typeface="小塚ゴシック Pro B" panose="020B0800000000000000" pitchFamily="34" charset="-128"/>
+              </a:rPr>
+              <a:t>各種</a:t>
+            </a:r>
+            <a:r>
               <a:rPr kumimoji="1" lang="ja-JP" altLang="en-US" sz="4000" u="sng" dirty="0">
                 <a:latin typeface="小塚ゴシック Pro B" panose="020B0800000000000000" pitchFamily="34" charset="-128"/>
                 <a:ea typeface="小塚ゴシック Pro B" panose="020B0800000000000000" pitchFamily="34" charset="-128"/>
               </a:rPr>
-              <a:t>システム</a:t>
+              <a:t>アクション</a:t>
             </a:r>
             <a:endParaRPr kumimoji="1" lang="en-US" altLang="ja-JP" sz="4000" u="sng" dirty="0" smtClean="0">
               <a:latin typeface="小塚ゴシック Pro B" panose="020B0800000000000000" pitchFamily="34" charset="-128"/>
               <a:ea typeface="小塚ゴシック Pro B" panose="020B0800000000000000" pitchFamily="34" charset="-128"/>
             </a:endParaRPr>
+          </a:p>
+        </p:txBody>
+      </p:sp>
+      <p:sp>
+        <p:nvSpPr>
+          <p:cNvPr id="6" name="テキスト ボックス 5"/>
+          <p:cNvSpPr txBox="1"/>
+          <p:nvPr/>
+        </p:nvSpPr>
+        <p:spPr>
+          <a:xfrm>
+            <a:off x="466967" y="1143977"/>
+            <a:ext cx="1569660" cy="646331"/>
+          </a:xfrm>
+          <a:prstGeom prst="rect">
+            <a:avLst/>
+          </a:prstGeom>
+          <a:noFill/>
+        </p:spPr>
+        <p:txBody>
+          <a:bodyPr wrap="none" rtlCol="0">
+            <a:spAutoFit/>
+          </a:bodyPr>
+          <a:lstStyle/>
+          <a:p>
+            <a:r>
+              <a:rPr kumimoji="1" lang="ja-JP" altLang="en-US" sz="3600" b="1" dirty="0" smtClean="0"/>
+              <a:t>移動系</a:t>
+            </a:r>
+            <a:endParaRPr kumimoji="1" lang="ja-JP" altLang="en-US" sz="3600" b="1" dirty="0"/>
+          </a:p>
+        </p:txBody>
+      </p:sp>
+      <p:sp>
+        <p:nvSpPr>
+          <p:cNvPr id="7" name="テキスト ボックス 6"/>
+          <p:cNvSpPr txBox="1"/>
+          <p:nvPr/>
+        </p:nvSpPr>
+        <p:spPr>
+          <a:xfrm>
+            <a:off x="466967" y="1861355"/>
+            <a:ext cx="8802410" cy="830997"/>
+          </a:xfrm>
+          <a:prstGeom prst="rect">
+            <a:avLst/>
+          </a:prstGeom>
+          <a:noFill/>
+        </p:spPr>
+        <p:txBody>
+          <a:bodyPr wrap="none" rtlCol="0">
+            <a:spAutoFit/>
+          </a:bodyPr>
+          <a:lstStyle/>
+          <a:p>
+            <a:r>
+              <a:rPr kumimoji="1" lang="ja-JP" altLang="en-US" sz="2400" dirty="0" smtClean="0"/>
+              <a:t>・ジャンプ：空中にいる際、左右入力方向に多少移動ができる</a:t>
+            </a:r>
+            <a:endParaRPr kumimoji="1" lang="en-US" altLang="ja-JP" sz="2400" dirty="0" smtClean="0"/>
+          </a:p>
+          <a:p>
+            <a:r>
+              <a:rPr kumimoji="1" lang="ja-JP" altLang="en-US" sz="2400" dirty="0"/>
+              <a:t>　</a:t>
+            </a:r>
+            <a:r>
+              <a:rPr kumimoji="1" lang="ja-JP" altLang="en-US" sz="2400" dirty="0" smtClean="0"/>
+              <a:t>また下入力で落下速度を上げられる</a:t>
+            </a:r>
+            <a:endParaRPr kumimoji="1" lang="ja-JP" altLang="en-US" sz="2400" dirty="0"/>
+          </a:p>
+        </p:txBody>
+      </p:sp>
+      <p:pic>
+        <p:nvPicPr>
+          <p:cNvPr id="8" name="図 7"/>
+          <p:cNvPicPr>
+            <a:picLocks noChangeAspect="1"/>
+          </p:cNvPicPr>
+          <p:nvPr/>
+        </p:nvPicPr>
+        <p:blipFill>
+          <a:blip r:embed="rId2" cstate="print">
+            <a:extLst>
+              <a:ext uri="{28A0092B-C50C-407E-A947-70E740481C1C}">
+                <a14:useLocalDpi xmlns:a14="http://schemas.microsoft.com/office/drawing/2010/main" val="0"/>
+              </a:ext>
+            </a:extLst>
+          </a:blip>
+          <a:stretch>
+            <a:fillRect/>
+          </a:stretch>
+        </p:blipFill>
+        <p:spPr>
+          <a:xfrm>
+            <a:off x="4857220" y="3859328"/>
+            <a:ext cx="1475235" cy="1962916"/>
+          </a:xfrm>
+          <a:prstGeom prst="rect">
+            <a:avLst/>
+          </a:prstGeom>
+        </p:spPr>
+      </p:pic>
+      <p:sp>
+        <p:nvSpPr>
+          <p:cNvPr id="9" name="右矢印 8"/>
+          <p:cNvSpPr/>
+          <p:nvPr/>
+        </p:nvSpPr>
+        <p:spPr>
+          <a:xfrm>
+            <a:off x="6743701" y="4545128"/>
+            <a:ext cx="457199" cy="484632"/>
+          </a:xfrm>
+          <a:prstGeom prst="rightArrow">
+            <a:avLst/>
+          </a:prstGeom>
+          <a:solidFill>
+            <a:srgbClr val="FFFF00"/>
+          </a:solidFill>
+        </p:spPr>
+        <p:style>
+          <a:lnRef idx="2">
+            <a:schemeClr val="accent1">
+              <a:shade val="50000"/>
+            </a:schemeClr>
+          </a:lnRef>
+          <a:fillRef idx="1">
+            <a:schemeClr val="accent1"/>
+          </a:fillRef>
+          <a:effectRef idx="0">
+            <a:schemeClr val="accent1"/>
+          </a:effectRef>
+          <a:fontRef idx="minor">
+            <a:schemeClr val="lt1"/>
+          </a:fontRef>
+        </p:style>
+        <p:txBody>
+          <a:bodyPr rtlCol="0" anchor="ctr"/>
+          <a:lstStyle/>
+          <a:p>
+            <a:pPr algn="ctr"/>
+            <a:endParaRPr kumimoji="1" lang="ja-JP" altLang="en-US"/>
+          </a:p>
+        </p:txBody>
+      </p:sp>
+      <p:sp>
+        <p:nvSpPr>
+          <p:cNvPr id="10" name="右矢印 9"/>
+          <p:cNvSpPr/>
+          <p:nvPr/>
+        </p:nvSpPr>
+        <p:spPr>
+          <a:xfrm flipH="1">
+            <a:off x="3982914" y="4545128"/>
+            <a:ext cx="498227" cy="484632"/>
+          </a:xfrm>
+          <a:prstGeom prst="rightArrow">
+            <a:avLst/>
+          </a:prstGeom>
+          <a:solidFill>
+            <a:srgbClr val="FFFF00"/>
+          </a:solidFill>
+        </p:spPr>
+        <p:style>
+          <a:lnRef idx="2">
+            <a:schemeClr val="accent1">
+              <a:shade val="50000"/>
+            </a:schemeClr>
+          </a:lnRef>
+          <a:fillRef idx="1">
+            <a:schemeClr val="accent1"/>
+          </a:fillRef>
+          <a:effectRef idx="0">
+            <a:schemeClr val="accent1"/>
+          </a:effectRef>
+          <a:fontRef idx="minor">
+            <a:schemeClr val="lt1"/>
+          </a:fontRef>
+        </p:style>
+        <p:txBody>
+          <a:bodyPr rtlCol="0" anchor="ctr"/>
+          <a:lstStyle/>
+          <a:p>
+            <a:pPr algn="ctr"/>
+            <a:endParaRPr kumimoji="1" lang="ja-JP" altLang="en-US"/>
+          </a:p>
+        </p:txBody>
+      </p:sp>
+      <p:cxnSp>
+        <p:nvCxnSpPr>
+          <p:cNvPr id="12" name="直線矢印コネクタ 11"/>
+          <p:cNvCxnSpPr/>
+          <p:nvPr/>
+        </p:nvCxnSpPr>
+        <p:spPr>
+          <a:xfrm flipH="1">
+            <a:off x="5089849" y="3103685"/>
+            <a:ext cx="18481" cy="755643"/>
+          </a:xfrm>
+          <a:prstGeom prst="straightConnector1">
+            <a:avLst/>
+          </a:prstGeom>
+          <a:ln w="57150">
+            <a:solidFill>
+              <a:schemeClr val="bg1">
+                <a:alpha val="60000"/>
+              </a:schemeClr>
+            </a:solidFill>
+            <a:tailEnd type="triangle"/>
+          </a:ln>
+        </p:spPr>
+        <p:style>
+          <a:lnRef idx="1">
+            <a:schemeClr val="accent1"/>
+          </a:lnRef>
+          <a:fillRef idx="0">
+            <a:schemeClr val="accent1"/>
+          </a:fillRef>
+          <a:effectRef idx="0">
+            <a:schemeClr val="accent1"/>
+          </a:effectRef>
+          <a:fontRef idx="minor">
+            <a:schemeClr val="tx1"/>
+          </a:fontRef>
+        </p:style>
+      </p:cxnSp>
+      <p:cxnSp>
+        <p:nvCxnSpPr>
+          <p:cNvPr id="16" name="直線矢印コネクタ 15"/>
+          <p:cNvCxnSpPr/>
+          <p:nvPr/>
+        </p:nvCxnSpPr>
+        <p:spPr>
+          <a:xfrm flipH="1">
+            <a:off x="5489629" y="3103684"/>
+            <a:ext cx="18481" cy="755643"/>
+          </a:xfrm>
+          <a:prstGeom prst="straightConnector1">
+            <a:avLst/>
+          </a:prstGeom>
+          <a:ln w="57150">
+            <a:solidFill>
+              <a:schemeClr val="bg1">
+                <a:alpha val="60000"/>
+              </a:schemeClr>
+            </a:solidFill>
+            <a:tailEnd type="triangle"/>
+          </a:ln>
+        </p:spPr>
+        <p:style>
+          <a:lnRef idx="1">
+            <a:schemeClr val="accent1"/>
+          </a:lnRef>
+          <a:fillRef idx="0">
+            <a:schemeClr val="accent1"/>
+          </a:fillRef>
+          <a:effectRef idx="0">
+            <a:schemeClr val="accent1"/>
+          </a:effectRef>
+          <a:fontRef idx="minor">
+            <a:schemeClr val="tx1"/>
+          </a:fontRef>
+        </p:style>
+      </p:cxnSp>
+      <p:cxnSp>
+        <p:nvCxnSpPr>
+          <p:cNvPr id="17" name="直線矢印コネクタ 16"/>
+          <p:cNvCxnSpPr/>
+          <p:nvPr/>
+        </p:nvCxnSpPr>
+        <p:spPr>
+          <a:xfrm flipH="1">
+            <a:off x="5935704" y="3103684"/>
+            <a:ext cx="18481" cy="755643"/>
+          </a:xfrm>
+          <a:prstGeom prst="straightConnector1">
+            <a:avLst/>
+          </a:prstGeom>
+          <a:ln w="57150">
+            <a:solidFill>
+              <a:schemeClr val="bg1">
+                <a:alpha val="60000"/>
+              </a:schemeClr>
+            </a:solidFill>
+            <a:tailEnd type="triangle"/>
+          </a:ln>
+        </p:spPr>
+        <p:style>
+          <a:lnRef idx="1">
+            <a:schemeClr val="accent1"/>
+          </a:lnRef>
+          <a:fillRef idx="0">
+            <a:schemeClr val="accent1"/>
+          </a:fillRef>
+          <a:effectRef idx="0">
+            <a:schemeClr val="accent1"/>
+          </a:effectRef>
+          <a:fontRef idx="minor">
+            <a:schemeClr val="tx1"/>
+          </a:fontRef>
+        </p:style>
+      </p:cxnSp>
+      <p:sp>
+        <p:nvSpPr>
+          <p:cNvPr id="18" name="右矢印 17"/>
+          <p:cNvSpPr/>
+          <p:nvPr/>
+        </p:nvSpPr>
+        <p:spPr>
+          <a:xfrm rot="5400000">
+            <a:off x="5366237" y="5723922"/>
+            <a:ext cx="457199" cy="484632"/>
+          </a:xfrm>
+          <a:prstGeom prst="rightArrow">
+            <a:avLst/>
+          </a:prstGeom>
+          <a:solidFill>
+            <a:srgbClr val="FFFF00"/>
+          </a:solidFill>
+        </p:spPr>
+        <p:style>
+          <a:lnRef idx="2">
+            <a:schemeClr val="accent1">
+              <a:shade val="50000"/>
+            </a:schemeClr>
+          </a:lnRef>
+          <a:fillRef idx="1">
+            <a:schemeClr val="accent1"/>
+          </a:fillRef>
+          <a:effectRef idx="0">
+            <a:schemeClr val="accent1"/>
+          </a:effectRef>
+          <a:fontRef idx="minor">
+            <a:schemeClr val="lt1"/>
+          </a:fontRef>
+        </p:style>
+        <p:txBody>
+          <a:bodyPr rtlCol="0" anchor="ctr"/>
+          <a:lstStyle/>
+          <a:p>
+            <a:pPr algn="ctr"/>
+            <a:endParaRPr kumimoji="1" lang="ja-JP" altLang="en-US"/>
           </a:p>
         </p:txBody>
       </p:sp>
@@ -6601,7 +7214,7 @@
       </p:grpSpPr>
       <p:sp>
         <p:nvSpPr>
-          <p:cNvPr id="2" name="テキスト ボックス 1"/>
+          <p:cNvPr id="3" name="テキスト ボックス 2"/>
           <p:cNvSpPr txBox="1"/>
           <p:nvPr/>
         </p:nvSpPr>
@@ -6629,16 +7242,325 @@
               <a:t>　</a:t>
             </a:r>
             <a:r>
+              <a:rPr kumimoji="1" lang="ja-JP" altLang="en-US" sz="4000" u="sng" dirty="0" smtClean="0">
+                <a:latin typeface="小塚ゴシック Pro B" panose="020B0800000000000000" pitchFamily="34" charset="-128"/>
+                <a:ea typeface="小塚ゴシック Pro B" panose="020B0800000000000000" pitchFamily="34" charset="-128"/>
+              </a:rPr>
+              <a:t>各種</a:t>
+            </a:r>
+            <a:r>
               <a:rPr kumimoji="1" lang="ja-JP" altLang="en-US" sz="4000" u="sng" dirty="0">
                 <a:latin typeface="小塚ゴシック Pro B" panose="020B0800000000000000" pitchFamily="34" charset="-128"/>
                 <a:ea typeface="小塚ゴシック Pro B" panose="020B0800000000000000" pitchFamily="34" charset="-128"/>
               </a:rPr>
-              <a:t>システム</a:t>
+              <a:t>アクション</a:t>
             </a:r>
             <a:endParaRPr kumimoji="1" lang="en-US" altLang="ja-JP" sz="4000" u="sng" dirty="0" smtClean="0">
               <a:latin typeface="小塚ゴシック Pro B" panose="020B0800000000000000" pitchFamily="34" charset="-128"/>
               <a:ea typeface="小塚ゴシック Pro B" panose="020B0800000000000000" pitchFamily="34" charset="-128"/>
             </a:endParaRPr>
+          </a:p>
+        </p:txBody>
+      </p:sp>
+      <p:sp>
+        <p:nvSpPr>
+          <p:cNvPr id="4" name="テキスト ボックス 3"/>
+          <p:cNvSpPr txBox="1"/>
+          <p:nvPr/>
+        </p:nvSpPr>
+        <p:spPr>
+          <a:xfrm>
+            <a:off x="466967" y="1143977"/>
+            <a:ext cx="1569660" cy="646331"/>
+          </a:xfrm>
+          <a:prstGeom prst="rect">
+            <a:avLst/>
+          </a:prstGeom>
+          <a:noFill/>
+        </p:spPr>
+        <p:txBody>
+          <a:bodyPr wrap="none" rtlCol="0">
+            <a:spAutoFit/>
+          </a:bodyPr>
+          <a:lstStyle/>
+          <a:p>
+            <a:r>
+              <a:rPr kumimoji="1" lang="ja-JP" altLang="en-US" sz="3600" b="1" dirty="0" smtClean="0"/>
+              <a:t>移動系</a:t>
+            </a:r>
+            <a:endParaRPr kumimoji="1" lang="ja-JP" altLang="en-US" sz="3600" b="1" dirty="0"/>
+          </a:p>
+        </p:txBody>
+      </p:sp>
+      <p:sp>
+        <p:nvSpPr>
+          <p:cNvPr id="5" name="テキスト ボックス 4"/>
+          <p:cNvSpPr txBox="1"/>
+          <p:nvPr/>
+        </p:nvSpPr>
+        <p:spPr>
+          <a:xfrm>
+            <a:off x="466967" y="1861355"/>
+            <a:ext cx="10341293" cy="461665"/>
+          </a:xfrm>
+          <a:prstGeom prst="rect">
+            <a:avLst/>
+          </a:prstGeom>
+          <a:noFill/>
+        </p:spPr>
+        <p:txBody>
+          <a:bodyPr wrap="none" rtlCol="0">
+            <a:spAutoFit/>
+          </a:bodyPr>
+          <a:lstStyle/>
+          <a:p>
+            <a:r>
+              <a:rPr kumimoji="1" lang="ja-JP" altLang="en-US" sz="2400" dirty="0" smtClean="0"/>
+              <a:t>・ステップ：瞬間的な横加速、回避行動や短距離の素早い移動として使用</a:t>
+            </a:r>
+            <a:endParaRPr kumimoji="1" lang="ja-JP" altLang="en-US" sz="2400" dirty="0"/>
+          </a:p>
+        </p:txBody>
+      </p:sp>
+      <p:pic>
+        <p:nvPicPr>
+          <p:cNvPr id="6" name="図 5"/>
+          <p:cNvPicPr>
+            <a:picLocks noChangeAspect="1"/>
+          </p:cNvPicPr>
+          <p:nvPr/>
+        </p:nvPicPr>
+        <p:blipFill>
+          <a:blip r:embed="rId2" cstate="print">
+            <a:extLst>
+              <a:ext uri="{BEBA8EAE-BF5A-486C-A8C5-ECC9F3942E4B}">
+                <a14:imgProps xmlns:a14="http://schemas.microsoft.com/office/drawing/2010/main">
+                  <a14:imgLayer r:embed="rId3">
+                    <a14:imgEffect>
+                      <a14:artisticPaintStrokes/>
+                    </a14:imgEffect>
+                  </a14:imgLayer>
+                </a14:imgProps>
+              </a:ext>
+              <a:ext uri="{28A0092B-C50C-407E-A947-70E740481C1C}">
+                <a14:useLocalDpi xmlns:a14="http://schemas.microsoft.com/office/drawing/2010/main" val="0"/>
+              </a:ext>
+            </a:extLst>
+          </a:blip>
+          <a:stretch>
+            <a:fillRect/>
+          </a:stretch>
+        </p:blipFill>
+        <p:spPr>
+          <a:xfrm rot="19963461">
+            <a:off x="6797139" y="3273806"/>
+            <a:ext cx="1475235" cy="1962916"/>
+          </a:xfrm>
+          <a:prstGeom prst="rect">
+            <a:avLst/>
+          </a:prstGeom>
+          <a:effectLst>
+            <a:glow>
+              <a:schemeClr val="accent1">
+                <a:alpha val="54000"/>
+              </a:schemeClr>
+            </a:glow>
+            <a:softEdge rad="0"/>
+          </a:effectLst>
+        </p:spPr>
+      </p:pic>
+      <p:pic>
+        <p:nvPicPr>
+          <p:cNvPr id="7" name="図 6"/>
+          <p:cNvPicPr>
+            <a:picLocks noChangeAspect="1"/>
+          </p:cNvPicPr>
+          <p:nvPr/>
+        </p:nvPicPr>
+        <p:blipFill>
+          <a:blip r:embed="rId4" cstate="print">
+            <a:extLst>
+              <a:ext uri="{28A0092B-C50C-407E-A947-70E740481C1C}">
+                <a14:useLocalDpi xmlns:a14="http://schemas.microsoft.com/office/drawing/2010/main" val="0"/>
+              </a:ext>
+            </a:extLst>
+          </a:blip>
+          <a:stretch>
+            <a:fillRect/>
+          </a:stretch>
+        </p:blipFill>
+        <p:spPr>
+          <a:xfrm rot="19963461">
+            <a:off x="2745269" y="3303138"/>
+            <a:ext cx="1475235" cy="1962916"/>
+          </a:xfrm>
+          <a:prstGeom prst="rect">
+            <a:avLst/>
+          </a:prstGeom>
+          <a:effectLst>
+            <a:glow>
+              <a:schemeClr val="accent1">
+                <a:alpha val="54000"/>
+              </a:schemeClr>
+            </a:glow>
+            <a:softEdge rad="0"/>
+          </a:effectLst>
+        </p:spPr>
+      </p:pic>
+      <p:cxnSp>
+        <p:nvCxnSpPr>
+          <p:cNvPr id="8" name="直線矢印コネクタ 7"/>
+          <p:cNvCxnSpPr/>
+          <p:nvPr/>
+        </p:nvCxnSpPr>
+        <p:spPr>
+          <a:xfrm flipH="1">
+            <a:off x="4227858" y="4401378"/>
+            <a:ext cx="881673" cy="14914"/>
+          </a:xfrm>
+          <a:prstGeom prst="straightConnector1">
+            <a:avLst/>
+          </a:prstGeom>
+          <a:ln w="57150">
+            <a:solidFill>
+              <a:schemeClr val="bg1">
+                <a:alpha val="60000"/>
+              </a:schemeClr>
+            </a:solidFill>
+            <a:tailEnd type="triangle"/>
+          </a:ln>
+        </p:spPr>
+        <p:style>
+          <a:lnRef idx="1">
+            <a:schemeClr val="accent1"/>
+          </a:lnRef>
+          <a:fillRef idx="0">
+            <a:schemeClr val="accent1"/>
+          </a:fillRef>
+          <a:effectRef idx="0">
+            <a:schemeClr val="accent1"/>
+          </a:effectRef>
+          <a:fontRef idx="minor">
+            <a:schemeClr val="tx1"/>
+          </a:fontRef>
+        </p:style>
+      </p:cxnSp>
+      <p:cxnSp>
+        <p:nvCxnSpPr>
+          <p:cNvPr id="10" name="直線矢印コネクタ 9"/>
+          <p:cNvCxnSpPr/>
+          <p:nvPr/>
+        </p:nvCxnSpPr>
+        <p:spPr>
+          <a:xfrm flipH="1">
+            <a:off x="4231101" y="4645743"/>
+            <a:ext cx="881673" cy="14914"/>
+          </a:xfrm>
+          <a:prstGeom prst="straightConnector1">
+            <a:avLst/>
+          </a:prstGeom>
+          <a:ln w="57150">
+            <a:solidFill>
+              <a:schemeClr val="bg1">
+                <a:alpha val="60000"/>
+              </a:schemeClr>
+            </a:solidFill>
+            <a:tailEnd type="triangle"/>
+          </a:ln>
+        </p:spPr>
+        <p:style>
+          <a:lnRef idx="1">
+            <a:schemeClr val="accent1"/>
+          </a:lnRef>
+          <a:fillRef idx="0">
+            <a:schemeClr val="accent1"/>
+          </a:fillRef>
+          <a:effectRef idx="0">
+            <a:schemeClr val="accent1"/>
+          </a:effectRef>
+          <a:fontRef idx="minor">
+            <a:schemeClr val="tx1"/>
+          </a:fontRef>
+        </p:style>
+      </p:cxnSp>
+      <p:cxnSp>
+        <p:nvCxnSpPr>
+          <p:cNvPr id="11" name="直線矢印コネクタ 10"/>
+          <p:cNvCxnSpPr/>
+          <p:nvPr/>
+        </p:nvCxnSpPr>
+        <p:spPr>
+          <a:xfrm flipH="1">
+            <a:off x="4231101" y="4890108"/>
+            <a:ext cx="881673" cy="14914"/>
+          </a:xfrm>
+          <a:prstGeom prst="straightConnector1">
+            <a:avLst/>
+          </a:prstGeom>
+          <a:ln w="57150">
+            <a:solidFill>
+              <a:schemeClr val="bg1">
+                <a:alpha val="60000"/>
+              </a:schemeClr>
+            </a:solidFill>
+            <a:tailEnd type="triangle"/>
+          </a:ln>
+        </p:spPr>
+        <p:style>
+          <a:lnRef idx="1">
+            <a:schemeClr val="accent1"/>
+          </a:lnRef>
+          <a:fillRef idx="0">
+            <a:schemeClr val="accent1"/>
+          </a:fillRef>
+          <a:effectRef idx="0">
+            <a:schemeClr val="accent1"/>
+          </a:effectRef>
+          <a:fontRef idx="minor">
+            <a:schemeClr val="tx1"/>
+          </a:fontRef>
+        </p:style>
+      </p:cxnSp>
+      <p:sp>
+        <p:nvSpPr>
+          <p:cNvPr id="12" name="右矢印 11"/>
+          <p:cNvSpPr/>
+          <p:nvPr/>
+        </p:nvSpPr>
+        <p:spPr>
+          <a:xfrm flipH="1">
+            <a:off x="5987961" y="4284596"/>
+            <a:ext cx="978408" cy="484632"/>
+          </a:xfrm>
+          <a:prstGeom prst="rightArrow">
+            <a:avLst/>
+          </a:prstGeom>
+          <a:solidFill>
+            <a:srgbClr val="FFFF00"/>
+          </a:solidFill>
+        </p:spPr>
+        <p:style>
+          <a:lnRef idx="2">
+            <a:schemeClr val="accent1">
+              <a:shade val="50000"/>
+            </a:schemeClr>
+          </a:lnRef>
+          <a:fillRef idx="1">
+            <a:schemeClr val="accent1"/>
+          </a:fillRef>
+          <a:effectRef idx="0">
+            <a:schemeClr val="accent1"/>
+          </a:effectRef>
+          <a:fontRef idx="minor">
+            <a:schemeClr val="lt1"/>
+          </a:fontRef>
+        </p:style>
+        <p:txBody>
+          <a:bodyPr rtlCol="0" anchor="ctr"/>
+          <a:lstStyle/>
+          <a:p>
+            <a:pPr algn="ctr"/>
+            <a:endParaRPr kumimoji="1" lang="ja-JP" altLang="en-US"/>
           </a:p>
         </p:txBody>
       </p:sp>
@@ -6674,7 +7596,7 @@
       </p:grpSpPr>
       <p:sp>
         <p:nvSpPr>
-          <p:cNvPr id="2" name="テキスト ボックス 1"/>
+          <p:cNvPr id="3" name="テキスト ボックス 2"/>
           <p:cNvSpPr txBox="1"/>
           <p:nvPr/>
         </p:nvSpPr>
@@ -6702,16 +7624,183 @@
               <a:t>　</a:t>
             </a:r>
             <a:r>
+              <a:rPr kumimoji="1" lang="ja-JP" altLang="en-US" sz="4000" u="sng" dirty="0" smtClean="0">
+                <a:latin typeface="小塚ゴシック Pro B" panose="020B0800000000000000" pitchFamily="34" charset="-128"/>
+                <a:ea typeface="小塚ゴシック Pro B" panose="020B0800000000000000" pitchFamily="34" charset="-128"/>
+              </a:rPr>
+              <a:t>各種</a:t>
+            </a:r>
+            <a:r>
               <a:rPr kumimoji="1" lang="ja-JP" altLang="en-US" sz="4000" u="sng" dirty="0">
                 <a:latin typeface="小塚ゴシック Pro B" panose="020B0800000000000000" pitchFamily="34" charset="-128"/>
                 <a:ea typeface="小塚ゴシック Pro B" panose="020B0800000000000000" pitchFamily="34" charset="-128"/>
               </a:rPr>
-              <a:t>システム</a:t>
+              <a:t>アクション</a:t>
             </a:r>
             <a:endParaRPr kumimoji="1" lang="en-US" altLang="ja-JP" sz="4000" u="sng" dirty="0" smtClean="0">
               <a:latin typeface="小塚ゴシック Pro B" panose="020B0800000000000000" pitchFamily="34" charset="-128"/>
               <a:ea typeface="小塚ゴシック Pro B" panose="020B0800000000000000" pitchFamily="34" charset="-128"/>
             </a:endParaRPr>
+          </a:p>
+        </p:txBody>
+      </p:sp>
+      <p:sp>
+        <p:nvSpPr>
+          <p:cNvPr id="4" name="テキスト ボックス 3"/>
+          <p:cNvSpPr txBox="1"/>
+          <p:nvPr/>
+        </p:nvSpPr>
+        <p:spPr>
+          <a:xfrm>
+            <a:off x="466967" y="1143977"/>
+            <a:ext cx="1107996" cy="646331"/>
+          </a:xfrm>
+          <a:prstGeom prst="rect">
+            <a:avLst/>
+          </a:prstGeom>
+          <a:noFill/>
+        </p:spPr>
+        <p:txBody>
+          <a:bodyPr wrap="none" rtlCol="0">
+            <a:spAutoFit/>
+          </a:bodyPr>
+          <a:lstStyle/>
+          <a:p>
+            <a:r>
+              <a:rPr kumimoji="1" lang="ja-JP" altLang="en-US" sz="3600" b="1" dirty="0"/>
+              <a:t>攻撃</a:t>
+            </a:r>
+            <a:endParaRPr kumimoji="1" lang="ja-JP" altLang="en-US" sz="3600" b="1" dirty="0"/>
+          </a:p>
+        </p:txBody>
+      </p:sp>
+      <p:sp>
+        <p:nvSpPr>
+          <p:cNvPr id="5" name="テキスト ボックス 4"/>
+          <p:cNvSpPr txBox="1"/>
+          <p:nvPr/>
+        </p:nvSpPr>
+        <p:spPr>
+          <a:xfrm>
+            <a:off x="466967" y="1861355"/>
+            <a:ext cx="10033516" cy="4893647"/>
+          </a:xfrm>
+          <a:prstGeom prst="rect">
+            <a:avLst/>
+          </a:prstGeom>
+          <a:noFill/>
+        </p:spPr>
+        <p:txBody>
+          <a:bodyPr wrap="none" rtlCol="0">
+            <a:spAutoFit/>
+          </a:bodyPr>
+          <a:lstStyle/>
+          <a:p>
+            <a:r>
+              <a:rPr kumimoji="1" lang="ja-JP" altLang="en-US" sz="2400" dirty="0" smtClean="0"/>
+              <a:t>・剣の長さそれぞれでモーションが変わる</a:t>
+            </a:r>
+            <a:endParaRPr kumimoji="1" lang="en-US" altLang="ja-JP" sz="2400" dirty="0" smtClean="0"/>
+          </a:p>
+          <a:p>
+            <a:r>
+              <a:rPr kumimoji="1" lang="ja-JP" altLang="en-US" sz="2400" dirty="0"/>
+              <a:t>　</a:t>
+            </a:r>
+            <a:endParaRPr kumimoji="1" lang="en-US" altLang="ja-JP" sz="2400" dirty="0" smtClean="0"/>
+          </a:p>
+          <a:p>
+            <a:r>
+              <a:rPr kumimoji="1" lang="ja-JP" altLang="en-US" sz="2400" dirty="0"/>
+              <a:t>　</a:t>
+            </a:r>
+            <a:endParaRPr kumimoji="1" lang="en-US" altLang="ja-JP" sz="2400" dirty="0" smtClean="0"/>
+          </a:p>
+          <a:p>
+            <a:r>
+              <a:rPr kumimoji="1" lang="ja-JP" altLang="en-US" sz="2400" dirty="0"/>
+              <a:t>　</a:t>
+            </a:r>
+            <a:r>
+              <a:rPr kumimoji="1" lang="ja-JP" altLang="en-US" sz="2400" dirty="0" smtClean="0"/>
+              <a:t>長い：両手持ちで縦に回転するように一刀両断するようなモーション</a:t>
+            </a:r>
+            <a:endParaRPr kumimoji="1" lang="en-US" altLang="ja-JP" sz="2400" dirty="0" smtClean="0"/>
+          </a:p>
+          <a:p>
+            <a:endParaRPr kumimoji="1" lang="en-US" altLang="ja-JP" sz="2400" dirty="0"/>
+          </a:p>
+          <a:p>
+            <a:r>
+              <a:rPr kumimoji="1" lang="ja-JP" altLang="en-US" sz="2400" dirty="0" smtClean="0"/>
+              <a:t>　</a:t>
+            </a:r>
+            <a:endParaRPr kumimoji="1" lang="en-US" altLang="ja-JP" sz="2400" dirty="0" smtClean="0"/>
+          </a:p>
+          <a:p>
+            <a:r>
+              <a:rPr kumimoji="1" lang="ja-JP" altLang="en-US" sz="2400" dirty="0"/>
+              <a:t>　普通</a:t>
+            </a:r>
+            <a:r>
+              <a:rPr kumimoji="1" lang="ja-JP" altLang="en-US" sz="2400" dirty="0" smtClean="0"/>
+              <a:t>：両手持ちで切り下げ、切り上げの</a:t>
+            </a:r>
+            <a:r>
+              <a:rPr kumimoji="1" lang="en-US" altLang="ja-JP" sz="2400" dirty="0" smtClean="0"/>
+              <a:t>2</a:t>
+            </a:r>
+            <a:r>
+              <a:rPr kumimoji="1" lang="ja-JP" altLang="en-US" sz="2400" dirty="0" smtClean="0"/>
+              <a:t>連撃モーション</a:t>
+            </a:r>
+            <a:endParaRPr kumimoji="1" lang="en-US" altLang="ja-JP" sz="2400" dirty="0" smtClean="0"/>
+          </a:p>
+          <a:p>
+            <a:endParaRPr kumimoji="1" lang="en-US" altLang="ja-JP" sz="2400" dirty="0"/>
+          </a:p>
+          <a:p>
+            <a:r>
+              <a:rPr kumimoji="1" lang="ja-JP" altLang="en-US" sz="2400" dirty="0" smtClean="0"/>
+              <a:t>　</a:t>
+            </a:r>
+            <a:endParaRPr kumimoji="1" lang="en-US" altLang="ja-JP" sz="2400" dirty="0" smtClean="0"/>
+          </a:p>
+          <a:p>
+            <a:r>
+              <a:rPr kumimoji="1" lang="ja-JP" altLang="en-US" sz="2400" dirty="0"/>
+              <a:t>　</a:t>
+            </a:r>
+            <a:r>
+              <a:rPr kumimoji="1" lang="ja-JP" altLang="en-US" sz="2400" dirty="0" smtClean="0"/>
+              <a:t>短い：片手持ちで目の前で振り回す</a:t>
+            </a:r>
+            <a:r>
+              <a:rPr kumimoji="1" lang="en-US" altLang="ja-JP" sz="2400" dirty="0" smtClean="0"/>
+              <a:t>3</a:t>
+            </a:r>
+            <a:r>
+              <a:rPr kumimoji="1" lang="ja-JP" altLang="en-US" sz="2400" dirty="0" smtClean="0"/>
+              <a:t>連撃モーション</a:t>
+            </a:r>
+            <a:endParaRPr kumimoji="1" lang="en-US" altLang="ja-JP" sz="2400" dirty="0" smtClean="0"/>
+          </a:p>
+          <a:p>
+            <a:endParaRPr kumimoji="1" lang="en-US" altLang="ja-JP" sz="2400" dirty="0"/>
+          </a:p>
+          <a:p>
+            <a:endParaRPr kumimoji="1" lang="en-US" altLang="ja-JP" sz="2400" dirty="0" smtClean="0"/>
+          </a:p>
+          <a:p>
+            <a:r>
+              <a:rPr kumimoji="1" lang="en-US" altLang="ja-JP" sz="2400" dirty="0" smtClean="0"/>
+              <a:t>※</a:t>
+            </a:r>
+            <a:r>
+              <a:rPr kumimoji="1" lang="ja-JP" altLang="en-US" sz="2400" dirty="0" smtClean="0"/>
+              <a:t>剣の幅ではモーションは変化しない</a:t>
+            </a:r>
+            <a:endParaRPr kumimoji="1" lang="ja-JP" altLang="en-US" sz="2400" dirty="0"/>
           </a:p>
         </p:txBody>
       </p:sp>
@@ -6747,7 +7836,7 @@
       </p:grpSpPr>
       <p:sp>
         <p:nvSpPr>
-          <p:cNvPr id="2" name="テキスト ボックス 1"/>
+          <p:cNvPr id="6" name="テキスト ボックス 5"/>
           <p:cNvSpPr txBox="1"/>
           <p:nvPr/>
         </p:nvSpPr>
@@ -6775,11 +7864,18 @@
               <a:t>　</a:t>
             </a:r>
             <a:r>
+              <a:rPr kumimoji="1" lang="ja-JP" altLang="en-US" sz="4000" u="sng" dirty="0" smtClean="0">
+                <a:latin typeface="小塚ゴシック Pro B" panose="020B0800000000000000" pitchFamily="34" charset="-128"/>
+                <a:ea typeface="小塚ゴシック Pro B" panose="020B0800000000000000" pitchFamily="34" charset="-128"/>
+              </a:rPr>
+              <a:t>各種</a:t>
+            </a:r>
+            <a:r>
               <a:rPr kumimoji="1" lang="ja-JP" altLang="en-US" sz="4000" u="sng" dirty="0">
                 <a:latin typeface="小塚ゴシック Pro B" panose="020B0800000000000000" pitchFamily="34" charset="-128"/>
                 <a:ea typeface="小塚ゴシック Pro B" panose="020B0800000000000000" pitchFamily="34" charset="-128"/>
               </a:rPr>
-              <a:t>システム</a:t>
+              <a:t>アクション</a:t>
             </a:r>
             <a:endParaRPr kumimoji="1" lang="en-US" altLang="ja-JP" sz="4000" u="sng" dirty="0" smtClean="0">
               <a:latin typeface="小塚ゴシック Pro B" panose="020B0800000000000000" pitchFamily="34" charset="-128"/>
@@ -6788,6 +7884,129 @@
           </a:p>
         </p:txBody>
       </p:sp>
+      <p:sp>
+        <p:nvSpPr>
+          <p:cNvPr id="7" name="テキスト ボックス 6"/>
+          <p:cNvSpPr txBox="1"/>
+          <p:nvPr/>
+        </p:nvSpPr>
+        <p:spPr>
+          <a:xfrm>
+            <a:off x="466967" y="1143977"/>
+            <a:ext cx="1107996" cy="646331"/>
+          </a:xfrm>
+          <a:prstGeom prst="rect">
+            <a:avLst/>
+          </a:prstGeom>
+          <a:noFill/>
+        </p:spPr>
+        <p:txBody>
+          <a:bodyPr wrap="none" rtlCol="0">
+            <a:spAutoFit/>
+          </a:bodyPr>
+          <a:lstStyle/>
+          <a:p>
+            <a:r>
+              <a:rPr kumimoji="1" lang="ja-JP" altLang="en-US" sz="3600" b="1" dirty="0"/>
+              <a:t>攻撃</a:t>
+            </a:r>
+            <a:endParaRPr kumimoji="1" lang="ja-JP" altLang="en-US" sz="3600" b="1" dirty="0"/>
+          </a:p>
+        </p:txBody>
+      </p:sp>
+      <p:sp>
+        <p:nvSpPr>
+          <p:cNvPr id="8" name="テキスト ボックス 7"/>
+          <p:cNvSpPr txBox="1"/>
+          <p:nvPr/>
+        </p:nvSpPr>
+        <p:spPr>
+          <a:xfrm>
+            <a:off x="466967" y="1861355"/>
+            <a:ext cx="10956846" cy="1569660"/>
+          </a:xfrm>
+          <a:prstGeom prst="rect">
+            <a:avLst/>
+          </a:prstGeom>
+          <a:noFill/>
+        </p:spPr>
+        <p:txBody>
+          <a:bodyPr wrap="none" rtlCol="0">
+            <a:spAutoFit/>
+          </a:bodyPr>
+          <a:lstStyle/>
+          <a:p>
+            <a:r>
+              <a:rPr kumimoji="1" lang="ja-JP" altLang="en-US" sz="2400" dirty="0" smtClean="0"/>
+              <a:t>・モーション作成の余裕があれば</a:t>
+            </a:r>
+            <a:endParaRPr kumimoji="1" lang="en-US" altLang="ja-JP" sz="2400" dirty="0" smtClean="0"/>
+          </a:p>
+          <a:p>
+            <a:r>
+              <a:rPr kumimoji="1" lang="ja-JP" altLang="en-US" sz="2400" dirty="0"/>
+              <a:t>　</a:t>
+            </a:r>
+            <a:endParaRPr kumimoji="1" lang="en-US" altLang="ja-JP" sz="2400" dirty="0"/>
+          </a:p>
+          <a:p>
+            <a:r>
+              <a:rPr kumimoji="1" lang="ja-JP" altLang="en-US" sz="2400" dirty="0" smtClean="0"/>
+              <a:t>　空中攻撃、突き攻撃などを用意し動きが単調になりすぎないようにしたい。</a:t>
+            </a:r>
+            <a:endParaRPr kumimoji="1" lang="en-US" altLang="ja-JP" sz="2400" dirty="0" smtClean="0"/>
+          </a:p>
+          <a:p>
+            <a:r>
+              <a:rPr kumimoji="1" lang="ja-JP" altLang="en-US" sz="2400" dirty="0"/>
+              <a:t>　</a:t>
+            </a:r>
+            <a:r>
+              <a:rPr kumimoji="1" lang="ja-JP" altLang="en-US" sz="2400" dirty="0" smtClean="0"/>
+              <a:t>（余裕があれば</a:t>
+            </a:r>
+            <a:r>
+              <a:rPr kumimoji="1" lang="ja-JP" altLang="en-US" sz="2400" dirty="0" err="1" smtClean="0"/>
+              <a:t>は</a:t>
+            </a:r>
+            <a:r>
+              <a:rPr kumimoji="1" lang="ja-JP" altLang="en-US" sz="2400" dirty="0" smtClean="0"/>
+              <a:t>大体できない）</a:t>
+            </a:r>
+            <a:endParaRPr kumimoji="1" lang="ja-JP" altLang="en-US" sz="2400" dirty="0"/>
+          </a:p>
+        </p:txBody>
+      </p:sp>
+      <p:pic>
+        <p:nvPicPr>
+          <p:cNvPr id="9" name="図 8"/>
+          <p:cNvPicPr>
+            <a:picLocks noChangeAspect="1"/>
+          </p:cNvPicPr>
+          <p:nvPr/>
+        </p:nvPicPr>
+        <p:blipFill>
+          <a:blip r:embed="rId2" cstate="print">
+            <a:extLst>
+              <a:ext uri="{28A0092B-C50C-407E-A947-70E740481C1C}">
+                <a14:useLocalDpi xmlns:a14="http://schemas.microsoft.com/office/drawing/2010/main" val="0"/>
+              </a:ext>
+            </a:extLst>
+          </a:blip>
+          <a:stretch>
+            <a:fillRect/>
+          </a:stretch>
+        </p:blipFill>
+        <p:spPr>
+          <a:xfrm>
+            <a:off x="7157685" y="3597916"/>
+            <a:ext cx="2320611" cy="3087755"/>
+          </a:xfrm>
+          <a:prstGeom prst="rect">
+            <a:avLst/>
+          </a:prstGeom>
+        </p:spPr>
+      </p:pic>
     </p:spTree>
     <p:extLst>
       <p:ext uri="{BB962C8B-B14F-4D97-AF65-F5344CB8AC3E}">
@@ -6820,7 +8039,7 @@
       </p:grpSpPr>
       <p:sp>
         <p:nvSpPr>
-          <p:cNvPr id="2" name="テキスト ボックス 1"/>
+          <p:cNvPr id="3" name="テキスト ボックス 2"/>
           <p:cNvSpPr txBox="1"/>
           <p:nvPr/>
         </p:nvSpPr>
@@ -6848,16 +8067,468 @@
               <a:t>　</a:t>
             </a:r>
             <a:r>
+              <a:rPr kumimoji="1" lang="ja-JP" altLang="en-US" sz="4000" u="sng" dirty="0" smtClean="0">
+                <a:latin typeface="小塚ゴシック Pro B" panose="020B0800000000000000" pitchFamily="34" charset="-128"/>
+                <a:ea typeface="小塚ゴシック Pro B" panose="020B0800000000000000" pitchFamily="34" charset="-128"/>
+              </a:rPr>
+              <a:t>各種</a:t>
+            </a:r>
+            <a:r>
               <a:rPr kumimoji="1" lang="ja-JP" altLang="en-US" sz="4000" u="sng" dirty="0">
                 <a:latin typeface="小塚ゴシック Pro B" panose="020B0800000000000000" pitchFamily="34" charset="-128"/>
                 <a:ea typeface="小塚ゴシック Pro B" panose="020B0800000000000000" pitchFamily="34" charset="-128"/>
               </a:rPr>
-              <a:t>システム</a:t>
+              <a:t>アクション</a:t>
             </a:r>
             <a:endParaRPr kumimoji="1" lang="en-US" altLang="ja-JP" sz="4000" u="sng" dirty="0" smtClean="0">
               <a:latin typeface="小塚ゴシック Pro B" panose="020B0800000000000000" pitchFamily="34" charset="-128"/>
               <a:ea typeface="小塚ゴシック Pro B" panose="020B0800000000000000" pitchFamily="34" charset="-128"/>
             </a:endParaRPr>
+          </a:p>
+        </p:txBody>
+      </p:sp>
+      <p:sp>
+        <p:nvSpPr>
+          <p:cNvPr id="4" name="テキスト ボックス 3"/>
+          <p:cNvSpPr txBox="1"/>
+          <p:nvPr/>
+        </p:nvSpPr>
+        <p:spPr>
+          <a:xfrm>
+            <a:off x="466967" y="1143977"/>
+            <a:ext cx="1569660" cy="1200329"/>
+          </a:xfrm>
+          <a:prstGeom prst="rect">
+            <a:avLst/>
+          </a:prstGeom>
+          <a:noFill/>
+        </p:spPr>
+        <p:txBody>
+          <a:bodyPr wrap="none" rtlCol="0">
+            <a:spAutoFit/>
+          </a:bodyPr>
+          <a:lstStyle/>
+          <a:p>
+            <a:r>
+              <a:rPr kumimoji="1" lang="ja-JP" altLang="en-US" sz="3600" b="1" dirty="0" smtClean="0"/>
+              <a:t>その他</a:t>
+            </a:r>
+            <a:endParaRPr kumimoji="1" lang="en-US" altLang="ja-JP" sz="3600" b="1" dirty="0" smtClean="0"/>
+          </a:p>
+          <a:p>
+            <a:endParaRPr kumimoji="1" lang="ja-JP" altLang="en-US" sz="3600" b="1" dirty="0"/>
+          </a:p>
+        </p:txBody>
+      </p:sp>
+      <p:sp>
+        <p:nvSpPr>
+          <p:cNvPr id="5" name="テキスト ボックス 4"/>
+          <p:cNvSpPr txBox="1"/>
+          <p:nvPr/>
+        </p:nvSpPr>
+        <p:spPr>
+          <a:xfrm>
+            <a:off x="466967" y="2159913"/>
+            <a:ext cx="9895658" cy="1569660"/>
+          </a:xfrm>
+          <a:prstGeom prst="rect">
+            <a:avLst/>
+          </a:prstGeom>
+          <a:noFill/>
+        </p:spPr>
+        <p:txBody>
+          <a:bodyPr wrap="none" rtlCol="0">
+            <a:spAutoFit/>
+          </a:bodyPr>
+          <a:lstStyle/>
+          <a:p>
+            <a:r>
+              <a:rPr kumimoji="1" lang="ja-JP" altLang="en-US" sz="2400" dirty="0" smtClean="0"/>
+              <a:t>・ガード：敵の攻撃を防ぎダメージを減らす（</a:t>
+            </a:r>
+            <a:r>
+              <a:rPr kumimoji="1" lang="en-US" altLang="ja-JP" sz="2400" dirty="0" smtClean="0"/>
+              <a:t>0</a:t>
+            </a:r>
+            <a:r>
+              <a:rPr kumimoji="1" lang="ja-JP" altLang="en-US" sz="2400" dirty="0" smtClean="0"/>
+              <a:t>になるわけではない）</a:t>
+            </a:r>
+            <a:endParaRPr kumimoji="1" lang="en-US" altLang="ja-JP" sz="2400" dirty="0" smtClean="0"/>
+          </a:p>
+          <a:p>
+            <a:r>
+              <a:rPr kumimoji="1" lang="ja-JP" altLang="en-US" sz="2400" dirty="0"/>
+              <a:t>　</a:t>
+            </a:r>
+            <a:r>
+              <a:rPr kumimoji="1" lang="ja-JP" altLang="en-US" sz="2400" dirty="0" smtClean="0"/>
+              <a:t>　</a:t>
+            </a:r>
+            <a:r>
+              <a:rPr kumimoji="1" lang="en-US" altLang="ja-JP" sz="2400" dirty="0" smtClean="0"/>
+              <a:t>※</a:t>
+            </a:r>
+            <a:r>
+              <a:rPr kumimoji="1" lang="ja-JP" altLang="en-US" sz="2400" dirty="0" smtClean="0"/>
+              <a:t>剣の幅でダメージカットの値が変わってもいいかも</a:t>
+            </a:r>
+            <a:endParaRPr kumimoji="1" lang="en-US" altLang="ja-JP" sz="2400" dirty="0" smtClean="0"/>
+          </a:p>
+          <a:p>
+            <a:endParaRPr kumimoji="1" lang="en-US" altLang="ja-JP" sz="2400" dirty="0"/>
+          </a:p>
+          <a:p>
+            <a:r>
+              <a:rPr kumimoji="1" lang="ja-JP" altLang="en-US" sz="2400" dirty="0" smtClean="0"/>
+              <a:t>　モーションは剣の腹を相手に向けるようにしたも</a:t>
+            </a:r>
+            <a:r>
+              <a:rPr kumimoji="1" lang="ja-JP" altLang="en-US" sz="2400" dirty="0"/>
+              <a:t>の</a:t>
+            </a:r>
+            <a:endParaRPr kumimoji="1" lang="en-US" altLang="ja-JP" sz="2400" dirty="0" smtClean="0"/>
+          </a:p>
+        </p:txBody>
+      </p:sp>
+      <p:sp>
+        <p:nvSpPr>
+          <p:cNvPr id="6" name="テキスト ボックス 5"/>
+          <p:cNvSpPr txBox="1"/>
+          <p:nvPr/>
+        </p:nvSpPr>
+        <p:spPr>
+          <a:xfrm>
+            <a:off x="466967" y="4032896"/>
+            <a:ext cx="10033516" cy="461665"/>
+          </a:xfrm>
+          <a:prstGeom prst="rect">
+            <a:avLst/>
+          </a:prstGeom>
+          <a:noFill/>
+        </p:spPr>
+        <p:txBody>
+          <a:bodyPr wrap="none" rtlCol="0">
+            <a:spAutoFit/>
+          </a:bodyPr>
+          <a:lstStyle/>
+          <a:p>
+            <a:r>
+              <a:rPr kumimoji="1" lang="ja-JP" altLang="en-US" sz="2400" dirty="0" smtClean="0"/>
+              <a:t>・しゃがみ：空中に配置された通り抜け可能な床から降りるときに使う</a:t>
+            </a:r>
+            <a:endParaRPr kumimoji="1" lang="en-US" altLang="ja-JP" sz="2400" dirty="0" smtClean="0"/>
+          </a:p>
+        </p:txBody>
+      </p:sp>
+      <p:sp>
+        <p:nvSpPr>
+          <p:cNvPr id="7" name="正方形/長方形 6"/>
+          <p:cNvSpPr/>
+          <p:nvPr/>
+        </p:nvSpPr>
+        <p:spPr>
+          <a:xfrm>
+            <a:off x="1076793" y="6445111"/>
+            <a:ext cx="9364350" cy="256997"/>
+          </a:xfrm>
+          <a:prstGeom prst="rect">
+            <a:avLst/>
+          </a:prstGeom>
+          <a:solidFill>
+            <a:schemeClr val="tx1"/>
+          </a:solidFill>
+          <a:ln>
+            <a:solidFill>
+              <a:schemeClr val="accent6"/>
+            </a:solidFill>
+          </a:ln>
+        </p:spPr>
+        <p:style>
+          <a:lnRef idx="2">
+            <a:schemeClr val="accent1">
+              <a:shade val="50000"/>
+            </a:schemeClr>
+          </a:lnRef>
+          <a:fillRef idx="1">
+            <a:schemeClr val="accent1"/>
+          </a:fillRef>
+          <a:effectRef idx="0">
+            <a:schemeClr val="accent1"/>
+          </a:effectRef>
+          <a:fontRef idx="minor">
+            <a:schemeClr val="lt1"/>
+          </a:fontRef>
+        </p:style>
+        <p:txBody>
+          <a:bodyPr rtlCol="0" anchor="ctr"/>
+          <a:lstStyle/>
+          <a:p>
+            <a:pPr algn="ctr"/>
+            <a:endParaRPr kumimoji="1" lang="ja-JP" altLang="en-US"/>
+          </a:p>
+        </p:txBody>
+      </p:sp>
+      <p:sp>
+        <p:nvSpPr>
+          <p:cNvPr id="8" name="正方形/長方形 7"/>
+          <p:cNvSpPr/>
+          <p:nvPr/>
+        </p:nvSpPr>
+        <p:spPr>
+          <a:xfrm>
+            <a:off x="3293966" y="5227261"/>
+            <a:ext cx="1877800" cy="127754"/>
+          </a:xfrm>
+          <a:prstGeom prst="rect">
+            <a:avLst/>
+          </a:prstGeom>
+          <a:solidFill>
+            <a:schemeClr val="tx1"/>
+          </a:solidFill>
+          <a:ln>
+            <a:solidFill>
+              <a:schemeClr val="tx2"/>
+            </a:solidFill>
+          </a:ln>
+        </p:spPr>
+        <p:style>
+          <a:lnRef idx="2">
+            <a:schemeClr val="accent1">
+              <a:shade val="50000"/>
+            </a:schemeClr>
+          </a:lnRef>
+          <a:fillRef idx="1">
+            <a:schemeClr val="accent1"/>
+          </a:fillRef>
+          <a:effectRef idx="0">
+            <a:schemeClr val="accent1"/>
+          </a:effectRef>
+          <a:fontRef idx="minor">
+            <a:schemeClr val="lt1"/>
+          </a:fontRef>
+        </p:style>
+        <p:txBody>
+          <a:bodyPr rtlCol="0" anchor="ctr"/>
+          <a:lstStyle/>
+          <a:p>
+            <a:pPr algn="ctr"/>
+            <a:endParaRPr kumimoji="1" lang="ja-JP" altLang="en-US"/>
+          </a:p>
+        </p:txBody>
+      </p:sp>
+      <p:pic>
+        <p:nvPicPr>
+          <p:cNvPr id="9" name="図 8"/>
+          <p:cNvPicPr>
+            <a:picLocks noChangeAspect="1"/>
+          </p:cNvPicPr>
+          <p:nvPr/>
+        </p:nvPicPr>
+        <p:blipFill>
+          <a:blip r:embed="rId2" cstate="print">
+            <a:extLst>
+              <a:ext uri="{28A0092B-C50C-407E-A947-70E740481C1C}">
+                <a14:useLocalDpi xmlns:a14="http://schemas.microsoft.com/office/drawing/2010/main" val="0"/>
+              </a:ext>
+            </a:extLst>
+          </a:blip>
+          <a:stretch>
+            <a:fillRect/>
+          </a:stretch>
+        </p:blipFill>
+        <p:spPr>
+          <a:xfrm>
+            <a:off x="3956373" y="5709320"/>
+            <a:ext cx="552986" cy="735791"/>
+          </a:xfrm>
+          <a:prstGeom prst="rect">
+            <a:avLst/>
+          </a:prstGeom>
+        </p:spPr>
+      </p:pic>
+      <p:cxnSp>
+        <p:nvCxnSpPr>
+          <p:cNvPr id="11" name="直線矢印コネクタ 10"/>
+          <p:cNvCxnSpPr/>
+          <p:nvPr/>
+        </p:nvCxnSpPr>
+        <p:spPr>
+          <a:xfrm flipH="1">
+            <a:off x="4729315" y="4728963"/>
+            <a:ext cx="9832" cy="1124349"/>
+          </a:xfrm>
+          <a:prstGeom prst="straightConnector1">
+            <a:avLst/>
+          </a:prstGeom>
+          <a:ln w="76200">
+            <a:solidFill>
+              <a:schemeClr val="bg1">
+                <a:alpha val="60000"/>
+              </a:schemeClr>
+            </a:solidFill>
+            <a:headEnd type="triangle"/>
+            <a:tailEnd type="triangle"/>
+          </a:ln>
+        </p:spPr>
+        <p:style>
+          <a:lnRef idx="1">
+            <a:schemeClr val="accent1"/>
+          </a:lnRef>
+          <a:fillRef idx="0">
+            <a:schemeClr val="accent1"/>
+          </a:fillRef>
+          <a:effectRef idx="0">
+            <a:schemeClr val="accent1"/>
+          </a:effectRef>
+          <a:fontRef idx="minor">
+            <a:schemeClr val="tx1"/>
+          </a:fontRef>
+        </p:style>
+      </p:cxnSp>
+      <p:sp>
+        <p:nvSpPr>
+          <p:cNvPr id="12" name="テキスト ボックス 11"/>
+          <p:cNvSpPr txBox="1"/>
+          <p:nvPr/>
+        </p:nvSpPr>
+        <p:spPr>
+          <a:xfrm>
+            <a:off x="4959103" y="4883184"/>
+            <a:ext cx="1620957" cy="338554"/>
+          </a:xfrm>
+          <a:prstGeom prst="rect">
+            <a:avLst/>
+          </a:prstGeom>
+          <a:noFill/>
+        </p:spPr>
+        <p:txBody>
+          <a:bodyPr wrap="none" rtlCol="0">
+            <a:spAutoFit/>
+          </a:bodyPr>
+          <a:lstStyle/>
+          <a:p>
+            <a:r>
+              <a:rPr kumimoji="1" lang="ja-JP" altLang="en-US" sz="1600" dirty="0" smtClean="0"/>
+              <a:t>通り抜け可能床</a:t>
+            </a:r>
+            <a:endParaRPr kumimoji="1" lang="en-US" altLang="ja-JP" sz="1600" dirty="0" smtClean="0"/>
+          </a:p>
+        </p:txBody>
+      </p:sp>
+      <p:sp>
+        <p:nvSpPr>
+          <p:cNvPr id="13" name="テキスト ボックス 12"/>
+          <p:cNvSpPr txBox="1"/>
+          <p:nvPr/>
+        </p:nvSpPr>
+        <p:spPr>
+          <a:xfrm>
+            <a:off x="9733257" y="6063817"/>
+            <a:ext cx="1620957" cy="338554"/>
+          </a:xfrm>
+          <a:prstGeom prst="rect">
+            <a:avLst/>
+          </a:prstGeom>
+          <a:noFill/>
+        </p:spPr>
+        <p:txBody>
+          <a:bodyPr wrap="none" rtlCol="0">
+            <a:spAutoFit/>
+          </a:bodyPr>
+          <a:lstStyle/>
+          <a:p>
+            <a:r>
+              <a:rPr kumimoji="1" lang="ja-JP" altLang="en-US" sz="1600" dirty="0" smtClean="0"/>
+              <a:t>通り抜け不可床</a:t>
+            </a:r>
+            <a:endParaRPr kumimoji="1" lang="en-US" altLang="ja-JP" sz="1600" dirty="0" smtClean="0"/>
+          </a:p>
+        </p:txBody>
+      </p:sp>
+      <p:cxnSp>
+        <p:nvCxnSpPr>
+          <p:cNvPr id="15" name="直線矢印コネクタ 14"/>
+          <p:cNvCxnSpPr/>
+          <p:nvPr/>
+        </p:nvCxnSpPr>
+        <p:spPr>
+          <a:xfrm>
+            <a:off x="9312586" y="6009204"/>
+            <a:ext cx="0" cy="848796"/>
+          </a:xfrm>
+          <a:prstGeom prst="straightConnector1">
+            <a:avLst/>
+          </a:prstGeom>
+          <a:ln w="76200">
+            <a:solidFill>
+              <a:schemeClr val="bg1">
+                <a:alpha val="60000"/>
+              </a:schemeClr>
+            </a:solidFill>
+            <a:tailEnd type="triangle"/>
+          </a:ln>
+        </p:spPr>
+        <p:style>
+          <a:lnRef idx="1">
+            <a:schemeClr val="accent1"/>
+          </a:lnRef>
+          <a:fillRef idx="0">
+            <a:schemeClr val="accent1"/>
+          </a:fillRef>
+          <a:effectRef idx="0">
+            <a:schemeClr val="accent1"/>
+          </a:effectRef>
+          <a:fontRef idx="minor">
+            <a:schemeClr val="tx1"/>
+          </a:fontRef>
+        </p:style>
+      </p:cxnSp>
+      <p:sp>
+        <p:nvSpPr>
+          <p:cNvPr id="17" name="乗算 16"/>
+          <p:cNvSpPr/>
+          <p:nvPr/>
+        </p:nvSpPr>
+        <p:spPr>
+          <a:xfrm>
+            <a:off x="9025711" y="5928989"/>
+            <a:ext cx="573750" cy="516122"/>
+          </a:xfrm>
+          <a:prstGeom prst="mathMultiply">
+            <a:avLst/>
+          </a:prstGeom>
+          <a:solidFill>
+            <a:schemeClr val="accent6"/>
+          </a:solidFill>
+          <a:ln>
+            <a:solidFill>
+              <a:schemeClr val="accent6"/>
+            </a:solidFill>
+          </a:ln>
+        </p:spPr>
+        <p:style>
+          <a:lnRef idx="2">
+            <a:schemeClr val="accent1">
+              <a:shade val="50000"/>
+            </a:schemeClr>
+          </a:lnRef>
+          <a:fillRef idx="1">
+            <a:schemeClr val="accent1"/>
+          </a:fillRef>
+          <a:effectRef idx="0">
+            <a:schemeClr val="accent1"/>
+          </a:effectRef>
+          <a:fontRef idx="minor">
+            <a:schemeClr val="lt1"/>
+          </a:fontRef>
+        </p:style>
+        <p:txBody>
+          <a:bodyPr rtlCol="0" anchor="ctr"/>
+          <a:lstStyle/>
+          <a:p>
+            <a:pPr algn="ctr"/>
+            <a:endParaRPr kumimoji="1" lang="ja-JP" altLang="en-US"/>
           </a:p>
         </p:txBody>
       </p:sp>
@@ -6921,16 +8592,340 @@
               <a:t>　</a:t>
             </a:r>
             <a:r>
-              <a:rPr kumimoji="1" lang="ja-JP" altLang="en-US" sz="4000" u="sng" dirty="0">
+              <a:rPr kumimoji="1" lang="ja-JP" altLang="en-US" sz="4000" u="sng" dirty="0" smtClean="0">
                 <a:latin typeface="小塚ゴシック Pro B" panose="020B0800000000000000" pitchFamily="34" charset="-128"/>
                 <a:ea typeface="小塚ゴシック Pro B" panose="020B0800000000000000" pitchFamily="34" charset="-128"/>
               </a:rPr>
-              <a:t>システム</a:t>
+              <a:t>プレイモード</a:t>
             </a:r>
             <a:endParaRPr kumimoji="1" lang="en-US" altLang="ja-JP" sz="4000" u="sng" dirty="0" smtClean="0">
               <a:latin typeface="小塚ゴシック Pro B" panose="020B0800000000000000" pitchFamily="34" charset="-128"/>
               <a:ea typeface="小塚ゴシック Pro B" panose="020B0800000000000000" pitchFamily="34" charset="-128"/>
             </a:endParaRPr>
+          </a:p>
+        </p:txBody>
+      </p:sp>
+      <p:sp>
+        <p:nvSpPr>
+          <p:cNvPr id="3" name="正方形/長方形 2"/>
+          <p:cNvSpPr/>
+          <p:nvPr/>
+        </p:nvSpPr>
+        <p:spPr>
+          <a:xfrm>
+            <a:off x="782541" y="6464775"/>
+            <a:ext cx="10003446" cy="191663"/>
+          </a:xfrm>
+          <a:prstGeom prst="rect">
+            <a:avLst/>
+          </a:prstGeom>
+          <a:solidFill>
+            <a:schemeClr val="tx1"/>
+          </a:solidFill>
+          <a:ln>
+            <a:solidFill>
+              <a:schemeClr val="accent6"/>
+            </a:solidFill>
+          </a:ln>
+        </p:spPr>
+        <p:style>
+          <a:lnRef idx="2">
+            <a:schemeClr val="accent1">
+              <a:shade val="50000"/>
+            </a:schemeClr>
+          </a:lnRef>
+          <a:fillRef idx="1">
+            <a:schemeClr val="accent1"/>
+          </a:fillRef>
+          <a:effectRef idx="0">
+            <a:schemeClr val="accent1"/>
+          </a:effectRef>
+          <a:fontRef idx="minor">
+            <a:schemeClr val="lt1"/>
+          </a:fontRef>
+        </p:style>
+        <p:txBody>
+          <a:bodyPr rtlCol="0" anchor="ctr"/>
+          <a:lstStyle/>
+          <a:p>
+            <a:pPr algn="ctr"/>
+            <a:endParaRPr kumimoji="1" lang="ja-JP" altLang="en-US"/>
+          </a:p>
+        </p:txBody>
+      </p:sp>
+      <p:sp>
+        <p:nvSpPr>
+          <p:cNvPr id="4" name="正方形/長方形 3"/>
+          <p:cNvSpPr/>
+          <p:nvPr/>
+        </p:nvSpPr>
+        <p:spPr>
+          <a:xfrm>
+            <a:off x="1248698" y="4198491"/>
+            <a:ext cx="2290916" cy="235524"/>
+          </a:xfrm>
+          <a:prstGeom prst="rect">
+            <a:avLst/>
+          </a:prstGeom>
+          <a:solidFill>
+            <a:schemeClr val="tx1"/>
+          </a:solidFill>
+          <a:ln>
+            <a:solidFill>
+              <a:schemeClr val="accent6"/>
+            </a:solidFill>
+          </a:ln>
+        </p:spPr>
+        <p:style>
+          <a:lnRef idx="2">
+            <a:schemeClr val="accent1">
+              <a:shade val="50000"/>
+            </a:schemeClr>
+          </a:lnRef>
+          <a:fillRef idx="1">
+            <a:schemeClr val="accent1"/>
+          </a:fillRef>
+          <a:effectRef idx="0">
+            <a:schemeClr val="accent1"/>
+          </a:effectRef>
+          <a:fontRef idx="minor">
+            <a:schemeClr val="lt1"/>
+          </a:fontRef>
+        </p:style>
+        <p:txBody>
+          <a:bodyPr rtlCol="0" anchor="ctr"/>
+          <a:lstStyle/>
+          <a:p>
+            <a:pPr algn="ctr"/>
+            <a:endParaRPr kumimoji="1" lang="ja-JP" altLang="en-US"/>
+          </a:p>
+        </p:txBody>
+      </p:sp>
+      <p:sp>
+        <p:nvSpPr>
+          <p:cNvPr id="5" name="正方形/長方形 4"/>
+          <p:cNvSpPr/>
+          <p:nvPr/>
+        </p:nvSpPr>
+        <p:spPr>
+          <a:xfrm>
+            <a:off x="4595505" y="4941353"/>
+            <a:ext cx="2290916" cy="235524"/>
+          </a:xfrm>
+          <a:prstGeom prst="rect">
+            <a:avLst/>
+          </a:prstGeom>
+          <a:solidFill>
+            <a:schemeClr val="tx1"/>
+          </a:solidFill>
+          <a:ln>
+            <a:solidFill>
+              <a:schemeClr val="accent6"/>
+            </a:solidFill>
+          </a:ln>
+        </p:spPr>
+        <p:style>
+          <a:lnRef idx="2">
+            <a:schemeClr val="accent1">
+              <a:shade val="50000"/>
+            </a:schemeClr>
+          </a:lnRef>
+          <a:fillRef idx="1">
+            <a:schemeClr val="accent1"/>
+          </a:fillRef>
+          <a:effectRef idx="0">
+            <a:schemeClr val="accent1"/>
+          </a:effectRef>
+          <a:fontRef idx="minor">
+            <a:schemeClr val="lt1"/>
+          </a:fontRef>
+        </p:style>
+        <p:txBody>
+          <a:bodyPr rtlCol="0" anchor="ctr"/>
+          <a:lstStyle/>
+          <a:p>
+            <a:pPr algn="ctr"/>
+            <a:endParaRPr kumimoji="1" lang="ja-JP" altLang="en-US"/>
+          </a:p>
+        </p:txBody>
+      </p:sp>
+      <p:sp>
+        <p:nvSpPr>
+          <p:cNvPr id="6" name="正方形/長方形 5"/>
+          <p:cNvSpPr/>
+          <p:nvPr/>
+        </p:nvSpPr>
+        <p:spPr>
+          <a:xfrm>
+            <a:off x="7658252" y="4120346"/>
+            <a:ext cx="2290916" cy="235524"/>
+          </a:xfrm>
+          <a:prstGeom prst="rect">
+            <a:avLst/>
+          </a:prstGeom>
+          <a:solidFill>
+            <a:schemeClr val="tx1"/>
+          </a:solidFill>
+          <a:ln>
+            <a:solidFill>
+              <a:schemeClr val="accent6"/>
+            </a:solidFill>
+          </a:ln>
+        </p:spPr>
+        <p:style>
+          <a:lnRef idx="2">
+            <a:schemeClr val="accent1">
+              <a:shade val="50000"/>
+            </a:schemeClr>
+          </a:lnRef>
+          <a:fillRef idx="1">
+            <a:schemeClr val="accent1"/>
+          </a:fillRef>
+          <a:effectRef idx="0">
+            <a:schemeClr val="accent1"/>
+          </a:effectRef>
+          <a:fontRef idx="minor">
+            <a:schemeClr val="lt1"/>
+          </a:fontRef>
+        </p:style>
+        <p:txBody>
+          <a:bodyPr rtlCol="0" anchor="ctr"/>
+          <a:lstStyle/>
+          <a:p>
+            <a:pPr algn="ctr"/>
+            <a:endParaRPr kumimoji="1" lang="ja-JP" altLang="en-US"/>
+          </a:p>
+        </p:txBody>
+      </p:sp>
+      <p:pic>
+        <p:nvPicPr>
+          <p:cNvPr id="7" name="図 6"/>
+          <p:cNvPicPr>
+            <a:picLocks noChangeAspect="1"/>
+          </p:cNvPicPr>
+          <p:nvPr/>
+        </p:nvPicPr>
+        <p:blipFill>
+          <a:blip r:embed="rId2" cstate="print">
+            <a:extLst>
+              <a:ext uri="{28A0092B-C50C-407E-A947-70E740481C1C}">
+                <a14:useLocalDpi xmlns:a14="http://schemas.microsoft.com/office/drawing/2010/main" val="0"/>
+              </a:ext>
+            </a:extLst>
+          </a:blip>
+          <a:stretch>
+            <a:fillRect/>
+          </a:stretch>
+        </p:blipFill>
+        <p:spPr>
+          <a:xfrm>
+            <a:off x="5892098" y="3433386"/>
+            <a:ext cx="1087785" cy="1447384"/>
+          </a:xfrm>
+          <a:prstGeom prst="rect">
+            <a:avLst/>
+          </a:prstGeom>
+        </p:spPr>
+      </p:pic>
+      <p:pic>
+        <p:nvPicPr>
+          <p:cNvPr id="8" name="図 7"/>
+          <p:cNvPicPr>
+            <a:picLocks noChangeAspect="1"/>
+          </p:cNvPicPr>
+          <p:nvPr/>
+        </p:nvPicPr>
+        <p:blipFill>
+          <a:blip r:embed="rId3" cstate="print">
+            <a:extLst>
+              <a:ext uri="{28A0092B-C50C-407E-A947-70E740481C1C}">
+                <a14:useLocalDpi xmlns:a14="http://schemas.microsoft.com/office/drawing/2010/main" val="0"/>
+              </a:ext>
+            </a:extLst>
+          </a:blip>
+          <a:stretch>
+            <a:fillRect/>
+          </a:stretch>
+        </p:blipFill>
+        <p:spPr>
+          <a:xfrm flipH="1">
+            <a:off x="2562463" y="4856125"/>
+            <a:ext cx="1227507" cy="1633295"/>
+          </a:xfrm>
+          <a:prstGeom prst="rect">
+            <a:avLst/>
+          </a:prstGeom>
+        </p:spPr>
+      </p:pic>
+      <p:sp>
+        <p:nvSpPr>
+          <p:cNvPr id="9" name="テキスト ボックス 8"/>
+          <p:cNvSpPr txBox="1"/>
+          <p:nvPr/>
+        </p:nvSpPr>
+        <p:spPr>
+          <a:xfrm>
+            <a:off x="427638" y="1072857"/>
+            <a:ext cx="7164141" cy="646331"/>
+          </a:xfrm>
+          <a:prstGeom prst="rect">
+            <a:avLst/>
+          </a:prstGeom>
+          <a:noFill/>
+        </p:spPr>
+        <p:txBody>
+          <a:bodyPr wrap="none" rtlCol="0">
+            <a:spAutoFit/>
+          </a:bodyPr>
+          <a:lstStyle/>
+          <a:p>
+            <a:r>
+              <a:rPr kumimoji="1" lang="en-US" altLang="ja-JP" sz="3600" b="1" dirty="0" smtClean="0"/>
+              <a:t>2</a:t>
+            </a:r>
+            <a:r>
+              <a:rPr kumimoji="1" lang="ja-JP" altLang="en-US" sz="3600" b="1" dirty="0" smtClean="0"/>
+              <a:t>人プレイモード（</a:t>
+            </a:r>
+            <a:r>
+              <a:rPr kumimoji="1" lang="en-US" altLang="ja-JP" sz="3600" b="1" dirty="0" smtClean="0"/>
+              <a:t>1vs1</a:t>
+            </a:r>
+            <a:r>
+              <a:rPr kumimoji="1" lang="ja-JP" altLang="en-US" sz="3600" b="1" dirty="0" smtClean="0"/>
+              <a:t>の対戦）</a:t>
+            </a:r>
+            <a:endParaRPr kumimoji="1" lang="en-US" altLang="ja-JP" sz="3600" b="1" dirty="0" smtClean="0"/>
+          </a:p>
+        </p:txBody>
+      </p:sp>
+      <p:sp>
+        <p:nvSpPr>
+          <p:cNvPr id="10" name="テキスト ボックス 9"/>
+          <p:cNvSpPr txBox="1"/>
+          <p:nvPr/>
+        </p:nvSpPr>
+        <p:spPr>
+          <a:xfrm>
+            <a:off x="693109" y="1924367"/>
+            <a:ext cx="4185761" cy="461665"/>
+          </a:xfrm>
+          <a:prstGeom prst="rect">
+            <a:avLst/>
+          </a:prstGeom>
+          <a:noFill/>
+        </p:spPr>
+        <p:txBody>
+          <a:bodyPr wrap="none" rtlCol="0">
+            <a:spAutoFit/>
+          </a:bodyPr>
+          <a:lstStyle/>
+          <a:p>
+            <a:r>
+              <a:rPr kumimoji="1" lang="ja-JP" altLang="en-US" sz="2400" dirty="0" smtClean="0"/>
+              <a:t>このゲーム基本プレイモード</a:t>
+            </a:r>
+            <a:endParaRPr kumimoji="1" lang="en-US" altLang="ja-JP" sz="2400" dirty="0" smtClean="0"/>
           </a:p>
         </p:txBody>
       </p:sp>
@@ -6966,7 +8961,7 @@
       </p:grpSpPr>
       <p:sp>
         <p:nvSpPr>
-          <p:cNvPr id="2" name="テキスト ボックス 1"/>
+          <p:cNvPr id="5" name="テキスト ボックス 4"/>
           <p:cNvSpPr txBox="1"/>
           <p:nvPr/>
         </p:nvSpPr>
@@ -6994,11 +8989,11 @@
               <a:t>　</a:t>
             </a:r>
             <a:r>
-              <a:rPr kumimoji="1" lang="ja-JP" altLang="en-US" sz="4000" u="sng" dirty="0">
+              <a:rPr kumimoji="1" lang="ja-JP" altLang="en-US" sz="4000" u="sng" dirty="0" smtClean="0">
                 <a:latin typeface="小塚ゴシック Pro B" panose="020B0800000000000000" pitchFamily="34" charset="-128"/>
                 <a:ea typeface="小塚ゴシック Pro B" panose="020B0800000000000000" pitchFamily="34" charset="-128"/>
               </a:rPr>
-              <a:t>システム</a:t>
+              <a:t>プレイモード</a:t>
             </a:r>
             <a:endParaRPr kumimoji="1" lang="en-US" altLang="ja-JP" sz="4000" u="sng" dirty="0" smtClean="0">
               <a:latin typeface="小塚ゴシック Pro B" panose="020B0800000000000000" pitchFamily="34" charset="-128"/>
@@ -7007,6 +9002,257 @@
           </a:p>
         </p:txBody>
       </p:sp>
+      <p:sp>
+        <p:nvSpPr>
+          <p:cNvPr id="6" name="テキスト ボックス 5"/>
+          <p:cNvSpPr txBox="1"/>
+          <p:nvPr/>
+        </p:nvSpPr>
+        <p:spPr>
+          <a:xfrm>
+            <a:off x="427638" y="1072857"/>
+            <a:ext cx="7829387" cy="646331"/>
+          </a:xfrm>
+          <a:prstGeom prst="rect">
+            <a:avLst/>
+          </a:prstGeom>
+          <a:noFill/>
+        </p:spPr>
+        <p:txBody>
+          <a:bodyPr wrap="none" rtlCol="0">
+            <a:spAutoFit/>
+          </a:bodyPr>
+          <a:lstStyle/>
+          <a:p>
+            <a:r>
+              <a:rPr kumimoji="1" lang="en-US" altLang="ja-JP" sz="3600" b="1" dirty="0" smtClean="0"/>
+              <a:t>1</a:t>
+            </a:r>
+            <a:r>
+              <a:rPr kumimoji="1" lang="ja-JP" altLang="en-US" sz="3600" b="1" dirty="0" smtClean="0"/>
+              <a:t>人プレイモード（ターゲット破壊）</a:t>
+            </a:r>
+            <a:endParaRPr kumimoji="1" lang="en-US" altLang="ja-JP" sz="3600" b="1" dirty="0" smtClean="0"/>
+          </a:p>
+        </p:txBody>
+      </p:sp>
+      <p:sp>
+        <p:nvSpPr>
+          <p:cNvPr id="7" name="正方形/長方形 6"/>
+          <p:cNvSpPr/>
+          <p:nvPr/>
+        </p:nvSpPr>
+        <p:spPr>
+          <a:xfrm>
+            <a:off x="1303651" y="6356621"/>
+            <a:ext cx="10003446" cy="191663"/>
+          </a:xfrm>
+          <a:prstGeom prst="rect">
+            <a:avLst/>
+          </a:prstGeom>
+          <a:solidFill>
+            <a:schemeClr val="tx1"/>
+          </a:solidFill>
+          <a:ln>
+            <a:solidFill>
+              <a:schemeClr val="accent6"/>
+            </a:solidFill>
+          </a:ln>
+        </p:spPr>
+        <p:style>
+          <a:lnRef idx="2">
+            <a:schemeClr val="accent1">
+              <a:shade val="50000"/>
+            </a:schemeClr>
+          </a:lnRef>
+          <a:fillRef idx="1">
+            <a:schemeClr val="accent1"/>
+          </a:fillRef>
+          <a:effectRef idx="0">
+            <a:schemeClr val="accent1"/>
+          </a:effectRef>
+          <a:fontRef idx="minor">
+            <a:schemeClr val="lt1"/>
+          </a:fontRef>
+        </p:style>
+        <p:txBody>
+          <a:bodyPr rtlCol="0" anchor="ctr"/>
+          <a:lstStyle/>
+          <a:p>
+            <a:pPr algn="ctr"/>
+            <a:endParaRPr kumimoji="1" lang="ja-JP" altLang="en-US"/>
+          </a:p>
+        </p:txBody>
+      </p:sp>
+      <p:pic>
+        <p:nvPicPr>
+          <p:cNvPr id="8" name="図 7"/>
+          <p:cNvPicPr>
+            <a:picLocks noChangeAspect="1"/>
+          </p:cNvPicPr>
+          <p:nvPr/>
+        </p:nvPicPr>
+        <p:blipFill>
+          <a:blip r:embed="rId2" cstate="print">
+            <a:extLst>
+              <a:ext uri="{28A0092B-C50C-407E-A947-70E740481C1C}">
+                <a14:useLocalDpi xmlns:a14="http://schemas.microsoft.com/office/drawing/2010/main" val="0"/>
+              </a:ext>
+            </a:extLst>
+          </a:blip>
+          <a:stretch>
+            <a:fillRect/>
+          </a:stretch>
+        </p:blipFill>
+        <p:spPr>
+          <a:xfrm flipH="1">
+            <a:off x="3388373" y="4723326"/>
+            <a:ext cx="1227507" cy="1633295"/>
+          </a:xfrm>
+          <a:prstGeom prst="rect">
+            <a:avLst/>
+          </a:prstGeom>
+        </p:spPr>
+      </p:pic>
+      <p:sp>
+        <p:nvSpPr>
+          <p:cNvPr id="9" name="テキスト ボックス 8"/>
+          <p:cNvSpPr txBox="1"/>
+          <p:nvPr/>
+        </p:nvSpPr>
+        <p:spPr>
+          <a:xfrm>
+            <a:off x="693109" y="1924367"/>
+            <a:ext cx="10341293" cy="830997"/>
+          </a:xfrm>
+          <a:prstGeom prst="rect">
+            <a:avLst/>
+          </a:prstGeom>
+          <a:noFill/>
+        </p:spPr>
+        <p:txBody>
+          <a:bodyPr wrap="none" rtlCol="0">
+            <a:spAutoFit/>
+          </a:bodyPr>
+          <a:lstStyle/>
+          <a:p>
+            <a:r>
+              <a:rPr kumimoji="1" lang="en-US" altLang="ja-JP" sz="2400" dirty="0" smtClean="0"/>
+              <a:t>1</a:t>
+            </a:r>
+            <a:r>
+              <a:rPr kumimoji="1" lang="ja-JP" altLang="en-US" sz="2400" dirty="0" smtClean="0"/>
+              <a:t>人</a:t>
+            </a:r>
+            <a:r>
+              <a:rPr kumimoji="1" lang="ja-JP" altLang="en-US" sz="2400" dirty="0" err="1" smtClean="0"/>
+              <a:t>ぷれい</a:t>
+            </a:r>
+            <a:r>
+              <a:rPr kumimoji="1" lang="ja-JP" altLang="en-US" sz="2400" dirty="0" smtClean="0"/>
+              <a:t>専用のモード</a:t>
+            </a:r>
+            <a:endParaRPr kumimoji="1" lang="en-US" altLang="ja-JP" sz="2400" dirty="0" smtClean="0"/>
+          </a:p>
+          <a:p>
+            <a:r>
+              <a:rPr kumimoji="1" lang="ja-JP" altLang="en-US" sz="2400" dirty="0" smtClean="0"/>
+              <a:t>時間内にフィールド上に配置されるターゲットを攻撃して破壊数を競う</a:t>
+            </a:r>
+            <a:endParaRPr kumimoji="1" lang="en-US" altLang="ja-JP" sz="2400" dirty="0"/>
+          </a:p>
+        </p:txBody>
+      </p:sp>
+      <p:pic>
+        <p:nvPicPr>
+          <p:cNvPr id="10" name="図 9"/>
+          <p:cNvPicPr>
+            <a:picLocks noChangeAspect="1"/>
+          </p:cNvPicPr>
+          <p:nvPr/>
+        </p:nvPicPr>
+        <p:blipFill>
+          <a:blip r:embed="rId3" cstate="print">
+            <a:extLst>
+              <a:ext uri="{28A0092B-C50C-407E-A947-70E740481C1C}">
+                <a14:useLocalDpi xmlns:a14="http://schemas.microsoft.com/office/drawing/2010/main" val="0"/>
+              </a:ext>
+            </a:extLst>
+          </a:blip>
+          <a:stretch>
+            <a:fillRect/>
+          </a:stretch>
+        </p:blipFill>
+        <p:spPr>
+          <a:xfrm>
+            <a:off x="7326189" y="5074556"/>
+            <a:ext cx="930836" cy="930836"/>
+          </a:xfrm>
+          <a:prstGeom prst="rect">
+            <a:avLst/>
+          </a:prstGeom>
+        </p:spPr>
+      </p:pic>
+      <p:pic>
+        <p:nvPicPr>
+          <p:cNvPr id="11" name="図 10"/>
+          <p:cNvPicPr>
+            <a:picLocks noChangeAspect="1"/>
+          </p:cNvPicPr>
+          <p:nvPr/>
+        </p:nvPicPr>
+        <p:blipFill>
+          <a:blip r:embed="rId3" cstate="print">
+            <a:extLst>
+              <a:ext uri="{28A0092B-C50C-407E-A947-70E740481C1C}">
+                <a14:useLocalDpi xmlns:a14="http://schemas.microsoft.com/office/drawing/2010/main" val="0"/>
+              </a:ext>
+            </a:extLst>
+          </a:blip>
+          <a:stretch>
+            <a:fillRect/>
+          </a:stretch>
+        </p:blipFill>
+        <p:spPr>
+          <a:xfrm>
+            <a:off x="5863755" y="3352483"/>
+            <a:ext cx="930836" cy="930836"/>
+          </a:xfrm>
+          <a:prstGeom prst="rect">
+            <a:avLst/>
+          </a:prstGeom>
+        </p:spPr>
+      </p:pic>
+      <p:pic>
+        <p:nvPicPr>
+          <p:cNvPr id="12" name="図 11"/>
+          <p:cNvPicPr>
+            <a:picLocks noChangeAspect="1"/>
+          </p:cNvPicPr>
+          <p:nvPr/>
+        </p:nvPicPr>
+        <p:blipFill>
+          <a:blip r:embed="rId3" cstate="print">
+            <a:extLst>
+              <a:ext uri="{28A0092B-C50C-407E-A947-70E740481C1C}">
+                <a14:useLocalDpi xmlns:a14="http://schemas.microsoft.com/office/drawing/2010/main" val="0"/>
+              </a:ext>
+            </a:extLst>
+          </a:blip>
+          <a:stretch>
+            <a:fillRect/>
+          </a:stretch>
+        </p:blipFill>
+        <p:spPr>
+          <a:xfrm>
+            <a:off x="9132981" y="4090574"/>
+            <a:ext cx="930836" cy="930836"/>
+          </a:xfrm>
+          <a:prstGeom prst="rect">
+            <a:avLst/>
+          </a:prstGeom>
+        </p:spPr>
+      </p:pic>
     </p:spTree>
     <p:extLst>
       <p:ext uri="{BB962C8B-B14F-4D97-AF65-F5344CB8AC3E}">
@@ -7071,14 +9317,7 @@
                 <a:latin typeface="小塚ゴシック Pro B" panose="020B0800000000000000" pitchFamily="34" charset="-128"/>
                 <a:ea typeface="小塚ゴシック Pro B" panose="020B0800000000000000" pitchFamily="34" charset="-128"/>
               </a:rPr>
-              <a:t>プレイ</a:t>
-            </a:r>
-            <a:r>
-              <a:rPr kumimoji="1" lang="ja-JP" altLang="en-US" sz="4000" u="sng" dirty="0">
-                <a:latin typeface="小塚ゴシック Pro B" panose="020B0800000000000000" pitchFamily="34" charset="-128"/>
-                <a:ea typeface="小塚ゴシック Pro B" panose="020B0800000000000000" pitchFamily="34" charset="-128"/>
-              </a:rPr>
-              <a:t>モード</a:t>
+              <a:t>制作環境</a:t>
             </a:r>
             <a:endParaRPr kumimoji="1" lang="en-US" altLang="ja-JP" sz="4000" u="sng" dirty="0" smtClean="0">
               <a:latin typeface="小塚ゴシック Pro B" panose="020B0800000000000000" pitchFamily="34" charset="-128"/>
@@ -7087,6 +9326,128 @@
           </a:p>
         </p:txBody>
       </p:sp>
+      <p:sp>
+        <p:nvSpPr>
+          <p:cNvPr id="4" name="テキスト ボックス 3"/>
+          <p:cNvSpPr txBox="1"/>
+          <p:nvPr/>
+        </p:nvSpPr>
+        <p:spPr>
+          <a:xfrm>
+            <a:off x="501445" y="1980126"/>
+            <a:ext cx="5378395" cy="3416320"/>
+          </a:xfrm>
+          <a:prstGeom prst="rect">
+            <a:avLst/>
+          </a:prstGeom>
+          <a:noFill/>
+        </p:spPr>
+        <p:txBody>
+          <a:bodyPr wrap="none" rtlCol="0">
+            <a:spAutoFit/>
+          </a:bodyPr>
+          <a:lstStyle/>
+          <a:p>
+            <a:r>
+              <a:rPr kumimoji="1" lang="en-US" altLang="ja-JP" sz="3600" b="1" dirty="0" smtClean="0"/>
+              <a:t>Unity (2020.1.6f1)</a:t>
+            </a:r>
+          </a:p>
+          <a:p>
+            <a:endParaRPr kumimoji="1" lang="en-US" altLang="ja-JP" sz="3600" b="1" dirty="0"/>
+          </a:p>
+          <a:p>
+            <a:r>
+              <a:rPr kumimoji="1" lang="en-US" altLang="ja-JP" sz="3600" b="1" dirty="0" err="1" smtClean="0"/>
+              <a:t>PlayMaker</a:t>
+            </a:r>
+            <a:r>
+              <a:rPr kumimoji="1" lang="en-US" altLang="ja-JP" sz="3600" b="1" dirty="0" smtClean="0"/>
+              <a:t>(</a:t>
+            </a:r>
+            <a:r>
+              <a:rPr kumimoji="1" lang="en-US" altLang="ja-JP" sz="3600" b="1" dirty="0" err="1" smtClean="0"/>
+              <a:t>UnityAssets</a:t>
+            </a:r>
+            <a:r>
+              <a:rPr kumimoji="1" lang="en-US" altLang="ja-JP" sz="3600" b="1" dirty="0" smtClean="0"/>
+              <a:t>)</a:t>
+            </a:r>
+          </a:p>
+          <a:p>
+            <a:endParaRPr kumimoji="1" lang="en-US" altLang="ja-JP" sz="3600" b="1" dirty="0"/>
+          </a:p>
+          <a:p>
+            <a:endParaRPr kumimoji="1" lang="en-US" altLang="ja-JP" sz="3600" b="1" dirty="0" smtClean="0"/>
+          </a:p>
+          <a:p>
+            <a:r>
+              <a:rPr kumimoji="1" lang="en-US" altLang="ja-JP" sz="3600" b="1" dirty="0" smtClean="0"/>
+              <a:t>Blender (2.90)</a:t>
+            </a:r>
+          </a:p>
+        </p:txBody>
+      </p:sp>
+      <p:pic>
+        <p:nvPicPr>
+          <p:cNvPr id="5" name="図 4"/>
+          <p:cNvPicPr>
+            <a:picLocks noChangeAspect="1"/>
+          </p:cNvPicPr>
+          <p:nvPr/>
+        </p:nvPicPr>
+        <p:blipFill>
+          <a:blip r:embed="rId2" cstate="print">
+            <a:extLst>
+              <a:ext uri="{28A0092B-C50C-407E-A947-70E740481C1C}">
+                <a14:useLocalDpi xmlns:a14="http://schemas.microsoft.com/office/drawing/2010/main" val="0"/>
+              </a:ext>
+            </a:extLst>
+          </a:blip>
+          <a:stretch>
+            <a:fillRect/>
+          </a:stretch>
+        </p:blipFill>
+        <p:spPr>
+          <a:xfrm>
+            <a:off x="6213987" y="1751331"/>
+            <a:ext cx="1936955" cy="1936955"/>
+          </a:xfrm>
+          <a:prstGeom prst="rect">
+            <a:avLst/>
+          </a:prstGeom>
+        </p:spPr>
+      </p:pic>
+      <p:pic>
+        <p:nvPicPr>
+          <p:cNvPr id="6" name="図 5"/>
+          <p:cNvPicPr>
+            <a:picLocks noChangeAspect="1"/>
+          </p:cNvPicPr>
+          <p:nvPr/>
+        </p:nvPicPr>
+        <p:blipFill>
+          <a:blip r:embed="rId3">
+            <a:extLst>
+              <a:ext uri="{28A0092B-C50C-407E-A947-70E740481C1C}">
+                <a14:useLocalDpi xmlns:a14="http://schemas.microsoft.com/office/drawing/2010/main" val="0"/>
+              </a:ext>
+            </a:extLst>
+          </a:blip>
+          <a:stretch>
+            <a:fillRect/>
+          </a:stretch>
+        </p:blipFill>
+        <p:spPr>
+          <a:xfrm>
+            <a:off x="4859435" y="4222339"/>
+            <a:ext cx="2040809" cy="2040809"/>
+          </a:xfrm>
+          <a:prstGeom prst="rect">
+            <a:avLst/>
+          </a:prstGeom>
+        </p:spPr>
+      </p:pic>
     </p:spTree>
     <p:extLst>
       <p:ext uri="{BB962C8B-B14F-4D97-AF65-F5344CB8AC3E}">
@@ -7266,11 +9627,7 @@
           <a:p>
             <a:r>
               <a:rPr kumimoji="1" lang="ja-JP" altLang="en-US" sz="2400" dirty="0" smtClean="0"/>
-              <a:t>・</a:t>
-            </a:r>
-            <a:r>
-              <a:rPr kumimoji="1" lang="ja-JP" altLang="en-US" sz="2400" dirty="0" smtClean="0"/>
-              <a:t>既存ゲームとの</a:t>
+              <a:t>・既存ゲームとの</a:t>
             </a:r>
             <a:r>
               <a:rPr kumimoji="1" lang="ja-JP" altLang="en-US" sz="2400" dirty="0"/>
@@ -7311,11 +9668,7 @@
           <a:p>
             <a:r>
               <a:rPr kumimoji="1" lang="ja-JP" altLang="en-US" sz="2400" dirty="0" smtClean="0"/>
-              <a:t>剣</a:t>
-            </a:r>
-            <a:r>
-              <a:rPr kumimoji="1" lang="ja-JP" altLang="en-US" sz="2400" dirty="0" smtClean="0"/>
-              <a:t>をカスタムして戦う</a:t>
+              <a:t>剣をカスタムして戦う</a:t>
             </a:r>
             <a:r>
               <a:rPr kumimoji="1" lang="en-US" altLang="ja-JP" sz="2400" dirty="0" smtClean="0"/>
@@ -7449,18 +9802,18 @@
               <a:t>　</a:t>
             </a:r>
             <a:r>
+              <a:rPr kumimoji="1" lang="ja-JP" altLang="en-US" sz="4000" u="sng" dirty="0" smtClean="0">
+                <a:latin typeface="小塚ゴシック Pro B" panose="020B0800000000000000" pitchFamily="34" charset="-128"/>
+                <a:ea typeface="小塚ゴシック Pro B" panose="020B0800000000000000" pitchFamily="34" charset="-128"/>
+              </a:rPr>
+              <a:t>使用</a:t>
+            </a:r>
+            <a:r>
               <a:rPr kumimoji="1" lang="ja-JP" altLang="en-US" sz="4000" u="sng" dirty="0">
                 <a:latin typeface="小塚ゴシック Pro B" panose="020B0800000000000000" pitchFamily="34" charset="-128"/>
                 <a:ea typeface="小塚ゴシック Pro B" panose="020B0800000000000000" pitchFamily="34" charset="-128"/>
               </a:rPr>
-              <a:t>キャラクタ</a:t>
-            </a:r>
-            <a:r>
-              <a:rPr kumimoji="1" lang="ja-JP" altLang="en-US" sz="4000" u="sng" dirty="0" smtClean="0">
-                <a:latin typeface="小塚ゴシック Pro B" panose="020B0800000000000000" pitchFamily="34" charset="-128"/>
-                <a:ea typeface="小塚ゴシック Pro B" panose="020B0800000000000000" pitchFamily="34" charset="-128"/>
-              </a:rPr>
-              <a:t>ー</a:t>
+              <a:t>素材</a:t>
             </a:r>
             <a:endParaRPr kumimoji="1" lang="en-US" altLang="ja-JP" sz="4000" u="sng" dirty="0" smtClean="0">
               <a:latin typeface="小塚ゴシック Pro B" panose="020B0800000000000000" pitchFamily="34" charset="-128"/>
@@ -7469,6 +9822,104 @@
           </a:p>
         </p:txBody>
       </p:sp>
+      <p:sp>
+        <p:nvSpPr>
+          <p:cNvPr id="3" name="テキスト ボックス 2"/>
+          <p:cNvSpPr txBox="1"/>
+          <p:nvPr/>
+        </p:nvSpPr>
+        <p:spPr>
+          <a:xfrm>
+            <a:off x="835742" y="1821247"/>
+            <a:ext cx="5495415" cy="646331"/>
+          </a:xfrm>
+          <a:prstGeom prst="rect">
+            <a:avLst/>
+          </a:prstGeom>
+          <a:noFill/>
+        </p:spPr>
+        <p:txBody>
+          <a:bodyPr wrap="none" rtlCol="0">
+            <a:spAutoFit/>
+          </a:bodyPr>
+          <a:lstStyle/>
+          <a:p>
+            <a:r>
+              <a:rPr kumimoji="1" lang="en-US" altLang="ja-JP" sz="3600" b="1" dirty="0" smtClean="0"/>
+              <a:t>SD</a:t>
+            </a:r>
+            <a:r>
+              <a:rPr kumimoji="1" lang="ja-JP" altLang="en-US" sz="3600" b="1" dirty="0"/>
+              <a:t> ユニティ</a:t>
+            </a:r>
+            <a:r>
+              <a:rPr kumimoji="1" lang="ja-JP" altLang="en-US" sz="3600" b="1" dirty="0" smtClean="0"/>
+              <a:t>ちゃんモデル</a:t>
+            </a:r>
+            <a:endParaRPr kumimoji="1" lang="en-US" altLang="ja-JP" sz="3600" b="1" dirty="0" smtClean="0"/>
+          </a:p>
+        </p:txBody>
+      </p:sp>
+      <p:pic>
+        <p:nvPicPr>
+          <p:cNvPr id="4" name="図 3"/>
+          <p:cNvPicPr>
+            <a:picLocks noChangeAspect="1"/>
+          </p:cNvPicPr>
+          <p:nvPr/>
+        </p:nvPicPr>
+        <p:blipFill>
+          <a:blip r:embed="rId2">
+            <a:extLst>
+              <a:ext uri="{28A0092B-C50C-407E-A947-70E740481C1C}">
+                <a14:useLocalDpi xmlns:a14="http://schemas.microsoft.com/office/drawing/2010/main" val="0"/>
+              </a:ext>
+            </a:extLst>
+          </a:blip>
+          <a:stretch>
+            <a:fillRect/>
+          </a:stretch>
+        </p:blipFill>
+        <p:spPr>
+          <a:xfrm>
+            <a:off x="5715151" y="3010053"/>
+            <a:ext cx="3713983" cy="3209942"/>
+          </a:xfrm>
+          <a:prstGeom prst="rect">
+            <a:avLst/>
+          </a:prstGeom>
+        </p:spPr>
+      </p:pic>
+      <p:pic>
+        <p:nvPicPr>
+          <p:cNvPr id="5" name="図 4"/>
+          <p:cNvPicPr>
+            <a:picLocks noChangeAspect="1"/>
+          </p:cNvPicPr>
+          <p:nvPr/>
+        </p:nvPicPr>
+        <p:blipFill>
+          <a:blip r:embed="rId3" cstate="print">
+            <a:extLst>
+              <a:ext uri="{28A0092B-C50C-407E-A947-70E740481C1C}">
+                <a14:useLocalDpi xmlns:a14="http://schemas.microsoft.com/office/drawing/2010/main" val="0"/>
+              </a:ext>
+            </a:extLst>
+          </a:blip>
+          <a:stretch>
+            <a:fillRect/>
+          </a:stretch>
+        </p:blipFill>
+        <p:spPr>
+          <a:xfrm>
+            <a:off x="2191318" y="2715086"/>
+            <a:ext cx="2999037" cy="3990454"/>
+          </a:xfrm>
+          <a:prstGeom prst="rect">
+            <a:avLst/>
+          </a:prstGeom>
+        </p:spPr>
+      </p:pic>
     </p:spTree>
     <p:extLst>
       <p:ext uri="{BB962C8B-B14F-4D97-AF65-F5344CB8AC3E}">
@@ -7623,11 +10074,7 @@
           <a:p>
             <a:r>
               <a:rPr kumimoji="1" lang="ja-JP" altLang="en-US" sz="2400" dirty="0" smtClean="0"/>
-              <a:t>・剣</a:t>
-            </a:r>
-            <a:r>
-              <a:rPr kumimoji="1" lang="ja-JP" altLang="en-US" sz="2400" dirty="0" smtClean="0"/>
-              <a:t>のパーツは大まかに柄と剣身の</a:t>
+              <a:t>・剣のパーツは大まかに柄と剣身の</a:t>
             </a:r>
             <a:r>
               <a:rPr kumimoji="1" lang="en-US" altLang="ja-JP" sz="2400" dirty="0" smtClean="0"/>
@@ -8359,7 +10806,7 @@
         </p:nvSpPr>
         <p:spPr>
           <a:xfrm>
-            <a:off x="304799" y="2046353"/>
+            <a:off x="304799" y="1997804"/>
             <a:ext cx="9190336" cy="461665"/>
           </a:xfrm>
           <a:prstGeom prst="rect">
@@ -8375,11 +10822,7 @@
           <a:p>
             <a:r>
               <a:rPr kumimoji="1" lang="ja-JP" altLang="en-US" sz="2400" dirty="0" smtClean="0"/>
-              <a:t>・</a:t>
-            </a:r>
-            <a:r>
-              <a:rPr kumimoji="1" lang="ja-JP" altLang="en-US" sz="2400" dirty="0" smtClean="0"/>
-              <a:t>フィールド上を動き回り相手の</a:t>
+              <a:t>・フィールド上を動き回り相手の</a:t>
             </a:r>
             <a:r>
               <a:rPr kumimoji="1" lang="en-US" altLang="ja-JP" sz="2400" dirty="0" smtClean="0"/>
@@ -8409,7 +10852,7 @@
         </p:nvSpPr>
         <p:spPr>
           <a:xfrm>
-            <a:off x="1170040" y="3706878"/>
+            <a:off x="1238866" y="3706878"/>
             <a:ext cx="2290916" cy="235524"/>
           </a:xfrm>
           <a:prstGeom prst="rect">
@@ -8457,7 +10900,7 @@
         </p:nvSpPr>
         <p:spPr>
           <a:xfrm>
-            <a:off x="4516847" y="4449740"/>
+            <a:off x="4585673" y="4449740"/>
             <a:ext cx="2290916" cy="235524"/>
           </a:xfrm>
           <a:prstGeom prst="rect">
@@ -8732,11 +11175,7 @@
           <a:p>
             <a:r>
               <a:rPr kumimoji="1" lang="ja-JP" altLang="en-US" sz="2400" dirty="0" smtClean="0"/>
-              <a:t>・本作の</a:t>
-            </a:r>
-            <a:r>
-              <a:rPr kumimoji="1" lang="ja-JP" altLang="en-US" sz="2400" dirty="0" smtClean="0"/>
-              <a:t>メイン要素</a:t>
+              <a:t>・本作のメイン要素</a:t>
             </a:r>
             <a:endParaRPr kumimoji="1" lang="en-US" altLang="ja-JP" sz="2400" dirty="0" smtClean="0"/>
           </a:p>
@@ -8758,11 +11197,7 @@
           <a:p>
             <a:r>
               <a:rPr kumimoji="1" lang="ja-JP" altLang="en-US" sz="2400" dirty="0" smtClean="0"/>
-              <a:t>　オリジナルの性能の装備を</a:t>
-            </a:r>
-            <a:r>
-              <a:rPr kumimoji="1" lang="ja-JP" altLang="en-US" sz="2400" dirty="0" smtClean="0"/>
-              <a:t>作る</a:t>
+              <a:t>　オリジナルの性能の装備を作る</a:t>
             </a:r>
             <a:endParaRPr kumimoji="1" lang="ja-JP" altLang="en-US" sz="2400" dirty="0"/>
           </a:p>
@@ -8792,11 +11227,7 @@
           <a:p>
             <a:r>
               <a:rPr kumimoji="1" lang="ja-JP" altLang="en-US" sz="2400" dirty="0" smtClean="0"/>
-              <a:t>・長さと幅は</a:t>
-            </a:r>
-            <a:r>
-              <a:rPr kumimoji="1" lang="ja-JP" altLang="en-US" sz="2400" dirty="0" smtClean="0"/>
-              <a:t>性能に</a:t>
+              <a:t>・長さと幅は性能に</a:t>
             </a:r>
             <a:r>
               <a:rPr kumimoji="1" lang="en-US" altLang="ja-JP" sz="2400" dirty="0" smtClean="0"/>
@@ -8808,32 +11239,20 @@
             </a:r>
             <a:r>
               <a:rPr kumimoji="1" lang="ja-JP" altLang="en-US" sz="2400" dirty="0" smtClean="0"/>
-              <a:t>要素を用意してトレードオフ</a:t>
-            </a:r>
+              <a:t>要素を用意してトレードオフさせる</a:t>
+            </a:r>
+            <a:endParaRPr kumimoji="1" lang="en-US" altLang="ja-JP" sz="2400" dirty="0" smtClean="0"/>
+          </a:p>
+          <a:p>
+            <a:endParaRPr kumimoji="1" lang="en-US" altLang="ja-JP" sz="2400" dirty="0"/>
+          </a:p>
+          <a:p>
+            <a:endParaRPr kumimoji="1" lang="en-US" altLang="ja-JP" sz="2400" dirty="0"/>
+          </a:p>
+          <a:p>
             <a:r>
               <a:rPr kumimoji="1" lang="ja-JP" altLang="en-US" sz="2400" dirty="0" smtClean="0"/>
-              <a:t>させる</a:t>
-            </a:r>
-            <a:endParaRPr kumimoji="1" lang="en-US" altLang="ja-JP" sz="2400" dirty="0" smtClean="0"/>
-          </a:p>
-          <a:p>
-            <a:endParaRPr kumimoji="1" lang="en-US" altLang="ja-JP" sz="2400" dirty="0"/>
-          </a:p>
-          <a:p>
-            <a:endParaRPr kumimoji="1" lang="en-US" altLang="ja-JP" sz="2400" dirty="0"/>
-          </a:p>
-          <a:p>
-            <a:r>
-              <a:rPr kumimoji="1" lang="ja-JP" altLang="en-US" sz="2400" dirty="0" smtClean="0"/>
-              <a:t>・柄</a:t>
-            </a:r>
-            <a:r>
-              <a:rPr kumimoji="1" lang="ja-JP" altLang="en-US" sz="2400" dirty="0" smtClean="0"/>
-              <a:t>（追加効果）は基本的にはプラスの効果しか用意しない</a:t>
-            </a:r>
-            <a:r>
-              <a:rPr kumimoji="1" lang="ja-JP" altLang="en-US" sz="2400" dirty="0" smtClean="0"/>
-              <a:t>予定</a:t>
+              <a:t>・柄（追加効果）は基本的にはプラスの効果しか用意しない予定</a:t>
             </a:r>
             <a:endParaRPr kumimoji="1" lang="ja-JP" altLang="en-US" sz="2400" dirty="0"/>
           </a:p>
@@ -8996,7 +11415,23 @@
           <a:p>
             <a:r>
               <a:rPr kumimoji="1" lang="ja-JP" altLang="en-US" sz="3600" b="1" dirty="0" smtClean="0"/>
-              <a:t>カスタム要素①：長さ（攻撃範囲、待機時間）</a:t>
+              <a:t>カスタム要素①：長さ（攻撃範囲</a:t>
+            </a:r>
+            <a:r>
+              <a:rPr kumimoji="1" lang="ja-JP" altLang="en-US" sz="3600" b="1" dirty="0" smtClean="0"/>
+              <a:t>、</a:t>
+            </a:r>
+            <a:r>
+              <a:rPr kumimoji="1" lang="ja-JP" altLang="en-US" sz="3600" b="1" dirty="0" smtClean="0"/>
+              <a:t>攻撃</a:t>
+            </a:r>
+            <a:r>
+              <a:rPr kumimoji="1" lang="ja-JP" altLang="en-US" sz="3600" b="1" dirty="0"/>
+              <a:t>回数</a:t>
+            </a:r>
+            <a:r>
+              <a:rPr kumimoji="1" lang="ja-JP" altLang="en-US" sz="3600" b="1" dirty="0" smtClean="0"/>
+              <a:t>）</a:t>
             </a:r>
             <a:endParaRPr kumimoji="1" lang="ja-JP" altLang="en-US" sz="3600" b="1" dirty="0"/>
           </a:p>
@@ -9026,7 +11461,23 @@
           <a:p>
             <a:r>
               <a:rPr kumimoji="1" lang="ja-JP" altLang="en-US" sz="2400" dirty="0" smtClean="0"/>
-              <a:t>剣の長さに持たせる要素は攻撃範囲と待機時間の</a:t>
+              <a:t>剣の長さに持たせる要素は攻撃範囲</a:t>
+            </a:r>
+            <a:r>
+              <a:rPr kumimoji="1" lang="ja-JP" altLang="en-US" sz="2400" dirty="0" smtClean="0"/>
+              <a:t>と</a:t>
+            </a:r>
+            <a:r>
+              <a:rPr kumimoji="1" lang="ja-JP" altLang="en-US" sz="2400" dirty="0" smtClean="0"/>
+              <a:t>攻撃</a:t>
+            </a:r>
+            <a:r>
+              <a:rPr kumimoji="1" lang="ja-JP" altLang="en-US" sz="2400" dirty="0"/>
+              <a:t>回数</a:t>
+            </a:r>
+            <a:r>
+              <a:rPr kumimoji="1" lang="ja-JP" altLang="en-US" sz="2400" dirty="0" smtClean="0"/>
+              <a:t>の</a:t>
             </a:r>
             <a:r>
               <a:rPr kumimoji="1" lang="en-US" altLang="ja-JP" sz="2400" dirty="0" smtClean="0"/>
@@ -9687,7 +12138,7 @@
         <p:spPr>
           <a:xfrm>
             <a:off x="446509" y="1185328"/>
-            <a:ext cx="7571303" cy="461665"/>
+            <a:ext cx="6955750" cy="461665"/>
           </a:xfrm>
           <a:prstGeom prst="rect">
             <a:avLst/>
@@ -9702,7 +12153,11 @@
           <a:p>
             <a:r>
               <a:rPr kumimoji="1" lang="ja-JP" altLang="en-US" sz="2400" dirty="0" smtClean="0"/>
-              <a:t>・待機時間は剣を振った後次の行動に移るまでの時間</a:t>
+              <a:t>・</a:t>
+            </a:r>
+            <a:r>
+              <a:rPr kumimoji="1" lang="ja-JP" altLang="en-US" sz="2400" dirty="0" smtClean="0"/>
+              <a:t>攻撃回数は連続で攻撃を行うことができる回数</a:t>
             </a:r>
             <a:endParaRPr kumimoji="1" lang="ja-JP" altLang="en-US" sz="2400" dirty="0"/>
           </a:p>
@@ -10007,8 +12462,8 @@
         </p:nvSpPr>
         <p:spPr>
           <a:xfrm>
-            <a:off x="1418235" y="4616052"/>
-            <a:ext cx="697627" cy="246221"/>
+            <a:off x="1290250" y="4616052"/>
+            <a:ext cx="870751" cy="246221"/>
           </a:xfrm>
           <a:prstGeom prst="rect">
             <a:avLst/>
@@ -10026,8 +12481,12 @@
               <a:t>＼</a:t>
             </a:r>
             <a:r>
-              <a:rPr kumimoji="1" lang="ja-JP" altLang="en-US" sz="1000" dirty="0"/>
+              <a:rPr kumimoji="1" lang="ja-JP" altLang="en-US" sz="1000" dirty="0" smtClean="0"/>
               <a:t>攻撃</a:t>
+            </a:r>
+            <a:r>
+              <a:rPr kumimoji="1" lang="en-US" altLang="ja-JP" sz="1000" dirty="0" smtClean="0"/>
+              <a:t>×3</a:t>
             </a:r>
             <a:r>
               <a:rPr kumimoji="1" lang="ja-JP" altLang="en-US" sz="1000" dirty="0" smtClean="0"/>
@@ -10046,7 +12505,7 @@
         <p:spPr>
           <a:xfrm>
             <a:off x="446508" y="1838900"/>
-            <a:ext cx="6032421" cy="461665"/>
+            <a:ext cx="5724644" cy="461665"/>
           </a:xfrm>
           <a:prstGeom prst="rect">
             <a:avLst/>
@@ -10061,46 +12520,16 @@
           <a:p>
             <a:r>
               <a:rPr kumimoji="1" lang="ja-JP" altLang="en-US" sz="2400" dirty="0" smtClean="0"/>
-              <a:t>・</a:t>
+              <a:t>・長さが短くなる</a:t>
             </a:r>
             <a:r>
               <a:rPr kumimoji="1" lang="ja-JP" altLang="en-US" sz="2400" dirty="0" smtClean="0"/>
-              <a:t>長さが短くなるほど待機時間は短くなる</a:t>
+              <a:t>ほど攻撃回数が増える</a:t>
             </a:r>
             <a:endParaRPr kumimoji="1" lang="ja-JP" altLang="en-US" sz="2400" dirty="0"/>
           </a:p>
         </p:txBody>
       </p:sp>
-      <p:pic>
-        <p:nvPicPr>
-          <p:cNvPr id="24" name="図 23"/>
-          <p:cNvPicPr>
-            <a:picLocks noChangeAspect="1"/>
-          </p:cNvPicPr>
-          <p:nvPr/>
-        </p:nvPicPr>
-        <p:blipFill>
-          <a:blip r:embed="rId6" cstate="print">
-            <a:extLst>
-              <a:ext uri="{28A0092B-C50C-407E-A947-70E740481C1C}">
-                <a14:useLocalDpi xmlns:a14="http://schemas.microsoft.com/office/drawing/2010/main" val="0"/>
-              </a:ext>
-            </a:extLst>
-          </a:blip>
-          <a:stretch>
-            <a:fillRect/>
-          </a:stretch>
-        </p:blipFill>
-        <p:spPr>
-          <a:xfrm>
-            <a:off x="2835952" y="2822946"/>
-            <a:ext cx="505036" cy="505036"/>
-          </a:xfrm>
-          <a:prstGeom prst="rect">
-            <a:avLst/>
-          </a:prstGeom>
-        </p:spPr>
-      </p:pic>
       <p:sp>
         <p:nvSpPr>
           <p:cNvPr id="25" name="テキスト ボックス 24"/>
@@ -10109,8 +12538,8 @@
         </p:nvSpPr>
         <p:spPr>
           <a:xfrm>
-            <a:off x="3340988" y="2890798"/>
-            <a:ext cx="1569660" cy="369332"/>
+            <a:off x="3257691" y="2905805"/>
+            <a:ext cx="1800493" cy="369332"/>
           </a:xfrm>
           <a:prstGeom prst="rect">
             <a:avLst/>
@@ -10127,7 +12556,19 @@
               <a:rPr kumimoji="1" lang="ja-JP" altLang="en-US" dirty="0" smtClean="0">
                 <a:latin typeface="+mn-ea"/>
               </a:rPr>
-              <a:t>待機時間長い</a:t>
+              <a:t>攻撃回数</a:t>
+            </a:r>
+            <a:r>
+              <a:rPr kumimoji="1" lang="ja-JP" altLang="en-US" dirty="0">
+                <a:latin typeface="+mn-ea"/>
+              </a:rPr>
+              <a:t>少</a:t>
+            </a:r>
+            <a:r>
+              <a:rPr kumimoji="1" lang="ja-JP" altLang="en-US" dirty="0" smtClean="0">
+                <a:latin typeface="+mn-ea"/>
+              </a:rPr>
+              <a:t>ない</a:t>
             </a:r>
             <a:endParaRPr kumimoji="1" lang="ja-JP" altLang="en-US" dirty="0">
               <a:latin typeface="+mn-ea"/>
@@ -10144,7 +12585,7 @@
         <p:spPr>
           <a:xfrm>
             <a:off x="3190336" y="3389270"/>
-            <a:ext cx="3730179" cy="484632"/>
+            <a:ext cx="1637015" cy="484632"/>
           </a:xfrm>
           <a:prstGeom prst="rightArrow">
             <a:avLst/>
@@ -10175,36 +12616,6 @@
           </a:p>
         </p:txBody>
       </p:sp>
-      <p:pic>
-        <p:nvPicPr>
-          <p:cNvPr id="27" name="図 26"/>
-          <p:cNvPicPr>
-            <a:picLocks noChangeAspect="1"/>
-          </p:cNvPicPr>
-          <p:nvPr/>
-        </p:nvPicPr>
-        <p:blipFill>
-          <a:blip r:embed="rId6" cstate="print">
-            <a:extLst>
-              <a:ext uri="{28A0092B-C50C-407E-A947-70E740481C1C}">
-                <a14:useLocalDpi xmlns:a14="http://schemas.microsoft.com/office/drawing/2010/main" val="0"/>
-              </a:ext>
-            </a:extLst>
-          </a:blip>
-          <a:stretch>
-            <a:fillRect/>
-          </a:stretch>
-        </p:blipFill>
-        <p:spPr>
-          <a:xfrm>
-            <a:off x="2835952" y="4827724"/>
-            <a:ext cx="505036" cy="505036"/>
-          </a:xfrm>
-          <a:prstGeom prst="rect">
-            <a:avLst/>
-          </a:prstGeom>
-        </p:spPr>
-      </p:pic>
       <p:sp>
         <p:nvSpPr>
           <p:cNvPr id="28" name="テキスト ボックス 27"/>
@@ -10231,7 +12642,7 @@
               <a:rPr kumimoji="1" lang="ja-JP" altLang="en-US" dirty="0" smtClean="0">
                 <a:latin typeface="+mn-ea"/>
               </a:rPr>
-              <a:t>待機時間短い</a:t>
+              <a:t>攻撃回数多い</a:t>
             </a:r>
             <a:endParaRPr kumimoji="1" lang="ja-JP" altLang="en-US" dirty="0">
               <a:latin typeface="+mn-ea"/>
@@ -10247,8 +12658,8 @@
         </p:nvSpPr>
         <p:spPr>
           <a:xfrm>
-            <a:off x="3190337" y="5466647"/>
-            <a:ext cx="1566301" cy="484632"/>
+            <a:off x="2830528" y="5511234"/>
+            <a:ext cx="3539997" cy="484632"/>
           </a:xfrm>
           <a:prstGeom prst="rightArrow">
             <a:avLst/>
@@ -10279,9 +12690,39 @@
           </a:p>
         </p:txBody>
       </p:sp>
+      <p:sp>
+        <p:nvSpPr>
+          <p:cNvPr id="42" name="テキスト ボックス 41"/>
+          <p:cNvSpPr txBox="1"/>
+          <p:nvPr/>
+        </p:nvSpPr>
+        <p:spPr>
+          <a:xfrm>
+            <a:off x="6974109" y="4616052"/>
+            <a:ext cx="1338828" cy="246221"/>
+          </a:xfrm>
+          <a:prstGeom prst="rect">
+            <a:avLst/>
+          </a:prstGeom>
+          <a:noFill/>
+        </p:spPr>
+        <p:txBody>
+          <a:bodyPr wrap="none" rtlCol="0">
+            <a:spAutoFit/>
+          </a:bodyPr>
+          <a:lstStyle/>
+          <a:p>
+            <a:r>
+              <a:rPr kumimoji="1" lang="ja-JP" altLang="en-US" sz="1000" dirty="0" smtClean="0"/>
+              <a:t>＼連続攻撃くらえ／</a:t>
+            </a:r>
+            <a:endParaRPr kumimoji="1" lang="ja-JP" altLang="en-US" sz="1000" dirty="0"/>
+          </a:p>
+        </p:txBody>
+      </p:sp>
       <p:pic>
         <p:nvPicPr>
-          <p:cNvPr id="30" name="図 29"/>
+          <p:cNvPr id="45" name="図 44"/>
           <p:cNvPicPr>
             <a:picLocks noChangeAspect="1"/>
           </p:cNvPicPr>
@@ -10300,8 +12741,8 @@
           </a:stretch>
         </p:blipFill>
         <p:spPr>
-          <a:xfrm>
-            <a:off x="9465612" y="2691388"/>
+          <a:xfrm flipH="1">
+            <a:off x="5290447" y="2504015"/>
             <a:ext cx="1475235" cy="1962916"/>
           </a:xfrm>
           <a:prstGeom prst="rect">
@@ -10311,13 +12752,148 @@
       </p:pic>
       <p:grpSp>
         <p:nvGrpSpPr>
-          <p:cNvPr id="31" name="グループ化 30"/>
+          <p:cNvPr id="46" name="グループ化 45"/>
           <p:cNvGrpSpPr/>
           <p:nvPr/>
         </p:nvGrpSpPr>
         <p:grpSpPr>
-          <a:xfrm rot="10800000" flipH="1">
-            <a:off x="10388941" y="3703742"/>
+          <a:xfrm rot="10800000">
+            <a:off x="4662726" y="3528085"/>
+            <a:ext cx="1442568" cy="723353"/>
+            <a:chOff x="813865" y="4007629"/>
+            <a:chExt cx="3224825" cy="1947835"/>
+          </a:xfrm>
+        </p:grpSpPr>
+        <p:pic>
+          <p:nvPicPr>
+            <p:cNvPr id="47" name="図 46"/>
+            <p:cNvPicPr>
+              <a:picLocks noChangeAspect="1"/>
+            </p:cNvPicPr>
+            <p:nvPr/>
+          </p:nvPicPr>
+          <p:blipFill>
+            <a:blip r:embed="rId3" cstate="print">
+              <a:extLst>
+                <a:ext uri="{28A0092B-C50C-407E-A947-70E740481C1C}">
+                  <a14:useLocalDpi xmlns:a14="http://schemas.microsoft.com/office/drawing/2010/main" val="0"/>
+                </a:ext>
+              </a:extLst>
+            </a:blip>
+            <a:stretch>
+              <a:fillRect/>
+            </a:stretch>
+          </p:blipFill>
+          <p:spPr>
+            <a:xfrm rot="2781929">
+              <a:off x="1604337" y="3217157"/>
+              <a:ext cx="1643881" cy="3224825"/>
+            </a:xfrm>
+            <a:prstGeom prst="rect">
+              <a:avLst/>
+            </a:prstGeom>
+          </p:spPr>
+        </p:pic>
+        <p:pic>
+          <p:nvPicPr>
+            <p:cNvPr id="48" name="図 47"/>
+            <p:cNvPicPr>
+              <a:picLocks noChangeAspect="1"/>
+            </p:cNvPicPr>
+            <p:nvPr/>
+          </p:nvPicPr>
+          <p:blipFill>
+            <a:blip r:embed="rId4" cstate="print">
+              <a:extLst>
+                <a:ext uri="{28A0092B-C50C-407E-A947-70E740481C1C}">
+                  <a14:useLocalDpi xmlns:a14="http://schemas.microsoft.com/office/drawing/2010/main" val="0"/>
+                </a:ext>
+              </a:extLst>
+            </a:blip>
+            <a:stretch>
+              <a:fillRect/>
+            </a:stretch>
+          </p:blipFill>
+          <p:spPr>
+            <a:xfrm>
+              <a:off x="1402175" y="4627861"/>
+              <a:ext cx="1327604" cy="1327603"/>
+            </a:xfrm>
+            <a:prstGeom prst="rect">
+              <a:avLst/>
+            </a:prstGeom>
+          </p:spPr>
+        </p:pic>
+      </p:grpSp>
+      <p:pic>
+        <p:nvPicPr>
+          <p:cNvPr id="49" name="図 48"/>
+          <p:cNvPicPr>
+            <a:picLocks noChangeAspect="1"/>
+          </p:cNvPicPr>
+          <p:nvPr/>
+        </p:nvPicPr>
+        <p:blipFill>
+          <a:blip r:embed="rId6" cstate="print">
+            <a:extLst>
+              <a:ext uri="{28A0092B-C50C-407E-A947-70E740481C1C}">
+                <a14:useLocalDpi xmlns:a14="http://schemas.microsoft.com/office/drawing/2010/main" val="0"/>
+              </a:ext>
+            </a:extLst>
+          </a:blip>
+          <a:stretch>
+            <a:fillRect/>
+          </a:stretch>
+        </p:blipFill>
+        <p:spPr>
+          <a:xfrm>
+            <a:off x="7534036" y="2504015"/>
+            <a:ext cx="1475235" cy="1962916"/>
+          </a:xfrm>
+          <a:prstGeom prst="rect">
+            <a:avLst/>
+          </a:prstGeom>
+        </p:spPr>
+      </p:pic>
+      <p:pic>
+        <p:nvPicPr>
+          <p:cNvPr id="51" name="図 50"/>
+          <p:cNvPicPr>
+            <a:picLocks noChangeAspect="1"/>
+          </p:cNvPicPr>
+          <p:nvPr/>
+        </p:nvPicPr>
+        <p:blipFill>
+          <a:blip r:embed="rId2" cstate="print">
+            <a:extLst>
+              <a:ext uri="{28A0092B-C50C-407E-A947-70E740481C1C}">
+                <a14:useLocalDpi xmlns:a14="http://schemas.microsoft.com/office/drawing/2010/main" val="0"/>
+              </a:ext>
+            </a:extLst>
+          </a:blip>
+          <a:stretch>
+            <a:fillRect/>
+          </a:stretch>
+        </p:blipFill>
+        <p:spPr>
+          <a:xfrm flipH="1">
+            <a:off x="6796418" y="4664845"/>
+            <a:ext cx="1475235" cy="1962916"/>
+          </a:xfrm>
+          <a:prstGeom prst="rect">
+            <a:avLst/>
+          </a:prstGeom>
+        </p:spPr>
+      </p:pic>
+      <p:grpSp>
+        <p:nvGrpSpPr>
+          <p:cNvPr id="52" name="グループ化 51"/>
+          <p:cNvGrpSpPr/>
+          <p:nvPr/>
+        </p:nvGrpSpPr>
+        <p:grpSpPr>
+          <a:xfrm rot="10800000">
+            <a:off x="6669071" y="5720208"/>
             <a:ext cx="642312" cy="610476"/>
             <a:chOff x="1578588" y="4171709"/>
             <a:chExt cx="1435871" cy="1643881"/>
@@ -10325,7 +12901,7 @@
         </p:grpSpPr>
         <p:pic>
           <p:nvPicPr>
-            <p:cNvPr id="32" name="図 31"/>
+            <p:cNvPr id="53" name="図 52"/>
             <p:cNvPicPr>
               <a:picLocks noChangeAspect="1"/>
             </p:cNvPicPr>
@@ -10355,7 +12931,7 @@
         </p:pic>
         <p:pic>
           <p:nvPicPr>
-            <p:cNvPr id="33" name="図 32"/>
+            <p:cNvPr id="54" name="図 53"/>
             <p:cNvPicPr>
               <a:picLocks noChangeAspect="1"/>
             </p:cNvPicPr>
@@ -10384,39 +12960,9 @@
           </p:spPr>
         </p:pic>
       </p:grpSp>
-      <p:sp>
-        <p:nvSpPr>
-          <p:cNvPr id="34" name="テキスト ボックス 33"/>
-          <p:cNvSpPr txBox="1"/>
-          <p:nvPr/>
-        </p:nvSpPr>
-        <p:spPr>
-          <a:xfrm>
-            <a:off x="9602706" y="2628166"/>
-            <a:ext cx="1210588" cy="246221"/>
-          </a:xfrm>
-          <a:prstGeom prst="rect">
-            <a:avLst/>
-          </a:prstGeom>
-          <a:noFill/>
-        </p:spPr>
-        <p:txBody>
-          <a:bodyPr wrap="none" rtlCol="0">
-            <a:spAutoFit/>
-          </a:bodyPr>
-          <a:lstStyle/>
-          <a:p>
-            <a:r>
-              <a:rPr kumimoji="1" lang="ja-JP" altLang="en-US" sz="1000" dirty="0" smtClean="0"/>
-              <a:t>＼隙だらけだぞ／</a:t>
-            </a:r>
-            <a:endParaRPr kumimoji="1" lang="ja-JP" altLang="en-US" sz="1000" dirty="0"/>
-          </a:p>
-        </p:txBody>
-      </p:sp>
       <p:pic>
         <p:nvPicPr>
-          <p:cNvPr id="35" name="図 34"/>
+          <p:cNvPr id="55" name="図 54"/>
           <p:cNvPicPr>
             <a:picLocks noChangeAspect="1"/>
           </p:cNvPicPr>
@@ -10435,55 +12981,25 @@
           </a:stretch>
         </p:blipFill>
         <p:spPr>
-          <a:xfrm flipH="1">
-            <a:off x="7669821" y="2603196"/>
-            <a:ext cx="1475235" cy="1962916"/>
+          <a:xfrm>
+            <a:off x="7337815" y="3293177"/>
+            <a:ext cx="392440" cy="392440"/>
           </a:xfrm>
           <a:prstGeom prst="rect">
             <a:avLst/>
           </a:prstGeom>
         </p:spPr>
       </p:pic>
-      <p:sp>
-        <p:nvSpPr>
-          <p:cNvPr id="36" name="テキスト ボックス 35"/>
-          <p:cNvSpPr txBox="1"/>
-          <p:nvPr/>
-        </p:nvSpPr>
-        <p:spPr>
-          <a:xfrm>
-            <a:off x="7866264" y="2628165"/>
-            <a:ext cx="1082348" cy="246221"/>
-          </a:xfrm>
-          <a:prstGeom prst="rect">
-            <a:avLst/>
-          </a:prstGeom>
-          <a:noFill/>
-        </p:spPr>
-        <p:txBody>
-          <a:bodyPr wrap="none" rtlCol="0">
-            <a:spAutoFit/>
-          </a:bodyPr>
-          <a:lstStyle/>
-          <a:p>
-            <a:r>
-              <a:rPr kumimoji="1" lang="ja-JP" altLang="en-US" sz="1000" dirty="0" smtClean="0"/>
-              <a:t>＼やられたー／</a:t>
-            </a:r>
-            <a:endParaRPr kumimoji="1" lang="ja-JP" altLang="en-US" sz="1000" dirty="0"/>
-          </a:p>
-        </p:txBody>
-      </p:sp>
       <p:pic>
         <p:nvPicPr>
-          <p:cNvPr id="37" name="図 36"/>
+          <p:cNvPr id="56" name="図 55"/>
           <p:cNvPicPr>
             <a:picLocks noChangeAspect="1"/>
           </p:cNvPicPr>
           <p:nvPr/>
         </p:nvPicPr>
         <p:blipFill>
-          <a:blip r:embed="rId8" cstate="print">
+          <a:blip r:embed="rId6" cstate="print">
             <a:extLst>
               <a:ext uri="{28A0092B-C50C-407E-A947-70E740481C1C}">
                 <a14:useLocalDpi xmlns:a14="http://schemas.microsoft.com/office/drawing/2010/main" val="0"/>
@@ -10495,8 +13011,8 @@
           </a:stretch>
         </p:blipFill>
         <p:spPr>
-          <a:xfrm flipH="1">
-            <a:off x="5367336" y="4727505"/>
+          <a:xfrm>
+            <a:off x="8994285" y="4616052"/>
             <a:ext cx="1475235" cy="1962916"/>
           </a:xfrm>
           <a:prstGeom prst="rect">
@@ -10506,14 +13022,14 @@
       </p:pic>
       <p:pic>
         <p:nvPicPr>
-          <p:cNvPr id="38" name="図 37"/>
+          <p:cNvPr id="57" name="図 56"/>
           <p:cNvPicPr>
             <a:picLocks noChangeAspect="1"/>
           </p:cNvPicPr>
           <p:nvPr/>
         </p:nvPicPr>
         <p:blipFill>
-          <a:blip r:embed="rId2" cstate="print">
+          <a:blip r:embed="rId7" cstate="print">
             <a:extLst>
               <a:ext uri="{28A0092B-C50C-407E-A947-70E740481C1C}">
                 <a14:useLocalDpi xmlns:a14="http://schemas.microsoft.com/office/drawing/2010/main" val="0"/>
@@ -10526,149 +13042,74 @@
         </p:blipFill>
         <p:spPr>
           <a:xfrm>
-            <a:off x="7561493" y="4731579"/>
-            <a:ext cx="1475235" cy="1962916"/>
+            <a:off x="8951395" y="5300519"/>
+            <a:ext cx="392440" cy="392440"/>
           </a:xfrm>
           <a:prstGeom prst="rect">
             <a:avLst/>
           </a:prstGeom>
         </p:spPr>
       </p:pic>
-      <p:grpSp>
-        <p:nvGrpSpPr>
-          <p:cNvPr id="39" name="グループ化 38"/>
-          <p:cNvGrpSpPr/>
-          <p:nvPr/>
-        </p:nvGrpSpPr>
-        <p:grpSpPr>
-          <a:xfrm rot="10800000" flipH="1">
-            <a:off x="8484822" y="5743933"/>
-            <a:ext cx="642312" cy="610476"/>
-            <a:chOff x="1578588" y="4171709"/>
-            <a:chExt cx="1435871" cy="1643881"/>
-          </a:xfrm>
-        </p:grpSpPr>
-        <p:pic>
-          <p:nvPicPr>
-            <p:cNvPr id="40" name="図 39"/>
-            <p:cNvPicPr>
-              <a:picLocks noChangeAspect="1"/>
-            </p:cNvPicPr>
-            <p:nvPr/>
-          </p:nvPicPr>
-          <p:blipFill>
-            <a:blip r:embed="rId5" cstate="print">
-              <a:extLst>
-                <a:ext uri="{28A0092B-C50C-407E-A947-70E740481C1C}">
-                  <a14:useLocalDpi xmlns:a14="http://schemas.microsoft.com/office/drawing/2010/main" val="0"/>
-                </a:ext>
-              </a:extLst>
-            </a:blip>
-            <a:stretch>
-              <a:fillRect/>
-            </a:stretch>
-          </p:blipFill>
-          <p:spPr>
-            <a:xfrm rot="2781929">
-              <a:off x="1516999" y="4318131"/>
-              <a:ext cx="1643881" cy="1351038"/>
-            </a:xfrm>
-            <a:prstGeom prst="rect">
-              <a:avLst/>
-            </a:prstGeom>
-          </p:spPr>
-        </p:pic>
-        <p:pic>
-          <p:nvPicPr>
-            <p:cNvPr id="41" name="図 40"/>
-            <p:cNvPicPr>
-              <a:picLocks noChangeAspect="1"/>
-            </p:cNvPicPr>
-            <p:nvPr/>
-          </p:nvPicPr>
-          <p:blipFill>
-            <a:blip r:embed="rId4" cstate="print">
-              <a:extLst>
-                <a:ext uri="{28A0092B-C50C-407E-A947-70E740481C1C}">
-                  <a14:useLocalDpi xmlns:a14="http://schemas.microsoft.com/office/drawing/2010/main" val="0"/>
-                </a:ext>
-              </a:extLst>
-            </a:blip>
-            <a:stretch>
-              <a:fillRect/>
-            </a:stretch>
-          </p:blipFill>
-          <p:spPr>
-            <a:xfrm>
-              <a:off x="1578588" y="4454118"/>
-              <a:ext cx="1327603" cy="1327603"/>
-            </a:xfrm>
-            <a:prstGeom prst="rect">
-              <a:avLst/>
-            </a:prstGeom>
-          </p:spPr>
-        </p:pic>
-      </p:grpSp>
-      <p:sp>
-        <p:nvSpPr>
-          <p:cNvPr id="42" name="テキスト ボックス 41"/>
-          <p:cNvSpPr txBox="1"/>
-          <p:nvPr/>
-        </p:nvSpPr>
-        <p:spPr>
-          <a:xfrm>
-            <a:off x="7698587" y="4668357"/>
-            <a:ext cx="954107" cy="246221"/>
-          </a:xfrm>
-          <a:prstGeom prst="rect">
-            <a:avLst/>
-          </a:prstGeom>
-          <a:noFill/>
-        </p:spPr>
-        <p:txBody>
-          <a:bodyPr wrap="none" rtlCol="0">
-            <a:spAutoFit/>
-          </a:bodyPr>
-          <a:lstStyle/>
-          <a:p>
-            <a:r>
-              <a:rPr kumimoji="1" lang="ja-JP" altLang="en-US" sz="1000" dirty="0" smtClean="0"/>
-              <a:t>＼当たらん／</a:t>
-            </a:r>
-            <a:endParaRPr kumimoji="1" lang="ja-JP" altLang="en-US" sz="1000" dirty="0"/>
-          </a:p>
-        </p:txBody>
-      </p:sp>
-      <p:sp>
-        <p:nvSpPr>
-          <p:cNvPr id="43" name="テキスト ボックス 42"/>
-          <p:cNvSpPr txBox="1"/>
-          <p:nvPr/>
-        </p:nvSpPr>
-        <p:spPr>
-          <a:xfrm>
-            <a:off x="5756139" y="4616052"/>
-            <a:ext cx="697627" cy="246221"/>
-          </a:xfrm>
-          <a:prstGeom prst="rect">
-            <a:avLst/>
-          </a:prstGeom>
-          <a:noFill/>
-        </p:spPr>
-        <p:txBody>
-          <a:bodyPr wrap="none" rtlCol="0">
-            <a:spAutoFit/>
-          </a:bodyPr>
-          <a:lstStyle/>
-          <a:p>
-            <a:r>
-              <a:rPr kumimoji="1" lang="ja-JP" altLang="en-US" sz="1000" dirty="0" smtClean="0"/>
-              <a:t>＼回避／</a:t>
-            </a:r>
-            <a:endParaRPr kumimoji="1" lang="ja-JP" altLang="en-US" sz="1000" dirty="0"/>
-          </a:p>
-        </p:txBody>
-      </p:sp>
+      <p:pic>
+        <p:nvPicPr>
+          <p:cNvPr id="58" name="図 57"/>
+          <p:cNvPicPr>
+            <a:picLocks noChangeAspect="1"/>
+          </p:cNvPicPr>
+          <p:nvPr/>
+        </p:nvPicPr>
+        <p:blipFill>
+          <a:blip r:embed="rId7" cstate="print">
+            <a:extLst>
+              <a:ext uri="{28A0092B-C50C-407E-A947-70E740481C1C}">
+                <a14:useLocalDpi xmlns:a14="http://schemas.microsoft.com/office/drawing/2010/main" val="0"/>
+              </a:ext>
+            </a:extLst>
+          </a:blip>
+          <a:stretch>
+            <a:fillRect/>
+          </a:stretch>
+        </p:blipFill>
+        <p:spPr>
+          <a:xfrm>
+            <a:off x="8622762" y="5563034"/>
+            <a:ext cx="392440" cy="392440"/>
+          </a:xfrm>
+          <a:prstGeom prst="rect">
+            <a:avLst/>
+          </a:prstGeom>
+        </p:spPr>
+      </p:pic>
+      <p:pic>
+        <p:nvPicPr>
+          <p:cNvPr id="59" name="図 58"/>
+          <p:cNvPicPr>
+            <a:picLocks noChangeAspect="1"/>
+          </p:cNvPicPr>
+          <p:nvPr/>
+        </p:nvPicPr>
+        <p:blipFill>
+          <a:blip r:embed="rId7" cstate="print">
+            <a:extLst>
+              <a:ext uri="{28A0092B-C50C-407E-A947-70E740481C1C}">
+                <a14:useLocalDpi xmlns:a14="http://schemas.microsoft.com/office/drawing/2010/main" val="0"/>
+              </a:ext>
+            </a:extLst>
+          </a:blip>
+          <a:stretch>
+            <a:fillRect/>
+          </a:stretch>
+        </p:blipFill>
+        <p:spPr>
+          <a:xfrm rot="598581">
+            <a:off x="8951394" y="5877251"/>
+            <a:ext cx="392440" cy="392440"/>
+          </a:xfrm>
+          <a:prstGeom prst="rect">
+            <a:avLst/>
+          </a:prstGeom>
+        </p:spPr>
+      </p:pic>
     </p:spTree>
     <p:extLst>
       <p:ext uri="{BB962C8B-B14F-4D97-AF65-F5344CB8AC3E}">
@@ -10838,11 +13279,7 @@
           <a:p>
             <a:r>
               <a:rPr kumimoji="1" lang="ja-JP" altLang="en-US" sz="2400" dirty="0" smtClean="0"/>
-              <a:t>・攻撃力は剣が当たった時に与える</a:t>
-            </a:r>
-            <a:r>
-              <a:rPr kumimoji="1" lang="ja-JP" altLang="en-US" sz="2400" dirty="0" smtClean="0"/>
-              <a:t>ダメージ</a:t>
+              <a:t>・攻撃力は剣が当たった時に与えるダメージ</a:t>
             </a:r>
             <a:endParaRPr kumimoji="1" lang="en-US" altLang="ja-JP" sz="2400" dirty="0" smtClean="0"/>
           </a:p>
@@ -11438,15 +13875,7 @@
           <a:p>
             <a:r>
               <a:rPr kumimoji="1" lang="ja-JP" altLang="en-US" sz="2400" dirty="0" smtClean="0"/>
-              <a:t>・攻撃</a:t>
-            </a:r>
-            <a:r>
-              <a:rPr kumimoji="1" lang="ja-JP" altLang="en-US" sz="2400" dirty="0" smtClean="0"/>
-              <a:t>速度</a:t>
-            </a:r>
-            <a:r>
-              <a:rPr kumimoji="1" lang="ja-JP" altLang="en-US" sz="2400" dirty="0" smtClean="0"/>
-              <a:t>は</a:t>
+              <a:t>・攻撃速度は</a:t>
             </a:r>
             <a:r>
               <a:rPr kumimoji="1" lang="ja-JP" altLang="en-US" sz="2400" dirty="0"/>
@@ -11587,11 +14016,7 @@
           <a:p>
             <a:r>
               <a:rPr kumimoji="1" lang="ja-JP" altLang="en-US" sz="1000" dirty="0" smtClean="0"/>
-              <a:t>＼</a:t>
-            </a:r>
-            <a:r>
-              <a:rPr kumimoji="1" lang="ja-JP" altLang="en-US" sz="1000" dirty="0" smtClean="0"/>
-              <a:t>どっこい</a:t>
+              <a:t>＼どっこい</a:t>
             </a:r>
             <a:r>
               <a:rPr kumimoji="1" lang="en-US" altLang="ja-JP" sz="1000" dirty="0" smtClean="0"/>
